--- a/assets/ppt/lex/lex4-regexps-as-automata.pptx
+++ b/assets/ppt/lex/lex4-regexps-as-automata.pptx
@@ -20235,7 +20235,7 @@
               <a:buChar char="•"/>
             </a:pPr>
             <a:r>
-              <a:rPr lang="en-US" sz="3200" b="0" i="0" u="none" strike="noStrike" cap="none">
+              <a:rPr lang="en-US" sz="3200" b="0" i="0" u="none" strike="noStrike" cap="none" dirty="0">
                 <a:solidFill>
                   <a:schemeClr val="dk1"/>
                 </a:solidFill>
@@ -20262,7 +20262,7 @@
               <a:buFont typeface="Calibri"/>
               <a:buNone/>
             </a:pPr>
-            <a:endParaRPr sz="3200" b="0" i="0" u="none" strike="noStrike" cap="none">
+            <a:endParaRPr sz="3200" b="0" i="0" u="none" strike="noStrike" cap="none" dirty="0">
               <a:solidFill>
                 <a:schemeClr val="dk1"/>
               </a:solidFill>
@@ -20287,7 +20287,7 @@
               <a:buFont typeface="Calibri"/>
               <a:buNone/>
             </a:pPr>
-            <a:endParaRPr sz="3200" b="0" i="0" u="none" strike="noStrike" cap="none">
+            <a:endParaRPr sz="3200" b="0" i="0" u="none" strike="noStrike" cap="none" dirty="0">
               <a:solidFill>
                 <a:schemeClr val="dk1"/>
               </a:solidFill>
@@ -20313,7 +20313,7 @@
               <a:buChar char="•"/>
             </a:pPr>
             <a:r>
-              <a:rPr lang="en-US" sz="3200" b="0" i="0" u="none" strike="noStrike" cap="none">
+              <a:rPr lang="en-US" sz="3200" b="0" i="0" u="none" strike="noStrike" cap="none" dirty="0">
                 <a:solidFill>
                   <a:schemeClr val="dk1"/>
                 </a:solidFill>
@@ -20322,7 +20322,31 @@
                 <a:cs typeface="Calibri"/>
                 <a:sym typeface="Calibri"/>
               </a:rPr>
-              <a:t>Can have ε-moves</a:t>
+              <a:t>Can have </a:t>
+            </a:r>
+            <a:r>
+              <a:rPr lang="en-US" sz="3200" b="0" i="0" u="none" strike="noStrike" cap="none" dirty="0" err="1">
+                <a:solidFill>
+                  <a:schemeClr val="dk1"/>
+                </a:solidFill>
+                <a:latin typeface="Calibri"/>
+                <a:ea typeface="Calibri"/>
+                <a:cs typeface="Calibri"/>
+                <a:sym typeface="Calibri"/>
+              </a:rPr>
+              <a:t>ε</a:t>
+            </a:r>
+            <a:r>
+              <a:rPr lang="en-US" sz="3200" b="0" i="0" u="none" strike="noStrike" cap="none" dirty="0">
+                <a:solidFill>
+                  <a:schemeClr val="dk1"/>
+                </a:solidFill>
+                <a:latin typeface="Calibri"/>
+                <a:ea typeface="Calibri"/>
+                <a:cs typeface="Calibri"/>
+                <a:sym typeface="Calibri"/>
+              </a:rPr>
+              <a:t>-moves</a:t>
             </a:r>
           </a:p>
         </p:txBody>
@@ -20479,7 +20503,7 @@
             <a:solidFill>
               <a:srgbClr val="FF9900"/>
             </a:solidFill>
-            <a:ln w="28575" cap="flat" cmpd="sng">
+            <a:ln w="12700" cap="flat" cmpd="sng">
               <a:solidFill>
                 <a:schemeClr val="dk1"/>
               </a:solidFill>
@@ -20506,7 +20530,7 @@
                 <a:buNone/>
               </a:pPr>
               <a:r>
-                <a:rPr lang="en-US" sz="2400">
+                <a:rPr lang="en-US" sz="2400" dirty="0">
                   <a:solidFill>
                     <a:schemeClr val="dk1"/>
                   </a:solidFill>
@@ -20537,7 +20561,7 @@
             <a:solidFill>
               <a:srgbClr val="FF9900"/>
             </a:solidFill>
-            <a:ln w="28575" cap="flat" cmpd="sng">
+            <a:ln w="12700" cap="flat" cmpd="sng">
               <a:solidFill>
                 <a:schemeClr val="dk1"/>
               </a:solidFill>
@@ -20845,7 +20869,7 @@
             <a:solidFill>
               <a:srgbClr val="FF9900"/>
             </a:solidFill>
-            <a:ln w="28575" cap="flat" cmpd="sng">
+            <a:ln w="12700" cap="flat" cmpd="sng">
               <a:solidFill>
                 <a:schemeClr val="dk1"/>
               </a:solidFill>
@@ -20899,7 +20923,7 @@
             <a:solidFill>
               <a:srgbClr val="FF9900"/>
             </a:solidFill>
-            <a:ln w="28575" cap="flat" cmpd="sng">
+            <a:ln w="12700" cap="flat" cmpd="sng">
               <a:solidFill>
                 <a:schemeClr val="dk1"/>
               </a:solidFill>
@@ -21130,7 +21154,7 @@
             <a:solidFill>
               <a:srgbClr val="FF9900"/>
             </a:solidFill>
-            <a:ln w="28575" cap="flat" cmpd="sng">
+            <a:ln w="12700" cap="flat" cmpd="sng">
               <a:solidFill>
                 <a:schemeClr val="dk1"/>
               </a:solidFill>
@@ -21188,7 +21212,7 @@
             <a:solidFill>
               <a:srgbClr val="FF9900"/>
             </a:solidFill>
-            <a:ln w="28575" cap="flat" cmpd="sng">
+            <a:ln w="12700" cap="flat" cmpd="sng">
               <a:solidFill>
                 <a:schemeClr val="dk1"/>
               </a:solidFill>
@@ -21778,7 +21802,7 @@
             <a:solidFill>
               <a:srgbClr val="FF9900"/>
             </a:solidFill>
-            <a:ln w="28575" cap="flat" cmpd="sng">
+            <a:ln w="12700" cap="flat" cmpd="sng">
               <a:solidFill>
                 <a:schemeClr val="dk1"/>
               </a:solidFill>
@@ -21805,7 +21829,7 @@
                 <a:buNone/>
               </a:pPr>
               <a:r>
-                <a:rPr lang="en-US" sz="2400">
+                <a:rPr lang="en-US" sz="2400" dirty="0">
                   <a:solidFill>
                     <a:schemeClr val="dk1"/>
                   </a:solidFill>
@@ -21925,7 +21949,7 @@
             <a:solidFill>
               <a:srgbClr val="FF9900"/>
             </a:solidFill>
-            <a:ln w="28575" cap="flat" cmpd="sng">
+            <a:ln w="12700" cap="flat" cmpd="sng">
               <a:solidFill>
                 <a:schemeClr val="dk1"/>
               </a:solidFill>
@@ -22072,7 +22096,7 @@
             <a:solidFill>
               <a:srgbClr val="FF9900"/>
             </a:solidFill>
-            <a:ln w="28575" cap="flat" cmpd="sng">
+            <a:ln w="12700" cap="flat" cmpd="sng">
               <a:solidFill>
                 <a:schemeClr val="dk1"/>
               </a:solidFill>
@@ -22288,7 +22312,7 @@
             <a:solidFill>
               <a:srgbClr val="FF9900"/>
             </a:solidFill>
-            <a:ln w="28575" cap="flat" cmpd="sng">
+            <a:ln w="12700" cap="flat" cmpd="sng">
               <a:solidFill>
                 <a:schemeClr val="dk1"/>
               </a:solidFill>
@@ -22342,7 +22366,7 @@
             <a:solidFill>
               <a:srgbClr val="FF9900"/>
             </a:solidFill>
-            <a:ln w="28575" cap="flat" cmpd="sng">
+            <a:ln w="12700" cap="flat" cmpd="sng">
               <a:solidFill>
                 <a:schemeClr val="dk1"/>
               </a:solidFill>
@@ -22399,7 +22423,7 @@
             <a:solidFill>
               <a:schemeClr val="accent1"/>
             </a:solidFill>
-            <a:ln w="28575" cap="flat" cmpd="sng">
+            <a:ln w="12700" cap="flat" cmpd="sng">
               <a:solidFill>
                 <a:schemeClr val="dk1"/>
               </a:solidFill>
@@ -22430,7 +22454,7 @@
             <a:solidFill>
               <a:schemeClr val="accent1"/>
             </a:solidFill>
-            <a:ln w="28575" cap="flat" cmpd="sng">
+            <a:ln w="12700" cap="flat" cmpd="sng">
               <a:solidFill>
                 <a:schemeClr val="dk1"/>
               </a:solidFill>
@@ -22456,7 +22480,7 @@
               <a:avLst/>
             </a:prstGeom>
             <a:noFill/>
-            <a:ln w="28575" cap="flat" cmpd="sng">
+            <a:ln w="12700" cap="flat" cmpd="sng">
               <a:solidFill>
                 <a:srgbClr val="000000">
                   <a:alpha val="0"/>
@@ -22516,7 +22540,7 @@
             <a:solidFill>
               <a:srgbClr val="FF9900"/>
             </a:solidFill>
-            <a:ln w="28575" cap="flat" cmpd="sng">
+            <a:ln w="12700" cap="flat" cmpd="sng">
               <a:solidFill>
                 <a:schemeClr val="dk1"/>
               </a:solidFill>
@@ -22570,7 +22594,7 @@
             <a:solidFill>
               <a:srgbClr val="FF9900"/>
             </a:solidFill>
-            <a:ln w="28575" cap="flat" cmpd="sng">
+            <a:ln w="12700" cap="flat" cmpd="sng">
               <a:solidFill>
                 <a:schemeClr val="dk1"/>
               </a:solidFill>
@@ -22627,7 +22651,7 @@
             <a:solidFill>
               <a:schemeClr val="accent1"/>
             </a:solidFill>
-            <a:ln w="28575" cap="flat" cmpd="sng">
+            <a:ln w="12700" cap="flat" cmpd="sng">
               <a:solidFill>
                 <a:schemeClr val="dk1"/>
               </a:solidFill>
@@ -22658,7 +22682,7 @@
             <a:solidFill>
               <a:schemeClr val="accent1"/>
             </a:solidFill>
-            <a:ln w="28575" cap="flat" cmpd="sng">
+            <a:ln w="12700" cap="flat" cmpd="sng">
               <a:solidFill>
                 <a:schemeClr val="dk1"/>
               </a:solidFill>
@@ -22684,7 +22708,7 @@
               <a:avLst/>
             </a:prstGeom>
             <a:noFill/>
-            <a:ln w="28575" cap="flat" cmpd="sng">
+            <a:ln w="12700" cap="flat" cmpd="sng">
               <a:solidFill>
                 <a:srgbClr val="000000">
                   <a:alpha val="0"/>
@@ -22744,7 +22768,7 @@
             <a:solidFill>
               <a:srgbClr val="FF9900"/>
             </a:solidFill>
-            <a:ln w="28575" cap="flat" cmpd="sng">
+            <a:ln w="12700" cap="flat" cmpd="sng">
               <a:solidFill>
                 <a:schemeClr val="dk1"/>
               </a:solidFill>
@@ -22801,7 +22825,7 @@
             <a:solidFill>
               <a:schemeClr val="accent1"/>
             </a:solidFill>
-            <a:ln w="28575" cap="flat" cmpd="sng">
+            <a:ln w="12700" cap="flat" cmpd="sng">
               <a:solidFill>
                 <a:schemeClr val="dk1"/>
               </a:solidFill>
@@ -22827,7 +22851,7 @@
               <a:avLst/>
             </a:prstGeom>
             <a:noFill/>
-            <a:ln w="28575" cap="flat" cmpd="sng">
+            <a:ln w="12700" cap="flat" cmpd="sng">
               <a:solidFill>
                 <a:srgbClr val="000000">
                   <a:alpha val="0"/>
@@ -22889,7 +22913,7 @@
             <a:solidFill>
               <a:schemeClr val="accent1"/>
             </a:solidFill>
-            <a:ln w="28575" cap="flat" cmpd="sng">
+            <a:ln w="12700" cap="flat" cmpd="sng">
               <a:solidFill>
                 <a:schemeClr val="dk1"/>
               </a:solidFill>
@@ -22917,7 +22941,7 @@
             <a:solidFill>
               <a:srgbClr val="FF9900"/>
             </a:solidFill>
-            <a:ln w="28575" cap="flat" cmpd="sng">
+            <a:ln w="12700" cap="flat" cmpd="sng">
               <a:solidFill>
                 <a:schemeClr val="dk1"/>
               </a:solidFill>
@@ -22974,7 +22998,7 @@
             <a:solidFill>
               <a:schemeClr val="accent1"/>
             </a:solidFill>
-            <a:ln w="28575" cap="flat" cmpd="sng">
+            <a:ln w="12700" cap="flat" cmpd="sng">
               <a:solidFill>
                 <a:schemeClr val="dk1"/>
               </a:solidFill>
@@ -23005,7 +23029,7 @@
             <a:solidFill>
               <a:schemeClr val="accent1"/>
             </a:solidFill>
-            <a:ln w="28575" cap="flat" cmpd="sng">
+            <a:ln w="12700" cap="flat" cmpd="sng">
               <a:solidFill>
                 <a:schemeClr val="dk1"/>
               </a:solidFill>
@@ -23035,7 +23059,7 @@
             <a:solidFill>
               <a:schemeClr val="accent1"/>
             </a:solidFill>
-            <a:ln w="28575" cap="flat" cmpd="sng">
+            <a:ln w="12700" cap="flat" cmpd="sng">
               <a:solidFill>
                 <a:schemeClr val="dk1"/>
               </a:solidFill>
@@ -23065,7 +23089,7 @@
             <a:solidFill>
               <a:schemeClr val="accent1"/>
             </a:solidFill>
-            <a:ln w="28575" cap="flat" cmpd="sng">
+            <a:ln w="12700" cap="flat" cmpd="sng">
               <a:solidFill>
                 <a:schemeClr val="dk1"/>
               </a:solidFill>
@@ -23095,7 +23119,7 @@
             <a:solidFill>
               <a:schemeClr val="accent1"/>
             </a:solidFill>
-            <a:ln w="28575" cap="flat" cmpd="sng">
+            <a:ln w="12700" cap="flat" cmpd="sng">
               <a:solidFill>
                 <a:schemeClr val="dk1"/>
               </a:solidFill>
@@ -23126,7 +23150,7 @@
             <a:solidFill>
               <a:schemeClr val="accent1"/>
             </a:solidFill>
-            <a:ln w="28575" cap="flat" cmpd="sng">
+            <a:ln w="12700" cap="flat" cmpd="sng">
               <a:solidFill>
                 <a:schemeClr val="dk1"/>
               </a:solidFill>
@@ -23154,7 +23178,7 @@
             <a:solidFill>
               <a:srgbClr val="FF9900"/>
             </a:solidFill>
-            <a:ln w="28575" cap="flat" cmpd="dbl">
+            <a:ln w="12700" cap="flat" cmpd="dbl">
               <a:solidFill>
                 <a:schemeClr val="dk1"/>
               </a:solidFill>
@@ -23210,7 +23234,7 @@
             <a:solidFill>
               <a:schemeClr val="accent1"/>
             </a:solidFill>
-            <a:ln w="28575" cap="flat" cmpd="sng">
+            <a:ln w="12700" cap="flat" cmpd="sng">
               <a:solidFill>
                 <a:schemeClr val="dk1"/>
               </a:solidFill>
@@ -23238,7 +23262,7 @@
             <a:solidFill>
               <a:srgbClr val="FF9900"/>
             </a:solidFill>
-            <a:ln w="28575" cap="flat" cmpd="sng">
+            <a:ln w="12700" cap="flat" cmpd="sng">
               <a:solidFill>
                 <a:schemeClr val="dk1"/>
               </a:solidFill>
@@ -23292,7 +23316,7 @@
             <a:solidFill>
               <a:srgbClr val="FF9900"/>
             </a:solidFill>
-            <a:ln w="28575" cap="flat" cmpd="sng">
+            <a:ln w="12700" cap="flat" cmpd="sng">
               <a:solidFill>
                 <a:schemeClr val="dk1"/>
               </a:solidFill>
@@ -23349,7 +23373,7 @@
             <a:solidFill>
               <a:schemeClr val="accent1"/>
             </a:solidFill>
-            <a:ln w="28575" cap="flat" cmpd="sng">
+            <a:ln w="12700" cap="flat" cmpd="sng">
               <a:solidFill>
                 <a:schemeClr val="dk1"/>
               </a:solidFill>
@@ -23650,7 +23674,7 @@
             <a:solidFill>
               <a:srgbClr val="FF9900"/>
             </a:solidFill>
-            <a:ln w="28575" cap="flat" cmpd="sng">
+            <a:ln w="12700" cap="flat" cmpd="sng">
               <a:solidFill>
                 <a:schemeClr val="dk1"/>
               </a:solidFill>
@@ -32004,7 +32028,7 @@
           <a:solidFill>
             <a:srgbClr val="FF9900"/>
           </a:solidFill>
-          <a:ln w="9525" cap="flat" cmpd="sng">
+          <a:ln w="28575" cap="flat" cmpd="sng">
             <a:solidFill>
               <a:schemeClr val="dk1"/>
             </a:solidFill>
@@ -32973,7 +32997,7 @@
               <a:buChar char="•"/>
             </a:pPr>
             <a:r>
-              <a:rPr lang="en-US" sz="3200" b="0" i="0" u="none" strike="noStrike" cap="none">
+              <a:rPr lang="en-US" sz="3200" b="0" i="0" u="none" strike="noStrike" cap="none" dirty="0">
                 <a:solidFill>
                   <a:schemeClr val="dk1"/>
                 </a:solidFill>
@@ -33000,7 +33024,7 @@
               <a:buFont typeface="Calibri"/>
               <a:buNone/>
             </a:pPr>
-            <a:endParaRPr sz="3200" b="0" i="0" u="none" strike="noStrike" cap="none">
+            <a:endParaRPr sz="3200" b="0" i="0" u="none" strike="noStrike" cap="none" dirty="0">
               <a:solidFill>
                 <a:schemeClr val="dk1"/>
               </a:solidFill>
@@ -33025,7 +33049,7 @@
               <a:buFont typeface="Calibri"/>
               <a:buNone/>
             </a:pPr>
-            <a:endParaRPr sz="3200" b="0" i="0" u="none" strike="noStrike" cap="none">
+            <a:endParaRPr sz="3200" b="0" i="0" u="none" strike="noStrike" cap="none" dirty="0">
               <a:solidFill>
                 <a:schemeClr val="dk1"/>
               </a:solidFill>
@@ -33050,7 +33074,7 @@
               <a:buFont typeface="Calibri"/>
               <a:buNone/>
             </a:pPr>
-            <a:endParaRPr sz="3200" b="0" i="0" u="none" strike="noStrike" cap="none">
+            <a:endParaRPr sz="3200" b="0" i="0" u="none" strike="noStrike" cap="none" dirty="0">
               <a:solidFill>
                 <a:schemeClr val="dk1"/>
               </a:solidFill>
@@ -33076,7 +33100,7 @@
               <a:buChar char="•"/>
             </a:pPr>
             <a:r>
-              <a:rPr lang="en-US" sz="3200" b="0" i="0" u="none" strike="noStrike" cap="none">
+              <a:rPr lang="en-US" sz="3200" b="0" i="0" u="none" strike="noStrike" cap="none" dirty="0">
                 <a:solidFill>
                   <a:schemeClr val="dk1"/>
                 </a:solidFill>
@@ -33085,7 +33109,31 @@
                 <a:cs typeface="Calibri"/>
                 <a:sym typeface="Calibri"/>
               </a:rPr>
-              <a:t>No ε-moves</a:t>
+              <a:t>No </a:t>
+            </a:r>
+            <a:r>
+              <a:rPr lang="en-US" sz="3200" b="0" i="0" u="none" strike="noStrike" cap="none" dirty="0" err="1">
+                <a:solidFill>
+                  <a:schemeClr val="dk1"/>
+                </a:solidFill>
+                <a:latin typeface="Calibri"/>
+                <a:ea typeface="Calibri"/>
+                <a:cs typeface="Calibri"/>
+                <a:sym typeface="Calibri"/>
+              </a:rPr>
+              <a:t>ε</a:t>
+            </a:r>
+            <a:r>
+              <a:rPr lang="en-US" sz="3200" b="0" i="0" u="none" strike="noStrike" cap="none" dirty="0">
+                <a:solidFill>
+                  <a:schemeClr val="dk1"/>
+                </a:solidFill>
+                <a:latin typeface="Calibri"/>
+                <a:ea typeface="Calibri"/>
+                <a:cs typeface="Calibri"/>
+                <a:sym typeface="Calibri"/>
+              </a:rPr>
+              <a:t>-moves</a:t>
             </a:r>
           </a:p>
           <a:p>
@@ -33103,7 +33151,7 @@
               <a:buFont typeface="Calibri"/>
               <a:buNone/>
             </a:pPr>
-            <a:endParaRPr sz="3200" b="0" i="0" u="none" strike="noStrike" cap="none">
+            <a:endParaRPr sz="3200" b="0" i="0" u="none" strike="noStrike" cap="none" dirty="0">
               <a:solidFill>
                 <a:schemeClr val="dk1"/>
               </a:solidFill>
@@ -33267,9 +33315,9 @@
             <a:solidFill>
               <a:srgbClr val="FF9900"/>
             </a:solidFill>
-            <a:ln w="28575" cap="flat" cmpd="sng">
+            <a:ln w="12700" cap="flat" cmpd="sng">
               <a:solidFill>
-                <a:schemeClr val="dk1"/>
+                <a:schemeClr val="tx1"/>
               </a:solidFill>
               <a:prstDash val="solid"/>
               <a:round/>
@@ -33325,7 +33373,7 @@
             <a:solidFill>
               <a:srgbClr val="FF9900"/>
             </a:solidFill>
-            <a:ln w="28575" cap="flat" cmpd="sng">
+            <a:ln w="12700" cap="flat" cmpd="sng">
               <a:solidFill>
                 <a:schemeClr val="dk1"/>
               </a:solidFill>

--- a/assets/ppt/lex/lex4-regexps-as-automata.pptx
+++ b/assets/ppt/lex/lex4-regexps-as-automata.pptx
@@ -6,7 +6,7 @@
     <p:sldMasterId id="2147483673" r:id="rId2"/>
   </p:sldMasterIdLst>
   <p:notesMasterIdLst>
-    <p:notesMasterId r:id="rId16"/>
+    <p:notesMasterId r:id="rId18"/>
   </p:notesMasterIdLst>
   <p:sldIdLst>
     <p:sldId id="256" r:id="rId3"/>
@@ -21,7 +21,9 @@
     <p:sldId id="265" r:id="rId12"/>
     <p:sldId id="266" r:id="rId13"/>
     <p:sldId id="267" r:id="rId14"/>
-    <p:sldId id="268" r:id="rId15"/>
+    <p:sldId id="269" r:id="rId15"/>
+    <p:sldId id="270" r:id="rId16"/>
+    <p:sldId id="268" r:id="rId17"/>
   </p:sldIdLst>
   <p:sldSz cx="9144000" cy="6858000" type="screen4x3"/>
   <p:notesSz cx="6858000" cy="9144000"/>
@@ -227,6 +229,11 @@
       </a:defRPr>
     </a:lvl9pPr>
   </p:defaultTextStyle>
+  <p:extLst>
+    <p:ext uri="{EFAFB233-063F-42B5-8137-9DF3F51BA10A}">
+      <p15:sldGuideLst xmlns:p15="http://schemas.microsoft.com/office/powerpoint/2012/main"/>
+    </p:ext>
+  </p:extLst>
 </p:presentation>
 </file>
 
@@ -1600,6 +1607,218 @@
 </file>
 
 <file path=ppt/notesSlides/notesSlide13.xml><?xml version="1.0" encoding="utf-8"?>
+<p:notes xmlns:a="http://schemas.openxmlformats.org/drawingml/2006/main" xmlns:r="http://schemas.openxmlformats.org/officeDocument/2006/relationships" xmlns:p="http://schemas.openxmlformats.org/presentationml/2006/main" showMasterSp="0" showMasterPhAnim="0">
+  <p:cSld>
+    <p:spTree>
+      <p:nvGrpSpPr>
+        <p:cNvPr id="1" name="Shape 423"/>
+        <p:cNvGrpSpPr/>
+        <p:nvPr/>
+      </p:nvGrpSpPr>
+      <p:grpSpPr>
+        <a:xfrm>
+          <a:off x="0" y="0"/>
+          <a:ext cx="0" cy="0"/>
+          <a:chOff x="0" y="0"/>
+          <a:chExt cx="0" cy="0"/>
+        </a:xfrm>
+      </p:grpSpPr>
+      <p:sp>
+        <p:nvSpPr>
+          <p:cNvPr id="424" name="Shape 424"/>
+          <p:cNvSpPr txBox="1">
+            <a:spLocks noGrp="1"/>
+          </p:cNvSpPr>
+          <p:nvPr>
+            <p:ph type="body" idx="1"/>
+          </p:nvPr>
+        </p:nvSpPr>
+        <p:spPr>
+          <a:xfrm>
+            <a:off x="914400" y="4343400"/>
+            <a:ext cx="5029199" cy="4114800"/>
+          </a:xfrm>
+          <a:prstGeom prst="rect">
+            <a:avLst/>
+          </a:prstGeom>
+        </p:spPr>
+        <p:txBody>
+          <a:bodyPr lIns="91425" tIns="91425" rIns="91425" bIns="91425" anchor="t" anchorCtr="0">
+            <a:noAutofit/>
+          </a:bodyPr>
+          <a:lstStyle/>
+          <a:p>
+            <a:pPr lvl="0">
+              <a:spcBef>
+                <a:spcPts val="0"/>
+              </a:spcBef>
+              <a:buNone/>
+            </a:pPr>
+            <a:endParaRPr/>
+          </a:p>
+        </p:txBody>
+      </p:sp>
+      <p:sp>
+        <p:nvSpPr>
+          <p:cNvPr id="425" name="Shape 425"/>
+          <p:cNvSpPr>
+            <a:spLocks noGrp="1" noRot="1" noChangeAspect="1"/>
+          </p:cNvSpPr>
+          <p:nvPr>
+            <p:ph type="sldImg" idx="2"/>
+          </p:nvPr>
+        </p:nvSpPr>
+        <p:spPr>
+          <a:xfrm>
+            <a:off x="1143000" y="685800"/>
+            <a:ext cx="4572000" cy="3429000"/>
+          </a:xfrm>
+          <a:custGeom>
+            <a:avLst/>
+            <a:gdLst/>
+            <a:ahLst/>
+            <a:cxnLst/>
+            <a:rect l="0" t="0" r="0" b="0"/>
+            <a:pathLst>
+              <a:path w="120000" h="120000" extrusionOk="0">
+                <a:moveTo>
+                  <a:pt x="0" y="0"/>
+                </a:moveTo>
+                <a:lnTo>
+                  <a:pt x="120000" y="0"/>
+                </a:lnTo>
+                <a:lnTo>
+                  <a:pt x="120000" y="120000"/>
+                </a:lnTo>
+                <a:lnTo>
+                  <a:pt x="0" y="120000"/>
+                </a:lnTo>
+                <a:close/>
+              </a:path>
+            </a:pathLst>
+          </a:custGeom>
+        </p:spPr>
+      </p:sp>
+    </p:spTree>
+    <p:extLst>
+      <p:ext uri="{BB962C8B-B14F-4D97-AF65-F5344CB8AC3E}">
+        <p14:creationId xmlns:p14="http://schemas.microsoft.com/office/powerpoint/2010/main" val="1503082015"/>
+      </p:ext>
+    </p:extLst>
+  </p:cSld>
+  <p:clrMapOvr>
+    <a:masterClrMapping/>
+  </p:clrMapOvr>
+</p:notes>
+</file>
+
+<file path=ppt/notesSlides/notesSlide14.xml><?xml version="1.0" encoding="utf-8"?>
+<p:notes xmlns:a="http://schemas.openxmlformats.org/drawingml/2006/main" xmlns:r="http://schemas.openxmlformats.org/officeDocument/2006/relationships" xmlns:p="http://schemas.openxmlformats.org/presentationml/2006/main" showMasterSp="0" showMasterPhAnim="0">
+  <p:cSld>
+    <p:spTree>
+      <p:nvGrpSpPr>
+        <p:cNvPr id="1" name="Shape 423"/>
+        <p:cNvGrpSpPr/>
+        <p:nvPr/>
+      </p:nvGrpSpPr>
+      <p:grpSpPr>
+        <a:xfrm>
+          <a:off x="0" y="0"/>
+          <a:ext cx="0" cy="0"/>
+          <a:chOff x="0" y="0"/>
+          <a:chExt cx="0" cy="0"/>
+        </a:xfrm>
+      </p:grpSpPr>
+      <p:sp>
+        <p:nvSpPr>
+          <p:cNvPr id="424" name="Shape 424"/>
+          <p:cNvSpPr txBox="1">
+            <a:spLocks noGrp="1"/>
+          </p:cNvSpPr>
+          <p:nvPr>
+            <p:ph type="body" idx="1"/>
+          </p:nvPr>
+        </p:nvSpPr>
+        <p:spPr>
+          <a:xfrm>
+            <a:off x="914400" y="4343400"/>
+            <a:ext cx="5029199" cy="4114800"/>
+          </a:xfrm>
+          <a:prstGeom prst="rect">
+            <a:avLst/>
+          </a:prstGeom>
+        </p:spPr>
+        <p:txBody>
+          <a:bodyPr lIns="91425" tIns="91425" rIns="91425" bIns="91425" anchor="t" anchorCtr="0">
+            <a:noAutofit/>
+          </a:bodyPr>
+          <a:lstStyle/>
+          <a:p>
+            <a:pPr lvl="0">
+              <a:spcBef>
+                <a:spcPts val="0"/>
+              </a:spcBef>
+              <a:buNone/>
+            </a:pPr>
+            <a:endParaRPr/>
+          </a:p>
+        </p:txBody>
+      </p:sp>
+      <p:sp>
+        <p:nvSpPr>
+          <p:cNvPr id="425" name="Shape 425"/>
+          <p:cNvSpPr>
+            <a:spLocks noGrp="1" noRot="1" noChangeAspect="1"/>
+          </p:cNvSpPr>
+          <p:nvPr>
+            <p:ph type="sldImg" idx="2"/>
+          </p:nvPr>
+        </p:nvSpPr>
+        <p:spPr>
+          <a:xfrm>
+            <a:off x="1143000" y="685800"/>
+            <a:ext cx="4572000" cy="3429000"/>
+          </a:xfrm>
+          <a:custGeom>
+            <a:avLst/>
+            <a:gdLst/>
+            <a:ahLst/>
+            <a:cxnLst/>
+            <a:rect l="0" t="0" r="0" b="0"/>
+            <a:pathLst>
+              <a:path w="120000" h="120000" extrusionOk="0">
+                <a:moveTo>
+                  <a:pt x="0" y="0"/>
+                </a:moveTo>
+                <a:lnTo>
+                  <a:pt x="120000" y="0"/>
+                </a:lnTo>
+                <a:lnTo>
+                  <a:pt x="120000" y="120000"/>
+                </a:lnTo>
+                <a:lnTo>
+                  <a:pt x="0" y="120000"/>
+                </a:lnTo>
+                <a:close/>
+              </a:path>
+            </a:pathLst>
+          </a:custGeom>
+        </p:spPr>
+      </p:sp>
+    </p:spTree>
+    <p:extLst>
+      <p:ext uri="{BB962C8B-B14F-4D97-AF65-F5344CB8AC3E}">
+        <p14:creationId xmlns:p14="http://schemas.microsoft.com/office/powerpoint/2010/main" val="3443393021"/>
+      </p:ext>
+    </p:extLst>
+  </p:cSld>
+  <p:clrMapOvr>
+    <a:masterClrMapping/>
+  </p:clrMapOvr>
+</p:notes>
+</file>
+
+<file path=ppt/notesSlides/notesSlide15.xml><?xml version="1.0" encoding="utf-8"?>
 <p:notes xmlns:a="http://schemas.openxmlformats.org/drawingml/2006/main" xmlns:r="http://schemas.openxmlformats.org/officeDocument/2006/relationships" xmlns:p="http://schemas.openxmlformats.org/presentationml/2006/main" showMasterSp="0" showMasterPhAnim="0">
   <p:cSld>
     <p:spTree>
@@ -25090,6 +25309,5451 @@
   <p:cSld>
     <p:spTree>
       <p:nvGrpSpPr>
+        <p:cNvPr id="1" name="Shape 426"/>
+        <p:cNvGrpSpPr/>
+        <p:nvPr/>
+      </p:nvGrpSpPr>
+      <p:grpSpPr>
+        <a:xfrm>
+          <a:off x="0" y="0"/>
+          <a:ext cx="0" cy="0"/>
+          <a:chOff x="0" y="0"/>
+          <a:chExt cx="0" cy="0"/>
+        </a:xfrm>
+      </p:grpSpPr>
+      <p:sp>
+        <p:nvSpPr>
+          <p:cNvPr id="427" name="Shape 427"/>
+          <p:cNvSpPr txBox="1">
+            <a:spLocks noGrp="1"/>
+          </p:cNvSpPr>
+          <p:nvPr>
+            <p:ph type="title"/>
+          </p:nvPr>
+        </p:nvSpPr>
+        <p:spPr>
+          <a:xfrm>
+            <a:off x="685800" y="609600"/>
+            <a:ext cx="7772400" cy="1143000"/>
+          </a:xfrm>
+          <a:prstGeom prst="rect">
+            <a:avLst/>
+          </a:prstGeom>
+          <a:noFill/>
+          <a:ln>
+            <a:noFill/>
+          </a:ln>
+        </p:spPr>
+        <p:txBody>
+          <a:bodyPr lIns="91425" tIns="45700" rIns="91425" bIns="45700" anchor="ctr" anchorCtr="0">
+            <a:noAutofit/>
+          </a:bodyPr>
+          <a:lstStyle/>
+          <a:p>
+            <a:pPr marL="0" marR="0" lvl="0" indent="0" algn="ctr" rtl="0">
+              <a:spcBef>
+                <a:spcPts val="0"/>
+              </a:spcBef>
+              <a:spcAft>
+                <a:spcPts val="0"/>
+              </a:spcAft>
+              <a:buSzPct val="25000"/>
+              <a:buNone/>
+            </a:pPr>
+            <a:r>
+              <a:rPr lang="en-US" sz="4000" b="0" i="0" u="none" strike="noStrike" cap="none" dirty="0">
+                <a:solidFill>
+                  <a:schemeClr val="dk2"/>
+                </a:solidFill>
+                <a:latin typeface="Calibri"/>
+                <a:ea typeface="Calibri"/>
+                <a:cs typeface="Calibri"/>
+                <a:sym typeface="Calibri"/>
+              </a:rPr>
+              <a:t>Nondeterministic to Deterministic</a:t>
+            </a:r>
+          </a:p>
+        </p:txBody>
+      </p:sp>
+      <p:sp>
+        <p:nvSpPr>
+          <p:cNvPr id="428" name="Shape 428"/>
+          <p:cNvSpPr txBox="1">
+            <a:spLocks noGrp="1"/>
+          </p:cNvSpPr>
+          <p:nvPr>
+            <p:ph type="body" idx="1"/>
+          </p:nvPr>
+        </p:nvSpPr>
+        <p:spPr>
+          <a:xfrm>
+            <a:off x="685800" y="1701492"/>
+            <a:ext cx="7772400" cy="1043383"/>
+          </a:xfrm>
+          <a:prstGeom prst="rect">
+            <a:avLst/>
+          </a:prstGeom>
+          <a:noFill/>
+          <a:ln>
+            <a:noFill/>
+          </a:ln>
+        </p:spPr>
+        <p:txBody>
+          <a:bodyPr lIns="91425" tIns="45700" rIns="91425" bIns="45700" anchor="t" anchorCtr="0">
+            <a:noAutofit/>
+          </a:bodyPr>
+          <a:lstStyle/>
+          <a:p>
+            <a:pPr marL="342900" marR="0" lvl="0" indent="-342900" algn="l" rtl="0">
+              <a:spcBef>
+                <a:spcPts val="0"/>
+              </a:spcBef>
+              <a:spcAft>
+                <a:spcPts val="0"/>
+              </a:spcAft>
+              <a:buClr>
+                <a:schemeClr val="dk1"/>
+              </a:buClr>
+              <a:buSzPct val="100000"/>
+              <a:buFont typeface="Calibri"/>
+              <a:buChar char="•"/>
+            </a:pPr>
+            <a:r>
+              <a:rPr lang="en-US" sz="3200" b="0" i="0" u="none" strike="noStrike" cap="none" dirty="0">
+                <a:solidFill>
+                  <a:schemeClr val="dk1"/>
+                </a:solidFill>
+                <a:latin typeface="Calibri"/>
+                <a:ea typeface="Calibri"/>
+                <a:cs typeface="Calibri"/>
+                <a:sym typeface="Calibri"/>
+              </a:rPr>
+              <a:t>The Subset Construction converts an NFA into a DFA </a:t>
+            </a:r>
+          </a:p>
+        </p:txBody>
+      </p:sp>
+      <p:sp>
+        <p:nvSpPr>
+          <p:cNvPr id="429" name="Shape 429"/>
+          <p:cNvSpPr txBox="1">
+            <a:spLocks noGrp="1"/>
+          </p:cNvSpPr>
+          <p:nvPr>
+            <p:ph type="sldNum" idx="12"/>
+          </p:nvPr>
+        </p:nvSpPr>
+        <p:spPr>
+          <a:xfrm>
+            <a:off x="6553200" y="6248400"/>
+            <a:ext cx="1904999" cy="457200"/>
+          </a:xfrm>
+          <a:prstGeom prst="rect">
+            <a:avLst/>
+          </a:prstGeom>
+          <a:noFill/>
+          <a:ln>
+            <a:noFill/>
+          </a:ln>
+        </p:spPr>
+        <p:txBody>
+          <a:bodyPr lIns="91425" tIns="45700" rIns="91425" bIns="45700" anchor="t" anchorCtr="0">
+            <a:noAutofit/>
+          </a:bodyPr>
+          <a:lstStyle/>
+          <a:p>
+            <a:pPr marL="0" marR="0" lvl="0" indent="0" algn="r" rtl="0">
+              <a:spcBef>
+                <a:spcPts val="0"/>
+              </a:spcBef>
+              <a:spcAft>
+                <a:spcPts val="0"/>
+              </a:spcAft>
+              <a:buSzPct val="25000"/>
+              <a:buNone/>
+            </a:pPr>
+            <a:fld id="{00000000-1234-1234-1234-123412341234}" type="slidenum">
+              <a:rPr lang="en-US" sz="1400">
+                <a:solidFill>
+                  <a:schemeClr val="dk1"/>
+                </a:solidFill>
+                <a:latin typeface="Calibri"/>
+                <a:ea typeface="Calibri"/>
+                <a:cs typeface="Calibri"/>
+                <a:sym typeface="Calibri"/>
+              </a:rPr>
+              <a:t>13</a:t>
+            </a:fld>
+            <a:endParaRPr lang="en-US" sz="1400">
+              <a:solidFill>
+                <a:schemeClr val="dk1"/>
+              </a:solidFill>
+              <a:latin typeface="Calibri"/>
+              <a:ea typeface="Calibri"/>
+              <a:cs typeface="Calibri"/>
+              <a:sym typeface="Calibri"/>
+            </a:endParaRPr>
+          </a:p>
+        </p:txBody>
+      </p:sp>
+      <p:grpSp>
+        <p:nvGrpSpPr>
+          <p:cNvPr id="430" name="Shape 430"/>
+          <p:cNvGrpSpPr/>
+          <p:nvPr/>
+        </p:nvGrpSpPr>
+        <p:grpSpPr>
+          <a:xfrm>
+            <a:off x="139094" y="2474799"/>
+            <a:ext cx="4314409" cy="1613171"/>
+            <a:chOff x="108734" y="2979300"/>
+            <a:chExt cx="4314409" cy="1613171"/>
+          </a:xfrm>
+        </p:grpSpPr>
+        <p:sp>
+          <p:nvSpPr>
+            <p:cNvPr id="431" name="Shape 431"/>
+            <p:cNvSpPr/>
+            <p:nvPr/>
+          </p:nvSpPr>
+          <p:spPr>
+            <a:xfrm>
+              <a:off x="621406" y="3513324"/>
+              <a:ext cx="559500" cy="547500"/>
+            </a:xfrm>
+            <a:prstGeom prst="flowChartConnector">
+              <a:avLst/>
+            </a:prstGeom>
+            <a:solidFill>
+              <a:srgbClr val="FF9900"/>
+            </a:solidFill>
+            <a:ln w="28575" cap="flat" cmpd="sng">
+              <a:solidFill>
+                <a:schemeClr val="dk1"/>
+              </a:solidFill>
+              <a:prstDash val="solid"/>
+              <a:round/>
+              <a:headEnd type="none" w="med" len="med"/>
+              <a:tailEnd type="none" w="med" len="med"/>
+            </a:ln>
+          </p:spPr>
+          <p:txBody>
+            <a:bodyPr lIns="91425" tIns="45700" rIns="91425" bIns="45700" anchor="ctr" anchorCtr="1">
+              <a:noAutofit/>
+            </a:bodyPr>
+            <a:lstStyle/>
+            <a:p>
+              <a:pPr marL="0" marR="0" lvl="0" indent="0" algn="ctr" rtl="0">
+                <a:spcBef>
+                  <a:spcPts val="0"/>
+                </a:spcBef>
+                <a:spcAft>
+                  <a:spcPts val="0"/>
+                </a:spcAft>
+                <a:buSzPct val="25000"/>
+                <a:buNone/>
+              </a:pPr>
+              <a:r>
+                <a:rPr lang="en-US" sz="2400">
+                  <a:solidFill>
+                    <a:schemeClr val="dk1"/>
+                  </a:solidFill>
+                  <a:latin typeface="Calibri"/>
+                  <a:ea typeface="Calibri"/>
+                  <a:cs typeface="Calibri"/>
+                  <a:sym typeface="Calibri"/>
+                </a:rPr>
+                <a:t>A</a:t>
+              </a:r>
+            </a:p>
+          </p:txBody>
+        </p:sp>
+        <p:sp>
+          <p:nvSpPr>
+            <p:cNvPr id="432" name="Shape 432"/>
+            <p:cNvSpPr/>
+            <p:nvPr/>
+          </p:nvSpPr>
+          <p:spPr>
+            <a:xfrm>
+              <a:off x="2159781" y="3513324"/>
+              <a:ext cx="559500" cy="547500"/>
+            </a:xfrm>
+            <a:prstGeom prst="flowChartConnector">
+              <a:avLst/>
+            </a:prstGeom>
+            <a:solidFill>
+              <a:srgbClr val="FF9900"/>
+            </a:solidFill>
+            <a:ln w="12700" cap="flat" cmpd="sng">
+              <a:solidFill>
+                <a:schemeClr val="dk1"/>
+              </a:solidFill>
+              <a:prstDash val="solid"/>
+              <a:round/>
+              <a:headEnd type="none" w="med" len="med"/>
+              <a:tailEnd type="none" w="med" len="med"/>
+            </a:ln>
+          </p:spPr>
+          <p:txBody>
+            <a:bodyPr lIns="91425" tIns="45700" rIns="91425" bIns="45700" anchor="ctr" anchorCtr="1">
+              <a:noAutofit/>
+            </a:bodyPr>
+            <a:lstStyle/>
+            <a:p>
+              <a:pPr marL="0" marR="0" lvl="0" indent="0" algn="ctr" rtl="0">
+                <a:spcBef>
+                  <a:spcPts val="0"/>
+                </a:spcBef>
+                <a:spcAft>
+                  <a:spcPts val="0"/>
+                </a:spcAft>
+                <a:buSzPct val="25000"/>
+                <a:buNone/>
+              </a:pPr>
+              <a:r>
+                <a:rPr lang="en-US" sz="2400" dirty="0">
+                  <a:solidFill>
+                    <a:schemeClr val="dk1"/>
+                  </a:solidFill>
+                  <a:latin typeface="Calibri"/>
+                  <a:ea typeface="Calibri"/>
+                  <a:cs typeface="Calibri"/>
+                  <a:sym typeface="Calibri"/>
+                </a:rPr>
+                <a:t>B</a:t>
+              </a:r>
+            </a:p>
+          </p:txBody>
+        </p:sp>
+        <p:sp>
+          <p:nvSpPr>
+            <p:cNvPr id="433" name="Shape 433"/>
+            <p:cNvSpPr/>
+            <p:nvPr/>
+          </p:nvSpPr>
+          <p:spPr>
+            <a:xfrm>
+              <a:off x="3863644" y="3513324"/>
+              <a:ext cx="559500" cy="547500"/>
+            </a:xfrm>
+            <a:prstGeom prst="flowChartConnector">
+              <a:avLst/>
+            </a:prstGeom>
+            <a:solidFill>
+              <a:srgbClr val="FF9900"/>
+            </a:solidFill>
+            <a:ln w="28575" cap="flat" cmpd="dbl">
+              <a:solidFill>
+                <a:schemeClr val="dk1"/>
+              </a:solidFill>
+              <a:prstDash val="solid"/>
+              <a:round/>
+              <a:headEnd type="none" w="med" len="med"/>
+              <a:tailEnd type="none" w="med" len="med"/>
+            </a:ln>
+          </p:spPr>
+          <p:txBody>
+            <a:bodyPr lIns="91425" tIns="45700" rIns="91425" bIns="45700" anchor="ctr" anchorCtr="0">
+              <a:noAutofit/>
+            </a:bodyPr>
+            <a:lstStyle/>
+            <a:p>
+              <a:pPr marL="0" marR="0" lvl="0" indent="0" algn="ctr" rtl="0">
+                <a:spcBef>
+                  <a:spcPts val="0"/>
+                </a:spcBef>
+                <a:spcAft>
+                  <a:spcPts val="0"/>
+                </a:spcAft>
+                <a:buSzPct val="25000"/>
+                <a:buNone/>
+              </a:pPr>
+              <a:r>
+                <a:rPr lang="en-US" sz="2400">
+                  <a:solidFill>
+                    <a:schemeClr val="dk1"/>
+                  </a:solidFill>
+                  <a:latin typeface="Calibri"/>
+                  <a:ea typeface="Calibri"/>
+                  <a:cs typeface="Calibri"/>
+                  <a:sym typeface="Calibri"/>
+                </a:rPr>
+                <a:t>C</a:t>
+              </a:r>
+            </a:p>
+          </p:txBody>
+        </p:sp>
+        <p:cxnSp>
+          <p:nvCxnSpPr>
+            <p:cNvPr id="434" name="Shape 434"/>
+            <p:cNvCxnSpPr>
+              <a:stCxn id="431" idx="6"/>
+              <a:endCxn id="432" idx="2"/>
+            </p:cNvCxnSpPr>
+            <p:nvPr/>
+          </p:nvCxnSpPr>
+          <p:spPr>
+            <a:xfrm>
+              <a:off x="1180906" y="3787074"/>
+              <a:ext cx="978899" cy="0"/>
+            </a:xfrm>
+            <a:prstGeom prst="straightConnector1">
+              <a:avLst/>
+            </a:prstGeom>
+            <a:noFill/>
+            <a:ln w="28575" cap="flat" cmpd="sng">
+              <a:solidFill>
+                <a:schemeClr val="dk1"/>
+              </a:solidFill>
+              <a:prstDash val="solid"/>
+              <a:round/>
+              <a:headEnd type="none" w="med" len="med"/>
+              <a:tailEnd type="triangle" w="lg" len="lg"/>
+            </a:ln>
+          </p:spPr>
+        </p:cxnSp>
+        <p:cxnSp>
+          <p:nvCxnSpPr>
+            <p:cNvPr id="435" name="Shape 435"/>
+            <p:cNvCxnSpPr>
+              <a:stCxn id="432" idx="6"/>
+              <a:endCxn id="433" idx="2"/>
+            </p:cNvCxnSpPr>
+            <p:nvPr/>
+          </p:nvCxnSpPr>
+          <p:spPr>
+            <a:xfrm>
+              <a:off x="2719281" y="3787074"/>
+              <a:ext cx="1144500" cy="0"/>
+            </a:xfrm>
+            <a:prstGeom prst="straightConnector1">
+              <a:avLst/>
+            </a:prstGeom>
+            <a:noFill/>
+            <a:ln w="28575" cap="flat" cmpd="sng">
+              <a:solidFill>
+                <a:schemeClr val="dk1"/>
+              </a:solidFill>
+              <a:prstDash val="solid"/>
+              <a:round/>
+              <a:headEnd type="none" w="med" len="med"/>
+              <a:tailEnd type="triangle" w="lg" len="lg"/>
+            </a:ln>
+          </p:spPr>
+        </p:cxnSp>
+        <p:sp>
+          <p:nvSpPr>
+            <p:cNvPr id="436" name="Shape 436"/>
+            <p:cNvSpPr txBox="1"/>
+            <p:nvPr/>
+          </p:nvSpPr>
+          <p:spPr>
+            <a:xfrm>
+              <a:off x="1499944" y="3325371"/>
+              <a:ext cx="340800" cy="461700"/>
+            </a:xfrm>
+            <a:prstGeom prst="rect">
+              <a:avLst/>
+            </a:prstGeom>
+            <a:noFill/>
+            <a:ln w="28575" cap="flat" cmpd="sng">
+              <a:solidFill>
+                <a:srgbClr val="000000">
+                  <a:alpha val="0"/>
+                </a:srgbClr>
+              </a:solidFill>
+              <a:prstDash val="solid"/>
+              <a:round/>
+              <a:headEnd type="none" w="med" len="med"/>
+              <a:tailEnd type="none" w="med" len="med"/>
+            </a:ln>
+          </p:spPr>
+          <p:txBody>
+            <a:bodyPr lIns="91425" tIns="45700" rIns="91425" bIns="45700" anchor="t" anchorCtr="0">
+              <a:noAutofit/>
+            </a:bodyPr>
+            <a:lstStyle/>
+            <a:p>
+              <a:pPr marL="0" marR="0" lvl="0" indent="0" algn="ctr" rtl="0">
+                <a:spcBef>
+                  <a:spcPts val="0"/>
+                </a:spcBef>
+                <a:spcAft>
+                  <a:spcPts val="0"/>
+                </a:spcAft>
+                <a:buSzPct val="25000"/>
+                <a:buNone/>
+              </a:pPr>
+              <a:r>
+                <a:rPr lang="en-US" sz="2400" dirty="0">
+                  <a:solidFill>
+                    <a:schemeClr val="dk1"/>
+                  </a:solidFill>
+                  <a:latin typeface="Calibri"/>
+                  <a:ea typeface="Calibri"/>
+                  <a:cs typeface="Calibri"/>
+                  <a:sym typeface="Calibri"/>
+                </a:rPr>
+                <a:t>0</a:t>
+              </a:r>
+            </a:p>
+          </p:txBody>
+        </p:sp>
+        <p:sp>
+          <p:nvSpPr>
+            <p:cNvPr id="437" name="Shape 437"/>
+            <p:cNvSpPr txBox="1"/>
+            <p:nvPr/>
+          </p:nvSpPr>
+          <p:spPr>
+            <a:xfrm>
+              <a:off x="3063925" y="3325396"/>
+              <a:ext cx="340800" cy="461700"/>
+            </a:xfrm>
+            <a:prstGeom prst="rect">
+              <a:avLst/>
+            </a:prstGeom>
+            <a:noFill/>
+            <a:ln w="28575" cap="flat" cmpd="sng">
+              <a:solidFill>
+                <a:srgbClr val="000000">
+                  <a:alpha val="0"/>
+                </a:srgbClr>
+              </a:solidFill>
+              <a:prstDash val="solid"/>
+              <a:round/>
+              <a:headEnd type="none" w="med" len="med"/>
+              <a:tailEnd type="none" w="med" len="med"/>
+            </a:ln>
+          </p:spPr>
+          <p:txBody>
+            <a:bodyPr lIns="91425" tIns="45700" rIns="91425" bIns="45700" anchor="t" anchorCtr="0">
+              <a:noAutofit/>
+            </a:bodyPr>
+            <a:lstStyle/>
+            <a:p>
+              <a:pPr marL="0" marR="0" lvl="0" indent="0" algn="ctr" rtl="0">
+                <a:spcBef>
+                  <a:spcPts val="0"/>
+                </a:spcBef>
+                <a:spcAft>
+                  <a:spcPts val="0"/>
+                </a:spcAft>
+                <a:buSzPct val="25000"/>
+                <a:buNone/>
+              </a:pPr>
+              <a:r>
+                <a:rPr lang="en-US" sz="2400">
+                  <a:solidFill>
+                    <a:schemeClr val="dk1"/>
+                  </a:solidFill>
+                  <a:latin typeface="Calibri"/>
+                  <a:ea typeface="Calibri"/>
+                  <a:cs typeface="Calibri"/>
+                  <a:sym typeface="Calibri"/>
+                </a:rPr>
+                <a:t>0</a:t>
+              </a:r>
+            </a:p>
+          </p:txBody>
+        </p:sp>
+        <p:cxnSp>
+          <p:nvCxnSpPr>
+            <p:cNvPr id="438" name="Shape 438"/>
+            <p:cNvCxnSpPr>
+              <a:stCxn id="431" idx="2"/>
+              <a:endCxn id="431" idx="0"/>
+            </p:cNvCxnSpPr>
+            <p:nvPr/>
+          </p:nvCxnSpPr>
+          <p:spPr>
+            <a:xfrm rot="10800000" flipH="1">
+              <a:off x="621406" y="3513474"/>
+              <a:ext cx="279900" cy="273600"/>
+            </a:xfrm>
+            <a:prstGeom prst="curvedConnector4">
+              <a:avLst>
+                <a:gd name="adj1" fmla="val -85166"/>
+                <a:gd name="adj2" fmla="val 187089"/>
+              </a:avLst>
+            </a:prstGeom>
+            <a:noFill/>
+            <a:ln w="28575" cap="flat" cmpd="sng">
+              <a:solidFill>
+                <a:schemeClr val="dk1"/>
+              </a:solidFill>
+              <a:prstDash val="solid"/>
+              <a:round/>
+              <a:headEnd type="none" w="med" len="med"/>
+              <a:tailEnd type="triangle" w="lg" len="lg"/>
+            </a:ln>
+          </p:spPr>
+        </p:cxnSp>
+        <p:sp>
+          <p:nvSpPr>
+            <p:cNvPr id="439" name="Shape 439"/>
+            <p:cNvSpPr txBox="1"/>
+            <p:nvPr/>
+          </p:nvSpPr>
+          <p:spPr>
+            <a:xfrm>
+              <a:off x="108734" y="2979300"/>
+              <a:ext cx="340658" cy="461664"/>
+            </a:xfrm>
+            <a:prstGeom prst="rect">
+              <a:avLst/>
+            </a:prstGeom>
+            <a:noFill/>
+            <a:ln w="28575" cap="flat" cmpd="sng">
+              <a:solidFill>
+                <a:srgbClr val="000000">
+                  <a:alpha val="0"/>
+                </a:srgbClr>
+              </a:solidFill>
+              <a:prstDash val="solid"/>
+              <a:round/>
+              <a:headEnd type="none" w="med" len="med"/>
+              <a:tailEnd type="none" w="med" len="med"/>
+            </a:ln>
+          </p:spPr>
+          <p:txBody>
+            <a:bodyPr lIns="91425" tIns="45700" rIns="91425" bIns="45700" anchor="t" anchorCtr="0">
+              <a:noAutofit/>
+            </a:bodyPr>
+            <a:lstStyle/>
+            <a:p>
+              <a:pPr marL="0" marR="0" lvl="0" indent="0" algn="ctr" rtl="0">
+                <a:spcBef>
+                  <a:spcPts val="0"/>
+                </a:spcBef>
+                <a:spcAft>
+                  <a:spcPts val="0"/>
+                </a:spcAft>
+                <a:buSzPct val="25000"/>
+                <a:buNone/>
+              </a:pPr>
+              <a:r>
+                <a:rPr lang="en-US" sz="2400">
+                  <a:solidFill>
+                    <a:schemeClr val="dk1"/>
+                  </a:solidFill>
+                  <a:latin typeface="Calibri"/>
+                  <a:ea typeface="Calibri"/>
+                  <a:cs typeface="Calibri"/>
+                  <a:sym typeface="Calibri"/>
+                </a:rPr>
+                <a:t>1</a:t>
+              </a:r>
+            </a:p>
+          </p:txBody>
+        </p:sp>
+        <p:cxnSp>
+          <p:nvCxnSpPr>
+            <p:cNvPr id="440" name="Shape 440"/>
+            <p:cNvCxnSpPr>
+              <a:stCxn id="431" idx="5"/>
+              <a:endCxn id="431" idx="2"/>
+            </p:cNvCxnSpPr>
+            <p:nvPr/>
+          </p:nvCxnSpPr>
+          <p:spPr>
+            <a:xfrm rot="5400000" flipH="1">
+              <a:off x="763420" y="3645094"/>
+              <a:ext cx="193500" cy="477600"/>
+            </a:xfrm>
+            <a:prstGeom prst="curvedConnector4">
+              <a:avLst>
+                <a:gd name="adj1" fmla="val -164498"/>
+                <a:gd name="adj2" fmla="val 149851"/>
+              </a:avLst>
+            </a:prstGeom>
+            <a:noFill/>
+            <a:ln w="28575" cap="flat" cmpd="sng">
+              <a:solidFill>
+                <a:schemeClr val="dk1"/>
+              </a:solidFill>
+              <a:prstDash val="solid"/>
+              <a:round/>
+              <a:headEnd type="none" w="med" len="med"/>
+              <a:tailEnd type="triangle" w="lg" len="lg"/>
+            </a:ln>
+          </p:spPr>
+        </p:cxnSp>
+        <p:sp>
+          <p:nvSpPr>
+            <p:cNvPr id="441" name="Shape 441"/>
+            <p:cNvSpPr txBox="1"/>
+            <p:nvPr/>
+          </p:nvSpPr>
+          <p:spPr>
+            <a:xfrm>
+              <a:off x="901008" y="4130771"/>
+              <a:ext cx="340800" cy="461700"/>
+            </a:xfrm>
+            <a:prstGeom prst="rect">
+              <a:avLst/>
+            </a:prstGeom>
+            <a:noFill/>
+            <a:ln w="28575" cap="flat" cmpd="sng">
+              <a:solidFill>
+                <a:srgbClr val="000000">
+                  <a:alpha val="0"/>
+                </a:srgbClr>
+              </a:solidFill>
+              <a:prstDash val="solid"/>
+              <a:round/>
+              <a:headEnd type="none" w="med" len="med"/>
+              <a:tailEnd type="none" w="med" len="med"/>
+            </a:ln>
+          </p:spPr>
+          <p:txBody>
+            <a:bodyPr lIns="91425" tIns="45700" rIns="91425" bIns="45700" anchor="t" anchorCtr="0">
+              <a:noAutofit/>
+            </a:bodyPr>
+            <a:lstStyle/>
+            <a:p>
+              <a:pPr marL="0" marR="0" lvl="0" indent="0" algn="ctr" rtl="0">
+                <a:spcBef>
+                  <a:spcPts val="0"/>
+                </a:spcBef>
+                <a:spcAft>
+                  <a:spcPts val="0"/>
+                </a:spcAft>
+                <a:buSzPct val="25000"/>
+                <a:buNone/>
+              </a:pPr>
+              <a:r>
+                <a:rPr lang="en-US" sz="2400">
+                  <a:solidFill>
+                    <a:schemeClr val="dk1"/>
+                  </a:solidFill>
+                  <a:latin typeface="Calibri"/>
+                  <a:ea typeface="Calibri"/>
+                  <a:cs typeface="Calibri"/>
+                  <a:sym typeface="Calibri"/>
+                </a:rPr>
+                <a:t>0</a:t>
+              </a:r>
+            </a:p>
+          </p:txBody>
+        </p:sp>
+      </p:grpSp>
+      <p:grpSp>
+        <p:nvGrpSpPr>
+          <p:cNvPr id="21" name="Group 20">
+            <a:extLst>
+              <a:ext uri="{FF2B5EF4-FFF2-40B4-BE49-F238E27FC236}">
+                <a16:creationId xmlns:a16="http://schemas.microsoft.com/office/drawing/2014/main" id="{FD5B6E5A-BBBD-AF4E-91B7-00DA42143470}"/>
+              </a:ext>
+            </a:extLst>
+          </p:cNvPr>
+          <p:cNvGrpSpPr/>
+          <p:nvPr/>
+        </p:nvGrpSpPr>
+        <p:grpSpPr>
+          <a:xfrm>
+            <a:off x="4903427" y="2613660"/>
+            <a:ext cx="3436715" cy="461664"/>
+            <a:chOff x="4640975" y="3039815"/>
+            <a:chExt cx="3436715" cy="461664"/>
+          </a:xfrm>
+        </p:grpSpPr>
+        <mc:AlternateContent xmlns:mc="http://schemas.openxmlformats.org/markup-compatibility/2006">
+          <mc:Choice xmlns:a14="http://schemas.microsoft.com/office/drawing/2010/main" Requires="a14">
+            <p:sp>
+              <p:nvSpPr>
+                <p:cNvPr id="451" name="Shape 451"/>
+                <p:cNvSpPr txBox="1"/>
+                <p:nvPr/>
+              </p:nvSpPr>
+              <p:spPr>
+                <a:xfrm>
+                  <a:off x="4640975" y="3039815"/>
+                  <a:ext cx="1718693" cy="461664"/>
+                </a:xfrm>
+                <a:prstGeom prst="rect">
+                  <a:avLst/>
+                </a:prstGeom>
+                <a:noFill/>
+                <a:ln>
+                  <a:noFill/>
+                </a:ln>
+              </p:spPr>
+              <p:txBody>
+                <a:bodyPr lIns="91425" tIns="45700" rIns="91425" bIns="45700" anchor="t" anchorCtr="0">
+                  <a:noAutofit/>
+                </a:bodyPr>
+                <a:lstStyle/>
+                <a:p>
+                  <a:pPr marL="0" marR="0" lvl="0" indent="0" algn="ctr" rtl="0">
+                    <a:spcBef>
+                      <a:spcPts val="0"/>
+                    </a:spcBef>
+                    <a:spcAft>
+                      <a:spcPts val="0"/>
+                    </a:spcAft>
+                    <a:buSzPct val="25000"/>
+                    <a:buNone/>
+                  </a:pPr>
+                  <a:r>
+                    <a:rPr lang="en-US" sz="2400" dirty="0">
+                      <a:solidFill>
+                        <a:schemeClr val="dk1"/>
+                      </a:solidFill>
+                      <a:latin typeface="Calibri"/>
+                      <a:ea typeface="Calibri"/>
+                      <a:cs typeface="Calibri"/>
+                      <a:sym typeface="Calibri"/>
+                    </a:rPr>
+                    <a:t>DFA state, </a:t>
+                  </a:r>
+                  <a14:m>
+                    <m:oMath xmlns:m="http://schemas.openxmlformats.org/officeDocument/2006/math">
+                      <m:r>
+                        <m:rPr>
+                          <m:sty m:val="p"/>
+                        </m:rPr>
+                        <a:rPr lang="en-US" sz="2400" b="0" i="0" smtClean="0">
+                          <a:solidFill>
+                            <a:schemeClr val="dk1"/>
+                          </a:solidFill>
+                          <a:latin typeface="Cambria Math" panose="02040503050406030204" pitchFamily="18" charset="0"/>
+                          <a:ea typeface="Calibri"/>
+                          <a:cs typeface="Calibri"/>
+                          <a:sym typeface="Calibri"/>
+                        </a:rPr>
+                        <m:t>Σ</m:t>
+                      </m:r>
+                    </m:oMath>
+                  </a14:m>
+                  <a:endParaRPr lang="en-US" sz="2400" dirty="0">
+                    <a:solidFill>
+                      <a:schemeClr val="dk1"/>
+                    </a:solidFill>
+                    <a:latin typeface="Calibri"/>
+                    <a:ea typeface="Calibri"/>
+                    <a:cs typeface="Calibri"/>
+                    <a:sym typeface="Calibri"/>
+                  </a:endParaRPr>
+                </a:p>
+              </p:txBody>
+            </p:sp>
+          </mc:Choice>
+          <mc:Fallback>
+            <p:sp>
+              <p:nvSpPr>
+                <p:cNvPr id="451" name="Shape 451"/>
+                <p:cNvSpPr txBox="1">
+                  <a:spLocks noRot="1" noChangeAspect="1" noMove="1" noResize="1" noEditPoints="1" noAdjustHandles="1" noChangeArrowheads="1" noChangeShapeType="1" noTextEdit="1"/>
+                </p:cNvSpPr>
+                <p:nvPr/>
+              </p:nvSpPr>
+              <p:spPr>
+                <a:xfrm>
+                  <a:off x="4640975" y="3039815"/>
+                  <a:ext cx="1718693" cy="461664"/>
+                </a:xfrm>
+                <a:prstGeom prst="rect">
+                  <a:avLst/>
+                </a:prstGeom>
+                <a:blipFill>
+                  <a:blip r:embed="rId3"/>
+                  <a:stretch>
+                    <a:fillRect l="-4412" t="-5405" b="-27027"/>
+                  </a:stretch>
+                </a:blipFill>
+                <a:ln>
+                  <a:noFill/>
+                </a:ln>
+              </p:spPr>
+              <p:txBody>
+                <a:bodyPr/>
+                <a:lstStyle/>
+                <a:p>
+                  <a:r>
+                    <a:rPr lang="en-US">
+                      <a:noFill/>
+                    </a:rPr>
+                    <a:t> </a:t>
+                  </a:r>
+                </a:p>
+              </p:txBody>
+            </p:sp>
+          </mc:Fallback>
+        </mc:AlternateContent>
+        <p:sp>
+          <p:nvSpPr>
+            <p:cNvPr id="452" name="Shape 452"/>
+            <p:cNvSpPr txBox="1"/>
+            <p:nvPr/>
+          </p:nvSpPr>
+          <p:spPr>
+            <a:xfrm>
+              <a:off x="6601501" y="3039815"/>
+              <a:ext cx="1476189" cy="461664"/>
+            </a:xfrm>
+            <a:prstGeom prst="rect">
+              <a:avLst/>
+            </a:prstGeom>
+            <a:noFill/>
+            <a:ln>
+              <a:noFill/>
+            </a:ln>
+          </p:spPr>
+          <p:txBody>
+            <a:bodyPr lIns="91425" tIns="45700" rIns="91425" bIns="45700" anchor="t" anchorCtr="0">
+              <a:noAutofit/>
+            </a:bodyPr>
+            <a:lstStyle/>
+            <a:p>
+              <a:pPr marL="0" marR="0" lvl="0" indent="0" algn="ctr" rtl="0">
+                <a:spcBef>
+                  <a:spcPts val="0"/>
+                </a:spcBef>
+                <a:spcAft>
+                  <a:spcPts val="0"/>
+                </a:spcAft>
+                <a:buSzPct val="25000"/>
+                <a:buNone/>
+              </a:pPr>
+              <a:r>
+                <a:rPr lang="en-US" sz="2400" dirty="0">
+                  <a:solidFill>
+                    <a:schemeClr val="dk1"/>
+                  </a:solidFill>
+                  <a:latin typeface="Calibri"/>
+                  <a:ea typeface="Calibri"/>
+                  <a:cs typeface="Calibri"/>
+                  <a:sym typeface="Calibri"/>
+                </a:rPr>
+                <a:t>DFA state</a:t>
+              </a:r>
+            </a:p>
+          </p:txBody>
+        </p:sp>
+        <p:cxnSp>
+          <p:nvCxnSpPr>
+            <p:cNvPr id="453" name="Shape 453"/>
+            <p:cNvCxnSpPr>
+              <a:cxnSpLocks/>
+            </p:cNvCxnSpPr>
+            <p:nvPr/>
+          </p:nvCxnSpPr>
+          <p:spPr>
+            <a:xfrm>
+              <a:off x="4640975" y="3471863"/>
+              <a:ext cx="3436715" cy="0"/>
+            </a:xfrm>
+            <a:prstGeom prst="straightConnector1">
+              <a:avLst/>
+            </a:prstGeom>
+            <a:solidFill>
+              <a:schemeClr val="accent1"/>
+            </a:solidFill>
+            <a:ln w="9525" cap="flat" cmpd="sng">
+              <a:solidFill>
+                <a:schemeClr val="dk1"/>
+              </a:solidFill>
+              <a:prstDash val="solid"/>
+              <a:round/>
+              <a:headEnd type="none" w="med" len="med"/>
+              <a:tailEnd type="none" w="med" len="med"/>
+            </a:ln>
+          </p:spPr>
+        </p:cxnSp>
+      </p:grpSp>
+      <p:cxnSp>
+        <p:nvCxnSpPr>
+          <p:cNvPr id="40" name="Shape 453">
+            <a:extLst>
+              <a:ext uri="{FF2B5EF4-FFF2-40B4-BE49-F238E27FC236}">
+                <a16:creationId xmlns:a16="http://schemas.microsoft.com/office/drawing/2014/main" id="{07DC6060-7E18-5F4D-A21C-0324D213D740}"/>
+              </a:ext>
+            </a:extLst>
+          </p:cNvPr>
+          <p:cNvCxnSpPr>
+            <a:cxnSpLocks/>
+          </p:cNvCxnSpPr>
+          <p:nvPr/>
+        </p:nvCxnSpPr>
+        <p:spPr>
+          <a:xfrm>
+            <a:off x="4966596" y="4140147"/>
+            <a:ext cx="3436715" cy="0"/>
+          </a:xfrm>
+          <a:prstGeom prst="straightConnector1">
+            <a:avLst/>
+          </a:prstGeom>
+          <a:solidFill>
+            <a:schemeClr val="accent1"/>
+          </a:solidFill>
+          <a:ln w="9525" cap="flat" cmpd="sng">
+            <a:solidFill>
+              <a:schemeClr val="dk1"/>
+            </a:solidFill>
+            <a:prstDash val="solid"/>
+            <a:round/>
+            <a:headEnd type="none" w="med" len="med"/>
+            <a:tailEnd type="none" w="med" len="med"/>
+          </a:ln>
+        </p:spPr>
+      </p:cxnSp>
+      <p:grpSp>
+        <p:nvGrpSpPr>
+          <p:cNvPr id="22" name="Group 21">
+            <a:extLst>
+              <a:ext uri="{FF2B5EF4-FFF2-40B4-BE49-F238E27FC236}">
+                <a16:creationId xmlns:a16="http://schemas.microsoft.com/office/drawing/2014/main" id="{9D9CEB9F-8579-6D48-8757-F46F1EC1FDB8}"/>
+              </a:ext>
+            </a:extLst>
+          </p:cNvPr>
+          <p:cNvGrpSpPr/>
+          <p:nvPr/>
+        </p:nvGrpSpPr>
+        <p:grpSpPr>
+          <a:xfrm>
+            <a:off x="5399481" y="3099831"/>
+            <a:ext cx="2657673" cy="465766"/>
+            <a:chOff x="5137029" y="3525986"/>
+            <a:chExt cx="2657673" cy="465766"/>
+          </a:xfrm>
+        </p:grpSpPr>
+        <p:sp>
+          <p:nvSpPr>
+            <p:cNvPr id="443" name="Shape 443"/>
+            <p:cNvSpPr txBox="1"/>
+            <p:nvPr/>
+          </p:nvSpPr>
+          <p:spPr>
+            <a:xfrm>
+              <a:off x="5137029" y="3530088"/>
+              <a:ext cx="963836" cy="461664"/>
+            </a:xfrm>
+            <a:prstGeom prst="rect">
+              <a:avLst/>
+            </a:prstGeom>
+            <a:noFill/>
+            <a:ln>
+              <a:noFill/>
+            </a:ln>
+          </p:spPr>
+          <p:txBody>
+            <a:bodyPr lIns="91425" tIns="45700" rIns="91425" bIns="45700" anchor="t" anchorCtr="0">
+              <a:noAutofit/>
+            </a:bodyPr>
+            <a:lstStyle/>
+            <a:p>
+              <a:pPr marL="0" marR="0" lvl="0" indent="0" algn="ctr" rtl="0">
+                <a:spcBef>
+                  <a:spcPts val="0"/>
+                </a:spcBef>
+                <a:spcAft>
+                  <a:spcPts val="0"/>
+                </a:spcAft>
+                <a:buSzPct val="25000"/>
+                <a:buNone/>
+              </a:pPr>
+              <a:r>
+                <a:rPr lang="en-US" sz="2400" dirty="0">
+                  <a:solidFill>
+                    <a:schemeClr val="dk1"/>
+                  </a:solidFill>
+                  <a:latin typeface="Calibri"/>
+                  <a:ea typeface="Calibri"/>
+                  <a:cs typeface="Calibri"/>
+                  <a:sym typeface="Calibri"/>
+                </a:rPr>
+                <a:t>{A}, 0</a:t>
+              </a:r>
+            </a:p>
+          </p:txBody>
+        </p:sp>
+        <p:sp>
+          <p:nvSpPr>
+            <p:cNvPr id="41" name="Shape 443">
+              <a:extLst>
+                <a:ext uri="{FF2B5EF4-FFF2-40B4-BE49-F238E27FC236}">
+                  <a16:creationId xmlns:a16="http://schemas.microsoft.com/office/drawing/2014/main" id="{C61D68BE-5D8F-5F40-AAC1-69DE471BC7E1}"/>
+                </a:ext>
+              </a:extLst>
+            </p:cNvPr>
+            <p:cNvSpPr txBox="1"/>
+            <p:nvPr/>
+          </p:nvSpPr>
+          <p:spPr>
+            <a:xfrm>
+              <a:off x="6553200" y="3525986"/>
+              <a:ext cx="1241502" cy="461664"/>
+            </a:xfrm>
+            <a:prstGeom prst="rect">
+              <a:avLst/>
+            </a:prstGeom>
+            <a:noFill/>
+            <a:ln>
+              <a:noFill/>
+            </a:ln>
+          </p:spPr>
+          <p:txBody>
+            <a:bodyPr lIns="91425" tIns="45700" rIns="91425" bIns="45700" anchor="t" anchorCtr="0">
+              <a:noAutofit/>
+            </a:bodyPr>
+            <a:lstStyle/>
+            <a:p>
+              <a:pPr marL="0" marR="0" lvl="0" indent="0" algn="ctr" rtl="0">
+                <a:spcBef>
+                  <a:spcPts val="0"/>
+                </a:spcBef>
+                <a:spcAft>
+                  <a:spcPts val="0"/>
+                </a:spcAft>
+                <a:buSzPct val="25000"/>
+                <a:buNone/>
+              </a:pPr>
+              <a:r>
+                <a:rPr lang="en-US" sz="2400" dirty="0">
+                  <a:solidFill>
+                    <a:schemeClr val="dk1"/>
+                  </a:solidFill>
+                  <a:latin typeface="Calibri"/>
+                  <a:ea typeface="Calibri"/>
+                  <a:cs typeface="Calibri"/>
+                  <a:sym typeface="Calibri"/>
+                </a:rPr>
+                <a:t>{A, B}</a:t>
+              </a:r>
+            </a:p>
+          </p:txBody>
+        </p:sp>
+      </p:grpSp>
+      <p:grpSp>
+        <p:nvGrpSpPr>
+          <p:cNvPr id="23" name="Group 22">
+            <a:extLst>
+              <a:ext uri="{FF2B5EF4-FFF2-40B4-BE49-F238E27FC236}">
+                <a16:creationId xmlns:a16="http://schemas.microsoft.com/office/drawing/2014/main" id="{0F0ABED5-6E53-754E-BA34-D5942D1A9178}"/>
+              </a:ext>
+            </a:extLst>
+          </p:cNvPr>
+          <p:cNvGrpSpPr/>
+          <p:nvPr/>
+        </p:nvGrpSpPr>
+        <p:grpSpPr>
+          <a:xfrm>
+            <a:off x="5399481" y="3561495"/>
+            <a:ext cx="2527902" cy="490273"/>
+            <a:chOff x="5137029" y="3987650"/>
+            <a:chExt cx="2527902" cy="490273"/>
+          </a:xfrm>
+        </p:grpSpPr>
+        <p:sp>
+          <p:nvSpPr>
+            <p:cNvPr id="37" name="Shape 443">
+              <a:extLst>
+                <a:ext uri="{FF2B5EF4-FFF2-40B4-BE49-F238E27FC236}">
+                  <a16:creationId xmlns:a16="http://schemas.microsoft.com/office/drawing/2014/main" id="{3C4CBAB0-E036-3E47-87A5-DBC298417A30}"/>
+                </a:ext>
+              </a:extLst>
+            </p:cNvPr>
+            <p:cNvSpPr txBox="1"/>
+            <p:nvPr/>
+          </p:nvSpPr>
+          <p:spPr>
+            <a:xfrm>
+              <a:off x="5137029" y="4016259"/>
+              <a:ext cx="963836" cy="461664"/>
+            </a:xfrm>
+            <a:prstGeom prst="rect">
+              <a:avLst/>
+            </a:prstGeom>
+            <a:noFill/>
+            <a:ln>
+              <a:noFill/>
+            </a:ln>
+          </p:spPr>
+          <p:txBody>
+            <a:bodyPr lIns="91425" tIns="45700" rIns="91425" bIns="45700" anchor="t" anchorCtr="0">
+              <a:noAutofit/>
+            </a:bodyPr>
+            <a:lstStyle/>
+            <a:p>
+              <a:pPr marL="0" marR="0" lvl="0" indent="0" algn="ctr" rtl="0">
+                <a:spcBef>
+                  <a:spcPts val="0"/>
+                </a:spcBef>
+                <a:spcAft>
+                  <a:spcPts val="0"/>
+                </a:spcAft>
+                <a:buSzPct val="25000"/>
+                <a:buNone/>
+              </a:pPr>
+              <a:r>
+                <a:rPr lang="en-US" sz="2400" dirty="0">
+                  <a:solidFill>
+                    <a:schemeClr val="dk1"/>
+                  </a:solidFill>
+                  <a:latin typeface="Calibri"/>
+                  <a:ea typeface="Calibri"/>
+                  <a:cs typeface="Calibri"/>
+                  <a:sym typeface="Calibri"/>
+                </a:rPr>
+                <a:t>{A}, 1</a:t>
+              </a:r>
+            </a:p>
+          </p:txBody>
+        </p:sp>
+        <p:sp>
+          <p:nvSpPr>
+            <p:cNvPr id="42" name="Shape 443">
+              <a:extLst>
+                <a:ext uri="{FF2B5EF4-FFF2-40B4-BE49-F238E27FC236}">
+                  <a16:creationId xmlns:a16="http://schemas.microsoft.com/office/drawing/2014/main" id="{B8CE654C-2DAD-E64A-B0C3-F2F078DBE1BE}"/>
+                </a:ext>
+              </a:extLst>
+            </p:cNvPr>
+            <p:cNvSpPr txBox="1"/>
+            <p:nvPr/>
+          </p:nvSpPr>
+          <p:spPr>
+            <a:xfrm>
+              <a:off x="6423429" y="3987650"/>
+              <a:ext cx="1241502" cy="461664"/>
+            </a:xfrm>
+            <a:prstGeom prst="rect">
+              <a:avLst/>
+            </a:prstGeom>
+            <a:noFill/>
+            <a:ln>
+              <a:noFill/>
+            </a:ln>
+          </p:spPr>
+          <p:txBody>
+            <a:bodyPr lIns="91425" tIns="45700" rIns="91425" bIns="45700" anchor="t" anchorCtr="0">
+              <a:noAutofit/>
+            </a:bodyPr>
+            <a:lstStyle/>
+            <a:p>
+              <a:pPr marL="0" marR="0" lvl="0" indent="0" algn="ctr" rtl="0">
+                <a:spcBef>
+                  <a:spcPts val="0"/>
+                </a:spcBef>
+                <a:spcAft>
+                  <a:spcPts val="0"/>
+                </a:spcAft>
+                <a:buSzPct val="25000"/>
+                <a:buNone/>
+              </a:pPr>
+              <a:r>
+                <a:rPr lang="en-US" sz="2400" dirty="0">
+                  <a:solidFill>
+                    <a:schemeClr val="dk1"/>
+                  </a:solidFill>
+                  <a:latin typeface="Calibri"/>
+                  <a:ea typeface="Calibri"/>
+                  <a:cs typeface="Calibri"/>
+                  <a:sym typeface="Calibri"/>
+                </a:rPr>
+                <a:t>{A}</a:t>
+              </a:r>
+            </a:p>
+          </p:txBody>
+        </p:sp>
+      </p:grpSp>
+      <p:grpSp>
+        <p:nvGrpSpPr>
+          <p:cNvPr id="24" name="Group 23">
+            <a:extLst>
+              <a:ext uri="{FF2B5EF4-FFF2-40B4-BE49-F238E27FC236}">
+                <a16:creationId xmlns:a16="http://schemas.microsoft.com/office/drawing/2014/main" id="{189DDCF0-E5C7-7843-A047-75A06C1F97A0}"/>
+              </a:ext>
+            </a:extLst>
+          </p:cNvPr>
+          <p:cNvGrpSpPr/>
+          <p:nvPr/>
+        </p:nvGrpSpPr>
+        <p:grpSpPr>
+          <a:xfrm>
+            <a:off x="5121815" y="4183989"/>
+            <a:ext cx="3100983" cy="480950"/>
+            <a:chOff x="4859363" y="4610144"/>
+            <a:chExt cx="3100983" cy="480950"/>
+          </a:xfrm>
+        </p:grpSpPr>
+        <p:sp>
+          <p:nvSpPr>
+            <p:cNvPr id="43" name="Shape 443">
+              <a:extLst>
+                <a:ext uri="{FF2B5EF4-FFF2-40B4-BE49-F238E27FC236}">
+                  <a16:creationId xmlns:a16="http://schemas.microsoft.com/office/drawing/2014/main" id="{968F9BAF-5CF5-5C41-9672-4E9BCBB3CAAB}"/>
+                </a:ext>
+              </a:extLst>
+            </p:cNvPr>
+            <p:cNvSpPr txBox="1"/>
+            <p:nvPr/>
+          </p:nvSpPr>
+          <p:spPr>
+            <a:xfrm>
+              <a:off x="4859363" y="4610144"/>
+              <a:ext cx="1241502" cy="461664"/>
+            </a:xfrm>
+            <a:prstGeom prst="rect">
+              <a:avLst/>
+            </a:prstGeom>
+            <a:noFill/>
+            <a:ln>
+              <a:noFill/>
+            </a:ln>
+          </p:spPr>
+          <p:txBody>
+            <a:bodyPr lIns="91425" tIns="45700" rIns="91425" bIns="45700" anchor="t" anchorCtr="0">
+              <a:noAutofit/>
+            </a:bodyPr>
+            <a:lstStyle/>
+            <a:p>
+              <a:pPr marL="0" marR="0" lvl="0" indent="0" algn="ctr" rtl="0">
+                <a:spcBef>
+                  <a:spcPts val="0"/>
+                </a:spcBef>
+                <a:spcAft>
+                  <a:spcPts val="0"/>
+                </a:spcAft>
+                <a:buSzPct val="25000"/>
+                <a:buNone/>
+              </a:pPr>
+              <a:r>
+                <a:rPr lang="en-US" sz="2400" dirty="0">
+                  <a:solidFill>
+                    <a:schemeClr val="dk1"/>
+                  </a:solidFill>
+                  <a:latin typeface="Calibri"/>
+                  <a:ea typeface="Calibri"/>
+                  <a:cs typeface="Calibri"/>
+                  <a:sym typeface="Calibri"/>
+                </a:rPr>
+                <a:t>{A, B}, 0</a:t>
+              </a:r>
+            </a:p>
+          </p:txBody>
+        </p:sp>
+        <p:sp>
+          <p:nvSpPr>
+            <p:cNvPr id="45" name="Shape 443">
+              <a:extLst>
+                <a:ext uri="{FF2B5EF4-FFF2-40B4-BE49-F238E27FC236}">
+                  <a16:creationId xmlns:a16="http://schemas.microsoft.com/office/drawing/2014/main" id="{6DD551D6-6FA8-5149-A4A2-CC0A9EF25438}"/>
+                </a:ext>
+              </a:extLst>
+            </p:cNvPr>
+            <p:cNvSpPr txBox="1"/>
+            <p:nvPr/>
+          </p:nvSpPr>
+          <p:spPr>
+            <a:xfrm>
+              <a:off x="6718844" y="4629430"/>
+              <a:ext cx="1241502" cy="461664"/>
+            </a:xfrm>
+            <a:prstGeom prst="rect">
+              <a:avLst/>
+            </a:prstGeom>
+            <a:noFill/>
+            <a:ln>
+              <a:noFill/>
+            </a:ln>
+          </p:spPr>
+          <p:txBody>
+            <a:bodyPr lIns="91425" tIns="45700" rIns="91425" bIns="45700" anchor="t" anchorCtr="0">
+              <a:noAutofit/>
+            </a:bodyPr>
+            <a:lstStyle/>
+            <a:p>
+              <a:pPr marL="0" marR="0" lvl="0" indent="0" algn="ctr" rtl="0">
+                <a:spcBef>
+                  <a:spcPts val="0"/>
+                </a:spcBef>
+                <a:spcAft>
+                  <a:spcPts val="0"/>
+                </a:spcAft>
+                <a:buSzPct val="25000"/>
+                <a:buNone/>
+              </a:pPr>
+              <a:r>
+                <a:rPr lang="en-US" sz="2400" dirty="0">
+                  <a:solidFill>
+                    <a:schemeClr val="dk1"/>
+                  </a:solidFill>
+                  <a:latin typeface="Calibri"/>
+                  <a:ea typeface="Calibri"/>
+                  <a:cs typeface="Calibri"/>
+                  <a:sym typeface="Calibri"/>
+                </a:rPr>
+                <a:t>{A, B, C}</a:t>
+              </a:r>
+            </a:p>
+          </p:txBody>
+        </p:sp>
+      </p:grpSp>
+      <p:grpSp>
+        <p:nvGrpSpPr>
+          <p:cNvPr id="25" name="Group 24">
+            <a:extLst>
+              <a:ext uri="{FF2B5EF4-FFF2-40B4-BE49-F238E27FC236}">
+                <a16:creationId xmlns:a16="http://schemas.microsoft.com/office/drawing/2014/main" id="{8D4B2A3E-C86C-5340-B6C6-DD0A7C7DE296}"/>
+              </a:ext>
+            </a:extLst>
+          </p:cNvPr>
+          <p:cNvGrpSpPr/>
+          <p:nvPr/>
+        </p:nvGrpSpPr>
+        <p:grpSpPr>
+          <a:xfrm>
+            <a:off x="5121815" y="4641551"/>
+            <a:ext cx="2805568" cy="490273"/>
+            <a:chOff x="4859363" y="5067706"/>
+            <a:chExt cx="2805568" cy="490273"/>
+          </a:xfrm>
+        </p:grpSpPr>
+        <p:sp>
+          <p:nvSpPr>
+            <p:cNvPr id="44" name="Shape 443">
+              <a:extLst>
+                <a:ext uri="{FF2B5EF4-FFF2-40B4-BE49-F238E27FC236}">
+                  <a16:creationId xmlns:a16="http://schemas.microsoft.com/office/drawing/2014/main" id="{93C2505F-AE96-AF4B-9F05-1E55D02B6F06}"/>
+                </a:ext>
+              </a:extLst>
+            </p:cNvPr>
+            <p:cNvSpPr txBox="1"/>
+            <p:nvPr/>
+          </p:nvSpPr>
+          <p:spPr>
+            <a:xfrm>
+              <a:off x="4859363" y="5096315"/>
+              <a:ext cx="1241502" cy="461664"/>
+            </a:xfrm>
+            <a:prstGeom prst="rect">
+              <a:avLst/>
+            </a:prstGeom>
+            <a:noFill/>
+            <a:ln>
+              <a:noFill/>
+            </a:ln>
+          </p:spPr>
+          <p:txBody>
+            <a:bodyPr lIns="91425" tIns="45700" rIns="91425" bIns="45700" anchor="t" anchorCtr="0">
+              <a:noAutofit/>
+            </a:bodyPr>
+            <a:lstStyle/>
+            <a:p>
+              <a:pPr marL="0" marR="0" lvl="0" indent="0" algn="ctr" rtl="0">
+                <a:spcBef>
+                  <a:spcPts val="0"/>
+                </a:spcBef>
+                <a:spcAft>
+                  <a:spcPts val="0"/>
+                </a:spcAft>
+                <a:buSzPct val="25000"/>
+                <a:buNone/>
+              </a:pPr>
+              <a:r>
+                <a:rPr lang="en-US" sz="2400" dirty="0">
+                  <a:solidFill>
+                    <a:schemeClr val="dk1"/>
+                  </a:solidFill>
+                  <a:latin typeface="Calibri"/>
+                  <a:ea typeface="Calibri"/>
+                  <a:cs typeface="Calibri"/>
+                  <a:sym typeface="Calibri"/>
+                </a:rPr>
+                <a:t>{A, B}, 1</a:t>
+              </a:r>
+            </a:p>
+          </p:txBody>
+        </p:sp>
+        <p:sp>
+          <p:nvSpPr>
+            <p:cNvPr id="46" name="Shape 443">
+              <a:extLst>
+                <a:ext uri="{FF2B5EF4-FFF2-40B4-BE49-F238E27FC236}">
+                  <a16:creationId xmlns:a16="http://schemas.microsoft.com/office/drawing/2014/main" id="{99490C44-C8D5-0F47-A81E-1BC8746E077C}"/>
+                </a:ext>
+              </a:extLst>
+            </p:cNvPr>
+            <p:cNvSpPr txBox="1"/>
+            <p:nvPr/>
+          </p:nvSpPr>
+          <p:spPr>
+            <a:xfrm>
+              <a:off x="6423429" y="5067706"/>
+              <a:ext cx="1241502" cy="461664"/>
+            </a:xfrm>
+            <a:prstGeom prst="rect">
+              <a:avLst/>
+            </a:prstGeom>
+            <a:noFill/>
+            <a:ln>
+              <a:noFill/>
+            </a:ln>
+          </p:spPr>
+          <p:txBody>
+            <a:bodyPr lIns="91425" tIns="45700" rIns="91425" bIns="45700" anchor="t" anchorCtr="0">
+              <a:noAutofit/>
+            </a:bodyPr>
+            <a:lstStyle/>
+            <a:p>
+              <a:pPr marL="0" marR="0" lvl="0" indent="0" algn="ctr" rtl="0">
+                <a:spcBef>
+                  <a:spcPts val="0"/>
+                </a:spcBef>
+                <a:spcAft>
+                  <a:spcPts val="0"/>
+                </a:spcAft>
+                <a:buSzPct val="25000"/>
+                <a:buNone/>
+              </a:pPr>
+              <a:r>
+                <a:rPr lang="en-US" sz="2400" dirty="0">
+                  <a:solidFill>
+                    <a:schemeClr val="dk1"/>
+                  </a:solidFill>
+                  <a:latin typeface="Calibri"/>
+                  <a:ea typeface="Calibri"/>
+                  <a:cs typeface="Calibri"/>
+                  <a:sym typeface="Calibri"/>
+                </a:rPr>
+                <a:t>{A}</a:t>
+              </a:r>
+            </a:p>
+          </p:txBody>
+        </p:sp>
+      </p:grpSp>
+      <p:cxnSp>
+        <p:nvCxnSpPr>
+          <p:cNvPr id="47" name="Shape 453">
+            <a:extLst>
+              <a:ext uri="{FF2B5EF4-FFF2-40B4-BE49-F238E27FC236}">
+                <a16:creationId xmlns:a16="http://schemas.microsoft.com/office/drawing/2014/main" id="{BF4D151D-4999-B749-8773-B294A00F9A70}"/>
+              </a:ext>
+            </a:extLst>
+          </p:cNvPr>
+          <p:cNvCxnSpPr>
+            <a:cxnSpLocks/>
+          </p:cNvCxnSpPr>
+          <p:nvPr/>
+        </p:nvCxnSpPr>
+        <p:spPr>
+          <a:xfrm>
+            <a:off x="4966596" y="5180464"/>
+            <a:ext cx="3436715" cy="0"/>
+          </a:xfrm>
+          <a:prstGeom prst="straightConnector1">
+            <a:avLst/>
+          </a:prstGeom>
+          <a:solidFill>
+            <a:schemeClr val="accent1"/>
+          </a:solidFill>
+          <a:ln w="9525" cap="flat" cmpd="sng">
+            <a:solidFill>
+              <a:schemeClr val="dk1"/>
+            </a:solidFill>
+            <a:prstDash val="solid"/>
+            <a:round/>
+            <a:headEnd type="none" w="med" len="med"/>
+            <a:tailEnd type="none" w="med" len="med"/>
+          </a:ln>
+        </p:spPr>
+      </p:cxnSp>
+      <p:grpSp>
+        <p:nvGrpSpPr>
+          <p:cNvPr id="26" name="Group 25">
+            <a:extLst>
+              <a:ext uri="{FF2B5EF4-FFF2-40B4-BE49-F238E27FC236}">
+                <a16:creationId xmlns:a16="http://schemas.microsoft.com/office/drawing/2014/main" id="{94D8A2F2-BA07-6540-BE07-DC6E9FF9E0A3}"/>
+              </a:ext>
+            </a:extLst>
+          </p:cNvPr>
+          <p:cNvGrpSpPr/>
+          <p:nvPr/>
+        </p:nvGrpSpPr>
+        <p:grpSpPr>
+          <a:xfrm>
+            <a:off x="4834452" y="5224306"/>
+            <a:ext cx="3415495" cy="480162"/>
+            <a:chOff x="4572000" y="5650461"/>
+            <a:chExt cx="3415495" cy="480162"/>
+          </a:xfrm>
+        </p:grpSpPr>
+        <p:sp>
+          <p:nvSpPr>
+            <p:cNvPr id="48" name="Shape 443">
+              <a:extLst>
+                <a:ext uri="{FF2B5EF4-FFF2-40B4-BE49-F238E27FC236}">
+                  <a16:creationId xmlns:a16="http://schemas.microsoft.com/office/drawing/2014/main" id="{5DA6860E-6F24-E242-9BEF-29CD228A14B1}"/>
+                </a:ext>
+              </a:extLst>
+            </p:cNvPr>
+            <p:cNvSpPr txBox="1"/>
+            <p:nvPr/>
+          </p:nvSpPr>
+          <p:spPr>
+            <a:xfrm>
+              <a:off x="4572000" y="5650461"/>
+              <a:ext cx="1528865" cy="461664"/>
+            </a:xfrm>
+            <a:prstGeom prst="rect">
+              <a:avLst/>
+            </a:prstGeom>
+            <a:noFill/>
+            <a:ln>
+              <a:noFill/>
+            </a:ln>
+          </p:spPr>
+          <p:txBody>
+            <a:bodyPr lIns="91425" tIns="45700" rIns="91425" bIns="45700" anchor="t" anchorCtr="0">
+              <a:noAutofit/>
+            </a:bodyPr>
+            <a:lstStyle/>
+            <a:p>
+              <a:pPr marL="0" marR="0" lvl="0" indent="0" algn="ctr" rtl="0">
+                <a:spcBef>
+                  <a:spcPts val="0"/>
+                </a:spcBef>
+                <a:spcAft>
+                  <a:spcPts val="0"/>
+                </a:spcAft>
+                <a:buSzPct val="25000"/>
+                <a:buNone/>
+              </a:pPr>
+              <a:r>
+                <a:rPr lang="en-US" sz="2400" dirty="0">
+                  <a:solidFill>
+                    <a:schemeClr val="dk1"/>
+                  </a:solidFill>
+                  <a:latin typeface="Calibri"/>
+                  <a:ea typeface="Calibri"/>
+                  <a:cs typeface="Calibri"/>
+                  <a:sym typeface="Calibri"/>
+                </a:rPr>
+                <a:t>{A, B, C}, 0</a:t>
+              </a:r>
+            </a:p>
+          </p:txBody>
+        </p:sp>
+        <p:sp>
+          <p:nvSpPr>
+            <p:cNvPr id="50" name="Shape 443">
+              <a:extLst>
+                <a:ext uri="{FF2B5EF4-FFF2-40B4-BE49-F238E27FC236}">
+                  <a16:creationId xmlns:a16="http://schemas.microsoft.com/office/drawing/2014/main" id="{B37E17D9-6D0C-9344-9D20-685471AA6547}"/>
+                </a:ext>
+              </a:extLst>
+            </p:cNvPr>
+            <p:cNvSpPr txBox="1"/>
+            <p:nvPr/>
+          </p:nvSpPr>
+          <p:spPr>
+            <a:xfrm>
+              <a:off x="6745993" y="5668959"/>
+              <a:ext cx="1241502" cy="461664"/>
+            </a:xfrm>
+            <a:prstGeom prst="rect">
+              <a:avLst/>
+            </a:prstGeom>
+            <a:noFill/>
+            <a:ln>
+              <a:noFill/>
+            </a:ln>
+          </p:spPr>
+          <p:txBody>
+            <a:bodyPr lIns="91425" tIns="45700" rIns="91425" bIns="45700" anchor="t" anchorCtr="0">
+              <a:noAutofit/>
+            </a:bodyPr>
+            <a:lstStyle/>
+            <a:p>
+              <a:pPr marL="0" marR="0" lvl="0" indent="0" algn="ctr" rtl="0">
+                <a:spcBef>
+                  <a:spcPts val="0"/>
+                </a:spcBef>
+                <a:spcAft>
+                  <a:spcPts val="0"/>
+                </a:spcAft>
+                <a:buSzPct val="25000"/>
+                <a:buNone/>
+              </a:pPr>
+              <a:r>
+                <a:rPr lang="en-US" sz="2400" dirty="0">
+                  <a:solidFill>
+                    <a:schemeClr val="dk1"/>
+                  </a:solidFill>
+                  <a:latin typeface="Calibri"/>
+                  <a:ea typeface="Calibri"/>
+                  <a:cs typeface="Calibri"/>
+                  <a:sym typeface="Calibri"/>
+                </a:rPr>
+                <a:t>{A, B, C}</a:t>
+              </a:r>
+            </a:p>
+          </p:txBody>
+        </p:sp>
+      </p:grpSp>
+      <p:grpSp>
+        <p:nvGrpSpPr>
+          <p:cNvPr id="27" name="Group 26">
+            <a:extLst>
+              <a:ext uri="{FF2B5EF4-FFF2-40B4-BE49-F238E27FC236}">
+                <a16:creationId xmlns:a16="http://schemas.microsoft.com/office/drawing/2014/main" id="{0E4F62DC-28BD-6C43-ABFD-3A0026921738}"/>
+              </a:ext>
+            </a:extLst>
+          </p:cNvPr>
+          <p:cNvGrpSpPr/>
+          <p:nvPr/>
+        </p:nvGrpSpPr>
+        <p:grpSpPr>
+          <a:xfrm>
+            <a:off x="4834452" y="5681868"/>
+            <a:ext cx="3092931" cy="490273"/>
+            <a:chOff x="4572000" y="6108023"/>
+            <a:chExt cx="3092931" cy="490273"/>
+          </a:xfrm>
+        </p:grpSpPr>
+        <p:sp>
+          <p:nvSpPr>
+            <p:cNvPr id="49" name="Shape 443">
+              <a:extLst>
+                <a:ext uri="{FF2B5EF4-FFF2-40B4-BE49-F238E27FC236}">
+                  <a16:creationId xmlns:a16="http://schemas.microsoft.com/office/drawing/2014/main" id="{19249A37-4369-0341-BB1C-26FF34B1D7CD}"/>
+                </a:ext>
+              </a:extLst>
+            </p:cNvPr>
+            <p:cNvSpPr txBox="1"/>
+            <p:nvPr/>
+          </p:nvSpPr>
+          <p:spPr>
+            <a:xfrm>
+              <a:off x="4572000" y="6136632"/>
+              <a:ext cx="1528865" cy="461664"/>
+            </a:xfrm>
+            <a:prstGeom prst="rect">
+              <a:avLst/>
+            </a:prstGeom>
+            <a:noFill/>
+            <a:ln>
+              <a:noFill/>
+            </a:ln>
+          </p:spPr>
+          <p:txBody>
+            <a:bodyPr lIns="91425" tIns="45700" rIns="91425" bIns="45700" anchor="t" anchorCtr="0">
+              <a:noAutofit/>
+            </a:bodyPr>
+            <a:lstStyle/>
+            <a:p>
+              <a:pPr marL="0" marR="0" lvl="0" indent="0" algn="ctr" rtl="0">
+                <a:spcBef>
+                  <a:spcPts val="0"/>
+                </a:spcBef>
+                <a:spcAft>
+                  <a:spcPts val="0"/>
+                </a:spcAft>
+                <a:buSzPct val="25000"/>
+                <a:buNone/>
+              </a:pPr>
+              <a:r>
+                <a:rPr lang="en-US" sz="2400" dirty="0">
+                  <a:solidFill>
+                    <a:schemeClr val="dk1"/>
+                  </a:solidFill>
+                  <a:latin typeface="Calibri"/>
+                  <a:ea typeface="Calibri"/>
+                  <a:cs typeface="Calibri"/>
+                  <a:sym typeface="Calibri"/>
+                </a:rPr>
+                <a:t>{A, B, C}, 1</a:t>
+              </a:r>
+            </a:p>
+          </p:txBody>
+        </p:sp>
+        <p:sp>
+          <p:nvSpPr>
+            <p:cNvPr id="51" name="Shape 443">
+              <a:extLst>
+                <a:ext uri="{FF2B5EF4-FFF2-40B4-BE49-F238E27FC236}">
+                  <a16:creationId xmlns:a16="http://schemas.microsoft.com/office/drawing/2014/main" id="{DA18FA42-A681-BE44-B6AE-157AE8D43E3B}"/>
+                </a:ext>
+              </a:extLst>
+            </p:cNvPr>
+            <p:cNvSpPr txBox="1"/>
+            <p:nvPr/>
+          </p:nvSpPr>
+          <p:spPr>
+            <a:xfrm>
+              <a:off x="6423429" y="6108023"/>
+              <a:ext cx="1241502" cy="461664"/>
+            </a:xfrm>
+            <a:prstGeom prst="rect">
+              <a:avLst/>
+            </a:prstGeom>
+            <a:noFill/>
+            <a:ln>
+              <a:noFill/>
+            </a:ln>
+          </p:spPr>
+          <p:txBody>
+            <a:bodyPr lIns="91425" tIns="45700" rIns="91425" bIns="45700" anchor="t" anchorCtr="0">
+              <a:noAutofit/>
+            </a:bodyPr>
+            <a:lstStyle/>
+            <a:p>
+              <a:pPr marL="0" marR="0" lvl="0" indent="0" algn="ctr" rtl="0">
+                <a:spcBef>
+                  <a:spcPts val="0"/>
+                </a:spcBef>
+                <a:spcAft>
+                  <a:spcPts val="0"/>
+                </a:spcAft>
+                <a:buSzPct val="25000"/>
+                <a:buNone/>
+              </a:pPr>
+              <a:r>
+                <a:rPr lang="en-US" sz="2400" dirty="0">
+                  <a:solidFill>
+                    <a:schemeClr val="dk1"/>
+                  </a:solidFill>
+                  <a:latin typeface="Calibri"/>
+                  <a:ea typeface="Calibri"/>
+                  <a:cs typeface="Calibri"/>
+                  <a:sym typeface="Calibri"/>
+                </a:rPr>
+                <a:t>{A}</a:t>
+              </a:r>
+            </a:p>
+          </p:txBody>
+        </p:sp>
+      </p:grpSp>
+      <p:cxnSp>
+        <p:nvCxnSpPr>
+          <p:cNvPr id="59" name="Shape 434">
+            <a:extLst>
+              <a:ext uri="{FF2B5EF4-FFF2-40B4-BE49-F238E27FC236}">
+                <a16:creationId xmlns:a16="http://schemas.microsoft.com/office/drawing/2014/main" id="{3E2C24FE-8071-CB40-AA4A-700E403363CF}"/>
+              </a:ext>
+            </a:extLst>
+          </p:cNvPr>
+          <p:cNvCxnSpPr>
+            <a:cxnSpLocks/>
+            <a:endCxn id="53" idx="3"/>
+          </p:cNvCxnSpPr>
+          <p:nvPr/>
+        </p:nvCxnSpPr>
+        <p:spPr>
+          <a:xfrm flipV="1">
+            <a:off x="1638047" y="5310787"/>
+            <a:ext cx="644932" cy="218584"/>
+          </a:xfrm>
+          <a:prstGeom prst="straightConnector1">
+            <a:avLst/>
+          </a:prstGeom>
+          <a:noFill/>
+          <a:ln w="28575" cap="flat" cmpd="sng">
+            <a:solidFill>
+              <a:schemeClr val="dk1"/>
+            </a:solidFill>
+            <a:prstDash val="solid"/>
+            <a:round/>
+            <a:headEnd type="none" w="med" len="med"/>
+            <a:tailEnd type="triangle" w="lg" len="lg"/>
+          </a:ln>
+        </p:spPr>
+      </p:cxnSp>
+      <p:sp>
+        <p:nvSpPr>
+          <p:cNvPr id="53" name="Shape 431">
+            <a:extLst>
+              <a:ext uri="{FF2B5EF4-FFF2-40B4-BE49-F238E27FC236}">
+                <a16:creationId xmlns:a16="http://schemas.microsoft.com/office/drawing/2014/main" id="{30F8F1C3-3D42-B640-A6E1-976CE09FC1FB}"/>
+              </a:ext>
+            </a:extLst>
+          </p:cNvPr>
+          <p:cNvSpPr/>
+          <p:nvPr/>
+        </p:nvSpPr>
+        <p:spPr>
+          <a:xfrm>
+            <a:off x="2141939" y="4539255"/>
+            <a:ext cx="963084" cy="903906"/>
+          </a:xfrm>
+          <a:prstGeom prst="flowChartConnector">
+            <a:avLst/>
+          </a:prstGeom>
+          <a:solidFill>
+            <a:srgbClr val="FF9900"/>
+          </a:solidFill>
+          <a:ln w="12700" cap="flat" cmpd="sng">
+            <a:solidFill>
+              <a:schemeClr val="dk1"/>
+            </a:solidFill>
+            <a:prstDash val="solid"/>
+            <a:round/>
+            <a:headEnd type="none" w="med" len="med"/>
+            <a:tailEnd type="none" w="med" len="med"/>
+          </a:ln>
+        </p:spPr>
+        <p:txBody>
+          <a:bodyPr lIns="91425" tIns="45700" rIns="91425" bIns="45700" anchor="ctr" anchorCtr="1">
+            <a:noAutofit/>
+          </a:bodyPr>
+          <a:lstStyle/>
+          <a:p>
+            <a:pPr marL="0" marR="0" lvl="0" indent="0" algn="ctr" rtl="0">
+              <a:spcBef>
+                <a:spcPts val="0"/>
+              </a:spcBef>
+              <a:spcAft>
+                <a:spcPts val="0"/>
+              </a:spcAft>
+              <a:buSzPct val="25000"/>
+              <a:buNone/>
+            </a:pPr>
+            <a:r>
+              <a:rPr lang="en-US" sz="1800" dirty="0">
+                <a:solidFill>
+                  <a:schemeClr val="dk1"/>
+                </a:solidFill>
+                <a:latin typeface="Calibri"/>
+                <a:ea typeface="Calibri"/>
+                <a:cs typeface="Calibri"/>
+                <a:sym typeface="Calibri"/>
+              </a:rPr>
+              <a:t>{A,B}</a:t>
+            </a:r>
+          </a:p>
+        </p:txBody>
+      </p:sp>
+      <p:sp>
+        <p:nvSpPr>
+          <p:cNvPr id="54" name="Shape 431">
+            <a:extLst>
+              <a:ext uri="{FF2B5EF4-FFF2-40B4-BE49-F238E27FC236}">
+                <a16:creationId xmlns:a16="http://schemas.microsoft.com/office/drawing/2014/main" id="{ED6F51EB-CE14-1E40-81ED-A18BB247F290}"/>
+              </a:ext>
+            </a:extLst>
+          </p:cNvPr>
+          <p:cNvSpPr/>
+          <p:nvPr/>
+        </p:nvSpPr>
+        <p:spPr>
+          <a:xfrm>
+            <a:off x="674963" y="5204117"/>
+            <a:ext cx="963084" cy="903906"/>
+          </a:xfrm>
+          <a:prstGeom prst="flowChartConnector">
+            <a:avLst/>
+          </a:prstGeom>
+          <a:solidFill>
+            <a:srgbClr val="FF9900"/>
+          </a:solidFill>
+          <a:ln w="28575" cap="flat" cmpd="sng">
+            <a:solidFill>
+              <a:schemeClr val="dk1"/>
+            </a:solidFill>
+            <a:prstDash val="solid"/>
+            <a:round/>
+            <a:headEnd type="none" w="med" len="med"/>
+            <a:tailEnd type="none" w="med" len="med"/>
+          </a:ln>
+        </p:spPr>
+        <p:txBody>
+          <a:bodyPr lIns="91425" tIns="45700" rIns="91425" bIns="45700" anchor="ctr" anchorCtr="1">
+            <a:noAutofit/>
+          </a:bodyPr>
+          <a:lstStyle/>
+          <a:p>
+            <a:pPr marL="0" marR="0" lvl="0" indent="0" algn="ctr" rtl="0">
+              <a:spcBef>
+                <a:spcPts val="0"/>
+              </a:spcBef>
+              <a:spcAft>
+                <a:spcPts val="0"/>
+              </a:spcAft>
+              <a:buSzPct val="25000"/>
+              <a:buNone/>
+            </a:pPr>
+            <a:r>
+              <a:rPr lang="en-US" sz="1800" dirty="0">
+                <a:solidFill>
+                  <a:schemeClr val="dk1"/>
+                </a:solidFill>
+                <a:latin typeface="Calibri"/>
+                <a:ea typeface="Calibri"/>
+                <a:cs typeface="Calibri"/>
+                <a:sym typeface="Calibri"/>
+              </a:rPr>
+              <a:t>{A}</a:t>
+            </a:r>
+          </a:p>
+        </p:txBody>
+      </p:sp>
+      <p:sp>
+        <p:nvSpPr>
+          <p:cNvPr id="62" name="Shape 436">
+            <a:extLst>
+              <a:ext uri="{FF2B5EF4-FFF2-40B4-BE49-F238E27FC236}">
+                <a16:creationId xmlns:a16="http://schemas.microsoft.com/office/drawing/2014/main" id="{F8F7634C-CBD6-B849-815D-06389F4F9D1F}"/>
+              </a:ext>
+            </a:extLst>
+          </p:cNvPr>
+          <p:cNvSpPr txBox="1"/>
+          <p:nvPr/>
+        </p:nvSpPr>
+        <p:spPr>
+          <a:xfrm>
+            <a:off x="1790113" y="5372657"/>
+            <a:ext cx="340800" cy="461700"/>
+          </a:xfrm>
+          <a:prstGeom prst="rect">
+            <a:avLst/>
+          </a:prstGeom>
+          <a:noFill/>
+          <a:ln w="28575" cap="flat" cmpd="sng">
+            <a:solidFill>
+              <a:srgbClr val="000000">
+                <a:alpha val="0"/>
+              </a:srgbClr>
+            </a:solidFill>
+            <a:prstDash val="solid"/>
+            <a:round/>
+            <a:headEnd type="none" w="med" len="med"/>
+            <a:tailEnd type="none" w="med" len="med"/>
+          </a:ln>
+        </p:spPr>
+        <p:txBody>
+          <a:bodyPr lIns="91425" tIns="45700" rIns="91425" bIns="45700" anchor="t" anchorCtr="0">
+            <a:noAutofit/>
+          </a:bodyPr>
+          <a:lstStyle/>
+          <a:p>
+            <a:pPr marL="0" marR="0" lvl="0" indent="0" algn="ctr" rtl="0">
+              <a:spcBef>
+                <a:spcPts val="0"/>
+              </a:spcBef>
+              <a:spcAft>
+                <a:spcPts val="0"/>
+              </a:spcAft>
+              <a:buSzPct val="25000"/>
+              <a:buNone/>
+            </a:pPr>
+            <a:r>
+              <a:rPr lang="en-US" sz="2400" dirty="0">
+                <a:solidFill>
+                  <a:schemeClr val="dk1"/>
+                </a:solidFill>
+                <a:latin typeface="Calibri"/>
+                <a:ea typeface="Calibri"/>
+                <a:cs typeface="Calibri"/>
+                <a:sym typeface="Calibri"/>
+              </a:rPr>
+              <a:t>0</a:t>
+            </a:r>
+          </a:p>
+        </p:txBody>
+      </p:sp>
+      <p:cxnSp>
+        <p:nvCxnSpPr>
+          <p:cNvPr id="63" name="Shape 438">
+            <a:extLst>
+              <a:ext uri="{FF2B5EF4-FFF2-40B4-BE49-F238E27FC236}">
+                <a16:creationId xmlns:a16="http://schemas.microsoft.com/office/drawing/2014/main" id="{D9145A8A-A845-6345-BFA0-BE70173420E3}"/>
+              </a:ext>
+            </a:extLst>
+          </p:cNvPr>
+          <p:cNvCxnSpPr/>
+          <p:nvPr/>
+        </p:nvCxnSpPr>
+        <p:spPr>
+          <a:xfrm rot="10800000" flipH="1">
+            <a:off x="668908" y="5259599"/>
+            <a:ext cx="279900" cy="273600"/>
+          </a:xfrm>
+          <a:prstGeom prst="curvedConnector4">
+            <a:avLst>
+              <a:gd name="adj1" fmla="val -85166"/>
+              <a:gd name="adj2" fmla="val 187089"/>
+            </a:avLst>
+          </a:prstGeom>
+          <a:noFill/>
+          <a:ln w="28575" cap="flat" cmpd="sng">
+            <a:solidFill>
+              <a:schemeClr val="dk1"/>
+            </a:solidFill>
+            <a:prstDash val="solid"/>
+            <a:round/>
+            <a:headEnd type="none" w="med" len="med"/>
+            <a:tailEnd type="triangle" w="lg" len="lg"/>
+          </a:ln>
+        </p:spPr>
+      </p:cxnSp>
+      <p:sp>
+        <p:nvSpPr>
+          <p:cNvPr id="64" name="Shape 439">
+            <a:extLst>
+              <a:ext uri="{FF2B5EF4-FFF2-40B4-BE49-F238E27FC236}">
+                <a16:creationId xmlns:a16="http://schemas.microsoft.com/office/drawing/2014/main" id="{2E265506-E987-D84C-A8AE-0A9B41D6F2DF}"/>
+              </a:ext>
+            </a:extLst>
+          </p:cNvPr>
+          <p:cNvSpPr txBox="1"/>
+          <p:nvPr/>
+        </p:nvSpPr>
+        <p:spPr>
+          <a:xfrm>
+            <a:off x="156236" y="4725425"/>
+            <a:ext cx="340658" cy="461664"/>
+          </a:xfrm>
+          <a:prstGeom prst="rect">
+            <a:avLst/>
+          </a:prstGeom>
+          <a:noFill/>
+          <a:ln w="28575" cap="flat" cmpd="sng">
+            <a:solidFill>
+              <a:srgbClr val="000000">
+                <a:alpha val="0"/>
+              </a:srgbClr>
+            </a:solidFill>
+            <a:prstDash val="solid"/>
+            <a:round/>
+            <a:headEnd type="none" w="med" len="med"/>
+            <a:tailEnd type="none" w="med" len="med"/>
+          </a:ln>
+        </p:spPr>
+        <p:txBody>
+          <a:bodyPr lIns="91425" tIns="45700" rIns="91425" bIns="45700" anchor="t" anchorCtr="0">
+            <a:noAutofit/>
+          </a:bodyPr>
+          <a:lstStyle/>
+          <a:p>
+            <a:pPr marL="0" marR="0" lvl="0" indent="0" algn="ctr" rtl="0">
+              <a:spcBef>
+                <a:spcPts val="0"/>
+              </a:spcBef>
+              <a:spcAft>
+                <a:spcPts val="0"/>
+              </a:spcAft>
+              <a:buSzPct val="25000"/>
+              <a:buNone/>
+            </a:pPr>
+            <a:r>
+              <a:rPr lang="en-US" sz="2400" dirty="0">
+                <a:solidFill>
+                  <a:schemeClr val="dk1"/>
+                </a:solidFill>
+                <a:latin typeface="Calibri"/>
+                <a:ea typeface="Calibri"/>
+                <a:cs typeface="Calibri"/>
+                <a:sym typeface="Calibri"/>
+              </a:rPr>
+              <a:t>1</a:t>
+            </a:r>
+          </a:p>
+        </p:txBody>
+      </p:sp>
+      <p:sp>
+        <p:nvSpPr>
+          <p:cNvPr id="76" name="Shape 439">
+            <a:extLst>
+              <a:ext uri="{FF2B5EF4-FFF2-40B4-BE49-F238E27FC236}">
+                <a16:creationId xmlns:a16="http://schemas.microsoft.com/office/drawing/2014/main" id="{66D5FD7D-6BC0-9443-B7C8-AE3E29F9CD32}"/>
+              </a:ext>
+            </a:extLst>
+          </p:cNvPr>
+          <p:cNvSpPr txBox="1"/>
+          <p:nvPr/>
+        </p:nvSpPr>
+        <p:spPr>
+          <a:xfrm>
+            <a:off x="1703830" y="4257817"/>
+            <a:ext cx="340658" cy="461664"/>
+          </a:xfrm>
+          <a:prstGeom prst="rect">
+            <a:avLst/>
+          </a:prstGeom>
+          <a:noFill/>
+          <a:ln w="28575" cap="flat" cmpd="sng">
+            <a:solidFill>
+              <a:srgbClr val="000000">
+                <a:alpha val="0"/>
+              </a:srgbClr>
+            </a:solidFill>
+            <a:prstDash val="solid"/>
+            <a:round/>
+            <a:headEnd type="none" w="med" len="med"/>
+            <a:tailEnd type="none" w="med" len="med"/>
+          </a:ln>
+        </p:spPr>
+        <p:txBody>
+          <a:bodyPr lIns="91425" tIns="45700" rIns="91425" bIns="45700" anchor="t" anchorCtr="0">
+            <a:noAutofit/>
+          </a:bodyPr>
+          <a:lstStyle/>
+          <a:p>
+            <a:pPr marL="0" marR="0" lvl="0" indent="0" algn="ctr" rtl="0">
+              <a:spcBef>
+                <a:spcPts val="0"/>
+              </a:spcBef>
+              <a:spcAft>
+                <a:spcPts val="0"/>
+              </a:spcAft>
+              <a:buSzPct val="25000"/>
+              <a:buNone/>
+            </a:pPr>
+            <a:r>
+              <a:rPr lang="en-US" sz="2400" dirty="0">
+                <a:solidFill>
+                  <a:schemeClr val="dk1"/>
+                </a:solidFill>
+                <a:latin typeface="Calibri"/>
+                <a:ea typeface="Calibri"/>
+                <a:cs typeface="Calibri"/>
+                <a:sym typeface="Calibri"/>
+              </a:rPr>
+              <a:t>1</a:t>
+            </a:r>
+          </a:p>
+        </p:txBody>
+      </p:sp>
+      <p:cxnSp>
+        <p:nvCxnSpPr>
+          <p:cNvPr id="58" name="Shape 434">
+            <a:extLst>
+              <a:ext uri="{FF2B5EF4-FFF2-40B4-BE49-F238E27FC236}">
+                <a16:creationId xmlns:a16="http://schemas.microsoft.com/office/drawing/2014/main" id="{88A7DA8A-BFE0-4743-B317-727475E8EA9A}"/>
+              </a:ext>
+            </a:extLst>
+          </p:cNvPr>
+          <p:cNvCxnSpPr>
+            <a:cxnSpLocks/>
+            <a:endCxn id="54" idx="5"/>
+          </p:cNvCxnSpPr>
+          <p:nvPr/>
+        </p:nvCxnSpPr>
+        <p:spPr>
+          <a:xfrm flipH="1" flipV="1">
+            <a:off x="1497007" y="5975649"/>
+            <a:ext cx="1557604" cy="272752"/>
+          </a:xfrm>
+          <a:prstGeom prst="straightConnector1">
+            <a:avLst/>
+          </a:prstGeom>
+          <a:noFill/>
+          <a:ln w="28575" cap="flat" cmpd="sng">
+            <a:solidFill>
+              <a:schemeClr val="dk1"/>
+            </a:solidFill>
+            <a:prstDash val="solid"/>
+            <a:round/>
+            <a:headEnd type="none" w="med" len="med"/>
+            <a:tailEnd type="triangle" w="lg" len="lg"/>
+          </a:ln>
+        </p:spPr>
+      </p:cxnSp>
+      <p:cxnSp>
+        <p:nvCxnSpPr>
+          <p:cNvPr id="77" name="Shape 438">
+            <a:extLst>
+              <a:ext uri="{FF2B5EF4-FFF2-40B4-BE49-F238E27FC236}">
+                <a16:creationId xmlns:a16="http://schemas.microsoft.com/office/drawing/2014/main" id="{5051D28A-00DD-3F44-AA03-61D7A8094CD6}"/>
+              </a:ext>
+            </a:extLst>
+          </p:cNvPr>
+          <p:cNvCxnSpPr>
+            <a:cxnSpLocks/>
+            <a:stCxn id="55" idx="7"/>
+            <a:endCxn id="55" idx="6"/>
+          </p:cNvCxnSpPr>
+          <p:nvPr/>
+        </p:nvCxnSpPr>
+        <p:spPr>
+          <a:xfrm rot="16200000" flipH="1">
+            <a:off x="3869400" y="5859453"/>
+            <a:ext cx="400146" cy="160366"/>
+          </a:xfrm>
+          <a:prstGeom prst="curvedConnector4">
+            <a:avLst>
+              <a:gd name="adj1" fmla="val -98551"/>
+              <a:gd name="adj2" fmla="val 242549"/>
+            </a:avLst>
+          </a:prstGeom>
+          <a:noFill/>
+          <a:ln w="28575" cap="flat" cmpd="sng">
+            <a:solidFill>
+              <a:schemeClr val="dk1"/>
+            </a:solidFill>
+            <a:prstDash val="solid"/>
+            <a:round/>
+            <a:headEnd type="none" w="med" len="med"/>
+            <a:tailEnd type="triangle" w="lg" len="lg"/>
+          </a:ln>
+        </p:spPr>
+      </p:cxnSp>
+      <p:sp>
+        <p:nvSpPr>
+          <p:cNvPr id="78" name="Shape 439">
+            <a:extLst>
+              <a:ext uri="{FF2B5EF4-FFF2-40B4-BE49-F238E27FC236}">
+                <a16:creationId xmlns:a16="http://schemas.microsoft.com/office/drawing/2014/main" id="{AB9FF5FA-69B4-BF41-A7E8-6D73CD98B625}"/>
+              </a:ext>
+            </a:extLst>
+          </p:cNvPr>
+          <p:cNvSpPr txBox="1"/>
+          <p:nvPr/>
+        </p:nvSpPr>
+        <p:spPr>
+          <a:xfrm>
+            <a:off x="4114309" y="4859730"/>
+            <a:ext cx="340658" cy="461664"/>
+          </a:xfrm>
+          <a:prstGeom prst="rect">
+            <a:avLst/>
+          </a:prstGeom>
+          <a:noFill/>
+          <a:ln w="28575" cap="flat" cmpd="sng">
+            <a:solidFill>
+              <a:srgbClr val="000000">
+                <a:alpha val="0"/>
+              </a:srgbClr>
+            </a:solidFill>
+            <a:prstDash val="solid"/>
+            <a:round/>
+            <a:headEnd type="none" w="med" len="med"/>
+            <a:tailEnd type="none" w="med" len="med"/>
+          </a:ln>
+        </p:spPr>
+        <p:txBody>
+          <a:bodyPr lIns="91425" tIns="45700" rIns="91425" bIns="45700" anchor="t" anchorCtr="0">
+            <a:noAutofit/>
+          </a:bodyPr>
+          <a:lstStyle/>
+          <a:p>
+            <a:pPr marL="0" marR="0" lvl="0" indent="0" algn="ctr" rtl="0">
+              <a:spcBef>
+                <a:spcPts val="0"/>
+              </a:spcBef>
+              <a:spcAft>
+                <a:spcPts val="0"/>
+              </a:spcAft>
+              <a:buSzPct val="25000"/>
+              <a:buNone/>
+            </a:pPr>
+            <a:r>
+              <a:rPr lang="en-US" sz="2400" dirty="0">
+                <a:solidFill>
+                  <a:schemeClr val="dk1"/>
+                </a:solidFill>
+                <a:latin typeface="Calibri"/>
+                <a:ea typeface="Calibri"/>
+                <a:cs typeface="Calibri"/>
+                <a:sym typeface="Calibri"/>
+              </a:rPr>
+              <a:t>1</a:t>
+            </a:r>
+          </a:p>
+        </p:txBody>
+      </p:sp>
+      <p:sp>
+        <p:nvSpPr>
+          <p:cNvPr id="83" name="Shape 436">
+            <a:extLst>
+              <a:ext uri="{FF2B5EF4-FFF2-40B4-BE49-F238E27FC236}">
+                <a16:creationId xmlns:a16="http://schemas.microsoft.com/office/drawing/2014/main" id="{E086C0F8-42EA-3B4E-B21F-F1E85A5519D3}"/>
+              </a:ext>
+            </a:extLst>
+          </p:cNvPr>
+          <p:cNvSpPr txBox="1"/>
+          <p:nvPr/>
+        </p:nvSpPr>
+        <p:spPr>
+          <a:xfrm>
+            <a:off x="2016343" y="6096309"/>
+            <a:ext cx="340800" cy="461700"/>
+          </a:xfrm>
+          <a:prstGeom prst="rect">
+            <a:avLst/>
+          </a:prstGeom>
+          <a:noFill/>
+          <a:ln w="28575" cap="flat" cmpd="sng">
+            <a:solidFill>
+              <a:srgbClr val="000000">
+                <a:alpha val="0"/>
+              </a:srgbClr>
+            </a:solidFill>
+            <a:prstDash val="solid"/>
+            <a:round/>
+            <a:headEnd type="none" w="med" len="med"/>
+            <a:tailEnd type="none" w="med" len="med"/>
+          </a:ln>
+        </p:spPr>
+        <p:txBody>
+          <a:bodyPr lIns="91425" tIns="45700" rIns="91425" bIns="45700" anchor="t" anchorCtr="0">
+            <a:noAutofit/>
+          </a:bodyPr>
+          <a:lstStyle/>
+          <a:p>
+            <a:pPr marL="0" marR="0" lvl="0" indent="0" algn="ctr" rtl="0">
+              <a:spcBef>
+                <a:spcPts val="0"/>
+              </a:spcBef>
+              <a:spcAft>
+                <a:spcPts val="0"/>
+              </a:spcAft>
+              <a:buSzPct val="25000"/>
+              <a:buNone/>
+            </a:pPr>
+            <a:r>
+              <a:rPr lang="en-US" sz="2400" dirty="0">
+                <a:solidFill>
+                  <a:schemeClr val="dk1"/>
+                </a:solidFill>
+                <a:latin typeface="Calibri"/>
+                <a:ea typeface="Calibri"/>
+                <a:cs typeface="Calibri"/>
+                <a:sym typeface="Calibri"/>
+              </a:rPr>
+              <a:t>0</a:t>
+            </a:r>
+          </a:p>
+        </p:txBody>
+      </p:sp>
+      <p:sp>
+        <p:nvSpPr>
+          <p:cNvPr id="55" name="Shape 431">
+            <a:extLst>
+              <a:ext uri="{FF2B5EF4-FFF2-40B4-BE49-F238E27FC236}">
+                <a16:creationId xmlns:a16="http://schemas.microsoft.com/office/drawing/2014/main" id="{4A446111-6739-3E4D-964A-B03502E5DA31}"/>
+              </a:ext>
+            </a:extLst>
+          </p:cNvPr>
+          <p:cNvSpPr/>
+          <p:nvPr/>
+        </p:nvSpPr>
+        <p:spPr>
+          <a:xfrm>
+            <a:off x="3054610" y="5573817"/>
+            <a:ext cx="1095046" cy="1131783"/>
+          </a:xfrm>
+          <a:prstGeom prst="flowChartConnector">
+            <a:avLst/>
+          </a:prstGeom>
+          <a:solidFill>
+            <a:srgbClr val="FF9900"/>
+          </a:solidFill>
+          <a:ln w="28575" cap="flat" cmpd="thinThick">
+            <a:solidFill>
+              <a:schemeClr val="dk1"/>
+            </a:solidFill>
+            <a:prstDash val="solid"/>
+            <a:round/>
+            <a:headEnd type="none" w="med" len="med"/>
+            <a:tailEnd type="none" w="med" len="med"/>
+          </a:ln>
+        </p:spPr>
+        <p:txBody>
+          <a:bodyPr lIns="91425" tIns="45700" rIns="91425" bIns="45700" anchor="ctr" anchorCtr="1">
+            <a:noAutofit/>
+          </a:bodyPr>
+          <a:lstStyle/>
+          <a:p>
+            <a:pPr marL="0" marR="0" lvl="0" indent="0" algn="ctr" rtl="0">
+              <a:spcBef>
+                <a:spcPts val="0"/>
+              </a:spcBef>
+              <a:spcAft>
+                <a:spcPts val="0"/>
+              </a:spcAft>
+              <a:buSzPct val="25000"/>
+              <a:buNone/>
+            </a:pPr>
+            <a:r>
+              <a:rPr lang="en-US" sz="1600" dirty="0">
+                <a:solidFill>
+                  <a:schemeClr val="dk1"/>
+                </a:solidFill>
+                <a:latin typeface="Calibri"/>
+                <a:ea typeface="Calibri"/>
+                <a:cs typeface="Calibri"/>
+                <a:sym typeface="Calibri"/>
+              </a:rPr>
+              <a:t>{A,B,C}</a:t>
+            </a:r>
+          </a:p>
+        </p:txBody>
+      </p:sp>
+      <p:cxnSp>
+        <p:nvCxnSpPr>
+          <p:cNvPr id="66" name="Shape 434">
+            <a:extLst>
+              <a:ext uri="{FF2B5EF4-FFF2-40B4-BE49-F238E27FC236}">
+                <a16:creationId xmlns:a16="http://schemas.microsoft.com/office/drawing/2014/main" id="{C52D73AE-8B93-5F4B-84EA-15F809E38072}"/>
+              </a:ext>
+            </a:extLst>
+          </p:cNvPr>
+          <p:cNvCxnSpPr>
+            <a:cxnSpLocks/>
+            <a:stCxn id="53" idx="5"/>
+            <a:endCxn id="55" idx="0"/>
+          </p:cNvCxnSpPr>
+          <p:nvPr/>
+        </p:nvCxnSpPr>
+        <p:spPr>
+          <a:xfrm>
+            <a:off x="2963983" y="5310787"/>
+            <a:ext cx="638150" cy="263030"/>
+          </a:xfrm>
+          <a:prstGeom prst="straightConnector1">
+            <a:avLst/>
+          </a:prstGeom>
+          <a:noFill/>
+          <a:ln w="28575" cap="flat" cmpd="sng">
+            <a:solidFill>
+              <a:schemeClr val="dk1"/>
+            </a:solidFill>
+            <a:prstDash val="solid"/>
+            <a:round/>
+            <a:headEnd type="none" w="med" len="med"/>
+            <a:tailEnd type="triangle" w="lg" len="lg"/>
+          </a:ln>
+        </p:spPr>
+      </p:cxnSp>
+      <p:cxnSp>
+        <p:nvCxnSpPr>
+          <p:cNvPr id="15" name="Curved Connector 14">
+            <a:extLst>
+              <a:ext uri="{FF2B5EF4-FFF2-40B4-BE49-F238E27FC236}">
+                <a16:creationId xmlns:a16="http://schemas.microsoft.com/office/drawing/2014/main" id="{47F0B0F8-3E00-BC4A-848C-7184ACA2CE5E}"/>
+              </a:ext>
+            </a:extLst>
+          </p:cNvPr>
+          <p:cNvCxnSpPr>
+            <a:stCxn id="53" idx="0"/>
+            <a:endCxn id="54" idx="0"/>
+          </p:cNvCxnSpPr>
+          <p:nvPr/>
+        </p:nvCxnSpPr>
+        <p:spPr>
+          <a:xfrm rot="16200000" flipH="1" flipV="1">
+            <a:off x="1557562" y="4138198"/>
+            <a:ext cx="664862" cy="1466976"/>
+          </a:xfrm>
+          <a:prstGeom prst="curvedConnector3">
+            <a:avLst>
+              <a:gd name="adj1" fmla="val -34383"/>
+            </a:avLst>
+          </a:prstGeom>
+          <a:ln w="38100">
+            <a:solidFill>
+              <a:schemeClr val="tx1"/>
+            </a:solidFill>
+            <a:tailEnd type="triangle"/>
+          </a:ln>
+        </p:spPr>
+        <p:style>
+          <a:lnRef idx="1">
+            <a:schemeClr val="accent1"/>
+          </a:lnRef>
+          <a:fillRef idx="0">
+            <a:schemeClr val="accent1"/>
+          </a:fillRef>
+          <a:effectRef idx="0">
+            <a:schemeClr val="accent1"/>
+          </a:effectRef>
+          <a:fontRef idx="minor">
+            <a:schemeClr val="tx1"/>
+          </a:fontRef>
+        </p:style>
+      </p:cxnSp>
+      <p:sp>
+        <p:nvSpPr>
+          <p:cNvPr id="84" name="Shape 436">
+            <a:extLst>
+              <a:ext uri="{FF2B5EF4-FFF2-40B4-BE49-F238E27FC236}">
+                <a16:creationId xmlns:a16="http://schemas.microsoft.com/office/drawing/2014/main" id="{6500A58D-E6D4-8A44-B990-B5F4D6CD1CE6}"/>
+              </a:ext>
+            </a:extLst>
+          </p:cNvPr>
+          <p:cNvSpPr txBox="1"/>
+          <p:nvPr/>
+        </p:nvSpPr>
+        <p:spPr>
+          <a:xfrm>
+            <a:off x="3183178" y="4980602"/>
+            <a:ext cx="340800" cy="461700"/>
+          </a:xfrm>
+          <a:prstGeom prst="rect">
+            <a:avLst/>
+          </a:prstGeom>
+          <a:noFill/>
+          <a:ln w="28575" cap="flat" cmpd="sng">
+            <a:solidFill>
+              <a:srgbClr val="000000">
+                <a:alpha val="0"/>
+              </a:srgbClr>
+            </a:solidFill>
+            <a:prstDash val="solid"/>
+            <a:round/>
+            <a:headEnd type="none" w="med" len="med"/>
+            <a:tailEnd type="none" w="med" len="med"/>
+          </a:ln>
+        </p:spPr>
+        <p:txBody>
+          <a:bodyPr lIns="91425" tIns="45700" rIns="91425" bIns="45700" anchor="t" anchorCtr="0">
+            <a:noAutofit/>
+          </a:bodyPr>
+          <a:lstStyle/>
+          <a:p>
+            <a:pPr marL="0" marR="0" lvl="0" indent="0" algn="ctr" rtl="0">
+              <a:spcBef>
+                <a:spcPts val="0"/>
+              </a:spcBef>
+              <a:spcAft>
+                <a:spcPts val="0"/>
+              </a:spcAft>
+              <a:buSzPct val="25000"/>
+              <a:buNone/>
+            </a:pPr>
+            <a:r>
+              <a:rPr lang="en-US" sz="2400" dirty="0">
+                <a:solidFill>
+                  <a:schemeClr val="dk1"/>
+                </a:solidFill>
+                <a:latin typeface="Calibri"/>
+                <a:ea typeface="Calibri"/>
+                <a:cs typeface="Calibri"/>
+                <a:sym typeface="Calibri"/>
+              </a:rPr>
+              <a:t>0</a:t>
+            </a:r>
+          </a:p>
+        </p:txBody>
+      </p:sp>
+    </p:spTree>
+    <p:extLst>
+      <p:ext uri="{BB962C8B-B14F-4D97-AF65-F5344CB8AC3E}">
+        <p14:creationId xmlns:p14="http://schemas.microsoft.com/office/powerpoint/2010/main" val="812452560"/>
+      </p:ext>
+    </p:extLst>
+  </p:cSld>
+  <p:clrMapOvr>
+    <a:masterClrMapping/>
+  </p:clrMapOvr>
+  <p:timing>
+    <p:tnLst>
+      <p:par>
+        <p:cTn id="1" dur="indefinite" restart="never" nodeType="tmRoot">
+          <p:childTnLst>
+            <p:seq concurrent="1" nextAc="seek">
+              <p:cTn id="2" dur="indefinite" nodeType="mainSeq">
+                <p:childTnLst>
+                  <p:par>
+                    <p:cTn id="3" fill="hold">
+                      <p:stCondLst>
+                        <p:cond delay="indefinite"/>
+                      </p:stCondLst>
+                      <p:childTnLst>
+                        <p:par>
+                          <p:cTn id="4" fill="hold">
+                            <p:stCondLst>
+                              <p:cond delay="0"/>
+                            </p:stCondLst>
+                            <p:childTnLst>
+                              <p:par>
+                                <p:cTn id="5" presetID="1" presetClass="entr" presetSubtype="0" fill="hold" nodeType="clickEffect">
+                                  <p:stCondLst>
+                                    <p:cond delay="0"/>
+                                  </p:stCondLst>
+                                  <p:childTnLst>
+                                    <p:set>
+                                      <p:cBhvr>
+                                        <p:cTn id="6" dur="1" fill="hold">
+                                          <p:stCondLst>
+                                            <p:cond delay="0"/>
+                                          </p:stCondLst>
+                                        </p:cTn>
+                                        <p:tgtEl>
+                                          <p:spTgt spid="21"/>
+                                        </p:tgtEl>
+                                        <p:attrNameLst>
+                                          <p:attrName>style.visibility</p:attrName>
+                                        </p:attrNameLst>
+                                      </p:cBhvr>
+                                      <p:to>
+                                        <p:strVal val="visible"/>
+                                      </p:to>
+                                    </p:set>
+                                  </p:childTnLst>
+                                </p:cTn>
+                              </p:par>
+                            </p:childTnLst>
+                          </p:cTn>
+                        </p:par>
+                      </p:childTnLst>
+                    </p:cTn>
+                  </p:par>
+                  <p:par>
+                    <p:cTn id="7" fill="hold">
+                      <p:stCondLst>
+                        <p:cond delay="indefinite"/>
+                      </p:stCondLst>
+                      <p:childTnLst>
+                        <p:par>
+                          <p:cTn id="8" fill="hold">
+                            <p:stCondLst>
+                              <p:cond delay="0"/>
+                            </p:stCondLst>
+                            <p:childTnLst>
+                              <p:par>
+                                <p:cTn id="9" presetID="1" presetClass="entr" presetSubtype="0" fill="hold" nodeType="clickEffect">
+                                  <p:stCondLst>
+                                    <p:cond delay="0"/>
+                                  </p:stCondLst>
+                                  <p:childTnLst>
+                                    <p:set>
+                                      <p:cBhvr>
+                                        <p:cTn id="10" dur="1" fill="hold">
+                                          <p:stCondLst>
+                                            <p:cond delay="0"/>
+                                          </p:stCondLst>
+                                        </p:cTn>
+                                        <p:tgtEl>
+                                          <p:spTgt spid="22"/>
+                                        </p:tgtEl>
+                                        <p:attrNameLst>
+                                          <p:attrName>style.visibility</p:attrName>
+                                        </p:attrNameLst>
+                                      </p:cBhvr>
+                                      <p:to>
+                                        <p:strVal val="visible"/>
+                                      </p:to>
+                                    </p:set>
+                                  </p:childTnLst>
+                                </p:cTn>
+                              </p:par>
+                            </p:childTnLst>
+                          </p:cTn>
+                        </p:par>
+                      </p:childTnLst>
+                    </p:cTn>
+                  </p:par>
+                  <p:par>
+                    <p:cTn id="11" fill="hold">
+                      <p:stCondLst>
+                        <p:cond delay="indefinite"/>
+                      </p:stCondLst>
+                      <p:childTnLst>
+                        <p:par>
+                          <p:cTn id="12" fill="hold">
+                            <p:stCondLst>
+                              <p:cond delay="0"/>
+                            </p:stCondLst>
+                            <p:childTnLst>
+                              <p:par>
+                                <p:cTn id="13" presetID="1" presetClass="entr" presetSubtype="0" fill="hold" nodeType="clickEffect">
+                                  <p:stCondLst>
+                                    <p:cond delay="0"/>
+                                  </p:stCondLst>
+                                  <p:childTnLst>
+                                    <p:set>
+                                      <p:cBhvr>
+                                        <p:cTn id="14" dur="1" fill="hold">
+                                          <p:stCondLst>
+                                            <p:cond delay="0"/>
+                                          </p:stCondLst>
+                                        </p:cTn>
+                                        <p:tgtEl>
+                                          <p:spTgt spid="23"/>
+                                        </p:tgtEl>
+                                        <p:attrNameLst>
+                                          <p:attrName>style.visibility</p:attrName>
+                                        </p:attrNameLst>
+                                      </p:cBhvr>
+                                      <p:to>
+                                        <p:strVal val="visible"/>
+                                      </p:to>
+                                    </p:set>
+                                  </p:childTnLst>
+                                </p:cTn>
+                              </p:par>
+                            </p:childTnLst>
+                          </p:cTn>
+                        </p:par>
+                      </p:childTnLst>
+                    </p:cTn>
+                  </p:par>
+                  <p:par>
+                    <p:cTn id="15" fill="hold">
+                      <p:stCondLst>
+                        <p:cond delay="indefinite"/>
+                      </p:stCondLst>
+                      <p:childTnLst>
+                        <p:par>
+                          <p:cTn id="16" fill="hold">
+                            <p:stCondLst>
+                              <p:cond delay="0"/>
+                            </p:stCondLst>
+                            <p:childTnLst>
+                              <p:par>
+                                <p:cTn id="17" presetID="1" presetClass="entr" presetSubtype="0" fill="hold" nodeType="clickEffect">
+                                  <p:stCondLst>
+                                    <p:cond delay="0"/>
+                                  </p:stCondLst>
+                                  <p:childTnLst>
+                                    <p:set>
+                                      <p:cBhvr>
+                                        <p:cTn id="18" dur="1" fill="hold">
+                                          <p:stCondLst>
+                                            <p:cond delay="0"/>
+                                          </p:stCondLst>
+                                        </p:cTn>
+                                        <p:tgtEl>
+                                          <p:spTgt spid="40"/>
+                                        </p:tgtEl>
+                                        <p:attrNameLst>
+                                          <p:attrName>style.visibility</p:attrName>
+                                        </p:attrNameLst>
+                                      </p:cBhvr>
+                                      <p:to>
+                                        <p:strVal val="visible"/>
+                                      </p:to>
+                                    </p:set>
+                                  </p:childTnLst>
+                                </p:cTn>
+                              </p:par>
+                            </p:childTnLst>
+                          </p:cTn>
+                        </p:par>
+                      </p:childTnLst>
+                    </p:cTn>
+                  </p:par>
+                  <p:par>
+                    <p:cTn id="19" fill="hold">
+                      <p:stCondLst>
+                        <p:cond delay="indefinite"/>
+                      </p:stCondLst>
+                      <p:childTnLst>
+                        <p:par>
+                          <p:cTn id="20" fill="hold">
+                            <p:stCondLst>
+                              <p:cond delay="0"/>
+                            </p:stCondLst>
+                            <p:childTnLst>
+                              <p:par>
+                                <p:cTn id="21" presetID="1" presetClass="entr" presetSubtype="0" fill="hold" nodeType="clickEffect">
+                                  <p:stCondLst>
+                                    <p:cond delay="0"/>
+                                  </p:stCondLst>
+                                  <p:childTnLst>
+                                    <p:set>
+                                      <p:cBhvr>
+                                        <p:cTn id="22" dur="1" fill="hold">
+                                          <p:stCondLst>
+                                            <p:cond delay="0"/>
+                                          </p:stCondLst>
+                                        </p:cTn>
+                                        <p:tgtEl>
+                                          <p:spTgt spid="24"/>
+                                        </p:tgtEl>
+                                        <p:attrNameLst>
+                                          <p:attrName>style.visibility</p:attrName>
+                                        </p:attrNameLst>
+                                      </p:cBhvr>
+                                      <p:to>
+                                        <p:strVal val="visible"/>
+                                      </p:to>
+                                    </p:set>
+                                  </p:childTnLst>
+                                </p:cTn>
+                              </p:par>
+                            </p:childTnLst>
+                          </p:cTn>
+                        </p:par>
+                      </p:childTnLst>
+                    </p:cTn>
+                  </p:par>
+                  <p:par>
+                    <p:cTn id="23" fill="hold">
+                      <p:stCondLst>
+                        <p:cond delay="indefinite"/>
+                      </p:stCondLst>
+                      <p:childTnLst>
+                        <p:par>
+                          <p:cTn id="24" fill="hold">
+                            <p:stCondLst>
+                              <p:cond delay="0"/>
+                            </p:stCondLst>
+                            <p:childTnLst>
+                              <p:par>
+                                <p:cTn id="25" presetID="1" presetClass="entr" presetSubtype="0" fill="hold" nodeType="clickEffect">
+                                  <p:stCondLst>
+                                    <p:cond delay="0"/>
+                                  </p:stCondLst>
+                                  <p:childTnLst>
+                                    <p:set>
+                                      <p:cBhvr>
+                                        <p:cTn id="26" dur="1" fill="hold">
+                                          <p:stCondLst>
+                                            <p:cond delay="0"/>
+                                          </p:stCondLst>
+                                        </p:cTn>
+                                        <p:tgtEl>
+                                          <p:spTgt spid="25"/>
+                                        </p:tgtEl>
+                                        <p:attrNameLst>
+                                          <p:attrName>style.visibility</p:attrName>
+                                        </p:attrNameLst>
+                                      </p:cBhvr>
+                                      <p:to>
+                                        <p:strVal val="visible"/>
+                                      </p:to>
+                                    </p:set>
+                                  </p:childTnLst>
+                                </p:cTn>
+                              </p:par>
+                            </p:childTnLst>
+                          </p:cTn>
+                        </p:par>
+                      </p:childTnLst>
+                    </p:cTn>
+                  </p:par>
+                  <p:par>
+                    <p:cTn id="27" fill="hold">
+                      <p:stCondLst>
+                        <p:cond delay="indefinite"/>
+                      </p:stCondLst>
+                      <p:childTnLst>
+                        <p:par>
+                          <p:cTn id="28" fill="hold">
+                            <p:stCondLst>
+                              <p:cond delay="0"/>
+                            </p:stCondLst>
+                            <p:childTnLst>
+                              <p:par>
+                                <p:cTn id="29" presetID="1" presetClass="entr" presetSubtype="0" fill="hold" nodeType="clickEffect">
+                                  <p:stCondLst>
+                                    <p:cond delay="0"/>
+                                  </p:stCondLst>
+                                  <p:childTnLst>
+                                    <p:set>
+                                      <p:cBhvr>
+                                        <p:cTn id="30" dur="1" fill="hold">
+                                          <p:stCondLst>
+                                            <p:cond delay="0"/>
+                                          </p:stCondLst>
+                                        </p:cTn>
+                                        <p:tgtEl>
+                                          <p:spTgt spid="47"/>
+                                        </p:tgtEl>
+                                        <p:attrNameLst>
+                                          <p:attrName>style.visibility</p:attrName>
+                                        </p:attrNameLst>
+                                      </p:cBhvr>
+                                      <p:to>
+                                        <p:strVal val="visible"/>
+                                      </p:to>
+                                    </p:set>
+                                  </p:childTnLst>
+                                </p:cTn>
+                              </p:par>
+                            </p:childTnLst>
+                          </p:cTn>
+                        </p:par>
+                      </p:childTnLst>
+                    </p:cTn>
+                  </p:par>
+                  <p:par>
+                    <p:cTn id="31" fill="hold">
+                      <p:stCondLst>
+                        <p:cond delay="indefinite"/>
+                      </p:stCondLst>
+                      <p:childTnLst>
+                        <p:par>
+                          <p:cTn id="32" fill="hold">
+                            <p:stCondLst>
+                              <p:cond delay="0"/>
+                            </p:stCondLst>
+                            <p:childTnLst>
+                              <p:par>
+                                <p:cTn id="33" presetID="1" presetClass="entr" presetSubtype="0" fill="hold" nodeType="clickEffect">
+                                  <p:stCondLst>
+                                    <p:cond delay="0"/>
+                                  </p:stCondLst>
+                                  <p:childTnLst>
+                                    <p:set>
+                                      <p:cBhvr>
+                                        <p:cTn id="34" dur="1" fill="hold">
+                                          <p:stCondLst>
+                                            <p:cond delay="0"/>
+                                          </p:stCondLst>
+                                        </p:cTn>
+                                        <p:tgtEl>
+                                          <p:spTgt spid="26"/>
+                                        </p:tgtEl>
+                                        <p:attrNameLst>
+                                          <p:attrName>style.visibility</p:attrName>
+                                        </p:attrNameLst>
+                                      </p:cBhvr>
+                                      <p:to>
+                                        <p:strVal val="visible"/>
+                                      </p:to>
+                                    </p:set>
+                                  </p:childTnLst>
+                                </p:cTn>
+                              </p:par>
+                            </p:childTnLst>
+                          </p:cTn>
+                        </p:par>
+                      </p:childTnLst>
+                    </p:cTn>
+                  </p:par>
+                  <p:par>
+                    <p:cTn id="35" fill="hold">
+                      <p:stCondLst>
+                        <p:cond delay="indefinite"/>
+                      </p:stCondLst>
+                      <p:childTnLst>
+                        <p:par>
+                          <p:cTn id="36" fill="hold">
+                            <p:stCondLst>
+                              <p:cond delay="0"/>
+                            </p:stCondLst>
+                            <p:childTnLst>
+                              <p:par>
+                                <p:cTn id="37" presetID="1" presetClass="entr" presetSubtype="0" fill="hold" nodeType="clickEffect">
+                                  <p:stCondLst>
+                                    <p:cond delay="0"/>
+                                  </p:stCondLst>
+                                  <p:childTnLst>
+                                    <p:set>
+                                      <p:cBhvr>
+                                        <p:cTn id="38" dur="1" fill="hold">
+                                          <p:stCondLst>
+                                            <p:cond delay="0"/>
+                                          </p:stCondLst>
+                                        </p:cTn>
+                                        <p:tgtEl>
+                                          <p:spTgt spid="27"/>
+                                        </p:tgtEl>
+                                        <p:attrNameLst>
+                                          <p:attrName>style.visibility</p:attrName>
+                                        </p:attrNameLst>
+                                      </p:cBhvr>
+                                      <p:to>
+                                        <p:strVal val="visible"/>
+                                      </p:to>
+                                    </p:set>
+                                  </p:childTnLst>
+                                </p:cTn>
+                              </p:par>
+                            </p:childTnLst>
+                          </p:cTn>
+                        </p:par>
+                      </p:childTnLst>
+                    </p:cTn>
+                  </p:par>
+                  <p:par>
+                    <p:cTn id="39" fill="hold">
+                      <p:stCondLst>
+                        <p:cond delay="indefinite"/>
+                      </p:stCondLst>
+                      <p:childTnLst>
+                        <p:par>
+                          <p:cTn id="40" fill="hold">
+                            <p:stCondLst>
+                              <p:cond delay="0"/>
+                            </p:stCondLst>
+                            <p:childTnLst>
+                              <p:par>
+                                <p:cTn id="41" presetID="1" presetClass="entr" presetSubtype="0" fill="hold" grpId="0" nodeType="clickEffect">
+                                  <p:stCondLst>
+                                    <p:cond delay="0"/>
+                                  </p:stCondLst>
+                                  <p:childTnLst>
+                                    <p:set>
+                                      <p:cBhvr>
+                                        <p:cTn id="42" dur="1" fill="hold">
+                                          <p:stCondLst>
+                                            <p:cond delay="0"/>
+                                          </p:stCondLst>
+                                        </p:cTn>
+                                        <p:tgtEl>
+                                          <p:spTgt spid="54"/>
+                                        </p:tgtEl>
+                                        <p:attrNameLst>
+                                          <p:attrName>style.visibility</p:attrName>
+                                        </p:attrNameLst>
+                                      </p:cBhvr>
+                                      <p:to>
+                                        <p:strVal val="visible"/>
+                                      </p:to>
+                                    </p:set>
+                                  </p:childTnLst>
+                                </p:cTn>
+                              </p:par>
+                            </p:childTnLst>
+                          </p:cTn>
+                        </p:par>
+                      </p:childTnLst>
+                    </p:cTn>
+                  </p:par>
+                  <p:par>
+                    <p:cTn id="43" fill="hold">
+                      <p:stCondLst>
+                        <p:cond delay="indefinite"/>
+                      </p:stCondLst>
+                      <p:childTnLst>
+                        <p:par>
+                          <p:cTn id="44" fill="hold">
+                            <p:stCondLst>
+                              <p:cond delay="0"/>
+                            </p:stCondLst>
+                            <p:childTnLst>
+                              <p:par>
+                                <p:cTn id="45" presetID="1" presetClass="entr" presetSubtype="0" fill="hold" nodeType="clickEffect">
+                                  <p:stCondLst>
+                                    <p:cond delay="0"/>
+                                  </p:stCondLst>
+                                  <p:childTnLst>
+                                    <p:set>
+                                      <p:cBhvr>
+                                        <p:cTn id="46" dur="1" fill="hold">
+                                          <p:stCondLst>
+                                            <p:cond delay="0"/>
+                                          </p:stCondLst>
+                                        </p:cTn>
+                                        <p:tgtEl>
+                                          <p:spTgt spid="59"/>
+                                        </p:tgtEl>
+                                        <p:attrNameLst>
+                                          <p:attrName>style.visibility</p:attrName>
+                                        </p:attrNameLst>
+                                      </p:cBhvr>
+                                      <p:to>
+                                        <p:strVal val="visible"/>
+                                      </p:to>
+                                    </p:set>
+                                  </p:childTnLst>
+                                </p:cTn>
+                              </p:par>
+                              <p:par>
+                                <p:cTn id="47" presetID="1" presetClass="entr" presetSubtype="0" fill="hold" grpId="0" nodeType="withEffect">
+                                  <p:stCondLst>
+                                    <p:cond delay="0"/>
+                                  </p:stCondLst>
+                                  <p:childTnLst>
+                                    <p:set>
+                                      <p:cBhvr>
+                                        <p:cTn id="48" dur="1" fill="hold">
+                                          <p:stCondLst>
+                                            <p:cond delay="0"/>
+                                          </p:stCondLst>
+                                        </p:cTn>
+                                        <p:tgtEl>
+                                          <p:spTgt spid="62"/>
+                                        </p:tgtEl>
+                                        <p:attrNameLst>
+                                          <p:attrName>style.visibility</p:attrName>
+                                        </p:attrNameLst>
+                                      </p:cBhvr>
+                                      <p:to>
+                                        <p:strVal val="visible"/>
+                                      </p:to>
+                                    </p:set>
+                                  </p:childTnLst>
+                                </p:cTn>
+                              </p:par>
+                            </p:childTnLst>
+                          </p:cTn>
+                        </p:par>
+                      </p:childTnLst>
+                    </p:cTn>
+                  </p:par>
+                  <p:par>
+                    <p:cTn id="49" fill="hold">
+                      <p:stCondLst>
+                        <p:cond delay="indefinite"/>
+                      </p:stCondLst>
+                      <p:childTnLst>
+                        <p:par>
+                          <p:cTn id="50" fill="hold">
+                            <p:stCondLst>
+                              <p:cond delay="0"/>
+                            </p:stCondLst>
+                            <p:childTnLst>
+                              <p:par>
+                                <p:cTn id="51" presetID="1" presetClass="entr" presetSubtype="0" fill="hold" grpId="0" nodeType="clickEffect">
+                                  <p:stCondLst>
+                                    <p:cond delay="0"/>
+                                  </p:stCondLst>
+                                  <p:childTnLst>
+                                    <p:set>
+                                      <p:cBhvr>
+                                        <p:cTn id="52" dur="1" fill="hold">
+                                          <p:stCondLst>
+                                            <p:cond delay="0"/>
+                                          </p:stCondLst>
+                                        </p:cTn>
+                                        <p:tgtEl>
+                                          <p:spTgt spid="53"/>
+                                        </p:tgtEl>
+                                        <p:attrNameLst>
+                                          <p:attrName>style.visibility</p:attrName>
+                                        </p:attrNameLst>
+                                      </p:cBhvr>
+                                      <p:to>
+                                        <p:strVal val="visible"/>
+                                      </p:to>
+                                    </p:set>
+                                  </p:childTnLst>
+                                </p:cTn>
+                              </p:par>
+                            </p:childTnLst>
+                          </p:cTn>
+                        </p:par>
+                      </p:childTnLst>
+                    </p:cTn>
+                  </p:par>
+                  <p:par>
+                    <p:cTn id="53" fill="hold">
+                      <p:stCondLst>
+                        <p:cond delay="indefinite"/>
+                      </p:stCondLst>
+                      <p:childTnLst>
+                        <p:par>
+                          <p:cTn id="54" fill="hold">
+                            <p:stCondLst>
+                              <p:cond delay="0"/>
+                            </p:stCondLst>
+                            <p:childTnLst>
+                              <p:par>
+                                <p:cTn id="55" presetID="1" presetClass="entr" presetSubtype="0" fill="hold" nodeType="clickEffect">
+                                  <p:stCondLst>
+                                    <p:cond delay="0"/>
+                                  </p:stCondLst>
+                                  <p:childTnLst>
+                                    <p:set>
+                                      <p:cBhvr>
+                                        <p:cTn id="56" dur="1" fill="hold">
+                                          <p:stCondLst>
+                                            <p:cond delay="0"/>
+                                          </p:stCondLst>
+                                        </p:cTn>
+                                        <p:tgtEl>
+                                          <p:spTgt spid="63"/>
+                                        </p:tgtEl>
+                                        <p:attrNameLst>
+                                          <p:attrName>style.visibility</p:attrName>
+                                        </p:attrNameLst>
+                                      </p:cBhvr>
+                                      <p:to>
+                                        <p:strVal val="visible"/>
+                                      </p:to>
+                                    </p:set>
+                                  </p:childTnLst>
+                                </p:cTn>
+                              </p:par>
+                              <p:par>
+                                <p:cTn id="57" presetID="1" presetClass="entr" presetSubtype="0" fill="hold" grpId="0" nodeType="withEffect">
+                                  <p:stCondLst>
+                                    <p:cond delay="0"/>
+                                  </p:stCondLst>
+                                  <p:childTnLst>
+                                    <p:set>
+                                      <p:cBhvr>
+                                        <p:cTn id="58" dur="1" fill="hold">
+                                          <p:stCondLst>
+                                            <p:cond delay="0"/>
+                                          </p:stCondLst>
+                                        </p:cTn>
+                                        <p:tgtEl>
+                                          <p:spTgt spid="64"/>
+                                        </p:tgtEl>
+                                        <p:attrNameLst>
+                                          <p:attrName>style.visibility</p:attrName>
+                                        </p:attrNameLst>
+                                      </p:cBhvr>
+                                      <p:to>
+                                        <p:strVal val="visible"/>
+                                      </p:to>
+                                    </p:set>
+                                  </p:childTnLst>
+                                </p:cTn>
+                              </p:par>
+                            </p:childTnLst>
+                          </p:cTn>
+                        </p:par>
+                      </p:childTnLst>
+                    </p:cTn>
+                  </p:par>
+                  <p:par>
+                    <p:cTn id="59" fill="hold">
+                      <p:stCondLst>
+                        <p:cond delay="indefinite"/>
+                      </p:stCondLst>
+                      <p:childTnLst>
+                        <p:par>
+                          <p:cTn id="60" fill="hold">
+                            <p:stCondLst>
+                              <p:cond delay="0"/>
+                            </p:stCondLst>
+                            <p:childTnLst>
+                              <p:par>
+                                <p:cTn id="61" presetID="1" presetClass="entr" presetSubtype="0" fill="hold" nodeType="clickEffect">
+                                  <p:stCondLst>
+                                    <p:cond delay="0"/>
+                                  </p:stCondLst>
+                                  <p:childTnLst>
+                                    <p:set>
+                                      <p:cBhvr>
+                                        <p:cTn id="62" dur="1" fill="hold">
+                                          <p:stCondLst>
+                                            <p:cond delay="0"/>
+                                          </p:stCondLst>
+                                        </p:cTn>
+                                        <p:tgtEl>
+                                          <p:spTgt spid="66"/>
+                                        </p:tgtEl>
+                                        <p:attrNameLst>
+                                          <p:attrName>style.visibility</p:attrName>
+                                        </p:attrNameLst>
+                                      </p:cBhvr>
+                                      <p:to>
+                                        <p:strVal val="visible"/>
+                                      </p:to>
+                                    </p:set>
+                                  </p:childTnLst>
+                                </p:cTn>
+                              </p:par>
+                              <p:par>
+                                <p:cTn id="63" presetID="1" presetClass="entr" presetSubtype="0" fill="hold" grpId="0" nodeType="withEffect">
+                                  <p:stCondLst>
+                                    <p:cond delay="0"/>
+                                  </p:stCondLst>
+                                  <p:childTnLst>
+                                    <p:set>
+                                      <p:cBhvr>
+                                        <p:cTn id="64" dur="1" fill="hold">
+                                          <p:stCondLst>
+                                            <p:cond delay="0"/>
+                                          </p:stCondLst>
+                                        </p:cTn>
+                                        <p:tgtEl>
+                                          <p:spTgt spid="84"/>
+                                        </p:tgtEl>
+                                        <p:attrNameLst>
+                                          <p:attrName>style.visibility</p:attrName>
+                                        </p:attrNameLst>
+                                      </p:cBhvr>
+                                      <p:to>
+                                        <p:strVal val="visible"/>
+                                      </p:to>
+                                    </p:set>
+                                  </p:childTnLst>
+                                </p:cTn>
+                              </p:par>
+                            </p:childTnLst>
+                          </p:cTn>
+                        </p:par>
+                      </p:childTnLst>
+                    </p:cTn>
+                  </p:par>
+                  <p:par>
+                    <p:cTn id="65" fill="hold">
+                      <p:stCondLst>
+                        <p:cond delay="indefinite"/>
+                      </p:stCondLst>
+                      <p:childTnLst>
+                        <p:par>
+                          <p:cTn id="66" fill="hold">
+                            <p:stCondLst>
+                              <p:cond delay="0"/>
+                            </p:stCondLst>
+                            <p:childTnLst>
+                              <p:par>
+                                <p:cTn id="67" presetID="1" presetClass="entr" presetSubtype="0" fill="hold" grpId="0" nodeType="clickEffect">
+                                  <p:stCondLst>
+                                    <p:cond delay="0"/>
+                                  </p:stCondLst>
+                                  <p:childTnLst>
+                                    <p:set>
+                                      <p:cBhvr>
+                                        <p:cTn id="68" dur="1" fill="hold">
+                                          <p:stCondLst>
+                                            <p:cond delay="0"/>
+                                          </p:stCondLst>
+                                        </p:cTn>
+                                        <p:tgtEl>
+                                          <p:spTgt spid="55"/>
+                                        </p:tgtEl>
+                                        <p:attrNameLst>
+                                          <p:attrName>style.visibility</p:attrName>
+                                        </p:attrNameLst>
+                                      </p:cBhvr>
+                                      <p:to>
+                                        <p:strVal val="visible"/>
+                                      </p:to>
+                                    </p:set>
+                                  </p:childTnLst>
+                                </p:cTn>
+                              </p:par>
+                            </p:childTnLst>
+                          </p:cTn>
+                        </p:par>
+                      </p:childTnLst>
+                    </p:cTn>
+                  </p:par>
+                  <p:par>
+                    <p:cTn id="69" fill="hold">
+                      <p:stCondLst>
+                        <p:cond delay="indefinite"/>
+                      </p:stCondLst>
+                      <p:childTnLst>
+                        <p:par>
+                          <p:cTn id="70" fill="hold">
+                            <p:stCondLst>
+                              <p:cond delay="0"/>
+                            </p:stCondLst>
+                            <p:childTnLst>
+                              <p:par>
+                                <p:cTn id="71" presetID="1" presetClass="entr" presetSubtype="0" fill="hold" nodeType="clickEffect">
+                                  <p:stCondLst>
+                                    <p:cond delay="0"/>
+                                  </p:stCondLst>
+                                  <p:childTnLst>
+                                    <p:set>
+                                      <p:cBhvr>
+                                        <p:cTn id="72" dur="1" fill="hold">
+                                          <p:stCondLst>
+                                            <p:cond delay="0"/>
+                                          </p:stCondLst>
+                                        </p:cTn>
+                                        <p:tgtEl>
+                                          <p:spTgt spid="15"/>
+                                        </p:tgtEl>
+                                        <p:attrNameLst>
+                                          <p:attrName>style.visibility</p:attrName>
+                                        </p:attrNameLst>
+                                      </p:cBhvr>
+                                      <p:to>
+                                        <p:strVal val="visible"/>
+                                      </p:to>
+                                    </p:set>
+                                  </p:childTnLst>
+                                </p:cTn>
+                              </p:par>
+                              <p:par>
+                                <p:cTn id="73" presetID="1" presetClass="entr" presetSubtype="0" fill="hold" grpId="0" nodeType="withEffect">
+                                  <p:stCondLst>
+                                    <p:cond delay="0"/>
+                                  </p:stCondLst>
+                                  <p:childTnLst>
+                                    <p:set>
+                                      <p:cBhvr>
+                                        <p:cTn id="74" dur="1" fill="hold">
+                                          <p:stCondLst>
+                                            <p:cond delay="0"/>
+                                          </p:stCondLst>
+                                        </p:cTn>
+                                        <p:tgtEl>
+                                          <p:spTgt spid="76"/>
+                                        </p:tgtEl>
+                                        <p:attrNameLst>
+                                          <p:attrName>style.visibility</p:attrName>
+                                        </p:attrNameLst>
+                                      </p:cBhvr>
+                                      <p:to>
+                                        <p:strVal val="visible"/>
+                                      </p:to>
+                                    </p:set>
+                                  </p:childTnLst>
+                                </p:cTn>
+                              </p:par>
+                            </p:childTnLst>
+                          </p:cTn>
+                        </p:par>
+                      </p:childTnLst>
+                    </p:cTn>
+                  </p:par>
+                  <p:par>
+                    <p:cTn id="75" fill="hold">
+                      <p:stCondLst>
+                        <p:cond delay="indefinite"/>
+                      </p:stCondLst>
+                      <p:childTnLst>
+                        <p:par>
+                          <p:cTn id="76" fill="hold">
+                            <p:stCondLst>
+                              <p:cond delay="0"/>
+                            </p:stCondLst>
+                            <p:childTnLst>
+                              <p:par>
+                                <p:cTn id="77" presetID="1" presetClass="entr" presetSubtype="0" fill="hold" nodeType="clickEffect">
+                                  <p:stCondLst>
+                                    <p:cond delay="0"/>
+                                  </p:stCondLst>
+                                  <p:childTnLst>
+                                    <p:set>
+                                      <p:cBhvr>
+                                        <p:cTn id="78" dur="1" fill="hold">
+                                          <p:stCondLst>
+                                            <p:cond delay="0"/>
+                                          </p:stCondLst>
+                                        </p:cTn>
+                                        <p:tgtEl>
+                                          <p:spTgt spid="58"/>
+                                        </p:tgtEl>
+                                        <p:attrNameLst>
+                                          <p:attrName>style.visibility</p:attrName>
+                                        </p:attrNameLst>
+                                      </p:cBhvr>
+                                      <p:to>
+                                        <p:strVal val="visible"/>
+                                      </p:to>
+                                    </p:set>
+                                  </p:childTnLst>
+                                </p:cTn>
+                              </p:par>
+                              <p:par>
+                                <p:cTn id="79" presetID="1" presetClass="entr" presetSubtype="0" fill="hold" grpId="0" nodeType="withEffect">
+                                  <p:stCondLst>
+                                    <p:cond delay="0"/>
+                                  </p:stCondLst>
+                                  <p:childTnLst>
+                                    <p:set>
+                                      <p:cBhvr>
+                                        <p:cTn id="80" dur="1" fill="hold">
+                                          <p:stCondLst>
+                                            <p:cond delay="0"/>
+                                          </p:stCondLst>
+                                        </p:cTn>
+                                        <p:tgtEl>
+                                          <p:spTgt spid="83"/>
+                                        </p:tgtEl>
+                                        <p:attrNameLst>
+                                          <p:attrName>style.visibility</p:attrName>
+                                        </p:attrNameLst>
+                                      </p:cBhvr>
+                                      <p:to>
+                                        <p:strVal val="visible"/>
+                                      </p:to>
+                                    </p:set>
+                                  </p:childTnLst>
+                                </p:cTn>
+                              </p:par>
+                            </p:childTnLst>
+                          </p:cTn>
+                        </p:par>
+                      </p:childTnLst>
+                    </p:cTn>
+                  </p:par>
+                  <p:par>
+                    <p:cTn id="81" fill="hold">
+                      <p:stCondLst>
+                        <p:cond delay="indefinite"/>
+                      </p:stCondLst>
+                      <p:childTnLst>
+                        <p:par>
+                          <p:cTn id="82" fill="hold">
+                            <p:stCondLst>
+                              <p:cond delay="0"/>
+                            </p:stCondLst>
+                            <p:childTnLst>
+                              <p:par>
+                                <p:cTn id="83" presetID="1" presetClass="entr" presetSubtype="0" fill="hold" nodeType="clickEffect">
+                                  <p:stCondLst>
+                                    <p:cond delay="0"/>
+                                  </p:stCondLst>
+                                  <p:childTnLst>
+                                    <p:set>
+                                      <p:cBhvr>
+                                        <p:cTn id="84" dur="1" fill="hold">
+                                          <p:stCondLst>
+                                            <p:cond delay="0"/>
+                                          </p:stCondLst>
+                                        </p:cTn>
+                                        <p:tgtEl>
+                                          <p:spTgt spid="77"/>
+                                        </p:tgtEl>
+                                        <p:attrNameLst>
+                                          <p:attrName>style.visibility</p:attrName>
+                                        </p:attrNameLst>
+                                      </p:cBhvr>
+                                      <p:to>
+                                        <p:strVal val="visible"/>
+                                      </p:to>
+                                    </p:set>
+                                  </p:childTnLst>
+                                </p:cTn>
+                              </p:par>
+                              <p:par>
+                                <p:cTn id="85" presetID="1" presetClass="entr" presetSubtype="0" fill="hold" grpId="0" nodeType="withEffect">
+                                  <p:stCondLst>
+                                    <p:cond delay="0"/>
+                                  </p:stCondLst>
+                                  <p:childTnLst>
+                                    <p:set>
+                                      <p:cBhvr>
+                                        <p:cTn id="86" dur="1" fill="hold">
+                                          <p:stCondLst>
+                                            <p:cond delay="0"/>
+                                          </p:stCondLst>
+                                        </p:cTn>
+                                        <p:tgtEl>
+                                          <p:spTgt spid="78"/>
+                                        </p:tgtEl>
+                                        <p:attrNameLst>
+                                          <p:attrName>style.visibility</p:attrName>
+                                        </p:attrNameLst>
+                                      </p:cBhvr>
+                                      <p:to>
+                                        <p:strVal val="visible"/>
+                                      </p:to>
+                                    </p:set>
+                                  </p:childTnLst>
+                                </p:cTn>
+                              </p:par>
+                            </p:childTnLst>
+                          </p:cTn>
+                        </p:par>
+                      </p:childTnLst>
+                    </p:cTn>
+                  </p:par>
+                </p:childTnLst>
+              </p:cTn>
+              <p:prevCondLst>
+                <p:cond evt="onPrev" delay="0">
+                  <p:tgtEl>
+                    <p:sldTgt/>
+                  </p:tgtEl>
+                </p:cond>
+              </p:prevCondLst>
+              <p:nextCondLst>
+                <p:cond evt="onNext" delay="0">
+                  <p:tgtEl>
+                    <p:sldTgt/>
+                  </p:tgtEl>
+                </p:cond>
+              </p:nextCondLst>
+            </p:seq>
+          </p:childTnLst>
+        </p:cTn>
+      </p:par>
+    </p:tnLst>
+    <p:bldLst>
+      <p:bldP spid="53" grpId="0" animBg="1"/>
+      <p:bldP spid="54" grpId="0" animBg="1"/>
+      <p:bldP spid="62" grpId="0" animBg="1"/>
+      <p:bldP spid="64" grpId="0" animBg="1"/>
+      <p:bldP spid="76" grpId="0" animBg="1"/>
+      <p:bldP spid="78" grpId="0" animBg="1"/>
+      <p:bldP spid="83" grpId="0" animBg="1"/>
+      <p:bldP spid="55" grpId="0" animBg="1"/>
+      <p:bldP spid="84" grpId="0" animBg="1"/>
+    </p:bldLst>
+  </p:timing>
+</p:sld>
+</file>
+
+<file path=ppt/slides/slide14.xml><?xml version="1.0" encoding="utf-8"?>
+<p:sld xmlns:a="http://schemas.openxmlformats.org/drawingml/2006/main" xmlns:r="http://schemas.openxmlformats.org/officeDocument/2006/relationships" xmlns:p="http://schemas.openxmlformats.org/presentationml/2006/main">
+  <p:cSld>
+    <p:spTree>
+      <p:nvGrpSpPr>
+        <p:cNvPr id="1" name="Shape 426"/>
+        <p:cNvGrpSpPr/>
+        <p:nvPr/>
+      </p:nvGrpSpPr>
+      <p:grpSpPr>
+        <a:xfrm>
+          <a:off x="0" y="0"/>
+          <a:ext cx="0" cy="0"/>
+          <a:chOff x="0" y="0"/>
+          <a:chExt cx="0" cy="0"/>
+        </a:xfrm>
+      </p:grpSpPr>
+      <p:sp>
+        <p:nvSpPr>
+          <p:cNvPr id="427" name="Shape 427"/>
+          <p:cNvSpPr txBox="1">
+            <a:spLocks noGrp="1"/>
+          </p:cNvSpPr>
+          <p:nvPr>
+            <p:ph type="title"/>
+          </p:nvPr>
+        </p:nvSpPr>
+        <p:spPr>
+          <a:xfrm>
+            <a:off x="685800" y="609600"/>
+            <a:ext cx="7772400" cy="1143000"/>
+          </a:xfrm>
+          <a:prstGeom prst="rect">
+            <a:avLst/>
+          </a:prstGeom>
+          <a:noFill/>
+          <a:ln>
+            <a:noFill/>
+          </a:ln>
+        </p:spPr>
+        <p:txBody>
+          <a:bodyPr lIns="91425" tIns="45700" rIns="91425" bIns="45700" anchor="ctr" anchorCtr="0">
+            <a:noAutofit/>
+          </a:bodyPr>
+          <a:lstStyle/>
+          <a:p>
+            <a:pPr marL="0" marR="0" lvl="0" indent="0" algn="ctr" rtl="0">
+              <a:spcBef>
+                <a:spcPts val="0"/>
+              </a:spcBef>
+              <a:spcAft>
+                <a:spcPts val="0"/>
+              </a:spcAft>
+              <a:buSzPct val="25000"/>
+              <a:buNone/>
+            </a:pPr>
+            <a:r>
+              <a:rPr lang="en-US" sz="4000" b="0" i="0" u="none" strike="noStrike" cap="none" dirty="0">
+                <a:solidFill>
+                  <a:schemeClr val="dk2"/>
+                </a:solidFill>
+                <a:latin typeface="Calibri"/>
+                <a:ea typeface="Calibri"/>
+                <a:cs typeface="Calibri"/>
+                <a:sym typeface="Calibri"/>
+              </a:rPr>
+              <a:t>Nondeterministic to Deterministic</a:t>
+            </a:r>
+          </a:p>
+        </p:txBody>
+      </p:sp>
+      <p:sp>
+        <p:nvSpPr>
+          <p:cNvPr id="429" name="Shape 429"/>
+          <p:cNvSpPr txBox="1">
+            <a:spLocks noGrp="1"/>
+          </p:cNvSpPr>
+          <p:nvPr>
+            <p:ph type="sldNum" idx="12"/>
+          </p:nvPr>
+        </p:nvSpPr>
+        <p:spPr>
+          <a:xfrm>
+            <a:off x="6553200" y="6248400"/>
+            <a:ext cx="1904999" cy="457200"/>
+          </a:xfrm>
+          <a:prstGeom prst="rect">
+            <a:avLst/>
+          </a:prstGeom>
+          <a:noFill/>
+          <a:ln>
+            <a:noFill/>
+          </a:ln>
+        </p:spPr>
+        <p:txBody>
+          <a:bodyPr lIns="91425" tIns="45700" rIns="91425" bIns="45700" anchor="t" anchorCtr="0">
+            <a:noAutofit/>
+          </a:bodyPr>
+          <a:lstStyle/>
+          <a:p>
+            <a:pPr marL="0" marR="0" lvl="0" indent="0" algn="r" rtl="0">
+              <a:spcBef>
+                <a:spcPts val="0"/>
+              </a:spcBef>
+              <a:spcAft>
+                <a:spcPts val="0"/>
+              </a:spcAft>
+              <a:buSzPct val="25000"/>
+              <a:buNone/>
+            </a:pPr>
+            <a:fld id="{00000000-1234-1234-1234-123412341234}" type="slidenum">
+              <a:rPr lang="en-US" sz="1400">
+                <a:solidFill>
+                  <a:schemeClr val="dk1"/>
+                </a:solidFill>
+                <a:latin typeface="Calibri"/>
+                <a:ea typeface="Calibri"/>
+                <a:cs typeface="Calibri"/>
+                <a:sym typeface="Calibri"/>
+              </a:rPr>
+              <a:t>14</a:t>
+            </a:fld>
+            <a:endParaRPr lang="en-US" sz="1400">
+              <a:solidFill>
+                <a:schemeClr val="dk1"/>
+              </a:solidFill>
+              <a:latin typeface="Calibri"/>
+              <a:ea typeface="Calibri"/>
+              <a:cs typeface="Calibri"/>
+              <a:sym typeface="Calibri"/>
+            </a:endParaRPr>
+          </a:p>
+        </p:txBody>
+      </p:sp>
+      <p:cxnSp>
+        <p:nvCxnSpPr>
+          <p:cNvPr id="59" name="Shape 434">
+            <a:extLst>
+              <a:ext uri="{FF2B5EF4-FFF2-40B4-BE49-F238E27FC236}">
+                <a16:creationId xmlns:a16="http://schemas.microsoft.com/office/drawing/2014/main" id="{3E2C24FE-8071-CB40-AA4A-700E403363CF}"/>
+              </a:ext>
+            </a:extLst>
+          </p:cNvPr>
+          <p:cNvCxnSpPr>
+            <a:cxnSpLocks/>
+            <a:endCxn id="53" idx="3"/>
+          </p:cNvCxnSpPr>
+          <p:nvPr/>
+        </p:nvCxnSpPr>
+        <p:spPr>
+          <a:xfrm flipV="1">
+            <a:off x="3854305" y="2805570"/>
+            <a:ext cx="644932" cy="218584"/>
+          </a:xfrm>
+          <a:prstGeom prst="straightConnector1">
+            <a:avLst/>
+          </a:prstGeom>
+          <a:noFill/>
+          <a:ln w="28575" cap="flat" cmpd="sng">
+            <a:solidFill>
+              <a:schemeClr val="dk1"/>
+            </a:solidFill>
+            <a:prstDash val="solid"/>
+            <a:round/>
+            <a:headEnd type="none" w="med" len="med"/>
+            <a:tailEnd type="triangle" w="lg" len="lg"/>
+          </a:ln>
+        </p:spPr>
+      </p:cxnSp>
+      <p:sp>
+        <p:nvSpPr>
+          <p:cNvPr id="53" name="Shape 431">
+            <a:extLst>
+              <a:ext uri="{FF2B5EF4-FFF2-40B4-BE49-F238E27FC236}">
+                <a16:creationId xmlns:a16="http://schemas.microsoft.com/office/drawing/2014/main" id="{30F8F1C3-3D42-B640-A6E1-976CE09FC1FB}"/>
+              </a:ext>
+            </a:extLst>
+          </p:cNvPr>
+          <p:cNvSpPr/>
+          <p:nvPr/>
+        </p:nvSpPr>
+        <p:spPr>
+          <a:xfrm>
+            <a:off x="4358197" y="2034038"/>
+            <a:ext cx="963084" cy="903906"/>
+          </a:xfrm>
+          <a:prstGeom prst="flowChartConnector">
+            <a:avLst/>
+          </a:prstGeom>
+          <a:solidFill>
+            <a:srgbClr val="FF9900"/>
+          </a:solidFill>
+          <a:ln w="12700" cap="flat" cmpd="sng">
+            <a:solidFill>
+              <a:schemeClr val="dk1"/>
+            </a:solidFill>
+            <a:prstDash val="solid"/>
+            <a:round/>
+            <a:headEnd type="none" w="med" len="med"/>
+            <a:tailEnd type="none" w="med" len="med"/>
+          </a:ln>
+        </p:spPr>
+        <p:txBody>
+          <a:bodyPr lIns="91425" tIns="45700" rIns="91425" bIns="45700" anchor="ctr" anchorCtr="1">
+            <a:noAutofit/>
+          </a:bodyPr>
+          <a:lstStyle/>
+          <a:p>
+            <a:pPr marL="0" marR="0" lvl="0" indent="0" algn="ctr" rtl="0">
+              <a:spcBef>
+                <a:spcPts val="0"/>
+              </a:spcBef>
+              <a:spcAft>
+                <a:spcPts val="0"/>
+              </a:spcAft>
+              <a:buSzPct val="25000"/>
+              <a:buNone/>
+            </a:pPr>
+            <a:r>
+              <a:rPr lang="en-US" sz="1800" dirty="0">
+                <a:solidFill>
+                  <a:schemeClr val="dk1"/>
+                </a:solidFill>
+                <a:latin typeface="Calibri"/>
+                <a:ea typeface="Calibri"/>
+                <a:cs typeface="Calibri"/>
+                <a:sym typeface="Calibri"/>
+              </a:rPr>
+              <a:t>{A,B}</a:t>
+            </a:r>
+          </a:p>
+        </p:txBody>
+      </p:sp>
+      <p:sp>
+        <p:nvSpPr>
+          <p:cNvPr id="54" name="Shape 431">
+            <a:extLst>
+              <a:ext uri="{FF2B5EF4-FFF2-40B4-BE49-F238E27FC236}">
+                <a16:creationId xmlns:a16="http://schemas.microsoft.com/office/drawing/2014/main" id="{ED6F51EB-CE14-1E40-81ED-A18BB247F290}"/>
+              </a:ext>
+            </a:extLst>
+          </p:cNvPr>
+          <p:cNvSpPr/>
+          <p:nvPr/>
+        </p:nvSpPr>
+        <p:spPr>
+          <a:xfrm>
+            <a:off x="2891221" y="2698900"/>
+            <a:ext cx="963084" cy="903906"/>
+          </a:xfrm>
+          <a:prstGeom prst="flowChartConnector">
+            <a:avLst/>
+          </a:prstGeom>
+          <a:solidFill>
+            <a:srgbClr val="FF9900"/>
+          </a:solidFill>
+          <a:ln w="28575" cap="flat" cmpd="sng">
+            <a:solidFill>
+              <a:schemeClr val="dk1"/>
+            </a:solidFill>
+            <a:prstDash val="solid"/>
+            <a:round/>
+            <a:headEnd type="none" w="med" len="med"/>
+            <a:tailEnd type="none" w="med" len="med"/>
+          </a:ln>
+        </p:spPr>
+        <p:txBody>
+          <a:bodyPr lIns="91425" tIns="45700" rIns="91425" bIns="45700" anchor="ctr" anchorCtr="1">
+            <a:noAutofit/>
+          </a:bodyPr>
+          <a:lstStyle/>
+          <a:p>
+            <a:pPr marL="0" marR="0" lvl="0" indent="0" algn="ctr" rtl="0">
+              <a:spcBef>
+                <a:spcPts val="0"/>
+              </a:spcBef>
+              <a:spcAft>
+                <a:spcPts val="0"/>
+              </a:spcAft>
+              <a:buSzPct val="25000"/>
+              <a:buNone/>
+            </a:pPr>
+            <a:r>
+              <a:rPr lang="en-US" sz="1800" dirty="0">
+                <a:solidFill>
+                  <a:schemeClr val="dk1"/>
+                </a:solidFill>
+                <a:latin typeface="Calibri"/>
+                <a:ea typeface="Calibri"/>
+                <a:cs typeface="Calibri"/>
+                <a:sym typeface="Calibri"/>
+              </a:rPr>
+              <a:t>{A}</a:t>
+            </a:r>
+          </a:p>
+        </p:txBody>
+      </p:sp>
+      <p:sp>
+        <p:nvSpPr>
+          <p:cNvPr id="62" name="Shape 436">
+            <a:extLst>
+              <a:ext uri="{FF2B5EF4-FFF2-40B4-BE49-F238E27FC236}">
+                <a16:creationId xmlns:a16="http://schemas.microsoft.com/office/drawing/2014/main" id="{F8F7634C-CBD6-B849-815D-06389F4F9D1F}"/>
+              </a:ext>
+            </a:extLst>
+          </p:cNvPr>
+          <p:cNvSpPr txBox="1"/>
+          <p:nvPr/>
+        </p:nvSpPr>
+        <p:spPr>
+          <a:xfrm>
+            <a:off x="4006371" y="2867440"/>
+            <a:ext cx="340800" cy="461700"/>
+          </a:xfrm>
+          <a:prstGeom prst="rect">
+            <a:avLst/>
+          </a:prstGeom>
+          <a:noFill/>
+          <a:ln w="28575" cap="flat" cmpd="sng">
+            <a:solidFill>
+              <a:srgbClr val="000000">
+                <a:alpha val="0"/>
+              </a:srgbClr>
+            </a:solidFill>
+            <a:prstDash val="solid"/>
+            <a:round/>
+            <a:headEnd type="none" w="med" len="med"/>
+            <a:tailEnd type="none" w="med" len="med"/>
+          </a:ln>
+        </p:spPr>
+        <p:txBody>
+          <a:bodyPr lIns="91425" tIns="45700" rIns="91425" bIns="45700" anchor="t" anchorCtr="0">
+            <a:noAutofit/>
+          </a:bodyPr>
+          <a:lstStyle/>
+          <a:p>
+            <a:pPr marL="0" marR="0" lvl="0" indent="0" algn="ctr" rtl="0">
+              <a:spcBef>
+                <a:spcPts val="0"/>
+              </a:spcBef>
+              <a:spcAft>
+                <a:spcPts val="0"/>
+              </a:spcAft>
+              <a:buSzPct val="25000"/>
+              <a:buNone/>
+            </a:pPr>
+            <a:r>
+              <a:rPr lang="en-US" sz="2400" dirty="0">
+                <a:solidFill>
+                  <a:schemeClr val="dk1"/>
+                </a:solidFill>
+                <a:latin typeface="Calibri"/>
+                <a:ea typeface="Calibri"/>
+                <a:cs typeface="Calibri"/>
+                <a:sym typeface="Calibri"/>
+              </a:rPr>
+              <a:t>0</a:t>
+            </a:r>
+          </a:p>
+        </p:txBody>
+      </p:sp>
+      <p:cxnSp>
+        <p:nvCxnSpPr>
+          <p:cNvPr id="63" name="Shape 438">
+            <a:extLst>
+              <a:ext uri="{FF2B5EF4-FFF2-40B4-BE49-F238E27FC236}">
+                <a16:creationId xmlns:a16="http://schemas.microsoft.com/office/drawing/2014/main" id="{D9145A8A-A845-6345-BFA0-BE70173420E3}"/>
+              </a:ext>
+            </a:extLst>
+          </p:cNvPr>
+          <p:cNvCxnSpPr/>
+          <p:nvPr/>
+        </p:nvCxnSpPr>
+        <p:spPr>
+          <a:xfrm rot="10800000" flipH="1">
+            <a:off x="2885166" y="2754382"/>
+            <a:ext cx="279900" cy="273600"/>
+          </a:xfrm>
+          <a:prstGeom prst="curvedConnector4">
+            <a:avLst>
+              <a:gd name="adj1" fmla="val -85166"/>
+              <a:gd name="adj2" fmla="val 187089"/>
+            </a:avLst>
+          </a:prstGeom>
+          <a:noFill/>
+          <a:ln w="28575" cap="flat" cmpd="sng">
+            <a:solidFill>
+              <a:schemeClr val="dk1"/>
+            </a:solidFill>
+            <a:prstDash val="solid"/>
+            <a:round/>
+            <a:headEnd type="none" w="med" len="med"/>
+            <a:tailEnd type="triangle" w="lg" len="lg"/>
+          </a:ln>
+        </p:spPr>
+      </p:cxnSp>
+      <p:sp>
+        <p:nvSpPr>
+          <p:cNvPr id="64" name="Shape 439">
+            <a:extLst>
+              <a:ext uri="{FF2B5EF4-FFF2-40B4-BE49-F238E27FC236}">
+                <a16:creationId xmlns:a16="http://schemas.microsoft.com/office/drawing/2014/main" id="{2E265506-E987-D84C-A8AE-0A9B41D6F2DF}"/>
+              </a:ext>
+            </a:extLst>
+          </p:cNvPr>
+          <p:cNvSpPr txBox="1"/>
+          <p:nvPr/>
+        </p:nvSpPr>
+        <p:spPr>
+          <a:xfrm>
+            <a:off x="2372494" y="2220208"/>
+            <a:ext cx="340658" cy="461664"/>
+          </a:xfrm>
+          <a:prstGeom prst="rect">
+            <a:avLst/>
+          </a:prstGeom>
+          <a:noFill/>
+          <a:ln w="28575" cap="flat" cmpd="sng">
+            <a:solidFill>
+              <a:srgbClr val="000000">
+                <a:alpha val="0"/>
+              </a:srgbClr>
+            </a:solidFill>
+            <a:prstDash val="solid"/>
+            <a:round/>
+            <a:headEnd type="none" w="med" len="med"/>
+            <a:tailEnd type="none" w="med" len="med"/>
+          </a:ln>
+        </p:spPr>
+        <p:txBody>
+          <a:bodyPr lIns="91425" tIns="45700" rIns="91425" bIns="45700" anchor="t" anchorCtr="0">
+            <a:noAutofit/>
+          </a:bodyPr>
+          <a:lstStyle/>
+          <a:p>
+            <a:pPr marL="0" marR="0" lvl="0" indent="0" algn="ctr" rtl="0">
+              <a:spcBef>
+                <a:spcPts val="0"/>
+              </a:spcBef>
+              <a:spcAft>
+                <a:spcPts val="0"/>
+              </a:spcAft>
+              <a:buSzPct val="25000"/>
+              <a:buNone/>
+            </a:pPr>
+            <a:r>
+              <a:rPr lang="en-US" sz="2400" dirty="0">
+                <a:solidFill>
+                  <a:schemeClr val="dk1"/>
+                </a:solidFill>
+                <a:latin typeface="Calibri"/>
+                <a:ea typeface="Calibri"/>
+                <a:cs typeface="Calibri"/>
+                <a:sym typeface="Calibri"/>
+              </a:rPr>
+              <a:t>1</a:t>
+            </a:r>
+          </a:p>
+        </p:txBody>
+      </p:sp>
+      <p:sp>
+        <p:nvSpPr>
+          <p:cNvPr id="76" name="Shape 439">
+            <a:extLst>
+              <a:ext uri="{FF2B5EF4-FFF2-40B4-BE49-F238E27FC236}">
+                <a16:creationId xmlns:a16="http://schemas.microsoft.com/office/drawing/2014/main" id="{66D5FD7D-6BC0-9443-B7C8-AE3E29F9CD32}"/>
+              </a:ext>
+            </a:extLst>
+          </p:cNvPr>
+          <p:cNvSpPr txBox="1"/>
+          <p:nvPr/>
+        </p:nvSpPr>
+        <p:spPr>
+          <a:xfrm>
+            <a:off x="3920088" y="1752600"/>
+            <a:ext cx="340658" cy="461664"/>
+          </a:xfrm>
+          <a:prstGeom prst="rect">
+            <a:avLst/>
+          </a:prstGeom>
+          <a:noFill/>
+          <a:ln w="28575" cap="flat" cmpd="sng">
+            <a:solidFill>
+              <a:srgbClr val="000000">
+                <a:alpha val="0"/>
+              </a:srgbClr>
+            </a:solidFill>
+            <a:prstDash val="solid"/>
+            <a:round/>
+            <a:headEnd type="none" w="med" len="med"/>
+            <a:tailEnd type="none" w="med" len="med"/>
+          </a:ln>
+        </p:spPr>
+        <p:txBody>
+          <a:bodyPr lIns="91425" tIns="45700" rIns="91425" bIns="45700" anchor="t" anchorCtr="0">
+            <a:noAutofit/>
+          </a:bodyPr>
+          <a:lstStyle/>
+          <a:p>
+            <a:pPr marL="0" marR="0" lvl="0" indent="0" algn="ctr" rtl="0">
+              <a:spcBef>
+                <a:spcPts val="0"/>
+              </a:spcBef>
+              <a:spcAft>
+                <a:spcPts val="0"/>
+              </a:spcAft>
+              <a:buSzPct val="25000"/>
+              <a:buNone/>
+            </a:pPr>
+            <a:r>
+              <a:rPr lang="en-US" sz="2400" dirty="0">
+                <a:solidFill>
+                  <a:schemeClr val="dk1"/>
+                </a:solidFill>
+                <a:latin typeface="Calibri"/>
+                <a:ea typeface="Calibri"/>
+                <a:cs typeface="Calibri"/>
+                <a:sym typeface="Calibri"/>
+              </a:rPr>
+              <a:t>1</a:t>
+            </a:r>
+          </a:p>
+        </p:txBody>
+      </p:sp>
+      <p:cxnSp>
+        <p:nvCxnSpPr>
+          <p:cNvPr id="58" name="Shape 434">
+            <a:extLst>
+              <a:ext uri="{FF2B5EF4-FFF2-40B4-BE49-F238E27FC236}">
+                <a16:creationId xmlns:a16="http://schemas.microsoft.com/office/drawing/2014/main" id="{88A7DA8A-BFE0-4743-B317-727475E8EA9A}"/>
+              </a:ext>
+            </a:extLst>
+          </p:cNvPr>
+          <p:cNvCxnSpPr>
+            <a:cxnSpLocks/>
+            <a:endCxn id="54" idx="5"/>
+          </p:cNvCxnSpPr>
+          <p:nvPr/>
+        </p:nvCxnSpPr>
+        <p:spPr>
+          <a:xfrm flipH="1" flipV="1">
+            <a:off x="3713265" y="3470432"/>
+            <a:ext cx="1557604" cy="272752"/>
+          </a:xfrm>
+          <a:prstGeom prst="straightConnector1">
+            <a:avLst/>
+          </a:prstGeom>
+          <a:noFill/>
+          <a:ln w="28575" cap="flat" cmpd="sng">
+            <a:solidFill>
+              <a:schemeClr val="dk1"/>
+            </a:solidFill>
+            <a:prstDash val="solid"/>
+            <a:round/>
+            <a:headEnd type="none" w="med" len="med"/>
+            <a:tailEnd type="triangle" w="lg" len="lg"/>
+          </a:ln>
+        </p:spPr>
+      </p:cxnSp>
+      <p:cxnSp>
+        <p:nvCxnSpPr>
+          <p:cNvPr id="77" name="Shape 438">
+            <a:extLst>
+              <a:ext uri="{FF2B5EF4-FFF2-40B4-BE49-F238E27FC236}">
+                <a16:creationId xmlns:a16="http://schemas.microsoft.com/office/drawing/2014/main" id="{5051D28A-00DD-3F44-AA03-61D7A8094CD6}"/>
+              </a:ext>
+            </a:extLst>
+          </p:cNvPr>
+          <p:cNvCxnSpPr>
+            <a:cxnSpLocks/>
+            <a:stCxn id="55" idx="7"/>
+            <a:endCxn id="55" idx="6"/>
+          </p:cNvCxnSpPr>
+          <p:nvPr/>
+        </p:nvCxnSpPr>
+        <p:spPr>
+          <a:xfrm rot="16200000" flipH="1">
+            <a:off x="6085658" y="3354236"/>
+            <a:ext cx="400146" cy="160366"/>
+          </a:xfrm>
+          <a:prstGeom prst="curvedConnector4">
+            <a:avLst>
+              <a:gd name="adj1" fmla="val -98551"/>
+              <a:gd name="adj2" fmla="val 242549"/>
+            </a:avLst>
+          </a:prstGeom>
+          <a:noFill/>
+          <a:ln w="28575" cap="flat" cmpd="sng">
+            <a:solidFill>
+              <a:schemeClr val="dk1"/>
+            </a:solidFill>
+            <a:prstDash val="solid"/>
+            <a:round/>
+            <a:headEnd type="none" w="med" len="med"/>
+            <a:tailEnd type="triangle" w="lg" len="lg"/>
+          </a:ln>
+        </p:spPr>
+      </p:cxnSp>
+      <p:sp>
+        <p:nvSpPr>
+          <p:cNvPr id="78" name="Shape 439">
+            <a:extLst>
+              <a:ext uri="{FF2B5EF4-FFF2-40B4-BE49-F238E27FC236}">
+                <a16:creationId xmlns:a16="http://schemas.microsoft.com/office/drawing/2014/main" id="{AB9FF5FA-69B4-BF41-A7E8-6D73CD98B625}"/>
+              </a:ext>
+            </a:extLst>
+          </p:cNvPr>
+          <p:cNvSpPr txBox="1"/>
+          <p:nvPr/>
+        </p:nvSpPr>
+        <p:spPr>
+          <a:xfrm>
+            <a:off x="6330567" y="2354513"/>
+            <a:ext cx="340658" cy="461664"/>
+          </a:xfrm>
+          <a:prstGeom prst="rect">
+            <a:avLst/>
+          </a:prstGeom>
+          <a:noFill/>
+          <a:ln w="28575" cap="flat" cmpd="sng">
+            <a:solidFill>
+              <a:srgbClr val="000000">
+                <a:alpha val="0"/>
+              </a:srgbClr>
+            </a:solidFill>
+            <a:prstDash val="solid"/>
+            <a:round/>
+            <a:headEnd type="none" w="med" len="med"/>
+            <a:tailEnd type="none" w="med" len="med"/>
+          </a:ln>
+        </p:spPr>
+        <p:txBody>
+          <a:bodyPr lIns="91425" tIns="45700" rIns="91425" bIns="45700" anchor="t" anchorCtr="0">
+            <a:noAutofit/>
+          </a:bodyPr>
+          <a:lstStyle/>
+          <a:p>
+            <a:pPr marL="0" marR="0" lvl="0" indent="0" algn="ctr" rtl="0">
+              <a:spcBef>
+                <a:spcPts val="0"/>
+              </a:spcBef>
+              <a:spcAft>
+                <a:spcPts val="0"/>
+              </a:spcAft>
+              <a:buSzPct val="25000"/>
+              <a:buNone/>
+            </a:pPr>
+            <a:r>
+              <a:rPr lang="en-US" sz="2400" dirty="0">
+                <a:solidFill>
+                  <a:schemeClr val="dk1"/>
+                </a:solidFill>
+                <a:latin typeface="Calibri"/>
+                <a:ea typeface="Calibri"/>
+                <a:cs typeface="Calibri"/>
+                <a:sym typeface="Calibri"/>
+              </a:rPr>
+              <a:t>1</a:t>
+            </a:r>
+          </a:p>
+        </p:txBody>
+      </p:sp>
+      <p:sp>
+        <p:nvSpPr>
+          <p:cNvPr id="83" name="Shape 436">
+            <a:extLst>
+              <a:ext uri="{FF2B5EF4-FFF2-40B4-BE49-F238E27FC236}">
+                <a16:creationId xmlns:a16="http://schemas.microsoft.com/office/drawing/2014/main" id="{E086C0F8-42EA-3B4E-B21F-F1E85A5519D3}"/>
+              </a:ext>
+            </a:extLst>
+          </p:cNvPr>
+          <p:cNvSpPr txBox="1"/>
+          <p:nvPr/>
+        </p:nvSpPr>
+        <p:spPr>
+          <a:xfrm>
+            <a:off x="4232601" y="3591092"/>
+            <a:ext cx="340800" cy="461700"/>
+          </a:xfrm>
+          <a:prstGeom prst="rect">
+            <a:avLst/>
+          </a:prstGeom>
+          <a:noFill/>
+          <a:ln w="28575" cap="flat" cmpd="sng">
+            <a:solidFill>
+              <a:srgbClr val="000000">
+                <a:alpha val="0"/>
+              </a:srgbClr>
+            </a:solidFill>
+            <a:prstDash val="solid"/>
+            <a:round/>
+            <a:headEnd type="none" w="med" len="med"/>
+            <a:tailEnd type="none" w="med" len="med"/>
+          </a:ln>
+        </p:spPr>
+        <p:txBody>
+          <a:bodyPr lIns="91425" tIns="45700" rIns="91425" bIns="45700" anchor="t" anchorCtr="0">
+            <a:noAutofit/>
+          </a:bodyPr>
+          <a:lstStyle/>
+          <a:p>
+            <a:pPr marL="0" marR="0" lvl="0" indent="0" algn="ctr" rtl="0">
+              <a:spcBef>
+                <a:spcPts val="0"/>
+              </a:spcBef>
+              <a:spcAft>
+                <a:spcPts val="0"/>
+              </a:spcAft>
+              <a:buSzPct val="25000"/>
+              <a:buNone/>
+            </a:pPr>
+            <a:r>
+              <a:rPr lang="en-US" sz="2400" dirty="0">
+                <a:solidFill>
+                  <a:schemeClr val="dk1"/>
+                </a:solidFill>
+                <a:latin typeface="Calibri"/>
+                <a:ea typeface="Calibri"/>
+                <a:cs typeface="Calibri"/>
+                <a:sym typeface="Calibri"/>
+              </a:rPr>
+              <a:t>0</a:t>
+            </a:r>
+          </a:p>
+        </p:txBody>
+      </p:sp>
+      <p:sp>
+        <p:nvSpPr>
+          <p:cNvPr id="55" name="Shape 431">
+            <a:extLst>
+              <a:ext uri="{FF2B5EF4-FFF2-40B4-BE49-F238E27FC236}">
+                <a16:creationId xmlns:a16="http://schemas.microsoft.com/office/drawing/2014/main" id="{4A446111-6739-3E4D-964A-B03502E5DA31}"/>
+              </a:ext>
+            </a:extLst>
+          </p:cNvPr>
+          <p:cNvSpPr/>
+          <p:nvPr/>
+        </p:nvSpPr>
+        <p:spPr>
+          <a:xfrm>
+            <a:off x="5270868" y="3068600"/>
+            <a:ext cx="1095046" cy="1131783"/>
+          </a:xfrm>
+          <a:prstGeom prst="flowChartConnector">
+            <a:avLst/>
+          </a:prstGeom>
+          <a:solidFill>
+            <a:srgbClr val="FF9900"/>
+          </a:solidFill>
+          <a:ln w="28575" cap="flat" cmpd="thinThick">
+            <a:solidFill>
+              <a:schemeClr val="dk1"/>
+            </a:solidFill>
+            <a:prstDash val="solid"/>
+            <a:round/>
+            <a:headEnd type="none" w="med" len="med"/>
+            <a:tailEnd type="none" w="med" len="med"/>
+          </a:ln>
+        </p:spPr>
+        <p:txBody>
+          <a:bodyPr lIns="91425" tIns="45700" rIns="91425" bIns="45700" anchor="ctr" anchorCtr="1">
+            <a:noAutofit/>
+          </a:bodyPr>
+          <a:lstStyle/>
+          <a:p>
+            <a:pPr marL="0" marR="0" lvl="0" indent="0" algn="ctr" rtl="0">
+              <a:spcBef>
+                <a:spcPts val="0"/>
+              </a:spcBef>
+              <a:spcAft>
+                <a:spcPts val="0"/>
+              </a:spcAft>
+              <a:buSzPct val="25000"/>
+              <a:buNone/>
+            </a:pPr>
+            <a:r>
+              <a:rPr lang="en-US" sz="1600" dirty="0">
+                <a:solidFill>
+                  <a:schemeClr val="dk1"/>
+                </a:solidFill>
+                <a:latin typeface="Calibri"/>
+                <a:ea typeface="Calibri"/>
+                <a:cs typeface="Calibri"/>
+                <a:sym typeface="Calibri"/>
+              </a:rPr>
+              <a:t>{A,B,C}</a:t>
+            </a:r>
+          </a:p>
+        </p:txBody>
+      </p:sp>
+      <p:cxnSp>
+        <p:nvCxnSpPr>
+          <p:cNvPr id="66" name="Shape 434">
+            <a:extLst>
+              <a:ext uri="{FF2B5EF4-FFF2-40B4-BE49-F238E27FC236}">
+                <a16:creationId xmlns:a16="http://schemas.microsoft.com/office/drawing/2014/main" id="{C52D73AE-8B93-5F4B-84EA-15F809E38072}"/>
+              </a:ext>
+            </a:extLst>
+          </p:cNvPr>
+          <p:cNvCxnSpPr>
+            <a:cxnSpLocks/>
+            <a:stCxn id="53" idx="5"/>
+            <a:endCxn id="55" idx="0"/>
+          </p:cNvCxnSpPr>
+          <p:nvPr/>
+        </p:nvCxnSpPr>
+        <p:spPr>
+          <a:xfrm>
+            <a:off x="5180241" y="2805570"/>
+            <a:ext cx="638150" cy="263030"/>
+          </a:xfrm>
+          <a:prstGeom prst="straightConnector1">
+            <a:avLst/>
+          </a:prstGeom>
+          <a:noFill/>
+          <a:ln w="28575" cap="flat" cmpd="sng">
+            <a:solidFill>
+              <a:schemeClr val="dk1"/>
+            </a:solidFill>
+            <a:prstDash val="solid"/>
+            <a:round/>
+            <a:headEnd type="none" w="med" len="med"/>
+            <a:tailEnd type="triangle" w="lg" len="lg"/>
+          </a:ln>
+        </p:spPr>
+      </p:cxnSp>
+      <p:cxnSp>
+        <p:nvCxnSpPr>
+          <p:cNvPr id="15" name="Curved Connector 14">
+            <a:extLst>
+              <a:ext uri="{FF2B5EF4-FFF2-40B4-BE49-F238E27FC236}">
+                <a16:creationId xmlns:a16="http://schemas.microsoft.com/office/drawing/2014/main" id="{47F0B0F8-3E00-BC4A-848C-7184ACA2CE5E}"/>
+              </a:ext>
+            </a:extLst>
+          </p:cNvPr>
+          <p:cNvCxnSpPr>
+            <a:stCxn id="53" idx="0"/>
+            <a:endCxn id="54" idx="0"/>
+          </p:cNvCxnSpPr>
+          <p:nvPr/>
+        </p:nvCxnSpPr>
+        <p:spPr>
+          <a:xfrm rot="16200000" flipH="1" flipV="1">
+            <a:off x="3773820" y="1632981"/>
+            <a:ext cx="664862" cy="1466976"/>
+          </a:xfrm>
+          <a:prstGeom prst="curvedConnector3">
+            <a:avLst>
+              <a:gd name="adj1" fmla="val -34383"/>
+            </a:avLst>
+          </a:prstGeom>
+          <a:ln w="38100">
+            <a:solidFill>
+              <a:schemeClr val="tx1"/>
+            </a:solidFill>
+            <a:tailEnd type="triangle"/>
+          </a:ln>
+        </p:spPr>
+        <p:style>
+          <a:lnRef idx="1">
+            <a:schemeClr val="accent1"/>
+          </a:lnRef>
+          <a:fillRef idx="0">
+            <a:schemeClr val="accent1"/>
+          </a:fillRef>
+          <a:effectRef idx="0">
+            <a:schemeClr val="accent1"/>
+          </a:effectRef>
+          <a:fontRef idx="minor">
+            <a:schemeClr val="tx1"/>
+          </a:fontRef>
+        </p:style>
+      </p:cxnSp>
+      <p:sp>
+        <p:nvSpPr>
+          <p:cNvPr id="84" name="Shape 436">
+            <a:extLst>
+              <a:ext uri="{FF2B5EF4-FFF2-40B4-BE49-F238E27FC236}">
+                <a16:creationId xmlns:a16="http://schemas.microsoft.com/office/drawing/2014/main" id="{6500A58D-E6D4-8A44-B990-B5F4D6CD1CE6}"/>
+              </a:ext>
+            </a:extLst>
+          </p:cNvPr>
+          <p:cNvSpPr txBox="1"/>
+          <p:nvPr/>
+        </p:nvSpPr>
+        <p:spPr>
+          <a:xfrm>
+            <a:off x="5399436" y="2475385"/>
+            <a:ext cx="340800" cy="461700"/>
+          </a:xfrm>
+          <a:prstGeom prst="rect">
+            <a:avLst/>
+          </a:prstGeom>
+          <a:noFill/>
+          <a:ln w="28575" cap="flat" cmpd="sng">
+            <a:solidFill>
+              <a:srgbClr val="000000">
+                <a:alpha val="0"/>
+              </a:srgbClr>
+            </a:solidFill>
+            <a:prstDash val="solid"/>
+            <a:round/>
+            <a:headEnd type="none" w="med" len="med"/>
+            <a:tailEnd type="none" w="med" len="med"/>
+          </a:ln>
+        </p:spPr>
+        <p:txBody>
+          <a:bodyPr lIns="91425" tIns="45700" rIns="91425" bIns="45700" anchor="t" anchorCtr="0">
+            <a:noAutofit/>
+          </a:bodyPr>
+          <a:lstStyle/>
+          <a:p>
+            <a:pPr marL="0" marR="0" lvl="0" indent="0" algn="ctr" rtl="0">
+              <a:spcBef>
+                <a:spcPts val="0"/>
+              </a:spcBef>
+              <a:spcAft>
+                <a:spcPts val="0"/>
+              </a:spcAft>
+              <a:buSzPct val="25000"/>
+              <a:buNone/>
+            </a:pPr>
+            <a:r>
+              <a:rPr lang="en-US" sz="2400" dirty="0">
+                <a:solidFill>
+                  <a:schemeClr val="dk1"/>
+                </a:solidFill>
+                <a:latin typeface="Calibri"/>
+                <a:ea typeface="Calibri"/>
+                <a:cs typeface="Calibri"/>
+                <a:sym typeface="Calibri"/>
+              </a:rPr>
+              <a:t>0</a:t>
+            </a:r>
+          </a:p>
+        </p:txBody>
+      </p:sp>
+      <p:grpSp>
+        <p:nvGrpSpPr>
+          <p:cNvPr id="60" name="Shape 293">
+            <a:extLst>
+              <a:ext uri="{FF2B5EF4-FFF2-40B4-BE49-F238E27FC236}">
+                <a16:creationId xmlns:a16="http://schemas.microsoft.com/office/drawing/2014/main" id="{E3CBC5EB-D52C-6440-8C4B-0015884C3E1B}"/>
+              </a:ext>
+            </a:extLst>
+          </p:cNvPr>
+          <p:cNvGrpSpPr/>
+          <p:nvPr/>
+        </p:nvGrpSpPr>
+        <p:grpSpPr>
+          <a:xfrm>
+            <a:off x="2262099" y="4346198"/>
+            <a:ext cx="5243600" cy="2062200"/>
+            <a:chOff x="1819275" y="3367088"/>
+            <a:chExt cx="5243600" cy="2062200"/>
+          </a:xfrm>
+        </p:grpSpPr>
+        <p:sp>
+          <p:nvSpPr>
+            <p:cNvPr id="61" name="Shape 294">
+              <a:extLst>
+                <a:ext uri="{FF2B5EF4-FFF2-40B4-BE49-F238E27FC236}">
+                  <a16:creationId xmlns:a16="http://schemas.microsoft.com/office/drawing/2014/main" id="{4E475F8C-3D13-3640-98BC-43DBD4824DAC}"/>
+                </a:ext>
+              </a:extLst>
+            </p:cNvPr>
+            <p:cNvSpPr/>
+            <p:nvPr/>
+          </p:nvSpPr>
+          <p:spPr>
+            <a:xfrm>
+              <a:off x="2362200" y="4019551"/>
+              <a:ext cx="609600" cy="649200"/>
+            </a:xfrm>
+            <a:prstGeom prst="flowChartConnector">
+              <a:avLst/>
+            </a:prstGeom>
+            <a:solidFill>
+              <a:srgbClr val="FF9900"/>
+            </a:solidFill>
+            <a:ln w="28575" cap="flat" cmpd="sng">
+              <a:solidFill>
+                <a:schemeClr val="dk1"/>
+              </a:solidFill>
+              <a:prstDash val="solid"/>
+              <a:round/>
+              <a:headEnd type="none" w="med" len="med"/>
+              <a:tailEnd type="none" w="med" len="med"/>
+            </a:ln>
+          </p:spPr>
+          <p:txBody>
+            <a:bodyPr lIns="91425" tIns="45700" rIns="91425" bIns="45700" anchor="ctr" anchorCtr="1">
+              <a:noAutofit/>
+            </a:bodyPr>
+            <a:lstStyle/>
+            <a:p>
+              <a:pPr marL="0" marR="0" lvl="0" indent="0" algn="ctr" rtl="0">
+                <a:spcBef>
+                  <a:spcPts val="0"/>
+                </a:spcBef>
+                <a:spcAft>
+                  <a:spcPts val="0"/>
+                </a:spcAft>
+                <a:buSzPct val="25000"/>
+                <a:buNone/>
+              </a:pPr>
+              <a:r>
+                <a:rPr lang="en-US" sz="2400" dirty="0">
+                  <a:solidFill>
+                    <a:schemeClr val="dk1"/>
+                  </a:solidFill>
+                  <a:latin typeface="Calibri"/>
+                  <a:ea typeface="Calibri"/>
+                  <a:cs typeface="Calibri"/>
+                  <a:sym typeface="Calibri"/>
+                </a:rPr>
+                <a:t>X</a:t>
+              </a:r>
+            </a:p>
+          </p:txBody>
+        </p:sp>
+        <p:sp>
+          <p:nvSpPr>
+            <p:cNvPr id="65" name="Shape 295">
+              <a:extLst>
+                <a:ext uri="{FF2B5EF4-FFF2-40B4-BE49-F238E27FC236}">
+                  <a16:creationId xmlns:a16="http://schemas.microsoft.com/office/drawing/2014/main" id="{3BA217BA-1DA1-DB40-8848-87341E813484}"/>
+                </a:ext>
+              </a:extLst>
+            </p:cNvPr>
+            <p:cNvSpPr/>
+            <p:nvPr/>
+          </p:nvSpPr>
+          <p:spPr>
+            <a:xfrm>
+              <a:off x="4038601" y="4019551"/>
+              <a:ext cx="609600" cy="649200"/>
+            </a:xfrm>
+            <a:prstGeom prst="flowChartConnector">
+              <a:avLst/>
+            </a:prstGeom>
+            <a:solidFill>
+              <a:srgbClr val="FF9900"/>
+            </a:solidFill>
+            <a:ln w="9525" cap="flat" cmpd="sng">
+              <a:solidFill>
+                <a:schemeClr val="dk1"/>
+              </a:solidFill>
+              <a:prstDash val="solid"/>
+              <a:round/>
+              <a:headEnd type="none" w="med" len="med"/>
+              <a:tailEnd type="none" w="med" len="med"/>
+            </a:ln>
+          </p:spPr>
+          <p:txBody>
+            <a:bodyPr lIns="91425" tIns="45700" rIns="91425" bIns="45700" anchor="ctr" anchorCtr="1">
+              <a:noAutofit/>
+            </a:bodyPr>
+            <a:lstStyle/>
+            <a:p>
+              <a:pPr marL="0" marR="0" lvl="0" indent="0" algn="ctr" rtl="0">
+                <a:spcBef>
+                  <a:spcPts val="0"/>
+                </a:spcBef>
+                <a:spcAft>
+                  <a:spcPts val="0"/>
+                </a:spcAft>
+                <a:buSzPct val="25000"/>
+                <a:buNone/>
+              </a:pPr>
+              <a:r>
+                <a:rPr lang="en-US" sz="2400" dirty="0">
+                  <a:solidFill>
+                    <a:schemeClr val="dk1"/>
+                  </a:solidFill>
+                  <a:latin typeface="Calibri"/>
+                  <a:ea typeface="Calibri"/>
+                  <a:cs typeface="Calibri"/>
+                  <a:sym typeface="Calibri"/>
+                </a:rPr>
+                <a:t>Y</a:t>
+              </a:r>
+            </a:p>
+          </p:txBody>
+        </p:sp>
+        <p:sp>
+          <p:nvSpPr>
+            <p:cNvPr id="67" name="Shape 296">
+              <a:extLst>
+                <a:ext uri="{FF2B5EF4-FFF2-40B4-BE49-F238E27FC236}">
+                  <a16:creationId xmlns:a16="http://schemas.microsoft.com/office/drawing/2014/main" id="{CDE266BE-2DB7-ED42-88F2-BE52331D29EB}"/>
+                </a:ext>
+              </a:extLst>
+            </p:cNvPr>
+            <p:cNvSpPr/>
+            <p:nvPr/>
+          </p:nvSpPr>
+          <p:spPr>
+            <a:xfrm>
+              <a:off x="5867401" y="4038601"/>
+              <a:ext cx="609600" cy="609600"/>
+            </a:xfrm>
+            <a:prstGeom prst="flowChartConnector">
+              <a:avLst/>
+            </a:prstGeom>
+            <a:solidFill>
+              <a:srgbClr val="FF9900"/>
+            </a:solidFill>
+            <a:ln w="73025" cap="flat" cmpd="dbl">
+              <a:solidFill>
+                <a:schemeClr val="dk1"/>
+              </a:solidFill>
+              <a:prstDash val="solid"/>
+              <a:round/>
+              <a:headEnd type="none" w="med" len="med"/>
+              <a:tailEnd type="none" w="med" len="med"/>
+            </a:ln>
+          </p:spPr>
+          <p:txBody>
+            <a:bodyPr lIns="91425" tIns="45700" rIns="91425" bIns="45700" anchor="ctr" anchorCtr="0">
+              <a:noAutofit/>
+            </a:bodyPr>
+            <a:lstStyle/>
+            <a:p>
+              <a:pPr marL="0" marR="0" lvl="0" indent="0" algn="ctr" rtl="0">
+                <a:spcBef>
+                  <a:spcPts val="0"/>
+                </a:spcBef>
+                <a:spcAft>
+                  <a:spcPts val="0"/>
+                </a:spcAft>
+                <a:buSzPct val="25000"/>
+                <a:buNone/>
+              </a:pPr>
+              <a:r>
+                <a:rPr lang="en-US" sz="2400" dirty="0">
+                  <a:solidFill>
+                    <a:schemeClr val="dk1"/>
+                  </a:solidFill>
+                  <a:latin typeface="Calibri"/>
+                  <a:ea typeface="Calibri"/>
+                  <a:cs typeface="Calibri"/>
+                  <a:sym typeface="Calibri"/>
+                </a:rPr>
+                <a:t>Z</a:t>
+              </a:r>
+            </a:p>
+          </p:txBody>
+        </p:sp>
+        <p:sp>
+          <p:nvSpPr>
+            <p:cNvPr id="68" name="Shape 297">
+              <a:extLst>
+                <a:ext uri="{FF2B5EF4-FFF2-40B4-BE49-F238E27FC236}">
+                  <a16:creationId xmlns:a16="http://schemas.microsoft.com/office/drawing/2014/main" id="{7731CC7B-52D6-C446-A911-5F3DCE2C79F9}"/>
+                </a:ext>
+              </a:extLst>
+            </p:cNvPr>
+            <p:cNvSpPr txBox="1"/>
+            <p:nvPr/>
+          </p:nvSpPr>
+          <p:spPr>
+            <a:xfrm>
+              <a:off x="3216276" y="3976689"/>
+              <a:ext cx="341399" cy="462000"/>
+            </a:xfrm>
+            <a:prstGeom prst="rect">
+              <a:avLst/>
+            </a:prstGeom>
+            <a:noFill/>
+            <a:ln>
+              <a:noFill/>
+            </a:ln>
+          </p:spPr>
+          <p:txBody>
+            <a:bodyPr lIns="91425" tIns="45700" rIns="91425" bIns="45700" anchor="t" anchorCtr="0">
+              <a:noAutofit/>
+            </a:bodyPr>
+            <a:lstStyle/>
+            <a:p>
+              <a:pPr marL="0" marR="0" lvl="0" indent="0" algn="ctr" rtl="0">
+                <a:spcBef>
+                  <a:spcPts val="0"/>
+                </a:spcBef>
+                <a:spcAft>
+                  <a:spcPts val="0"/>
+                </a:spcAft>
+                <a:buSzPct val="25000"/>
+                <a:buNone/>
+              </a:pPr>
+              <a:r>
+                <a:rPr lang="en-US" sz="2400">
+                  <a:solidFill>
+                    <a:schemeClr val="dk1"/>
+                  </a:solidFill>
+                  <a:latin typeface="Calibri"/>
+                  <a:ea typeface="Calibri"/>
+                  <a:cs typeface="Calibri"/>
+                  <a:sym typeface="Calibri"/>
+                </a:rPr>
+                <a:t>0</a:t>
+              </a:r>
+            </a:p>
+          </p:txBody>
+        </p:sp>
+        <p:sp>
+          <p:nvSpPr>
+            <p:cNvPr id="69" name="Shape 298">
+              <a:extLst>
+                <a:ext uri="{FF2B5EF4-FFF2-40B4-BE49-F238E27FC236}">
+                  <a16:creationId xmlns:a16="http://schemas.microsoft.com/office/drawing/2014/main" id="{22485A00-CE53-E947-A29C-A3B3172189EE}"/>
+                </a:ext>
+              </a:extLst>
+            </p:cNvPr>
+            <p:cNvSpPr txBox="1"/>
+            <p:nvPr/>
+          </p:nvSpPr>
+          <p:spPr>
+            <a:xfrm>
+              <a:off x="5045076" y="3976689"/>
+              <a:ext cx="341400" cy="462000"/>
+            </a:xfrm>
+            <a:prstGeom prst="rect">
+              <a:avLst/>
+            </a:prstGeom>
+            <a:noFill/>
+            <a:ln>
+              <a:noFill/>
+            </a:ln>
+          </p:spPr>
+          <p:txBody>
+            <a:bodyPr lIns="91425" tIns="45700" rIns="91425" bIns="45700" anchor="t" anchorCtr="0">
+              <a:noAutofit/>
+            </a:bodyPr>
+            <a:lstStyle/>
+            <a:p>
+              <a:pPr marL="0" marR="0" lvl="0" indent="0" algn="ctr" rtl="0">
+                <a:spcBef>
+                  <a:spcPts val="0"/>
+                </a:spcBef>
+                <a:spcAft>
+                  <a:spcPts val="0"/>
+                </a:spcAft>
+                <a:buSzPct val="25000"/>
+                <a:buNone/>
+              </a:pPr>
+              <a:r>
+                <a:rPr lang="en-US" sz="2400">
+                  <a:solidFill>
+                    <a:schemeClr val="dk1"/>
+                  </a:solidFill>
+                  <a:latin typeface="Calibri"/>
+                  <a:ea typeface="Calibri"/>
+                  <a:cs typeface="Calibri"/>
+                  <a:sym typeface="Calibri"/>
+                </a:rPr>
+                <a:t>0</a:t>
+              </a:r>
+            </a:p>
+          </p:txBody>
+        </p:sp>
+        <p:sp>
+          <p:nvSpPr>
+            <p:cNvPr id="70" name="Shape 299">
+              <a:extLst>
+                <a:ext uri="{FF2B5EF4-FFF2-40B4-BE49-F238E27FC236}">
+                  <a16:creationId xmlns:a16="http://schemas.microsoft.com/office/drawing/2014/main" id="{DFEAF572-45C4-7C4F-B13A-4FF1353EBAE5}"/>
+                </a:ext>
+              </a:extLst>
+            </p:cNvPr>
+            <p:cNvSpPr txBox="1"/>
+            <p:nvPr/>
+          </p:nvSpPr>
+          <p:spPr>
+            <a:xfrm>
+              <a:off x="4205288" y="4967289"/>
+              <a:ext cx="341400" cy="462000"/>
+            </a:xfrm>
+            <a:prstGeom prst="rect">
+              <a:avLst/>
+            </a:prstGeom>
+            <a:noFill/>
+            <a:ln>
+              <a:noFill/>
+            </a:ln>
+          </p:spPr>
+          <p:txBody>
+            <a:bodyPr lIns="91425" tIns="45700" rIns="91425" bIns="45700" anchor="t" anchorCtr="0">
+              <a:noAutofit/>
+            </a:bodyPr>
+            <a:lstStyle/>
+            <a:p>
+              <a:pPr marL="0" marR="0" lvl="0" indent="0" algn="ctr" rtl="0">
+                <a:spcBef>
+                  <a:spcPts val="0"/>
+                </a:spcBef>
+                <a:spcAft>
+                  <a:spcPts val="0"/>
+                </a:spcAft>
+                <a:buSzPct val="25000"/>
+                <a:buNone/>
+              </a:pPr>
+              <a:r>
+                <a:rPr lang="en-US" sz="2400">
+                  <a:solidFill>
+                    <a:schemeClr val="dk1"/>
+                  </a:solidFill>
+                  <a:latin typeface="Calibri"/>
+                  <a:ea typeface="Calibri"/>
+                  <a:cs typeface="Calibri"/>
+                  <a:sym typeface="Calibri"/>
+                </a:rPr>
+                <a:t>1</a:t>
+              </a:r>
+            </a:p>
+          </p:txBody>
+        </p:sp>
+        <p:sp>
+          <p:nvSpPr>
+            <p:cNvPr id="71" name="Shape 300">
+              <a:extLst>
+                <a:ext uri="{FF2B5EF4-FFF2-40B4-BE49-F238E27FC236}">
+                  <a16:creationId xmlns:a16="http://schemas.microsoft.com/office/drawing/2014/main" id="{45A95603-F734-B64B-87D8-752F8172EC27}"/>
+                </a:ext>
+              </a:extLst>
+            </p:cNvPr>
+            <p:cNvSpPr txBox="1"/>
+            <p:nvPr/>
+          </p:nvSpPr>
+          <p:spPr>
+            <a:xfrm>
+              <a:off x="3367088" y="3367088"/>
+              <a:ext cx="341400" cy="462000"/>
+            </a:xfrm>
+            <a:prstGeom prst="rect">
+              <a:avLst/>
+            </a:prstGeom>
+            <a:noFill/>
+            <a:ln>
+              <a:noFill/>
+            </a:ln>
+          </p:spPr>
+          <p:txBody>
+            <a:bodyPr lIns="91425" tIns="45700" rIns="91425" bIns="45700" anchor="t" anchorCtr="0">
+              <a:noAutofit/>
+            </a:bodyPr>
+            <a:lstStyle/>
+            <a:p>
+              <a:pPr marL="0" marR="0" lvl="0" indent="0" algn="ctr" rtl="0">
+                <a:spcBef>
+                  <a:spcPts val="0"/>
+                </a:spcBef>
+                <a:spcAft>
+                  <a:spcPts val="0"/>
+                </a:spcAft>
+                <a:buSzPct val="25000"/>
+                <a:buNone/>
+              </a:pPr>
+              <a:r>
+                <a:rPr lang="en-US" sz="2400">
+                  <a:solidFill>
+                    <a:schemeClr val="dk1"/>
+                  </a:solidFill>
+                  <a:latin typeface="Calibri"/>
+                  <a:ea typeface="Calibri"/>
+                  <a:cs typeface="Calibri"/>
+                  <a:sym typeface="Calibri"/>
+                </a:rPr>
+                <a:t>1</a:t>
+              </a:r>
+            </a:p>
+          </p:txBody>
+        </p:sp>
+        <p:sp>
+          <p:nvSpPr>
+            <p:cNvPr id="72" name="Shape 301">
+              <a:extLst>
+                <a:ext uri="{FF2B5EF4-FFF2-40B4-BE49-F238E27FC236}">
+                  <a16:creationId xmlns:a16="http://schemas.microsoft.com/office/drawing/2014/main" id="{504382F8-6525-B142-913B-10438AF3B2B6}"/>
+                </a:ext>
+              </a:extLst>
+            </p:cNvPr>
+            <p:cNvSpPr txBox="1"/>
+            <p:nvPr/>
+          </p:nvSpPr>
+          <p:spPr>
+            <a:xfrm>
+              <a:off x="6721476" y="3443289"/>
+              <a:ext cx="341400" cy="462000"/>
+            </a:xfrm>
+            <a:prstGeom prst="rect">
+              <a:avLst/>
+            </a:prstGeom>
+            <a:noFill/>
+            <a:ln>
+              <a:noFill/>
+            </a:ln>
+          </p:spPr>
+          <p:txBody>
+            <a:bodyPr lIns="91425" tIns="45700" rIns="91425" bIns="45700" anchor="t" anchorCtr="0">
+              <a:noAutofit/>
+            </a:bodyPr>
+            <a:lstStyle/>
+            <a:p>
+              <a:pPr marL="0" marR="0" lvl="0" indent="0" algn="ctr" rtl="0">
+                <a:spcBef>
+                  <a:spcPts val="0"/>
+                </a:spcBef>
+                <a:spcAft>
+                  <a:spcPts val="0"/>
+                </a:spcAft>
+                <a:buSzPct val="25000"/>
+                <a:buNone/>
+              </a:pPr>
+              <a:r>
+                <a:rPr lang="en-US" sz="2400">
+                  <a:solidFill>
+                    <a:schemeClr val="dk1"/>
+                  </a:solidFill>
+                  <a:latin typeface="Calibri"/>
+                  <a:ea typeface="Calibri"/>
+                  <a:cs typeface="Calibri"/>
+                  <a:sym typeface="Calibri"/>
+                </a:rPr>
+                <a:t>0</a:t>
+              </a:r>
+            </a:p>
+          </p:txBody>
+        </p:sp>
+        <p:sp>
+          <p:nvSpPr>
+            <p:cNvPr id="73" name="Shape 302">
+              <a:extLst>
+                <a:ext uri="{FF2B5EF4-FFF2-40B4-BE49-F238E27FC236}">
+                  <a16:creationId xmlns:a16="http://schemas.microsoft.com/office/drawing/2014/main" id="{E0777676-AEF9-6749-8EFB-4D07333A1220}"/>
+                </a:ext>
+              </a:extLst>
+            </p:cNvPr>
+            <p:cNvSpPr txBox="1"/>
+            <p:nvPr/>
+          </p:nvSpPr>
+          <p:spPr>
+            <a:xfrm>
+              <a:off x="1819275" y="3443289"/>
+              <a:ext cx="341400" cy="462000"/>
+            </a:xfrm>
+            <a:prstGeom prst="rect">
+              <a:avLst/>
+            </a:prstGeom>
+            <a:noFill/>
+            <a:ln>
+              <a:noFill/>
+            </a:ln>
+          </p:spPr>
+          <p:txBody>
+            <a:bodyPr lIns="91425" tIns="45700" rIns="91425" bIns="45700" anchor="t" anchorCtr="0">
+              <a:noAutofit/>
+            </a:bodyPr>
+            <a:lstStyle/>
+            <a:p>
+              <a:pPr marL="0" marR="0" lvl="0" indent="0" algn="ctr" rtl="0">
+                <a:spcBef>
+                  <a:spcPts val="0"/>
+                </a:spcBef>
+                <a:spcAft>
+                  <a:spcPts val="0"/>
+                </a:spcAft>
+                <a:buSzPct val="25000"/>
+                <a:buNone/>
+              </a:pPr>
+              <a:r>
+                <a:rPr lang="en-US" sz="2400">
+                  <a:solidFill>
+                    <a:schemeClr val="dk1"/>
+                  </a:solidFill>
+                  <a:latin typeface="Calibri"/>
+                  <a:ea typeface="Calibri"/>
+                  <a:cs typeface="Calibri"/>
+                  <a:sym typeface="Calibri"/>
+                </a:rPr>
+                <a:t>1</a:t>
+              </a:r>
+            </a:p>
+          </p:txBody>
+        </p:sp>
+        <p:cxnSp>
+          <p:nvCxnSpPr>
+            <p:cNvPr id="74" name="Shape 303">
+              <a:extLst>
+                <a:ext uri="{FF2B5EF4-FFF2-40B4-BE49-F238E27FC236}">
+                  <a16:creationId xmlns:a16="http://schemas.microsoft.com/office/drawing/2014/main" id="{8E3411DA-AD6A-F34C-B603-AAA0E3BB5F16}"/>
+                </a:ext>
+              </a:extLst>
+            </p:cNvPr>
+            <p:cNvCxnSpPr>
+              <a:endCxn id="65" idx="2"/>
+            </p:cNvCxnSpPr>
+            <p:nvPr/>
+          </p:nvCxnSpPr>
+          <p:spPr>
+            <a:xfrm>
+              <a:off x="2971801" y="4344151"/>
+              <a:ext cx="1066800" cy="0"/>
+            </a:xfrm>
+            <a:prstGeom prst="straightConnector1">
+              <a:avLst/>
+            </a:prstGeom>
+            <a:noFill/>
+            <a:ln w="28575" cap="flat" cmpd="sng">
+              <a:solidFill>
+                <a:schemeClr val="dk2"/>
+              </a:solidFill>
+              <a:prstDash val="solid"/>
+              <a:round/>
+              <a:headEnd type="none" w="lg" len="lg"/>
+              <a:tailEnd type="triangle" w="lg" len="lg"/>
+            </a:ln>
+          </p:spPr>
+        </p:cxnSp>
+        <p:cxnSp>
+          <p:nvCxnSpPr>
+            <p:cNvPr id="75" name="Shape 304">
+              <a:extLst>
+                <a:ext uri="{FF2B5EF4-FFF2-40B4-BE49-F238E27FC236}">
+                  <a16:creationId xmlns:a16="http://schemas.microsoft.com/office/drawing/2014/main" id="{117B808D-6A84-B84C-BA13-80AA08FE54EC}"/>
+                </a:ext>
+              </a:extLst>
+            </p:cNvPr>
+            <p:cNvCxnSpPr>
+              <a:stCxn id="65" idx="6"/>
+              <a:endCxn id="67" idx="2"/>
+            </p:cNvCxnSpPr>
+            <p:nvPr/>
+          </p:nvCxnSpPr>
+          <p:spPr>
+            <a:xfrm rot="10800000" flipH="1">
+              <a:off x="4648201" y="4343551"/>
+              <a:ext cx="1219200" cy="600"/>
+            </a:xfrm>
+            <a:prstGeom prst="straightConnector1">
+              <a:avLst/>
+            </a:prstGeom>
+            <a:noFill/>
+            <a:ln w="28575" cap="flat" cmpd="sng">
+              <a:solidFill>
+                <a:schemeClr val="dk2"/>
+              </a:solidFill>
+              <a:prstDash val="solid"/>
+              <a:round/>
+              <a:headEnd type="none" w="lg" len="lg"/>
+              <a:tailEnd type="triangle" w="lg" len="lg"/>
+            </a:ln>
+          </p:spPr>
+        </p:cxnSp>
+        <p:cxnSp>
+          <p:nvCxnSpPr>
+            <p:cNvPr id="79" name="Shape 305">
+              <a:extLst>
+                <a:ext uri="{FF2B5EF4-FFF2-40B4-BE49-F238E27FC236}">
+                  <a16:creationId xmlns:a16="http://schemas.microsoft.com/office/drawing/2014/main" id="{14BA6CC4-2355-B849-935E-3F830AFBD6F8}"/>
+                </a:ext>
+              </a:extLst>
+            </p:cNvPr>
+            <p:cNvCxnSpPr>
+              <a:stCxn id="61" idx="0"/>
+              <a:endCxn id="65" idx="0"/>
+            </p:cNvCxnSpPr>
+            <p:nvPr/>
+          </p:nvCxnSpPr>
+          <p:spPr>
+            <a:xfrm rot="-5400000" flipH="1">
+              <a:off x="3504900" y="3181651"/>
+              <a:ext cx="600" cy="1676400"/>
+            </a:xfrm>
+            <a:prstGeom prst="curvedConnector3">
+              <a:avLst>
+                <a:gd name="adj1" fmla="val -39687500"/>
+              </a:avLst>
+            </a:prstGeom>
+            <a:noFill/>
+            <a:ln w="28575" cap="flat" cmpd="sng">
+              <a:solidFill>
+                <a:schemeClr val="dk2"/>
+              </a:solidFill>
+              <a:prstDash val="solid"/>
+              <a:round/>
+              <a:headEnd type="triangle" w="lg" len="lg"/>
+              <a:tailEnd type="none" w="lg" len="lg"/>
+            </a:ln>
+          </p:spPr>
+        </p:cxnSp>
+        <p:cxnSp>
+          <p:nvCxnSpPr>
+            <p:cNvPr id="80" name="Shape 306">
+              <a:extLst>
+                <a:ext uri="{FF2B5EF4-FFF2-40B4-BE49-F238E27FC236}">
+                  <a16:creationId xmlns:a16="http://schemas.microsoft.com/office/drawing/2014/main" id="{48F87E0A-E529-BC4D-B066-0F0334B21819}"/>
+                </a:ext>
+              </a:extLst>
+            </p:cNvPr>
+            <p:cNvCxnSpPr>
+              <a:stCxn id="61" idx="2"/>
+              <a:endCxn id="61" idx="1"/>
+            </p:cNvCxnSpPr>
+            <p:nvPr/>
+          </p:nvCxnSpPr>
+          <p:spPr>
+            <a:xfrm rot="10800000" flipH="1">
+              <a:off x="2362200" y="4114651"/>
+              <a:ext cx="89400" cy="229500"/>
+            </a:xfrm>
+            <a:prstGeom prst="curvedConnector4">
+              <a:avLst>
+                <a:gd name="adj1" fmla="val -266359"/>
+                <a:gd name="adj2" fmla="val 245196"/>
+              </a:avLst>
+            </a:prstGeom>
+            <a:noFill/>
+            <a:ln w="28575" cap="flat" cmpd="sng">
+              <a:solidFill>
+                <a:schemeClr val="dk2"/>
+              </a:solidFill>
+              <a:prstDash val="solid"/>
+              <a:round/>
+              <a:headEnd type="triangle" w="lg" len="lg"/>
+              <a:tailEnd type="none" w="lg" len="lg"/>
+            </a:ln>
+          </p:spPr>
+        </p:cxnSp>
+        <p:cxnSp>
+          <p:nvCxnSpPr>
+            <p:cNvPr id="81" name="Shape 307">
+              <a:extLst>
+                <a:ext uri="{FF2B5EF4-FFF2-40B4-BE49-F238E27FC236}">
+                  <a16:creationId xmlns:a16="http://schemas.microsoft.com/office/drawing/2014/main" id="{4CB5A3B2-F14A-0649-81E2-0B49DB17840C}"/>
+                </a:ext>
+              </a:extLst>
+            </p:cNvPr>
+            <p:cNvCxnSpPr>
+              <a:stCxn id="67" idx="0"/>
+              <a:endCxn id="67" idx="6"/>
+            </p:cNvCxnSpPr>
+            <p:nvPr/>
+          </p:nvCxnSpPr>
+          <p:spPr>
+            <a:xfrm rot="-5400000" flipH="1">
+              <a:off x="6172201" y="4038601"/>
+              <a:ext cx="304800" cy="304800"/>
+            </a:xfrm>
+            <a:prstGeom prst="curvedConnector4">
+              <a:avLst>
+                <a:gd name="adj1" fmla="val -78125"/>
+                <a:gd name="adj2" fmla="val 178125"/>
+              </a:avLst>
+            </a:prstGeom>
+            <a:noFill/>
+            <a:ln w="28575" cap="flat" cmpd="sng">
+              <a:solidFill>
+                <a:schemeClr val="dk2"/>
+              </a:solidFill>
+              <a:prstDash val="solid"/>
+              <a:round/>
+              <a:headEnd type="triangle" w="lg" len="lg"/>
+              <a:tailEnd type="none" w="lg" len="lg"/>
+            </a:ln>
+          </p:spPr>
+        </p:cxnSp>
+        <p:cxnSp>
+          <p:nvCxnSpPr>
+            <p:cNvPr id="82" name="Shape 308">
+              <a:extLst>
+                <a:ext uri="{FF2B5EF4-FFF2-40B4-BE49-F238E27FC236}">
+                  <a16:creationId xmlns:a16="http://schemas.microsoft.com/office/drawing/2014/main" id="{937B4F40-F47F-4A4A-A858-5C149571B9BC}"/>
+                </a:ext>
+              </a:extLst>
+            </p:cNvPr>
+            <p:cNvCxnSpPr>
+              <a:stCxn id="67" idx="4"/>
+              <a:endCxn id="61" idx="5"/>
+            </p:cNvCxnSpPr>
+            <p:nvPr/>
+          </p:nvCxnSpPr>
+          <p:spPr>
+            <a:xfrm rot="5400000" flipH="1">
+              <a:off x="4490101" y="2966101"/>
+              <a:ext cx="74400" cy="3289800"/>
+            </a:xfrm>
+            <a:prstGeom prst="curvedConnector3">
+              <a:avLst>
+                <a:gd name="adj1" fmla="val -347681"/>
+              </a:avLst>
+            </a:prstGeom>
+            <a:noFill/>
+            <a:ln w="28575" cap="flat" cmpd="sng">
+              <a:solidFill>
+                <a:schemeClr val="dk2"/>
+              </a:solidFill>
+              <a:prstDash val="solid"/>
+              <a:round/>
+              <a:headEnd type="none" w="lg" len="lg"/>
+              <a:tailEnd type="triangle" w="lg" len="lg"/>
+            </a:ln>
+          </p:spPr>
+        </p:cxnSp>
+      </p:grpSp>
+    </p:spTree>
+    <p:extLst>
+      <p:ext uri="{BB962C8B-B14F-4D97-AF65-F5344CB8AC3E}">
+        <p14:creationId xmlns:p14="http://schemas.microsoft.com/office/powerpoint/2010/main" val="2024329452"/>
+      </p:ext>
+    </p:extLst>
+  </p:cSld>
+  <p:clrMapOvr>
+    <a:masterClrMapping/>
+  </p:clrMapOvr>
+  <p:timing>
+    <p:tnLst>
+      <p:par>
+        <p:cTn id="1" dur="indefinite" restart="never" nodeType="tmRoot">
+          <p:childTnLst>
+            <p:seq concurrent="1" nextAc="seek">
+              <p:cTn id="2" dur="indefinite" nodeType="mainSeq">
+                <p:childTnLst>
+                  <p:par>
+                    <p:cTn id="3" fill="hold">
+                      <p:stCondLst>
+                        <p:cond delay="indefinite"/>
+                      </p:stCondLst>
+                      <p:childTnLst>
+                        <p:par>
+                          <p:cTn id="4" fill="hold">
+                            <p:stCondLst>
+                              <p:cond delay="0"/>
+                            </p:stCondLst>
+                            <p:childTnLst>
+                              <p:par>
+                                <p:cTn id="5" presetID="1" presetClass="entr" presetSubtype="0" fill="hold" nodeType="clickEffect">
+                                  <p:stCondLst>
+                                    <p:cond delay="0"/>
+                                  </p:stCondLst>
+                                  <p:childTnLst>
+                                    <p:set>
+                                      <p:cBhvr>
+                                        <p:cTn id="6" dur="1" fill="hold">
+                                          <p:stCondLst>
+                                            <p:cond delay="0"/>
+                                          </p:stCondLst>
+                                        </p:cTn>
+                                        <p:tgtEl>
+                                          <p:spTgt spid="60"/>
+                                        </p:tgtEl>
+                                        <p:attrNameLst>
+                                          <p:attrName>style.visibility</p:attrName>
+                                        </p:attrNameLst>
+                                      </p:cBhvr>
+                                      <p:to>
+                                        <p:strVal val="visible"/>
+                                      </p:to>
+                                    </p:set>
+                                  </p:childTnLst>
+                                </p:cTn>
+                              </p:par>
+                            </p:childTnLst>
+                          </p:cTn>
+                        </p:par>
+                      </p:childTnLst>
+                    </p:cTn>
+                  </p:par>
+                </p:childTnLst>
+              </p:cTn>
+              <p:prevCondLst>
+                <p:cond evt="onPrev" delay="0">
+                  <p:tgtEl>
+                    <p:sldTgt/>
+                  </p:tgtEl>
+                </p:cond>
+              </p:prevCondLst>
+              <p:nextCondLst>
+                <p:cond evt="onNext" delay="0">
+                  <p:tgtEl>
+                    <p:sldTgt/>
+                  </p:tgtEl>
+                </p:cond>
+              </p:nextCondLst>
+            </p:seq>
+          </p:childTnLst>
+        </p:cTn>
+      </p:par>
+    </p:tnLst>
+  </p:timing>
+</p:sld>
+</file>
+
+<file path=ppt/slides/slide15.xml><?xml version="1.0" encoding="utf-8"?>
+<p:sld xmlns:a="http://schemas.openxmlformats.org/drawingml/2006/main" xmlns:r="http://schemas.openxmlformats.org/officeDocument/2006/relationships" xmlns:p="http://schemas.openxmlformats.org/presentationml/2006/main">
+  <p:cSld>
+    <p:spTree>
+      <p:nvGrpSpPr>
         <p:cNvPr id="1" name="Shape 465"/>
         <p:cNvGrpSpPr/>
         <p:nvPr/>
@@ -25451,7 +31115,7 @@
                 <a:cs typeface="Calibri"/>
                 <a:sym typeface="Calibri"/>
               </a:rPr>
-              <a:t>13</a:t>
+              <a:t>15</a:t>
             </a:fld>
             <a:endParaRPr lang="en-US" sz="1400">
               <a:solidFill>

--- a/assets/ppt/lex/lex4-regexps-as-automata.pptx
+++ b/assets/ppt/lex/lex4-regexps-as-automata.pptx
@@ -26059,8 +26059,8 @@
             <a:chExt cx="3436715" cy="461664"/>
           </a:xfrm>
         </p:grpSpPr>
-        <mc:AlternateContent xmlns:mc="http://schemas.openxmlformats.org/markup-compatibility/2006">
-          <mc:Choice xmlns:a14="http://schemas.microsoft.com/office/drawing/2010/main" Requires="a14">
+        <mc:AlternateContent xmlns:mc="http://schemas.openxmlformats.org/markup-compatibility/2006" xmlns:a14="http://schemas.microsoft.com/office/drawing/2010/main">
+          <mc:Choice Requires="a14">
             <p:sp>
               <p:nvSpPr>
                 <p:cNvPr id="451" name="Shape 451"/>
@@ -26140,7 +26140,7 @@
               </p:txBody>
             </p:sp>
           </mc:Choice>
-          <mc:Fallback>
+          <mc:Fallback xmlns="">
             <p:sp>
               <p:nvSpPr>
                 <p:cNvPr id="451" name="Shape 451"/>
@@ -29972,7 +29972,7 @@
                   <a:cs typeface="Calibri"/>
                   <a:sym typeface="Calibri"/>
                 </a:rPr>
-                <a:t>X</a:t>
+                <a:t> </a:t>
               </a:r>
             </a:p>
           </p:txBody>
@@ -30036,7 +30036,7 @@
                   <a:cs typeface="Calibri"/>
                   <a:sym typeface="Calibri"/>
                 </a:rPr>
-                <a:t>Y</a:t>
+                <a:t> </a:t>
               </a:r>
             </a:p>
           </p:txBody>
@@ -30100,7 +30100,7 @@
                   <a:cs typeface="Calibri"/>
                   <a:sym typeface="Calibri"/>
                 </a:rPr>
-                <a:t>Z</a:t>
+                <a:t> </a:t>
               </a:r>
             </a:p>
           </p:txBody>

--- a/assets/ppt/lex/lex4-regexps-as-automata.pptx
+++ b/assets/ppt/lex/lex4-regexps-as-automata.pptx
@@ -27650,7 +27650,7 @@
                 <a:cs typeface="Calibri"/>
                 <a:sym typeface="Calibri"/>
               </a:rPr>
-              <a:t>1</a:t>
+              <a:t>0</a:t>
             </a:r>
           </a:p>
         </p:txBody>
@@ -27669,8 +27669,8 @@
         </p:nvSpPr>
         <p:spPr>
           <a:xfrm>
-            <a:off x="2016343" y="6096309"/>
-            <a:ext cx="340800" cy="461700"/>
+            <a:off x="2031834" y="6096309"/>
+            <a:ext cx="309818" cy="461700"/>
           </a:xfrm>
           <a:prstGeom prst="rect">
             <a:avLst/>
@@ -27714,7 +27714,7 @@
                 <a:cs typeface="Calibri"/>
                 <a:sym typeface="Calibri"/>
               </a:rPr>
-              <a:t>0</a:t>
+              <a:t>1</a:t>
             </a:r>
           </a:p>
         </p:txBody>
@@ -29568,8 +29568,8 @@
         </p:nvSpPr>
         <p:spPr>
           <a:xfrm>
-            <a:off x="6330567" y="2354513"/>
-            <a:ext cx="340658" cy="461664"/>
+            <a:off x="6313534" y="2391089"/>
+            <a:ext cx="374724" cy="461664"/>
           </a:xfrm>
           <a:prstGeom prst="rect">
             <a:avLst/>
@@ -29613,7 +29613,7 @@
                 <a:cs typeface="Calibri"/>
                 <a:sym typeface="Calibri"/>
               </a:rPr>
-              <a:t>1</a:t>
+              <a:t>0</a:t>
             </a:r>
           </a:p>
         </p:txBody>
@@ -29632,8 +29632,8 @@
         </p:nvSpPr>
         <p:spPr>
           <a:xfrm>
-            <a:off x="4232601" y="3591092"/>
-            <a:ext cx="340800" cy="461700"/>
+            <a:off x="4248092" y="3591092"/>
+            <a:ext cx="309818" cy="461700"/>
           </a:xfrm>
           <a:prstGeom prst="rect">
             <a:avLst/>
@@ -29677,7 +29677,7 @@
                 <a:cs typeface="Calibri"/>
                 <a:sym typeface="Calibri"/>
               </a:rPr>
-              <a:t>0</a:t>
+              <a:t>1</a:t>
             </a:r>
           </a:p>
         </p:txBody>

--- a/assets/ppt/lex/lex4-regexps-as-automata.pptx
+++ b/assets/ppt/lex/lex4-regexps-as-automata.pptx
@@ -5,7 +5,7 @@
     <p:sldMasterId id="2147483673" r:id="rId1"/>
   </p:sldMasterIdLst>
   <p:notesMasterIdLst>
-    <p:notesMasterId r:id="rId21"/>
+    <p:notesMasterId r:id="rId23"/>
   </p:notesMasterIdLst>
   <p:sldIdLst>
     <p:sldId id="256" r:id="rId2"/>
@@ -23,10 +23,12 @@
     <p:sldId id="267" r:id="rId14"/>
     <p:sldId id="269" r:id="rId15"/>
     <p:sldId id="270" r:id="rId16"/>
-    <p:sldId id="268" r:id="rId17"/>
-    <p:sldId id="273" r:id="rId18"/>
-    <p:sldId id="274" r:id="rId19"/>
-    <p:sldId id="275" r:id="rId20"/>
+    <p:sldId id="276" r:id="rId17"/>
+    <p:sldId id="268" r:id="rId18"/>
+    <p:sldId id="273" r:id="rId19"/>
+    <p:sldId id="274" r:id="rId20"/>
+    <p:sldId id="275" r:id="rId21"/>
+    <p:sldId id="277" r:id="rId22"/>
   </p:sldIdLst>
   <p:sldSz cx="9144000" cy="5143500" type="screen16x9"/>
   <p:notesSz cx="6858000" cy="9144000"/>
@@ -3214,7 +3216,7 @@
           <a:p>
             <a:fld id="{1B6DC762-1116-2146-A47C-D79A5A5DBAFD}" type="datetime1">
               <a:rPr lang="en-CA" smtClean="0"/>
-              <a:t>2020-09-16</a:t>
+              <a:t>2020-09-17</a:t>
             </a:fld>
             <a:endParaRPr lang="en-US"/>
           </a:p>
@@ -3412,7 +3414,7 @@
           <a:p>
             <a:fld id="{725FEDD1-5A1B-2342-BAF0-F7C5511A73CE}" type="datetime1">
               <a:rPr lang="en-CA" smtClean="0"/>
-              <a:t>2020-09-16</a:t>
+              <a:t>2020-09-17</a:t>
             </a:fld>
             <a:endParaRPr lang="en-US"/>
           </a:p>
@@ -3620,7 +3622,7 @@
           <a:p>
             <a:fld id="{F09E59AE-0AE1-4048-8BD6-D39FC0EBB194}" type="datetime1">
               <a:rPr lang="en-CA" smtClean="0"/>
-              <a:t>2020-09-16</a:t>
+              <a:t>2020-09-17</a:t>
             </a:fld>
             <a:endParaRPr lang="en-US"/>
           </a:p>
@@ -5095,7 +5097,7 @@
           <a:p>
             <a:fld id="{A2849525-9B7D-5945-A782-775278635E42}" type="datetime1">
               <a:rPr lang="en-CA" smtClean="0"/>
-              <a:t>2020-09-16</a:t>
+              <a:t>2020-09-17</a:t>
             </a:fld>
             <a:endParaRPr lang="en-US"/>
           </a:p>
@@ -5370,7 +5372,7 @@
           <a:p>
             <a:fld id="{D05E1499-BDD1-6940-8C79-13A8B8E63D57}" type="datetime1">
               <a:rPr lang="en-CA" smtClean="0"/>
-              <a:t>2020-09-16</a:t>
+              <a:t>2020-09-17</a:t>
             </a:fld>
             <a:endParaRPr lang="en-US"/>
           </a:p>
@@ -5635,7 +5637,7 @@
           <a:p>
             <a:fld id="{17E70EF3-18A7-4644-8DA2-1EB9CA66C736}" type="datetime1">
               <a:rPr lang="en-CA" smtClean="0"/>
-              <a:t>2020-09-16</a:t>
+              <a:t>2020-09-17</a:t>
             </a:fld>
             <a:endParaRPr lang="en-US"/>
           </a:p>
@@ -6047,7 +6049,7 @@
           <a:p>
             <a:fld id="{54538FC1-2481-FB4A-91E5-87F3422DE2D5}" type="datetime1">
               <a:rPr lang="en-CA" smtClean="0"/>
-              <a:t>2020-09-16</a:t>
+              <a:t>2020-09-17</a:t>
             </a:fld>
             <a:endParaRPr lang="en-US"/>
           </a:p>
@@ -6188,7 +6190,7 @@
           <a:p>
             <a:fld id="{93D5C515-1622-C840-89B2-A4A55D34866A}" type="datetime1">
               <a:rPr lang="en-CA" smtClean="0"/>
-              <a:t>2020-09-16</a:t>
+              <a:t>2020-09-17</a:t>
             </a:fld>
             <a:endParaRPr lang="en-US"/>
           </a:p>
@@ -6301,7 +6303,7 @@
           <a:p>
             <a:fld id="{B9077E75-6C88-BB47-AC6F-0DCA859E7113}" type="datetime1">
               <a:rPr lang="en-CA" smtClean="0"/>
-              <a:t>2020-09-16</a:t>
+              <a:t>2020-09-17</a:t>
             </a:fld>
             <a:endParaRPr lang="en-US"/>
           </a:p>
@@ -6612,7 +6614,7 @@
           <a:p>
             <a:fld id="{1AD12F8B-7E05-A047-BAC3-EE71BEBBE5BE}" type="datetime1">
               <a:rPr lang="en-CA" smtClean="0"/>
-              <a:t>2020-09-16</a:t>
+              <a:t>2020-09-17</a:t>
             </a:fld>
             <a:endParaRPr lang="en-US"/>
           </a:p>
@@ -6900,7 +6902,7 @@
           <a:p>
             <a:fld id="{C1D9F72A-E93E-B546-8268-6408A6E1DA62}" type="datetime1">
               <a:rPr lang="en-CA" smtClean="0"/>
-              <a:t>2020-09-16</a:t>
+              <a:t>2020-09-17</a:t>
             </a:fld>
             <a:endParaRPr lang="en-US"/>
           </a:p>
@@ -7141,7 +7143,7 @@
           <a:p>
             <a:fld id="{97DF4AC7-DB73-7444-A2A7-FD79FE1A2B2B}" type="datetime1">
               <a:rPr lang="en-CA" smtClean="0"/>
-              <a:t>2020-09-16</a:t>
+              <a:t>2020-09-17</a:t>
             </a:fld>
             <a:endParaRPr lang="en-US"/>
           </a:p>
@@ -7896,7 +7898,10 @@
               <a:avLst/>
             </a:prstGeom>
             <a:solidFill>
-              <a:srgbClr val="FF9900"/>
+              <a:schemeClr val="accent4">
+                <a:lumMod val="60000"/>
+                <a:lumOff val="40000"/>
+              </a:schemeClr>
             </a:solidFill>
             <a:ln w="28575" cap="flat" cmpd="sng">
               <a:solidFill>
@@ -7918,7 +7923,7 @@
                 <a:buSzPct val="25000"/>
               </a:pPr>
               <a:r>
-                <a:rPr lang="en-US" sz="1800">
+                <a:rPr lang="en-US" sz="1800" dirty="0">
                   <a:solidFill>
                     <a:schemeClr val="dk1"/>
                   </a:solidFill>
@@ -7947,7 +7952,10 @@
               <a:avLst/>
             </a:prstGeom>
             <a:solidFill>
-              <a:srgbClr val="FF9900"/>
+              <a:schemeClr val="accent4">
+                <a:lumMod val="60000"/>
+                <a:lumOff val="40000"/>
+              </a:schemeClr>
             </a:solidFill>
             <a:ln w="12700" cap="flat" cmpd="sng">
               <a:solidFill>
@@ -7998,7 +8006,10 @@
               <a:avLst/>
             </a:prstGeom>
             <a:solidFill>
-              <a:srgbClr val="FF9900"/>
+              <a:schemeClr val="accent4">
+                <a:lumMod val="60000"/>
+                <a:lumOff val="40000"/>
+              </a:schemeClr>
             </a:solidFill>
             <a:ln w="12700" cap="flat" cmpd="sng">
               <a:solidFill>
@@ -8542,7 +8553,10 @@
               <a:avLst/>
             </a:prstGeom>
             <a:solidFill>
-              <a:srgbClr val="FF9900"/>
+              <a:schemeClr val="accent4">
+                <a:lumMod val="60000"/>
+                <a:lumOff val="40000"/>
+              </a:schemeClr>
             </a:solidFill>
             <a:ln w="28575" cap="flat" cmpd="sng">
               <a:solidFill>
@@ -8593,7 +8607,10 @@
               <a:avLst/>
             </a:prstGeom>
             <a:solidFill>
-              <a:srgbClr val="FF9900"/>
+              <a:schemeClr val="accent4">
+                <a:lumMod val="60000"/>
+                <a:lumOff val="40000"/>
+              </a:schemeClr>
             </a:solidFill>
             <a:ln w="12700" cap="flat" cmpd="sng">
               <a:solidFill>
@@ -8644,7 +8661,10 @@
               <a:avLst/>
             </a:prstGeom>
             <a:solidFill>
-              <a:srgbClr val="FF9900"/>
+              <a:schemeClr val="accent4">
+                <a:lumMod val="60000"/>
+                <a:lumOff val="40000"/>
+              </a:schemeClr>
             </a:solidFill>
             <a:ln w="12700" cap="flat" cmpd="sng">
               <a:solidFill>
@@ -8873,7 +8893,10 @@
               <a:avLst/>
             </a:prstGeom>
             <a:solidFill>
-              <a:srgbClr val="FF9900"/>
+              <a:schemeClr val="accent4">
+                <a:lumMod val="60000"/>
+                <a:lumOff val="40000"/>
+              </a:schemeClr>
             </a:solidFill>
             <a:ln w="28575" cap="flat" cmpd="sng">
               <a:solidFill>
@@ -8895,7 +8918,7 @@
                 <a:buSzPct val="25000"/>
               </a:pPr>
               <a:r>
-                <a:rPr lang="en-US" sz="1800">
+                <a:rPr lang="en-US" sz="1800" dirty="0">
                   <a:solidFill>
                     <a:schemeClr val="dk1"/>
                   </a:solidFill>
@@ -8924,7 +8947,10 @@
               <a:avLst/>
             </a:prstGeom>
             <a:solidFill>
-              <a:srgbClr val="FF9900"/>
+              <a:schemeClr val="accent4">
+                <a:lumMod val="60000"/>
+                <a:lumOff val="40000"/>
+              </a:schemeClr>
             </a:solidFill>
             <a:ln w="12700" cap="flat" cmpd="sng">
               <a:solidFill>
@@ -8970,7 +8996,10 @@
               <a:avLst/>
             </a:prstGeom>
             <a:solidFill>
-              <a:srgbClr val="FF9900"/>
+              <a:schemeClr val="accent4">
+                <a:lumMod val="60000"/>
+                <a:lumOff val="40000"/>
+              </a:schemeClr>
             </a:solidFill>
             <a:ln w="12700" cap="flat" cmpd="sng">
               <a:solidFill>
@@ -9062,8 +9091,8 @@
             </a:ln>
           </p:spPr>
         </p:cxnSp>
-        <mc:AlternateContent xmlns:mc="http://schemas.openxmlformats.org/markup-compatibility/2006">
-          <mc:Choice xmlns:a14="http://schemas.microsoft.com/office/drawing/2010/main" Requires="a14">
+        <mc:AlternateContent xmlns:mc="http://schemas.openxmlformats.org/markup-compatibility/2006" xmlns:a14="http://schemas.microsoft.com/office/drawing/2010/main">
+          <mc:Choice Requires="a14">
             <p:sp>
               <p:nvSpPr>
                 <p:cNvPr id="369" name="Shape 369"/>
@@ -9134,7 +9163,7 @@
               </p:txBody>
             </p:sp>
           </mc:Choice>
-          <mc:Fallback>
+          <mc:Fallback xmlns="">
             <p:sp>
               <p:nvSpPr>
                 <p:cNvPr id="369" name="Shape 369"/>
@@ -9250,7 +9279,10 @@
               <a:avLst/>
             </a:prstGeom>
             <a:solidFill>
-              <a:srgbClr val="FF9900"/>
+              <a:schemeClr val="accent4">
+                <a:lumMod val="60000"/>
+                <a:lumOff val="40000"/>
+              </a:schemeClr>
             </a:solidFill>
             <a:ln w="12700" cap="flat" cmpd="sng">
               <a:solidFill>
@@ -9301,7 +9333,10 @@
               <a:avLst/>
             </a:prstGeom>
             <a:solidFill>
-              <a:srgbClr val="FF9900"/>
+              <a:schemeClr val="accent4">
+                <a:lumMod val="60000"/>
+                <a:lumOff val="40000"/>
+              </a:schemeClr>
             </a:solidFill>
             <a:ln w="12700" cap="flat" cmpd="sng">
               <a:solidFill>
@@ -9450,8 +9485,8 @@
             </a:p>
           </p:txBody>
         </p:sp>
-        <mc:AlternateContent xmlns:mc="http://schemas.openxmlformats.org/markup-compatibility/2006">
-          <mc:Choice xmlns:a14="http://schemas.microsoft.com/office/drawing/2010/main" Requires="a14">
+        <mc:AlternateContent xmlns:mc="http://schemas.openxmlformats.org/markup-compatibility/2006" xmlns:a14="http://schemas.microsoft.com/office/drawing/2010/main">
+          <mc:Choice Requires="a14">
             <p:sp>
               <p:nvSpPr>
                 <p:cNvPr id="376" name="Shape 376"/>
@@ -9522,7 +9557,7 @@
               </p:txBody>
             </p:sp>
           </mc:Choice>
-          <mc:Fallback>
+          <mc:Fallback xmlns="">
             <p:sp>
               <p:nvSpPr>
                 <p:cNvPr id="376" name="Shape 376"/>
@@ -9609,8 +9644,8 @@
           </a:p>
         </p:txBody>
       </p:sp>
-      <mc:AlternateContent xmlns:mc="http://schemas.openxmlformats.org/markup-compatibility/2006">
-        <mc:Choice xmlns:a14="http://schemas.microsoft.com/office/drawing/2010/main" Requires="a14">
+      <mc:AlternateContent xmlns:mc="http://schemas.openxmlformats.org/markup-compatibility/2006" xmlns:a14="http://schemas.microsoft.com/office/drawing/2010/main">
+        <mc:Choice Requires="a14">
           <p:sp>
             <p:nvSpPr>
               <p:cNvPr id="28" name="TextBox 27">
@@ -9662,7 +9697,7 @@
             </p:txBody>
           </p:sp>
         </mc:Choice>
-        <mc:Fallback>
+        <mc:Fallback xmlns="">
           <p:sp>
             <p:nvSpPr>
               <p:cNvPr id="28" name="TextBox 27">
@@ -9900,7 +9935,10 @@
               <a:avLst/>
             </a:prstGeom>
             <a:solidFill>
-              <a:srgbClr val="FF9900"/>
+              <a:schemeClr val="accent4">
+                <a:lumMod val="60000"/>
+                <a:lumOff val="40000"/>
+              </a:schemeClr>
             </a:solidFill>
             <a:ln w="28575" cap="flat" cmpd="sng">
               <a:solidFill>
@@ -9951,7 +9989,10 @@
               <a:avLst/>
             </a:prstGeom>
             <a:solidFill>
-              <a:srgbClr val="FF9900"/>
+              <a:schemeClr val="accent4">
+                <a:lumMod val="60000"/>
+                <a:lumOff val="40000"/>
+              </a:schemeClr>
             </a:solidFill>
             <a:ln w="12700" cap="flat" cmpd="sng">
               <a:solidFill>
@@ -10084,7 +10125,10 @@
               <a:avLst/>
             </a:prstGeom>
             <a:solidFill>
-              <a:srgbClr val="FF9900"/>
+              <a:schemeClr val="accent4">
+                <a:lumMod val="60000"/>
+                <a:lumOff val="40000"/>
+              </a:schemeClr>
             </a:solidFill>
             <a:ln w="12700" cap="flat" cmpd="sng">
               <a:solidFill>
@@ -10217,7 +10261,10 @@
               <a:avLst/>
             </a:prstGeom>
             <a:solidFill>
-              <a:srgbClr val="FF9900"/>
+              <a:schemeClr val="accent4">
+                <a:lumMod val="60000"/>
+                <a:lumOff val="40000"/>
+              </a:schemeClr>
             </a:solidFill>
             <a:ln w="12700" cap="flat" cmpd="sng">
               <a:solidFill>
@@ -10365,7 +10412,10 @@
               <a:avLst/>
             </a:prstGeom>
             <a:solidFill>
-              <a:srgbClr val="FF9900"/>
+              <a:schemeClr val="accent4">
+                <a:lumMod val="60000"/>
+                <a:lumOff val="40000"/>
+              </a:schemeClr>
             </a:solidFill>
             <a:ln w="28575" cap="flat" cmpd="sng">
               <a:solidFill>
@@ -10411,7 +10461,10 @@
               <a:avLst/>
             </a:prstGeom>
             <a:solidFill>
-              <a:srgbClr val="FF9900"/>
+              <a:schemeClr val="accent4">
+                <a:lumMod val="60000"/>
+                <a:lumOff val="40000"/>
+              </a:schemeClr>
             </a:solidFill>
             <a:ln w="12700" cap="flat" cmpd="sng">
               <a:solidFill>
@@ -10457,7 +10510,10 @@
               <a:avLst/>
             </a:prstGeom>
             <a:solidFill>
-              <a:srgbClr val="FF9900"/>
+              <a:schemeClr val="accent4">
+                <a:lumMod val="60000"/>
+                <a:lumOff val="40000"/>
+              </a:schemeClr>
             </a:solidFill>
             <a:ln w="12700" cap="flat" cmpd="sng">
               <a:solidFill>
@@ -10616,7 +10672,10 @@
               <a:avLst/>
             </a:prstGeom>
             <a:solidFill>
-              <a:srgbClr val="FF9900"/>
+              <a:schemeClr val="accent4">
+                <a:lumMod val="60000"/>
+                <a:lumOff val="40000"/>
+              </a:schemeClr>
             </a:solidFill>
             <a:ln w="12700" cap="flat" cmpd="sng">
               <a:solidFill>
@@ -10662,7 +10721,10 @@
               <a:avLst/>
             </a:prstGeom>
             <a:solidFill>
-              <a:srgbClr val="FF9900"/>
+              <a:schemeClr val="accent4">
+                <a:lumMod val="60000"/>
+                <a:lumOff val="40000"/>
+              </a:schemeClr>
             </a:solidFill>
             <a:ln w="12700" cap="flat" cmpd="sng">
               <a:solidFill>
@@ -10755,8 +10817,8 @@
             </a:ln>
           </p:spPr>
         </p:cxnSp>
-        <mc:AlternateContent xmlns:mc="http://schemas.openxmlformats.org/markup-compatibility/2006">
-          <mc:Choice xmlns:a14="http://schemas.microsoft.com/office/drawing/2010/main" Requires="a14">
+        <mc:AlternateContent xmlns:mc="http://schemas.openxmlformats.org/markup-compatibility/2006" xmlns:a14="http://schemas.microsoft.com/office/drawing/2010/main">
+          <mc:Choice Requires="a14">
             <p:sp>
               <p:nvSpPr>
                 <p:cNvPr id="406" name="Shape 406"/>
@@ -10827,7 +10889,7 @@
               </p:txBody>
             </p:sp>
           </mc:Choice>
-          <mc:Fallback>
+          <mc:Fallback xmlns="">
             <p:sp>
               <p:nvSpPr>
                 <p:cNvPr id="406" name="Shape 406"/>
@@ -10892,7 +10954,10 @@
               <a:avLst/>
             </a:prstGeom>
             <a:solidFill>
-              <a:srgbClr val="FF9900"/>
+              <a:schemeClr val="accent4">
+                <a:lumMod val="60000"/>
+                <a:lumOff val="40000"/>
+              </a:schemeClr>
             </a:solidFill>
             <a:ln w="12700" cap="flat" cmpd="sng">
               <a:solidFill>
@@ -11050,7 +11115,10 @@
               <a:avLst/>
             </a:prstGeom>
             <a:solidFill>
-              <a:srgbClr val="FF9900"/>
+              <a:schemeClr val="accent4">
+                <a:lumMod val="60000"/>
+                <a:lumOff val="40000"/>
+              </a:schemeClr>
             </a:solidFill>
             <a:ln w="12700" cap="flat" cmpd="sng">
               <a:solidFill>
@@ -11279,7 +11347,10 @@
               <a:avLst/>
             </a:prstGeom>
             <a:solidFill>
-              <a:srgbClr val="FF9900"/>
+              <a:schemeClr val="accent4">
+                <a:lumMod val="60000"/>
+                <a:lumOff val="40000"/>
+              </a:schemeClr>
             </a:solidFill>
             <a:ln w="12700" cap="flat" cmpd="dbl">
               <a:solidFill>
@@ -11355,7 +11426,10 @@
               <a:avLst/>
             </a:prstGeom>
             <a:solidFill>
-              <a:srgbClr val="FF9900"/>
+              <a:schemeClr val="accent4">
+                <a:lumMod val="60000"/>
+                <a:lumOff val="40000"/>
+              </a:schemeClr>
             </a:solidFill>
             <a:ln w="12700" cap="flat" cmpd="sng">
               <a:solidFill>
@@ -11401,7 +11475,10 @@
               <a:avLst/>
             </a:prstGeom>
             <a:solidFill>
-              <a:srgbClr val="FF9900"/>
+              <a:schemeClr val="accent4">
+                <a:lumMod val="60000"/>
+                <a:lumOff val="40000"/>
+              </a:schemeClr>
             </a:solidFill>
             <a:ln w="12700" cap="flat" cmpd="sng">
               <a:solidFill>
@@ -11515,7 +11592,7 @@
         <p:spPr>
           <a:xfrm>
             <a:off x="610791" y="3358242"/>
-            <a:ext cx="4246233" cy="461665"/>
+            <a:ext cx="3816704" cy="461665"/>
           </a:xfrm>
           <a:prstGeom prst="rect">
             <a:avLst/>
@@ -11719,7 +11796,10 @@
               <a:avLst/>
             </a:prstGeom>
             <a:solidFill>
-              <a:srgbClr val="FF9900"/>
+              <a:schemeClr val="accent4">
+                <a:lumMod val="60000"/>
+                <a:lumOff val="40000"/>
+              </a:schemeClr>
             </a:solidFill>
             <a:ln w="28575" cap="flat" cmpd="sng">
               <a:solidFill>
@@ -11770,7 +11850,10 @@
               <a:avLst/>
             </a:prstGeom>
             <a:solidFill>
-              <a:srgbClr val="FF9900"/>
+              <a:schemeClr val="accent4">
+                <a:lumMod val="60000"/>
+                <a:lumOff val="40000"/>
+              </a:schemeClr>
             </a:solidFill>
             <a:ln w="12700" cap="flat" cmpd="sng">
               <a:solidFill>
@@ -11821,7 +11904,10 @@
               <a:avLst/>
             </a:prstGeom>
             <a:solidFill>
-              <a:srgbClr val="FF9900"/>
+              <a:schemeClr val="accent4">
+                <a:lumMod val="60000"/>
+                <a:lumOff val="40000"/>
+              </a:schemeClr>
             </a:solidFill>
             <a:ln w="28575" cap="flat" cmpd="dbl">
               <a:solidFill>
@@ -13470,7 +13556,10 @@
               <a:avLst/>
             </a:prstGeom>
             <a:solidFill>
-              <a:srgbClr val="FF9900"/>
+              <a:schemeClr val="accent4">
+                <a:lumMod val="60000"/>
+                <a:lumOff val="40000"/>
+              </a:schemeClr>
             </a:solidFill>
             <a:ln w="28575" cap="flat" cmpd="sng">
               <a:solidFill>
@@ -13521,7 +13610,10 @@
               <a:avLst/>
             </a:prstGeom>
             <a:solidFill>
-              <a:srgbClr val="FF9900"/>
+              <a:schemeClr val="accent4">
+                <a:lumMod val="60000"/>
+                <a:lumOff val="40000"/>
+              </a:schemeClr>
             </a:solidFill>
             <a:ln w="12700" cap="flat" cmpd="sng">
               <a:solidFill>
@@ -13572,7 +13664,10 @@
               <a:avLst/>
             </a:prstGeom>
             <a:solidFill>
-              <a:srgbClr val="FF9900"/>
+              <a:schemeClr val="accent4">
+                <a:lumMod val="60000"/>
+                <a:lumOff val="40000"/>
+              </a:schemeClr>
             </a:solidFill>
             <a:ln w="28575" cap="flat" cmpd="dbl">
               <a:solidFill>
@@ -14981,7 +15076,10 @@
             <a:avLst/>
           </a:prstGeom>
           <a:solidFill>
-            <a:srgbClr val="FF9900"/>
+            <a:schemeClr val="accent4">
+              <a:lumMod val="60000"/>
+              <a:lumOff val="40000"/>
+            </a:schemeClr>
           </a:solidFill>
           <a:ln w="12700" cap="flat" cmpd="sng">
             <a:solidFill>
@@ -15038,7 +15136,10 @@
             <a:avLst/>
           </a:prstGeom>
           <a:solidFill>
-            <a:srgbClr val="FF9900"/>
+            <a:schemeClr val="accent4">
+              <a:lumMod val="60000"/>
+              <a:lumOff val="40000"/>
+            </a:schemeClr>
           </a:solidFill>
           <a:ln w="28575" cap="flat" cmpd="sng">
             <a:solidFill>
@@ -15489,7 +15590,10 @@
             <a:avLst/>
           </a:prstGeom>
           <a:solidFill>
-            <a:srgbClr val="FF9900"/>
+            <a:schemeClr val="accent4">
+              <a:lumMod val="60000"/>
+              <a:lumOff val="40000"/>
+            </a:schemeClr>
           </a:solidFill>
           <a:ln w="28575" cap="flat" cmpd="thinThick">
             <a:solidFill>
@@ -16890,7 +16994,10 @@
             <a:avLst/>
           </a:prstGeom>
           <a:solidFill>
-            <a:srgbClr val="FF9900"/>
+            <a:schemeClr val="accent4">
+              <a:lumMod val="60000"/>
+              <a:lumOff val="40000"/>
+            </a:schemeClr>
           </a:solidFill>
           <a:ln w="12700" cap="flat" cmpd="sng">
             <a:solidFill>
@@ -16947,7 +17054,10 @@
             <a:avLst/>
           </a:prstGeom>
           <a:solidFill>
-            <a:srgbClr val="FF9900"/>
+            <a:schemeClr val="accent4">
+              <a:lumMod val="60000"/>
+              <a:lumOff val="40000"/>
+            </a:schemeClr>
           </a:solidFill>
           <a:ln w="28575" cap="flat" cmpd="sng">
             <a:solidFill>
@@ -17398,7 +17508,10 @@
             <a:avLst/>
           </a:prstGeom>
           <a:solidFill>
-            <a:srgbClr val="FF9900"/>
+            <a:schemeClr val="accent4">
+              <a:lumMod val="60000"/>
+              <a:lumOff val="40000"/>
+            </a:schemeClr>
           </a:solidFill>
           <a:ln w="28575" cap="flat" cmpd="thinThick">
             <a:solidFill>
@@ -17574,715 +17687,855 @@
           </a:p>
         </p:txBody>
       </p:sp>
-      <p:grpSp>
-        <p:nvGrpSpPr>
-          <p:cNvPr id="60" name="Shape 293">
+      <p:sp>
+        <p:nvSpPr>
+          <p:cNvPr id="61" name="Shape 294">
             <a:extLst>
               <a:ext uri="{FF2B5EF4-FFF2-40B4-BE49-F238E27FC236}">
-                <a16:creationId xmlns:a16="http://schemas.microsoft.com/office/drawing/2014/main" id="{E3CBC5EB-D52C-6440-8C4B-0015884C3E1B}"/>
+                <a16:creationId xmlns:a16="http://schemas.microsoft.com/office/drawing/2014/main" id="{4E475F8C-3D13-3640-98BC-43DBD4824DAC}"/>
               </a:ext>
             </a:extLst>
           </p:cNvPr>
-          <p:cNvGrpSpPr/>
+          <p:cNvSpPr/>
           <p:nvPr/>
-        </p:nvGrpSpPr>
-        <p:grpSpPr>
+        </p:nvSpPr>
+        <p:spPr>
           <a:xfrm>
-            <a:off x="2839574" y="3259649"/>
-            <a:ext cx="3932700" cy="1546650"/>
-            <a:chOff x="1819275" y="3367088"/>
-            <a:chExt cx="5243600" cy="2062200"/>
+            <a:off x="3246768" y="3748996"/>
+            <a:ext cx="457200" cy="486900"/>
           </a:xfrm>
-        </p:grpSpPr>
-        <p:sp>
-          <p:nvSpPr>
-            <p:cNvPr id="61" name="Shape 294">
-              <a:extLst>
-                <a:ext uri="{FF2B5EF4-FFF2-40B4-BE49-F238E27FC236}">
-                  <a16:creationId xmlns:a16="http://schemas.microsoft.com/office/drawing/2014/main" id="{4E475F8C-3D13-3640-98BC-43DBD4824DAC}"/>
-                </a:ext>
-              </a:extLst>
-            </p:cNvPr>
-            <p:cNvSpPr/>
-            <p:nvPr/>
-          </p:nvSpPr>
-          <p:spPr>
-            <a:xfrm>
-              <a:off x="2362200" y="4019551"/>
-              <a:ext cx="609600" cy="649200"/>
-            </a:xfrm>
-            <a:prstGeom prst="flowChartConnector">
-              <a:avLst/>
-            </a:prstGeom>
+          <a:prstGeom prst="flowChartConnector">
+            <a:avLst/>
+          </a:prstGeom>
+          <a:solidFill>
+            <a:schemeClr val="accent4">
+              <a:lumMod val="60000"/>
+              <a:lumOff val="40000"/>
+            </a:schemeClr>
+          </a:solidFill>
+          <a:ln w="28575" cap="flat" cmpd="sng">
             <a:solidFill>
-              <a:srgbClr val="FF9900"/>
+              <a:schemeClr val="dk1"/>
             </a:solidFill>
-            <a:ln w="28575" cap="flat" cmpd="sng">
-              <a:solidFill>
-                <a:schemeClr val="dk1"/>
-              </a:solidFill>
-              <a:prstDash val="solid"/>
-              <a:round/>
-              <a:headEnd type="none" w="med" len="med"/>
-              <a:tailEnd type="none" w="med" len="med"/>
-            </a:ln>
-          </p:spPr>
-          <p:txBody>
-            <a:bodyPr lIns="68569" tIns="34275" rIns="68569" bIns="34275" anchor="ctr" anchorCtr="1">
-              <a:noAutofit/>
-            </a:bodyPr>
-            <a:lstStyle/>
-            <a:p>
-              <a:pPr algn="ctr">
-                <a:buSzPct val="25000"/>
-              </a:pPr>
-              <a:r>
-                <a:rPr lang="en-US" sz="1800" dirty="0">
-                  <a:solidFill>
-                    <a:schemeClr val="dk1"/>
-                  </a:solidFill>
-                  <a:latin typeface="Calibri"/>
-                  <a:ea typeface="Calibri"/>
-                  <a:cs typeface="Calibri"/>
-                  <a:sym typeface="Calibri"/>
-                </a:rPr>
-                <a:t> </a:t>
-              </a:r>
-            </a:p>
-          </p:txBody>
-        </p:sp>
-        <p:sp>
-          <p:nvSpPr>
-            <p:cNvPr id="65" name="Shape 295">
-              <a:extLst>
-                <a:ext uri="{FF2B5EF4-FFF2-40B4-BE49-F238E27FC236}">
-                  <a16:creationId xmlns:a16="http://schemas.microsoft.com/office/drawing/2014/main" id="{3BA217BA-1DA1-DB40-8848-87341E813484}"/>
-                </a:ext>
-              </a:extLst>
-            </p:cNvPr>
-            <p:cNvSpPr/>
-            <p:nvPr/>
-          </p:nvSpPr>
-          <p:spPr>
-            <a:xfrm>
-              <a:off x="4038601" y="4019551"/>
-              <a:ext cx="609600" cy="649200"/>
-            </a:xfrm>
-            <a:prstGeom prst="flowChartConnector">
-              <a:avLst/>
-            </a:prstGeom>
+            <a:prstDash val="solid"/>
+            <a:round/>
+            <a:headEnd type="none" w="med" len="med"/>
+            <a:tailEnd type="none" w="med" len="med"/>
+          </a:ln>
+        </p:spPr>
+        <p:txBody>
+          <a:bodyPr lIns="68569" tIns="34275" rIns="68569" bIns="34275" anchor="ctr" anchorCtr="1">
+            <a:noAutofit/>
+          </a:bodyPr>
+          <a:lstStyle/>
+          <a:p>
+            <a:pPr algn="ctr">
+              <a:buSzPct val="25000"/>
+            </a:pPr>
+            <a:r>
+              <a:rPr lang="en-US" sz="1800" dirty="0">
+                <a:solidFill>
+                  <a:schemeClr val="dk1"/>
+                </a:solidFill>
+                <a:latin typeface="Calibri"/>
+                <a:ea typeface="Calibri"/>
+                <a:cs typeface="Calibri"/>
+                <a:sym typeface="Calibri"/>
+              </a:rPr>
+              <a:t> </a:t>
+            </a:r>
+          </a:p>
+        </p:txBody>
+      </p:sp>
+      <p:sp>
+        <p:nvSpPr>
+          <p:cNvPr id="65" name="Shape 295">
+            <a:extLst>
+              <a:ext uri="{FF2B5EF4-FFF2-40B4-BE49-F238E27FC236}">
+                <a16:creationId xmlns:a16="http://schemas.microsoft.com/office/drawing/2014/main" id="{3BA217BA-1DA1-DB40-8848-87341E813484}"/>
+              </a:ext>
+            </a:extLst>
+          </p:cNvPr>
+          <p:cNvSpPr/>
+          <p:nvPr/>
+        </p:nvSpPr>
+        <p:spPr>
+          <a:xfrm>
+            <a:off x="4504069" y="3748996"/>
+            <a:ext cx="457200" cy="486900"/>
+          </a:xfrm>
+          <a:prstGeom prst="flowChartConnector">
+            <a:avLst/>
+          </a:prstGeom>
+          <a:solidFill>
+            <a:schemeClr val="accent4">
+              <a:lumMod val="60000"/>
+              <a:lumOff val="40000"/>
+            </a:schemeClr>
+          </a:solidFill>
+          <a:ln w="9525" cap="flat" cmpd="sng">
             <a:solidFill>
-              <a:srgbClr val="FF9900"/>
+              <a:schemeClr val="dk1"/>
             </a:solidFill>
-            <a:ln w="9525" cap="flat" cmpd="sng">
-              <a:solidFill>
-                <a:schemeClr val="dk1"/>
-              </a:solidFill>
-              <a:prstDash val="solid"/>
-              <a:round/>
-              <a:headEnd type="none" w="med" len="med"/>
-              <a:tailEnd type="none" w="med" len="med"/>
-            </a:ln>
-          </p:spPr>
-          <p:txBody>
-            <a:bodyPr lIns="68569" tIns="34275" rIns="68569" bIns="34275" anchor="ctr" anchorCtr="1">
-              <a:noAutofit/>
-            </a:bodyPr>
-            <a:lstStyle/>
-            <a:p>
-              <a:pPr algn="ctr">
-                <a:buSzPct val="25000"/>
-              </a:pPr>
-              <a:r>
-                <a:rPr lang="en-US" sz="1800" dirty="0">
-                  <a:solidFill>
-                    <a:schemeClr val="dk1"/>
-                  </a:solidFill>
-                  <a:latin typeface="Calibri"/>
-                  <a:ea typeface="Calibri"/>
-                  <a:cs typeface="Calibri"/>
-                  <a:sym typeface="Calibri"/>
-                </a:rPr>
-                <a:t> </a:t>
-              </a:r>
-            </a:p>
-          </p:txBody>
-        </p:sp>
-        <p:sp>
-          <p:nvSpPr>
-            <p:cNvPr id="67" name="Shape 296">
-              <a:extLst>
-                <a:ext uri="{FF2B5EF4-FFF2-40B4-BE49-F238E27FC236}">
-                  <a16:creationId xmlns:a16="http://schemas.microsoft.com/office/drawing/2014/main" id="{CDE266BE-2DB7-ED42-88F2-BE52331D29EB}"/>
-                </a:ext>
-              </a:extLst>
-            </p:cNvPr>
-            <p:cNvSpPr/>
-            <p:nvPr/>
-          </p:nvSpPr>
-          <p:spPr>
-            <a:xfrm>
-              <a:off x="5867401" y="4038601"/>
-              <a:ext cx="609600" cy="609600"/>
-            </a:xfrm>
-            <a:prstGeom prst="flowChartConnector">
-              <a:avLst/>
-            </a:prstGeom>
+            <a:prstDash val="solid"/>
+            <a:round/>
+            <a:headEnd type="none" w="med" len="med"/>
+            <a:tailEnd type="none" w="med" len="med"/>
+          </a:ln>
+        </p:spPr>
+        <p:txBody>
+          <a:bodyPr lIns="68569" tIns="34275" rIns="68569" bIns="34275" anchor="ctr" anchorCtr="1">
+            <a:noAutofit/>
+          </a:bodyPr>
+          <a:lstStyle/>
+          <a:p>
+            <a:pPr algn="ctr">
+              <a:buSzPct val="25000"/>
+            </a:pPr>
+            <a:r>
+              <a:rPr lang="en-US" sz="1800" dirty="0">
+                <a:solidFill>
+                  <a:schemeClr val="dk1"/>
+                </a:solidFill>
+                <a:latin typeface="Calibri"/>
+                <a:ea typeface="Calibri"/>
+                <a:cs typeface="Calibri"/>
+                <a:sym typeface="Calibri"/>
+              </a:rPr>
+              <a:t> </a:t>
+            </a:r>
+          </a:p>
+        </p:txBody>
+      </p:sp>
+      <p:sp>
+        <p:nvSpPr>
+          <p:cNvPr id="67" name="Shape 296">
+            <a:extLst>
+              <a:ext uri="{FF2B5EF4-FFF2-40B4-BE49-F238E27FC236}">
+                <a16:creationId xmlns:a16="http://schemas.microsoft.com/office/drawing/2014/main" id="{CDE266BE-2DB7-ED42-88F2-BE52331D29EB}"/>
+              </a:ext>
+            </a:extLst>
+          </p:cNvPr>
+          <p:cNvSpPr/>
+          <p:nvPr/>
+        </p:nvSpPr>
+        <p:spPr>
+          <a:xfrm>
+            <a:off x="5875669" y="3763284"/>
+            <a:ext cx="457200" cy="457200"/>
+          </a:xfrm>
+          <a:prstGeom prst="flowChartConnector">
+            <a:avLst/>
+          </a:prstGeom>
+          <a:solidFill>
+            <a:schemeClr val="accent4">
+              <a:lumMod val="60000"/>
+              <a:lumOff val="40000"/>
+            </a:schemeClr>
+          </a:solidFill>
+          <a:ln w="73025" cap="flat" cmpd="dbl">
             <a:solidFill>
-              <a:srgbClr val="FF9900"/>
+              <a:schemeClr val="dk1"/>
             </a:solidFill>
-            <a:ln w="73025" cap="flat" cmpd="dbl">
-              <a:solidFill>
-                <a:schemeClr val="dk1"/>
-              </a:solidFill>
-              <a:prstDash val="solid"/>
-              <a:round/>
-              <a:headEnd type="none" w="med" len="med"/>
-              <a:tailEnd type="none" w="med" len="med"/>
-            </a:ln>
-          </p:spPr>
-          <p:txBody>
-            <a:bodyPr lIns="68569" tIns="34275" rIns="68569" bIns="34275" anchor="ctr" anchorCtr="0">
-              <a:noAutofit/>
-            </a:bodyPr>
-            <a:lstStyle/>
-            <a:p>
-              <a:pPr algn="ctr">
-                <a:buSzPct val="25000"/>
-              </a:pPr>
-              <a:r>
-                <a:rPr lang="en-US" sz="1800" dirty="0">
-                  <a:solidFill>
-                    <a:schemeClr val="dk1"/>
-                  </a:solidFill>
-                  <a:latin typeface="Calibri"/>
-                  <a:ea typeface="Calibri"/>
-                  <a:cs typeface="Calibri"/>
-                  <a:sym typeface="Calibri"/>
-                </a:rPr>
-                <a:t> </a:t>
-              </a:r>
-            </a:p>
-          </p:txBody>
-        </p:sp>
-        <p:sp>
-          <p:nvSpPr>
-            <p:cNvPr id="68" name="Shape 297">
-              <a:extLst>
-                <a:ext uri="{FF2B5EF4-FFF2-40B4-BE49-F238E27FC236}">
-                  <a16:creationId xmlns:a16="http://schemas.microsoft.com/office/drawing/2014/main" id="{7731CC7B-52D6-C446-A911-5F3DCE2C79F9}"/>
-                </a:ext>
-              </a:extLst>
-            </p:cNvPr>
-            <p:cNvSpPr txBox="1"/>
-            <p:nvPr/>
-          </p:nvSpPr>
-          <p:spPr>
-            <a:xfrm>
-              <a:off x="3216276" y="3976689"/>
-              <a:ext cx="341399" cy="462000"/>
-            </a:xfrm>
-            <a:prstGeom prst="rect">
-              <a:avLst/>
-            </a:prstGeom>
+            <a:prstDash val="solid"/>
+            <a:round/>
+            <a:headEnd type="none" w="med" len="med"/>
+            <a:tailEnd type="none" w="med" len="med"/>
+          </a:ln>
+        </p:spPr>
+        <p:txBody>
+          <a:bodyPr lIns="68569" tIns="34275" rIns="68569" bIns="34275" anchor="ctr" anchorCtr="0">
+            <a:noAutofit/>
+          </a:bodyPr>
+          <a:lstStyle/>
+          <a:p>
+            <a:pPr algn="ctr">
+              <a:buSzPct val="25000"/>
+            </a:pPr>
+            <a:r>
+              <a:rPr lang="en-US" sz="1800" dirty="0">
+                <a:solidFill>
+                  <a:schemeClr val="dk1"/>
+                </a:solidFill>
+                <a:latin typeface="Calibri"/>
+                <a:ea typeface="Calibri"/>
+                <a:cs typeface="Calibri"/>
+                <a:sym typeface="Calibri"/>
+              </a:rPr>
+              <a:t> </a:t>
+            </a:r>
+          </a:p>
+        </p:txBody>
+      </p:sp>
+      <p:sp>
+        <p:nvSpPr>
+          <p:cNvPr id="68" name="Shape 297">
+            <a:extLst>
+              <a:ext uri="{FF2B5EF4-FFF2-40B4-BE49-F238E27FC236}">
+                <a16:creationId xmlns:a16="http://schemas.microsoft.com/office/drawing/2014/main" id="{7731CC7B-52D6-C446-A911-5F3DCE2C79F9}"/>
+              </a:ext>
+            </a:extLst>
+          </p:cNvPr>
+          <p:cNvSpPr txBox="1"/>
+          <p:nvPr/>
+        </p:nvSpPr>
+        <p:spPr>
+          <a:xfrm>
+            <a:off x="3887325" y="3716850"/>
+            <a:ext cx="256049" cy="346500"/>
+          </a:xfrm>
+          <a:prstGeom prst="rect">
+            <a:avLst/>
+          </a:prstGeom>
+          <a:noFill/>
+          <a:ln>
             <a:noFill/>
-            <a:ln>
-              <a:noFill/>
-            </a:ln>
-          </p:spPr>
-          <p:txBody>
-            <a:bodyPr lIns="68569" tIns="34275" rIns="68569" bIns="34275" anchor="t" anchorCtr="0">
-              <a:noAutofit/>
-            </a:bodyPr>
-            <a:lstStyle/>
-            <a:p>
-              <a:pPr algn="ctr">
-                <a:buSzPct val="25000"/>
-              </a:pPr>
-              <a:r>
-                <a:rPr lang="en-US" sz="1800">
-                  <a:solidFill>
-                    <a:schemeClr val="dk1"/>
-                  </a:solidFill>
-                  <a:latin typeface="Calibri"/>
-                  <a:ea typeface="Calibri"/>
-                  <a:cs typeface="Calibri"/>
-                  <a:sym typeface="Calibri"/>
-                </a:rPr>
-                <a:t>0</a:t>
-              </a:r>
-            </a:p>
-          </p:txBody>
-        </p:sp>
-        <p:sp>
-          <p:nvSpPr>
-            <p:cNvPr id="69" name="Shape 298">
-              <a:extLst>
-                <a:ext uri="{FF2B5EF4-FFF2-40B4-BE49-F238E27FC236}">
-                  <a16:creationId xmlns:a16="http://schemas.microsoft.com/office/drawing/2014/main" id="{22485A00-CE53-E947-A29C-A3B3172189EE}"/>
-                </a:ext>
-              </a:extLst>
-            </p:cNvPr>
-            <p:cNvSpPr txBox="1"/>
-            <p:nvPr/>
-          </p:nvSpPr>
-          <p:spPr>
-            <a:xfrm>
-              <a:off x="5045076" y="3976689"/>
-              <a:ext cx="341400" cy="462000"/>
-            </a:xfrm>
-            <a:prstGeom prst="rect">
-              <a:avLst/>
-            </a:prstGeom>
+          </a:ln>
+        </p:spPr>
+        <p:txBody>
+          <a:bodyPr lIns="68569" tIns="34275" rIns="68569" bIns="34275" anchor="t" anchorCtr="0">
+            <a:noAutofit/>
+          </a:bodyPr>
+          <a:lstStyle/>
+          <a:p>
+            <a:pPr algn="ctr">
+              <a:buSzPct val="25000"/>
+            </a:pPr>
+            <a:r>
+              <a:rPr lang="en-US" sz="1800">
+                <a:solidFill>
+                  <a:schemeClr val="dk1"/>
+                </a:solidFill>
+                <a:latin typeface="Calibri"/>
+                <a:ea typeface="Calibri"/>
+                <a:cs typeface="Calibri"/>
+                <a:sym typeface="Calibri"/>
+              </a:rPr>
+              <a:t>0</a:t>
+            </a:r>
+          </a:p>
+        </p:txBody>
+      </p:sp>
+      <p:sp>
+        <p:nvSpPr>
+          <p:cNvPr id="69" name="Shape 298">
+            <a:extLst>
+              <a:ext uri="{FF2B5EF4-FFF2-40B4-BE49-F238E27FC236}">
+                <a16:creationId xmlns:a16="http://schemas.microsoft.com/office/drawing/2014/main" id="{22485A00-CE53-E947-A29C-A3B3172189EE}"/>
+              </a:ext>
+            </a:extLst>
+          </p:cNvPr>
+          <p:cNvSpPr txBox="1"/>
+          <p:nvPr/>
+        </p:nvSpPr>
+        <p:spPr>
+          <a:xfrm>
+            <a:off x="5258925" y="3716850"/>
+            <a:ext cx="256050" cy="346500"/>
+          </a:xfrm>
+          <a:prstGeom prst="rect">
+            <a:avLst/>
+          </a:prstGeom>
+          <a:noFill/>
+          <a:ln>
             <a:noFill/>
-            <a:ln>
-              <a:noFill/>
-            </a:ln>
-          </p:spPr>
-          <p:txBody>
-            <a:bodyPr lIns="68569" tIns="34275" rIns="68569" bIns="34275" anchor="t" anchorCtr="0">
-              <a:noAutofit/>
-            </a:bodyPr>
-            <a:lstStyle/>
-            <a:p>
-              <a:pPr algn="ctr">
-                <a:buSzPct val="25000"/>
-              </a:pPr>
-              <a:r>
-                <a:rPr lang="en-US" sz="1800">
-                  <a:solidFill>
-                    <a:schemeClr val="dk1"/>
-                  </a:solidFill>
-                  <a:latin typeface="Calibri"/>
-                  <a:ea typeface="Calibri"/>
-                  <a:cs typeface="Calibri"/>
-                  <a:sym typeface="Calibri"/>
-                </a:rPr>
-                <a:t>0</a:t>
-              </a:r>
-            </a:p>
-          </p:txBody>
-        </p:sp>
-        <p:sp>
-          <p:nvSpPr>
-            <p:cNvPr id="70" name="Shape 299">
-              <a:extLst>
-                <a:ext uri="{FF2B5EF4-FFF2-40B4-BE49-F238E27FC236}">
-                  <a16:creationId xmlns:a16="http://schemas.microsoft.com/office/drawing/2014/main" id="{DFEAF572-45C4-7C4F-B13A-4FF1353EBAE5}"/>
-                </a:ext>
-              </a:extLst>
-            </p:cNvPr>
-            <p:cNvSpPr txBox="1"/>
-            <p:nvPr/>
-          </p:nvSpPr>
-          <p:spPr>
-            <a:xfrm>
-              <a:off x="4205288" y="4967289"/>
-              <a:ext cx="341400" cy="462000"/>
-            </a:xfrm>
-            <a:prstGeom prst="rect">
-              <a:avLst/>
-            </a:prstGeom>
+          </a:ln>
+        </p:spPr>
+        <p:txBody>
+          <a:bodyPr lIns="68569" tIns="34275" rIns="68569" bIns="34275" anchor="t" anchorCtr="0">
+            <a:noAutofit/>
+          </a:bodyPr>
+          <a:lstStyle/>
+          <a:p>
+            <a:pPr algn="ctr">
+              <a:buSzPct val="25000"/>
+            </a:pPr>
+            <a:r>
+              <a:rPr lang="en-US" sz="1800">
+                <a:solidFill>
+                  <a:schemeClr val="dk1"/>
+                </a:solidFill>
+                <a:latin typeface="Calibri"/>
+                <a:ea typeface="Calibri"/>
+                <a:cs typeface="Calibri"/>
+                <a:sym typeface="Calibri"/>
+              </a:rPr>
+              <a:t>0</a:t>
+            </a:r>
+          </a:p>
+        </p:txBody>
+      </p:sp>
+      <p:sp>
+        <p:nvSpPr>
+          <p:cNvPr id="70" name="Shape 299">
+            <a:extLst>
+              <a:ext uri="{FF2B5EF4-FFF2-40B4-BE49-F238E27FC236}">
+                <a16:creationId xmlns:a16="http://schemas.microsoft.com/office/drawing/2014/main" id="{DFEAF572-45C4-7C4F-B13A-4FF1353EBAE5}"/>
+              </a:ext>
+            </a:extLst>
+          </p:cNvPr>
+          <p:cNvSpPr txBox="1"/>
+          <p:nvPr/>
+        </p:nvSpPr>
+        <p:spPr>
+          <a:xfrm>
+            <a:off x="4629084" y="4459800"/>
+            <a:ext cx="256050" cy="346500"/>
+          </a:xfrm>
+          <a:prstGeom prst="rect">
+            <a:avLst/>
+          </a:prstGeom>
+          <a:noFill/>
+          <a:ln>
             <a:noFill/>
-            <a:ln>
-              <a:noFill/>
-            </a:ln>
-          </p:spPr>
-          <p:txBody>
-            <a:bodyPr lIns="68569" tIns="34275" rIns="68569" bIns="34275" anchor="t" anchorCtr="0">
-              <a:noAutofit/>
-            </a:bodyPr>
-            <a:lstStyle/>
-            <a:p>
-              <a:pPr algn="ctr">
-                <a:buSzPct val="25000"/>
-              </a:pPr>
-              <a:r>
-                <a:rPr lang="en-US" sz="1800">
-                  <a:solidFill>
-                    <a:schemeClr val="dk1"/>
-                  </a:solidFill>
-                  <a:latin typeface="Calibri"/>
-                  <a:ea typeface="Calibri"/>
-                  <a:cs typeface="Calibri"/>
-                  <a:sym typeface="Calibri"/>
-                </a:rPr>
-                <a:t>1</a:t>
-              </a:r>
-            </a:p>
-          </p:txBody>
-        </p:sp>
-        <p:sp>
-          <p:nvSpPr>
-            <p:cNvPr id="71" name="Shape 300">
-              <a:extLst>
-                <a:ext uri="{FF2B5EF4-FFF2-40B4-BE49-F238E27FC236}">
-                  <a16:creationId xmlns:a16="http://schemas.microsoft.com/office/drawing/2014/main" id="{45A95603-F734-B64B-87D8-752F8172EC27}"/>
-                </a:ext>
-              </a:extLst>
-            </p:cNvPr>
-            <p:cNvSpPr txBox="1"/>
-            <p:nvPr/>
-          </p:nvSpPr>
-          <p:spPr>
-            <a:xfrm>
-              <a:off x="3367088" y="3367088"/>
-              <a:ext cx="341400" cy="462000"/>
-            </a:xfrm>
-            <a:prstGeom prst="rect">
-              <a:avLst/>
-            </a:prstGeom>
+          </a:ln>
+        </p:spPr>
+        <p:txBody>
+          <a:bodyPr lIns="68569" tIns="34275" rIns="68569" bIns="34275" anchor="t" anchorCtr="0">
+            <a:noAutofit/>
+          </a:bodyPr>
+          <a:lstStyle/>
+          <a:p>
+            <a:pPr algn="ctr">
+              <a:buSzPct val="25000"/>
+            </a:pPr>
+            <a:r>
+              <a:rPr lang="en-US" sz="1800">
+                <a:solidFill>
+                  <a:schemeClr val="dk1"/>
+                </a:solidFill>
+                <a:latin typeface="Calibri"/>
+                <a:ea typeface="Calibri"/>
+                <a:cs typeface="Calibri"/>
+                <a:sym typeface="Calibri"/>
+              </a:rPr>
+              <a:t>1</a:t>
+            </a:r>
+          </a:p>
+        </p:txBody>
+      </p:sp>
+      <p:sp>
+        <p:nvSpPr>
+          <p:cNvPr id="71" name="Shape 300">
+            <a:extLst>
+              <a:ext uri="{FF2B5EF4-FFF2-40B4-BE49-F238E27FC236}">
+                <a16:creationId xmlns:a16="http://schemas.microsoft.com/office/drawing/2014/main" id="{45A95603-F734-B64B-87D8-752F8172EC27}"/>
+              </a:ext>
+            </a:extLst>
+          </p:cNvPr>
+          <p:cNvSpPr txBox="1"/>
+          <p:nvPr/>
+        </p:nvSpPr>
+        <p:spPr>
+          <a:xfrm>
+            <a:off x="4000434" y="3259649"/>
+            <a:ext cx="256050" cy="346500"/>
+          </a:xfrm>
+          <a:prstGeom prst="rect">
+            <a:avLst/>
+          </a:prstGeom>
+          <a:noFill/>
+          <a:ln>
             <a:noFill/>
-            <a:ln>
-              <a:noFill/>
-            </a:ln>
-          </p:spPr>
-          <p:txBody>
-            <a:bodyPr lIns="68569" tIns="34275" rIns="68569" bIns="34275" anchor="t" anchorCtr="0">
-              <a:noAutofit/>
-            </a:bodyPr>
-            <a:lstStyle/>
-            <a:p>
-              <a:pPr algn="ctr">
-                <a:buSzPct val="25000"/>
-              </a:pPr>
-              <a:r>
-                <a:rPr lang="en-US" sz="1800">
-                  <a:solidFill>
-                    <a:schemeClr val="dk1"/>
-                  </a:solidFill>
-                  <a:latin typeface="Calibri"/>
-                  <a:ea typeface="Calibri"/>
-                  <a:cs typeface="Calibri"/>
-                  <a:sym typeface="Calibri"/>
-                </a:rPr>
-                <a:t>1</a:t>
-              </a:r>
-            </a:p>
-          </p:txBody>
-        </p:sp>
-        <p:sp>
-          <p:nvSpPr>
-            <p:cNvPr id="72" name="Shape 301">
-              <a:extLst>
-                <a:ext uri="{FF2B5EF4-FFF2-40B4-BE49-F238E27FC236}">
-                  <a16:creationId xmlns:a16="http://schemas.microsoft.com/office/drawing/2014/main" id="{504382F8-6525-B142-913B-10438AF3B2B6}"/>
-                </a:ext>
-              </a:extLst>
-            </p:cNvPr>
-            <p:cNvSpPr txBox="1"/>
-            <p:nvPr/>
-          </p:nvSpPr>
-          <p:spPr>
-            <a:xfrm>
-              <a:off x="6721476" y="3443289"/>
-              <a:ext cx="341400" cy="462000"/>
-            </a:xfrm>
-            <a:prstGeom prst="rect">
-              <a:avLst/>
-            </a:prstGeom>
+          </a:ln>
+        </p:spPr>
+        <p:txBody>
+          <a:bodyPr lIns="68569" tIns="34275" rIns="68569" bIns="34275" anchor="t" anchorCtr="0">
+            <a:noAutofit/>
+          </a:bodyPr>
+          <a:lstStyle/>
+          <a:p>
+            <a:pPr algn="ctr">
+              <a:buSzPct val="25000"/>
+            </a:pPr>
+            <a:r>
+              <a:rPr lang="en-US" sz="1800">
+                <a:solidFill>
+                  <a:schemeClr val="dk1"/>
+                </a:solidFill>
+                <a:latin typeface="Calibri"/>
+                <a:ea typeface="Calibri"/>
+                <a:cs typeface="Calibri"/>
+                <a:sym typeface="Calibri"/>
+              </a:rPr>
+              <a:t>1</a:t>
+            </a:r>
+          </a:p>
+        </p:txBody>
+      </p:sp>
+      <p:sp>
+        <p:nvSpPr>
+          <p:cNvPr id="72" name="Shape 301">
+            <a:extLst>
+              <a:ext uri="{FF2B5EF4-FFF2-40B4-BE49-F238E27FC236}">
+                <a16:creationId xmlns:a16="http://schemas.microsoft.com/office/drawing/2014/main" id="{504382F8-6525-B142-913B-10438AF3B2B6}"/>
+              </a:ext>
+            </a:extLst>
+          </p:cNvPr>
+          <p:cNvSpPr txBox="1"/>
+          <p:nvPr/>
+        </p:nvSpPr>
+        <p:spPr>
+          <a:xfrm>
+            <a:off x="6516225" y="3316800"/>
+            <a:ext cx="256050" cy="346500"/>
+          </a:xfrm>
+          <a:prstGeom prst="rect">
+            <a:avLst/>
+          </a:prstGeom>
+          <a:noFill/>
+          <a:ln>
             <a:noFill/>
-            <a:ln>
-              <a:noFill/>
-            </a:ln>
-          </p:spPr>
-          <p:txBody>
-            <a:bodyPr lIns="68569" tIns="34275" rIns="68569" bIns="34275" anchor="t" anchorCtr="0">
-              <a:noAutofit/>
-            </a:bodyPr>
-            <a:lstStyle/>
-            <a:p>
-              <a:pPr algn="ctr">
-                <a:buSzPct val="25000"/>
-              </a:pPr>
-              <a:r>
-                <a:rPr lang="en-US" sz="1800">
-                  <a:solidFill>
-                    <a:schemeClr val="dk1"/>
-                  </a:solidFill>
-                  <a:latin typeface="Calibri"/>
-                  <a:ea typeface="Calibri"/>
-                  <a:cs typeface="Calibri"/>
-                  <a:sym typeface="Calibri"/>
-                </a:rPr>
-                <a:t>0</a:t>
-              </a:r>
-            </a:p>
-          </p:txBody>
-        </p:sp>
-        <p:sp>
-          <p:nvSpPr>
-            <p:cNvPr id="73" name="Shape 302">
-              <a:extLst>
-                <a:ext uri="{FF2B5EF4-FFF2-40B4-BE49-F238E27FC236}">
-                  <a16:creationId xmlns:a16="http://schemas.microsoft.com/office/drawing/2014/main" id="{E0777676-AEF9-6749-8EFB-4D07333A1220}"/>
-                </a:ext>
-              </a:extLst>
-            </p:cNvPr>
-            <p:cNvSpPr txBox="1"/>
-            <p:nvPr/>
-          </p:nvSpPr>
-          <p:spPr>
-            <a:xfrm>
-              <a:off x="1819275" y="3443289"/>
-              <a:ext cx="341400" cy="462000"/>
-            </a:xfrm>
-            <a:prstGeom prst="rect">
-              <a:avLst/>
-            </a:prstGeom>
+          </a:ln>
+        </p:spPr>
+        <p:txBody>
+          <a:bodyPr lIns="68569" tIns="34275" rIns="68569" bIns="34275" anchor="t" anchorCtr="0">
+            <a:noAutofit/>
+          </a:bodyPr>
+          <a:lstStyle/>
+          <a:p>
+            <a:pPr algn="ctr">
+              <a:buSzPct val="25000"/>
+            </a:pPr>
+            <a:r>
+              <a:rPr lang="en-US" sz="1800">
+                <a:solidFill>
+                  <a:schemeClr val="dk1"/>
+                </a:solidFill>
+                <a:latin typeface="Calibri"/>
+                <a:ea typeface="Calibri"/>
+                <a:cs typeface="Calibri"/>
+                <a:sym typeface="Calibri"/>
+              </a:rPr>
+              <a:t>0</a:t>
+            </a:r>
+          </a:p>
+        </p:txBody>
+      </p:sp>
+      <p:sp>
+        <p:nvSpPr>
+          <p:cNvPr id="73" name="Shape 302">
+            <a:extLst>
+              <a:ext uri="{FF2B5EF4-FFF2-40B4-BE49-F238E27FC236}">
+                <a16:creationId xmlns:a16="http://schemas.microsoft.com/office/drawing/2014/main" id="{E0777676-AEF9-6749-8EFB-4D07333A1220}"/>
+              </a:ext>
+            </a:extLst>
+          </p:cNvPr>
+          <p:cNvSpPr txBox="1"/>
+          <p:nvPr/>
+        </p:nvSpPr>
+        <p:spPr>
+          <a:xfrm>
+            <a:off x="2839574" y="3316800"/>
+            <a:ext cx="256050" cy="346500"/>
+          </a:xfrm>
+          <a:prstGeom prst="rect">
+            <a:avLst/>
+          </a:prstGeom>
+          <a:noFill/>
+          <a:ln>
             <a:noFill/>
-            <a:ln>
-              <a:noFill/>
-            </a:ln>
-          </p:spPr>
-          <p:txBody>
-            <a:bodyPr lIns="68569" tIns="34275" rIns="68569" bIns="34275" anchor="t" anchorCtr="0">
-              <a:noAutofit/>
-            </a:bodyPr>
-            <a:lstStyle/>
-            <a:p>
-              <a:pPr algn="ctr">
-                <a:buSzPct val="25000"/>
-              </a:pPr>
-              <a:r>
-                <a:rPr lang="en-US" sz="1800">
-                  <a:solidFill>
-                    <a:schemeClr val="dk1"/>
-                  </a:solidFill>
-                  <a:latin typeface="Calibri"/>
-                  <a:ea typeface="Calibri"/>
-                  <a:cs typeface="Calibri"/>
-                  <a:sym typeface="Calibri"/>
-                </a:rPr>
-                <a:t>1</a:t>
-              </a:r>
-            </a:p>
-          </p:txBody>
-        </p:sp>
-        <p:cxnSp>
-          <p:nvCxnSpPr>
-            <p:cNvPr id="74" name="Shape 303">
-              <a:extLst>
-                <a:ext uri="{FF2B5EF4-FFF2-40B4-BE49-F238E27FC236}">
-                  <a16:creationId xmlns:a16="http://schemas.microsoft.com/office/drawing/2014/main" id="{8E3411DA-AD6A-F34C-B603-AAA0E3BB5F16}"/>
-                </a:ext>
-              </a:extLst>
-            </p:cNvPr>
-            <p:cNvCxnSpPr>
-              <a:endCxn id="65" idx="2"/>
-            </p:cNvCxnSpPr>
-            <p:nvPr/>
-          </p:nvCxnSpPr>
-          <p:spPr>
-            <a:xfrm>
-              <a:off x="2971801" y="4344151"/>
-              <a:ext cx="1066800" cy="0"/>
-            </a:xfrm>
-            <a:prstGeom prst="straightConnector1">
-              <a:avLst/>
-            </a:prstGeom>
-            <a:noFill/>
-            <a:ln w="28575" cap="flat" cmpd="sng">
-              <a:solidFill>
-                <a:schemeClr val="dk2"/>
-              </a:solidFill>
-              <a:prstDash val="solid"/>
-              <a:round/>
-              <a:headEnd type="none" w="lg" len="lg"/>
-              <a:tailEnd type="triangle" w="lg" len="lg"/>
-            </a:ln>
-          </p:spPr>
-        </p:cxnSp>
-        <p:cxnSp>
-          <p:nvCxnSpPr>
-            <p:cNvPr id="75" name="Shape 304">
-              <a:extLst>
-                <a:ext uri="{FF2B5EF4-FFF2-40B4-BE49-F238E27FC236}">
-                  <a16:creationId xmlns:a16="http://schemas.microsoft.com/office/drawing/2014/main" id="{117B808D-6A84-B84C-BA13-80AA08FE54EC}"/>
-                </a:ext>
-              </a:extLst>
-            </p:cNvPr>
-            <p:cNvCxnSpPr>
-              <a:stCxn id="65" idx="6"/>
-              <a:endCxn id="67" idx="2"/>
-            </p:cNvCxnSpPr>
-            <p:nvPr/>
-          </p:nvCxnSpPr>
-          <p:spPr>
-            <a:xfrm rot="10800000" flipH="1">
-              <a:off x="4648201" y="4343551"/>
-              <a:ext cx="1219200" cy="600"/>
-            </a:xfrm>
-            <a:prstGeom prst="straightConnector1">
-              <a:avLst/>
-            </a:prstGeom>
-            <a:noFill/>
-            <a:ln w="28575" cap="flat" cmpd="sng">
-              <a:solidFill>
-                <a:schemeClr val="dk2"/>
-              </a:solidFill>
-              <a:prstDash val="solid"/>
-              <a:round/>
-              <a:headEnd type="none" w="lg" len="lg"/>
-              <a:tailEnd type="triangle" w="lg" len="lg"/>
-            </a:ln>
-          </p:spPr>
-        </p:cxnSp>
-        <p:cxnSp>
-          <p:nvCxnSpPr>
-            <p:cNvPr id="79" name="Shape 305">
-              <a:extLst>
-                <a:ext uri="{FF2B5EF4-FFF2-40B4-BE49-F238E27FC236}">
-                  <a16:creationId xmlns:a16="http://schemas.microsoft.com/office/drawing/2014/main" id="{14BA6CC4-2355-B849-935E-3F830AFBD6F8}"/>
-                </a:ext>
-              </a:extLst>
-            </p:cNvPr>
-            <p:cNvCxnSpPr>
-              <a:stCxn id="61" idx="0"/>
-              <a:endCxn id="65" idx="0"/>
-            </p:cNvCxnSpPr>
-            <p:nvPr/>
-          </p:nvCxnSpPr>
-          <p:spPr>
-            <a:xfrm rot="-5400000" flipH="1">
-              <a:off x="3504900" y="3181651"/>
-              <a:ext cx="600" cy="1676400"/>
-            </a:xfrm>
-            <a:prstGeom prst="curvedConnector3">
-              <a:avLst>
-                <a:gd name="adj1" fmla="val -39687500"/>
-              </a:avLst>
-            </a:prstGeom>
-            <a:noFill/>
-            <a:ln w="28575" cap="flat" cmpd="sng">
-              <a:solidFill>
-                <a:schemeClr val="dk2"/>
-              </a:solidFill>
-              <a:prstDash val="solid"/>
-              <a:round/>
-              <a:headEnd type="triangle" w="lg" len="lg"/>
-              <a:tailEnd type="none" w="lg" len="lg"/>
-            </a:ln>
-          </p:spPr>
-        </p:cxnSp>
-        <p:cxnSp>
-          <p:nvCxnSpPr>
-            <p:cNvPr id="80" name="Shape 306">
-              <a:extLst>
-                <a:ext uri="{FF2B5EF4-FFF2-40B4-BE49-F238E27FC236}">
-                  <a16:creationId xmlns:a16="http://schemas.microsoft.com/office/drawing/2014/main" id="{48F87E0A-E529-BC4D-B066-0F0334B21819}"/>
-                </a:ext>
-              </a:extLst>
-            </p:cNvPr>
-            <p:cNvCxnSpPr>
-              <a:stCxn id="61" idx="2"/>
-              <a:endCxn id="61" idx="1"/>
-            </p:cNvCxnSpPr>
-            <p:nvPr/>
-          </p:nvCxnSpPr>
-          <p:spPr>
-            <a:xfrm rot="10800000" flipH="1">
-              <a:off x="2362200" y="4114651"/>
-              <a:ext cx="89400" cy="229500"/>
-            </a:xfrm>
-            <a:prstGeom prst="curvedConnector4">
-              <a:avLst>
-                <a:gd name="adj1" fmla="val -266359"/>
-                <a:gd name="adj2" fmla="val 245196"/>
-              </a:avLst>
-            </a:prstGeom>
-            <a:noFill/>
-            <a:ln w="28575" cap="flat" cmpd="sng">
-              <a:solidFill>
-                <a:schemeClr val="dk2"/>
-              </a:solidFill>
-              <a:prstDash val="solid"/>
-              <a:round/>
-              <a:headEnd type="triangle" w="lg" len="lg"/>
-              <a:tailEnd type="none" w="lg" len="lg"/>
-            </a:ln>
-          </p:spPr>
-        </p:cxnSp>
-        <p:cxnSp>
-          <p:nvCxnSpPr>
-            <p:cNvPr id="81" name="Shape 307">
-              <a:extLst>
-                <a:ext uri="{FF2B5EF4-FFF2-40B4-BE49-F238E27FC236}">
-                  <a16:creationId xmlns:a16="http://schemas.microsoft.com/office/drawing/2014/main" id="{4CB5A3B2-F14A-0649-81E2-0B49DB17840C}"/>
-                </a:ext>
-              </a:extLst>
-            </p:cNvPr>
-            <p:cNvCxnSpPr>
-              <a:stCxn id="67" idx="0"/>
-              <a:endCxn id="67" idx="6"/>
-            </p:cNvCxnSpPr>
-            <p:nvPr/>
-          </p:nvCxnSpPr>
-          <p:spPr>
-            <a:xfrm rot="-5400000" flipH="1">
-              <a:off x="6172201" y="4038601"/>
-              <a:ext cx="304800" cy="304800"/>
-            </a:xfrm>
-            <a:prstGeom prst="curvedConnector4">
-              <a:avLst>
-                <a:gd name="adj1" fmla="val -78125"/>
-                <a:gd name="adj2" fmla="val 178125"/>
-              </a:avLst>
-            </a:prstGeom>
-            <a:noFill/>
-            <a:ln w="28575" cap="flat" cmpd="sng">
-              <a:solidFill>
-                <a:schemeClr val="dk2"/>
-              </a:solidFill>
-              <a:prstDash val="solid"/>
-              <a:round/>
-              <a:headEnd type="triangle" w="lg" len="lg"/>
-              <a:tailEnd type="none" w="lg" len="lg"/>
-            </a:ln>
-          </p:spPr>
-        </p:cxnSp>
-        <p:cxnSp>
-          <p:nvCxnSpPr>
-            <p:cNvPr id="82" name="Shape 308">
-              <a:extLst>
-                <a:ext uri="{FF2B5EF4-FFF2-40B4-BE49-F238E27FC236}">
-                  <a16:creationId xmlns:a16="http://schemas.microsoft.com/office/drawing/2014/main" id="{937B4F40-F47F-4A4A-A858-5C149571B9BC}"/>
-                </a:ext>
-              </a:extLst>
-            </p:cNvPr>
-            <p:cNvCxnSpPr>
-              <a:stCxn id="67" idx="4"/>
-              <a:endCxn id="61" idx="5"/>
-            </p:cNvCxnSpPr>
-            <p:nvPr/>
-          </p:nvCxnSpPr>
-          <p:spPr>
-            <a:xfrm rot="5400000" flipH="1">
-              <a:off x="4490101" y="2966101"/>
-              <a:ext cx="74400" cy="3289800"/>
-            </a:xfrm>
-            <a:prstGeom prst="curvedConnector3">
-              <a:avLst>
-                <a:gd name="adj1" fmla="val -347681"/>
-              </a:avLst>
-            </a:prstGeom>
-            <a:noFill/>
-            <a:ln w="28575" cap="flat" cmpd="sng">
-              <a:solidFill>
-                <a:schemeClr val="dk2"/>
-              </a:solidFill>
-              <a:prstDash val="solid"/>
-              <a:round/>
-              <a:headEnd type="none" w="lg" len="lg"/>
-              <a:tailEnd type="triangle" w="lg" len="lg"/>
-            </a:ln>
-          </p:spPr>
-        </p:cxnSp>
-      </p:grpSp>
+          </a:ln>
+        </p:spPr>
+        <p:txBody>
+          <a:bodyPr lIns="68569" tIns="34275" rIns="68569" bIns="34275" anchor="t" anchorCtr="0">
+            <a:noAutofit/>
+          </a:bodyPr>
+          <a:lstStyle/>
+          <a:p>
+            <a:pPr algn="ctr">
+              <a:buSzPct val="25000"/>
+            </a:pPr>
+            <a:r>
+              <a:rPr lang="en-US" sz="1800">
+                <a:solidFill>
+                  <a:schemeClr val="dk1"/>
+                </a:solidFill>
+                <a:latin typeface="Calibri"/>
+                <a:ea typeface="Calibri"/>
+                <a:cs typeface="Calibri"/>
+                <a:sym typeface="Calibri"/>
+              </a:rPr>
+              <a:t>1</a:t>
+            </a:r>
+          </a:p>
+        </p:txBody>
+      </p:sp>
+      <p:cxnSp>
+        <p:nvCxnSpPr>
+          <p:cNvPr id="74" name="Shape 303">
+            <a:extLst>
+              <a:ext uri="{FF2B5EF4-FFF2-40B4-BE49-F238E27FC236}">
+                <a16:creationId xmlns:a16="http://schemas.microsoft.com/office/drawing/2014/main" id="{8E3411DA-AD6A-F34C-B603-AAA0E3BB5F16}"/>
+              </a:ext>
+            </a:extLst>
+          </p:cNvPr>
+          <p:cNvCxnSpPr>
+            <a:endCxn id="65" idx="2"/>
+          </p:cNvCxnSpPr>
+          <p:nvPr/>
+        </p:nvCxnSpPr>
+        <p:spPr>
+          <a:xfrm>
+            <a:off x="3703969" y="3992446"/>
+            <a:ext cx="800100" cy="0"/>
+          </a:xfrm>
+          <a:prstGeom prst="straightConnector1">
+            <a:avLst/>
+          </a:prstGeom>
+          <a:noFill/>
+          <a:ln w="28575" cap="flat" cmpd="sng">
+            <a:solidFill>
+              <a:schemeClr val="dk2"/>
+            </a:solidFill>
+            <a:prstDash val="solid"/>
+            <a:round/>
+            <a:headEnd type="none" w="lg" len="lg"/>
+            <a:tailEnd type="triangle" w="lg" len="lg"/>
+          </a:ln>
+        </p:spPr>
+      </p:cxnSp>
+      <p:cxnSp>
+        <p:nvCxnSpPr>
+          <p:cNvPr id="75" name="Shape 304">
+            <a:extLst>
+              <a:ext uri="{FF2B5EF4-FFF2-40B4-BE49-F238E27FC236}">
+                <a16:creationId xmlns:a16="http://schemas.microsoft.com/office/drawing/2014/main" id="{117B808D-6A84-B84C-BA13-80AA08FE54EC}"/>
+              </a:ext>
+            </a:extLst>
+          </p:cNvPr>
+          <p:cNvCxnSpPr>
+            <a:stCxn id="65" idx="6"/>
+            <a:endCxn id="67" idx="2"/>
+          </p:cNvCxnSpPr>
+          <p:nvPr/>
+        </p:nvCxnSpPr>
+        <p:spPr>
+          <a:xfrm rot="10800000" flipH="1">
+            <a:off x="4961269" y="3991996"/>
+            <a:ext cx="914400" cy="450"/>
+          </a:xfrm>
+          <a:prstGeom prst="straightConnector1">
+            <a:avLst/>
+          </a:prstGeom>
+          <a:noFill/>
+          <a:ln w="28575" cap="flat" cmpd="sng">
+            <a:solidFill>
+              <a:schemeClr val="dk2"/>
+            </a:solidFill>
+            <a:prstDash val="solid"/>
+            <a:round/>
+            <a:headEnd type="none" w="lg" len="lg"/>
+            <a:tailEnd type="triangle" w="lg" len="lg"/>
+          </a:ln>
+        </p:spPr>
+      </p:cxnSp>
+      <p:cxnSp>
+        <p:nvCxnSpPr>
+          <p:cNvPr id="79" name="Shape 305">
+            <a:extLst>
+              <a:ext uri="{FF2B5EF4-FFF2-40B4-BE49-F238E27FC236}">
+                <a16:creationId xmlns:a16="http://schemas.microsoft.com/office/drawing/2014/main" id="{14BA6CC4-2355-B849-935E-3F830AFBD6F8}"/>
+              </a:ext>
+            </a:extLst>
+          </p:cNvPr>
+          <p:cNvCxnSpPr>
+            <a:stCxn id="61" idx="0"/>
+            <a:endCxn id="65" idx="0"/>
+          </p:cNvCxnSpPr>
+          <p:nvPr/>
+        </p:nvCxnSpPr>
+        <p:spPr>
+          <a:xfrm rot="16200000" flipH="1">
+            <a:off x="4103793" y="3120571"/>
+            <a:ext cx="450" cy="1257300"/>
+          </a:xfrm>
+          <a:prstGeom prst="curvedConnector3">
+            <a:avLst>
+              <a:gd name="adj1" fmla="val -39687500"/>
+            </a:avLst>
+          </a:prstGeom>
+          <a:noFill/>
+          <a:ln w="28575" cap="flat" cmpd="sng">
+            <a:solidFill>
+              <a:schemeClr val="dk2"/>
+            </a:solidFill>
+            <a:prstDash val="solid"/>
+            <a:round/>
+            <a:headEnd type="triangle" w="lg" len="lg"/>
+            <a:tailEnd type="none" w="lg" len="lg"/>
+          </a:ln>
+        </p:spPr>
+      </p:cxnSp>
+      <p:cxnSp>
+        <p:nvCxnSpPr>
+          <p:cNvPr id="80" name="Shape 306">
+            <a:extLst>
+              <a:ext uri="{FF2B5EF4-FFF2-40B4-BE49-F238E27FC236}">
+                <a16:creationId xmlns:a16="http://schemas.microsoft.com/office/drawing/2014/main" id="{48F87E0A-E529-BC4D-B066-0F0334B21819}"/>
+              </a:ext>
+            </a:extLst>
+          </p:cNvPr>
+          <p:cNvCxnSpPr>
+            <a:stCxn id="61" idx="2"/>
+            <a:endCxn id="61" idx="1"/>
+          </p:cNvCxnSpPr>
+          <p:nvPr/>
+        </p:nvCxnSpPr>
+        <p:spPr>
+          <a:xfrm rot="10800000" flipH="1">
+            <a:off x="3246768" y="3820321"/>
+            <a:ext cx="67050" cy="172125"/>
+          </a:xfrm>
+          <a:prstGeom prst="curvedConnector4">
+            <a:avLst>
+              <a:gd name="adj1" fmla="val -266359"/>
+              <a:gd name="adj2" fmla="val 245196"/>
+            </a:avLst>
+          </a:prstGeom>
+          <a:noFill/>
+          <a:ln w="28575" cap="flat" cmpd="sng">
+            <a:solidFill>
+              <a:schemeClr val="dk2"/>
+            </a:solidFill>
+            <a:prstDash val="solid"/>
+            <a:round/>
+            <a:headEnd type="triangle" w="lg" len="lg"/>
+            <a:tailEnd type="none" w="lg" len="lg"/>
+          </a:ln>
+        </p:spPr>
+      </p:cxnSp>
+      <p:cxnSp>
+        <p:nvCxnSpPr>
+          <p:cNvPr id="81" name="Shape 307">
+            <a:extLst>
+              <a:ext uri="{FF2B5EF4-FFF2-40B4-BE49-F238E27FC236}">
+                <a16:creationId xmlns:a16="http://schemas.microsoft.com/office/drawing/2014/main" id="{4CB5A3B2-F14A-0649-81E2-0B49DB17840C}"/>
+              </a:ext>
+            </a:extLst>
+          </p:cNvPr>
+          <p:cNvCxnSpPr>
+            <a:stCxn id="67" idx="0"/>
+            <a:endCxn id="67" idx="6"/>
+          </p:cNvCxnSpPr>
+          <p:nvPr/>
+        </p:nvCxnSpPr>
+        <p:spPr>
+          <a:xfrm rot="16200000" flipH="1">
+            <a:off x="6104269" y="3763284"/>
+            <a:ext cx="228600" cy="228600"/>
+          </a:xfrm>
+          <a:prstGeom prst="curvedConnector4">
+            <a:avLst>
+              <a:gd name="adj1" fmla="val -78125"/>
+              <a:gd name="adj2" fmla="val 178125"/>
+            </a:avLst>
+          </a:prstGeom>
+          <a:noFill/>
+          <a:ln w="28575" cap="flat" cmpd="sng">
+            <a:solidFill>
+              <a:schemeClr val="dk2"/>
+            </a:solidFill>
+            <a:prstDash val="solid"/>
+            <a:round/>
+            <a:headEnd type="triangle" w="lg" len="lg"/>
+            <a:tailEnd type="none" w="lg" len="lg"/>
+          </a:ln>
+        </p:spPr>
+      </p:cxnSp>
+      <p:cxnSp>
+        <p:nvCxnSpPr>
+          <p:cNvPr id="82" name="Shape 308">
+            <a:extLst>
+              <a:ext uri="{FF2B5EF4-FFF2-40B4-BE49-F238E27FC236}">
+                <a16:creationId xmlns:a16="http://schemas.microsoft.com/office/drawing/2014/main" id="{937B4F40-F47F-4A4A-A858-5C149571B9BC}"/>
+              </a:ext>
+            </a:extLst>
+          </p:cNvPr>
+          <p:cNvCxnSpPr>
+            <a:stCxn id="67" idx="4"/>
+            <a:endCxn id="61" idx="5"/>
+          </p:cNvCxnSpPr>
+          <p:nvPr/>
+        </p:nvCxnSpPr>
+        <p:spPr>
+          <a:xfrm rot="5400000" flipH="1">
+            <a:off x="4842694" y="2958909"/>
+            <a:ext cx="55800" cy="2467350"/>
+          </a:xfrm>
+          <a:prstGeom prst="curvedConnector3">
+            <a:avLst>
+              <a:gd name="adj1" fmla="val -347681"/>
+            </a:avLst>
+          </a:prstGeom>
+          <a:noFill/>
+          <a:ln w="28575" cap="flat" cmpd="sng">
+            <a:solidFill>
+              <a:schemeClr val="dk2"/>
+            </a:solidFill>
+            <a:prstDash val="solid"/>
+            <a:round/>
+            <a:headEnd type="none" w="lg" len="lg"/>
+            <a:tailEnd type="triangle" w="lg" len="lg"/>
+          </a:ln>
+        </p:spPr>
+      </p:cxnSp>
     </p:spTree>
     <p:extLst>
       <p:ext uri="{BB962C8B-B14F-4D97-AF65-F5344CB8AC3E}">
         <p14:creationId xmlns:p14="http://schemas.microsoft.com/office/powerpoint/2010/main" val="2024329452"/>
+      </p:ext>
+    </p:extLst>
+  </p:cSld>
+  <p:clrMapOvr>
+    <a:masterClrMapping/>
+  </p:clrMapOvr>
+</p:sld>
+</file>
+
+<file path=ppt/slides/slide16.xml><?xml version="1.0" encoding="utf-8"?>
+<p:sld xmlns:a="http://schemas.openxmlformats.org/drawingml/2006/main" xmlns:r="http://schemas.openxmlformats.org/officeDocument/2006/relationships" xmlns:p="http://schemas.openxmlformats.org/presentationml/2006/main">
+  <p:cSld>
+    <p:spTree>
+      <p:nvGrpSpPr>
+        <p:cNvPr id="1" name=""/>
+        <p:cNvGrpSpPr/>
+        <p:nvPr/>
+      </p:nvGrpSpPr>
+      <p:grpSpPr>
+        <a:xfrm>
+          <a:off x="0" y="0"/>
+          <a:ext cx="0" cy="0"/>
+          <a:chOff x="0" y="0"/>
+          <a:chExt cx="0" cy="0"/>
+        </a:xfrm>
+      </p:grpSpPr>
+      <p:sp>
+        <p:nvSpPr>
+          <p:cNvPr id="2" name="Slide Number Placeholder 1">
+            <a:extLst>
+              <a:ext uri="{FF2B5EF4-FFF2-40B4-BE49-F238E27FC236}">
+                <a16:creationId xmlns:a16="http://schemas.microsoft.com/office/drawing/2014/main" id="{E0E3C8E7-E0A0-5B42-98BB-AADCA04112C9}"/>
+              </a:ext>
+            </a:extLst>
+          </p:cNvPr>
+          <p:cNvSpPr>
+            <a:spLocks noGrp="1"/>
+          </p:cNvSpPr>
+          <p:nvPr>
+            <p:ph type="sldNum" sz="quarter" idx="12"/>
+          </p:nvPr>
+        </p:nvSpPr>
+        <p:spPr/>
+        <p:txBody>
+          <a:bodyPr/>
+          <a:lstStyle/>
+          <a:p>
+            <a:fld id="{7B252BF6-6A9C-D04A-BBE8-37A07D64A1C3}" type="slidenum">
+              <a:rPr lang="en-US" smtClean="0"/>
+              <a:t>16</a:t>
+            </a:fld>
+            <a:endParaRPr lang="en-US"/>
+          </a:p>
+        </p:txBody>
+      </p:sp>
+      <p:pic>
+        <p:nvPicPr>
+          <p:cNvPr id="4" name="Picture 3" descr="A picture containing clock, drawing&#10;&#10;Description automatically generated">
+            <a:extLst>
+              <a:ext uri="{FF2B5EF4-FFF2-40B4-BE49-F238E27FC236}">
+                <a16:creationId xmlns:a16="http://schemas.microsoft.com/office/drawing/2014/main" id="{8CAD1C87-044C-E84F-8405-3D6AD0F034F4}"/>
+              </a:ext>
+            </a:extLst>
+          </p:cNvPr>
+          <p:cNvPicPr>
+            <a:picLocks noChangeAspect="1"/>
+          </p:cNvPicPr>
+          <p:nvPr/>
+        </p:nvPicPr>
+        <p:blipFill>
+          <a:blip r:embed="rId2"/>
+          <a:stretch>
+            <a:fillRect/>
+          </a:stretch>
+        </p:blipFill>
+        <p:spPr>
+          <a:xfrm>
+            <a:off x="1691145" y="603142"/>
+            <a:ext cx="5761710" cy="2552786"/>
+          </a:xfrm>
+          <a:prstGeom prst="rect">
+            <a:avLst/>
+          </a:prstGeom>
+        </p:spPr>
+      </p:pic>
+      <p:sp>
+        <p:nvSpPr>
+          <p:cNvPr id="7" name="Rectangular Callout 6">
+            <a:extLst>
+              <a:ext uri="{FF2B5EF4-FFF2-40B4-BE49-F238E27FC236}">
+                <a16:creationId xmlns:a16="http://schemas.microsoft.com/office/drawing/2014/main" id="{A5919BB0-BE10-5940-9C08-87FE5F29DE4F}"/>
+              </a:ext>
+            </a:extLst>
+          </p:cNvPr>
+          <p:cNvSpPr/>
+          <p:nvPr/>
+        </p:nvSpPr>
+        <p:spPr>
+          <a:xfrm>
+            <a:off x="2469156" y="3155928"/>
+            <a:ext cx="4205687" cy="424180"/>
+          </a:xfrm>
+          <a:prstGeom prst="wedgeRectCallout">
+            <a:avLst>
+              <a:gd name="adj1" fmla="val -52232"/>
+              <a:gd name="adj2" fmla="val -51439"/>
+            </a:avLst>
+          </a:prstGeom>
+        </p:spPr>
+        <p:style>
+          <a:lnRef idx="2">
+            <a:schemeClr val="accent1">
+              <a:shade val="50000"/>
+            </a:schemeClr>
+          </a:lnRef>
+          <a:fillRef idx="1">
+            <a:schemeClr val="accent1"/>
+          </a:fillRef>
+          <a:effectRef idx="0">
+            <a:schemeClr val="accent1"/>
+          </a:effectRef>
+          <a:fontRef idx="minor">
+            <a:schemeClr val="lt1"/>
+          </a:fontRef>
+        </p:style>
+        <p:txBody>
+          <a:bodyPr rtlCol="0" anchor="ctr"/>
+          <a:lstStyle/>
+          <a:p>
+            <a:r>
+              <a:rPr lang="en-US" sz="2000" dirty="0"/>
+              <a:t>Q: Write down the </a:t>
+            </a:r>
+            <a:r>
+              <a:rPr lang="en-US" sz="2000" dirty="0" err="1"/>
+              <a:t>regexp</a:t>
+            </a:r>
+            <a:r>
+              <a:rPr lang="en-US" sz="2000" dirty="0"/>
+              <a:t> for this DFA.</a:t>
+            </a:r>
+            <a:endParaRPr lang="en-US" sz="2000" dirty="0">
+              <a:latin typeface="Consolas" panose="020B0609020204030204" pitchFamily="49" charset="0"/>
+              <a:cs typeface="Consolas" panose="020B0609020204030204" pitchFamily="49" charset="0"/>
+            </a:endParaRPr>
+          </a:p>
+        </p:txBody>
+      </p:sp>
+    </p:spTree>
+    <p:extLst>
+      <p:ext uri="{BB962C8B-B14F-4D97-AF65-F5344CB8AC3E}">
+        <p14:creationId xmlns:p14="http://schemas.microsoft.com/office/powerpoint/2010/main" val="3141520813"/>
       </p:ext>
     </p:extLst>
   </p:cSld>
@@ -18310,7 +18563,7 @@
                             </p:stCondLst>
                             <p:childTnLst>
                               <p:par>
-                                <p:cTn id="5" presetID="1" presetClass="entr" presetSubtype="0" fill="hold" nodeType="clickEffect">
+                                <p:cTn id="5" presetID="1" presetClass="entr" presetSubtype="0" fill="hold" grpId="0" nodeType="clickEffect">
                                   <p:stCondLst>
                                     <p:cond delay="0"/>
                                   </p:stCondLst>
@@ -18323,7 +18576,7 @@
                                           </p:stCondLst>
                                         </p:cTn>
                                         <p:tgtEl>
-                                          <p:spTgt spid="60"/>
+                                          <p:spTgt spid="7"/>
                                         </p:tgtEl>
                                         <p:attrNameLst>
                                           <p:attrName>style.visibility</p:attrName>
@@ -18363,11 +18616,14 @@
         </p:cTn>
       </p:par>
     </p:tnLst>
+    <p:bldLst>
+      <p:bldP spid="7" grpId="0" animBg="1"/>
+    </p:bldLst>
   </p:timing>
 </p:sld>
 </file>
 
-<file path=ppt/slides/slide16.xml><?xml version="1.0" encoding="utf-8"?>
+<file path=ppt/slides/slide17.xml><?xml version="1.0" encoding="utf-8"?>
 <p:sld xmlns:a="http://schemas.openxmlformats.org/drawingml/2006/main" xmlns:r="http://schemas.openxmlformats.org/officeDocument/2006/relationships" xmlns:p="http://schemas.openxmlformats.org/presentationml/2006/main">
   <p:cSld>
     <p:spTree>
@@ -18599,7 +18855,7 @@
               <a:pPr algn="r">
                 <a:buSzPct val="25000"/>
               </a:pPr>
-              <a:t>16</a:t>
+              <a:t>17</a:t>
             </a:fld>
             <a:endParaRPr lang="en-US" sz="1050">
               <a:solidFill>
@@ -18621,7 +18877,7 @@
 </p:sld>
 </file>
 
-<file path=ppt/slides/slide17.xml><?xml version="1.0" encoding="utf-8"?>
+<file path=ppt/slides/slide18.xml><?xml version="1.0" encoding="utf-8"?>
 <p:sld xmlns:a="http://schemas.openxmlformats.org/drawingml/2006/main" xmlns:r="http://schemas.openxmlformats.org/officeDocument/2006/relationships" xmlns:p="http://schemas.openxmlformats.org/presentationml/2006/main">
   <p:cSld>
     <p:spTree>
@@ -18679,7 +18935,7 @@
 </p:sld>
 </file>
 
-<file path=ppt/slides/slide18.xml><?xml version="1.0" encoding="utf-8"?>
+<file path=ppt/slides/slide19.xml><?xml version="1.0" encoding="utf-8"?>
 <p:sld xmlns:a="http://schemas.openxmlformats.org/drawingml/2006/main" xmlns:r="http://schemas.openxmlformats.org/officeDocument/2006/relationships" xmlns:p="http://schemas.openxmlformats.org/presentationml/2006/main">
   <p:cSld>
     <p:spTree>
@@ -18750,7 +19006,7 @@
           <a:p>
             <a:fld id="{7B252BF6-6A9C-D04A-BBE8-37A07D64A1C3}" type="slidenum">
               <a:rPr lang="en-US" smtClean="0"/>
-              <a:t>18</a:t>
+              <a:t>19</a:t>
             </a:fld>
             <a:endParaRPr lang="en-US"/>
           </a:p>
@@ -18797,7 +19053,10 @@
               <a:avLst/>
             </a:prstGeom>
             <a:solidFill>
-              <a:srgbClr val="FF9900"/>
+              <a:schemeClr val="accent4">
+                <a:lumMod val="60000"/>
+                <a:lumOff val="40000"/>
+              </a:schemeClr>
             </a:solidFill>
             <a:ln w="28575" cap="flat" cmpd="sng">
               <a:solidFill>
@@ -18819,7 +19078,7 @@
                 <a:buSzPct val="25000"/>
               </a:pPr>
               <a:r>
-                <a:rPr lang="en-US" sz="1800">
+                <a:rPr lang="en-US" sz="1800" dirty="0">
                   <a:solidFill>
                     <a:schemeClr val="dk1"/>
                   </a:solidFill>
@@ -19125,7 +19384,10 @@
               <a:avLst/>
             </a:prstGeom>
             <a:solidFill>
-              <a:srgbClr val="FF9900"/>
+              <a:schemeClr val="accent4">
+                <a:lumMod val="60000"/>
+                <a:lumOff val="40000"/>
+              </a:schemeClr>
             </a:solidFill>
             <a:ln w="73025" cap="flat" cmpd="dbl">
               <a:solidFill>
@@ -19318,7 +19580,346 @@
 </p:sld>
 </file>
 
-<file path=ppt/slides/slide19.xml><?xml version="1.0" encoding="utf-8"?>
+<file path=ppt/slides/slide2.xml><?xml version="1.0" encoding="utf-8"?>
+<p:sld xmlns:a="http://schemas.openxmlformats.org/drawingml/2006/main" xmlns:r="http://schemas.openxmlformats.org/officeDocument/2006/relationships" xmlns:p="http://schemas.openxmlformats.org/presentationml/2006/main">
+  <p:cSld>
+    <p:spTree>
+      <p:nvGrpSpPr>
+        <p:cNvPr id="1" name=""/>
+        <p:cNvGrpSpPr/>
+        <p:nvPr/>
+      </p:nvGrpSpPr>
+      <p:grpSpPr>
+        <a:xfrm>
+          <a:off x="0" y="0"/>
+          <a:ext cx="0" cy="0"/>
+          <a:chOff x="0" y="0"/>
+          <a:chExt cx="0" cy="0"/>
+        </a:xfrm>
+      </p:grpSpPr>
+      <p:sp>
+        <p:nvSpPr>
+          <p:cNvPr id="2" name="Title 1">
+            <a:extLst>
+              <a:ext uri="{FF2B5EF4-FFF2-40B4-BE49-F238E27FC236}">
+                <a16:creationId xmlns:a16="http://schemas.microsoft.com/office/drawing/2014/main" id="{BD1BAB6A-5852-2547-924A-C9405A319E06}"/>
+              </a:ext>
+            </a:extLst>
+          </p:cNvPr>
+          <p:cNvSpPr>
+            <a:spLocks noGrp="1"/>
+          </p:cNvSpPr>
+          <p:nvPr>
+            <p:ph type="title"/>
+          </p:nvPr>
+        </p:nvSpPr>
+        <p:spPr/>
+        <p:txBody>
+          <a:bodyPr/>
+          <a:lstStyle/>
+          <a:p>
+            <a:r>
+              <a:rPr lang="en-US" dirty="0"/>
+              <a:t>Regular Expressions</a:t>
+            </a:r>
+          </a:p>
+        </p:txBody>
+      </p:sp>
+      <mc:AlternateContent xmlns:mc="http://schemas.openxmlformats.org/markup-compatibility/2006" xmlns:a14="http://schemas.microsoft.com/office/drawing/2010/main">
+        <mc:Choice Requires="a14">
+          <p:sp>
+            <p:nvSpPr>
+              <p:cNvPr id="3" name="Content Placeholder 2">
+                <a:extLst>
+                  <a:ext uri="{FF2B5EF4-FFF2-40B4-BE49-F238E27FC236}">
+                    <a16:creationId xmlns:a16="http://schemas.microsoft.com/office/drawing/2014/main" id="{88E2D059-18BD-724C-8CBE-2FC6481ABC30}"/>
+                  </a:ext>
+                </a:extLst>
+              </p:cNvPr>
+              <p:cNvSpPr>
+                <a:spLocks noGrp="1"/>
+              </p:cNvSpPr>
+              <p:nvPr>
+                <p:ph idx="1"/>
+              </p:nvPr>
+            </p:nvSpPr>
+            <p:spPr/>
+            <p:txBody>
+              <a:bodyPr>
+                <a:normAutofit/>
+              </a:bodyPr>
+              <a:lstStyle/>
+              <a:p>
+                <a:r>
+                  <a:rPr lang="en-US" dirty="0"/>
+                  <a:t>We write down a </a:t>
+                </a:r>
+                <a:r>
+                  <a:rPr lang="en-US" b="1" dirty="0"/>
+                  <a:t>pattern</a:t>
+                </a:r>
+                <a:r>
+                  <a:rPr lang="en-US" dirty="0"/>
+                  <a:t> in order to describe all lexemes for a token</a:t>
+                </a:r>
+              </a:p>
+              <a:p>
+                <a:r>
+                  <a:rPr lang="en-US" dirty="0"/>
+                  <a:t>We need a decision procedure (an algorithm) for matching lexemes</a:t>
+                </a:r>
+              </a:p>
+              <a:p>
+                <a:r>
+                  <a:rPr lang="en-US" dirty="0"/>
+                  <a:t>Given a pattern described as a </a:t>
+                </a:r>
+                <a:r>
+                  <a:rPr lang="en-US" dirty="0" err="1"/>
+                  <a:t>regexp</a:t>
+                </a:r>
+                <a:r>
+                  <a:rPr lang="en-US" dirty="0"/>
+                  <a:t> </a:t>
+                </a:r>
+                <a14:m>
+                  <m:oMath xmlns:m="http://schemas.openxmlformats.org/officeDocument/2006/math">
+                    <m:r>
+                      <a:rPr lang="en-US" i="1" dirty="0" smtClean="0">
+                        <a:latin typeface="Cambria Math" panose="02040503050406030204" pitchFamily="18" charset="0"/>
+                      </a:rPr>
+                      <m:t>𝑟</m:t>
+                    </m:r>
+                  </m:oMath>
+                </a14:m>
+                <a:r>
+                  <a:rPr lang="en-US" dirty="0"/>
+                  <a:t> and input string </a:t>
+                </a:r>
+                <a14:m>
+                  <m:oMath xmlns:m="http://schemas.openxmlformats.org/officeDocument/2006/math">
+                    <m:r>
+                      <a:rPr lang="en-US" i="1">
+                        <a:latin typeface="Cambria Math" panose="02040503050406030204" pitchFamily="18" charset="0"/>
+                      </a:rPr>
+                      <m:t>𝑠</m:t>
+                    </m:r>
+                  </m:oMath>
+                </a14:m>
+                <a:r>
+                  <a:rPr lang="en-US" dirty="0"/>
+                  <a:t> </a:t>
+                </a:r>
+              </a:p>
+              <a:p>
+                <a:pPr lvl="1"/>
+                <a:r>
+                  <a:rPr lang="en-US" dirty="0"/>
+                  <a:t>return True if </a:t>
+                </a:r>
+                <a14:m>
+                  <m:oMath xmlns:m="http://schemas.openxmlformats.org/officeDocument/2006/math">
+                    <m:r>
+                      <a:rPr lang="en-US" b="0" i="1" smtClean="0">
+                        <a:latin typeface="Cambria Math" panose="02040503050406030204" pitchFamily="18" charset="0"/>
+                      </a:rPr>
+                      <m:t>𝑠</m:t>
+                    </m:r>
+                    <m:r>
+                      <a:rPr lang="en-US" b="0" i="1" smtClean="0">
+                        <a:latin typeface="Cambria Math" panose="02040503050406030204" pitchFamily="18" charset="0"/>
+                        <a:ea typeface="Cambria Math" panose="02040503050406030204" pitchFamily="18" charset="0"/>
+                      </a:rPr>
+                      <m:t>∈</m:t>
+                    </m:r>
+                    <m:r>
+                      <a:rPr lang="en-US" b="0" i="1" smtClean="0">
+                        <a:latin typeface="Cambria Math" panose="02040503050406030204" pitchFamily="18" charset="0"/>
+                        <a:ea typeface="Cambria Math" panose="02040503050406030204" pitchFamily="18" charset="0"/>
+                      </a:rPr>
+                      <m:t>𝐿</m:t>
+                    </m:r>
+                    <m:r>
+                      <a:rPr lang="en-US" b="0" i="1" smtClean="0">
+                        <a:latin typeface="Cambria Math" panose="02040503050406030204" pitchFamily="18" charset="0"/>
+                        <a:ea typeface="Cambria Math" panose="02040503050406030204" pitchFamily="18" charset="0"/>
+                      </a:rPr>
+                      <m:t>(</m:t>
+                    </m:r>
+                    <m:r>
+                      <a:rPr lang="en-US" b="0" i="1" smtClean="0">
+                        <a:latin typeface="Cambria Math" panose="02040503050406030204" pitchFamily="18" charset="0"/>
+                        <a:ea typeface="Cambria Math" panose="02040503050406030204" pitchFamily="18" charset="0"/>
+                      </a:rPr>
+                      <m:t>𝑟</m:t>
+                    </m:r>
+                    <m:r>
+                      <a:rPr lang="en-US" b="0" i="1" smtClean="0">
+                        <a:latin typeface="Cambria Math" panose="02040503050406030204" pitchFamily="18" charset="0"/>
+                        <a:ea typeface="Cambria Math" panose="02040503050406030204" pitchFamily="18" charset="0"/>
+                      </a:rPr>
+                      <m:t>)</m:t>
+                    </m:r>
+                  </m:oMath>
+                </a14:m>
+                <a:r>
+                  <a:rPr lang="en-US" dirty="0"/>
+                  <a:t> </a:t>
+                </a:r>
+              </a:p>
+              <a:p>
+                <a:pPr lvl="1"/>
+                <a:r>
+                  <a:rPr lang="en-US" dirty="0"/>
+                  <a:t>return False if </a:t>
+                </a:r>
+                <a14:m>
+                  <m:oMath xmlns:m="http://schemas.openxmlformats.org/officeDocument/2006/math">
+                    <m:r>
+                      <a:rPr lang="en-US" b="0" i="1" smtClean="0">
+                        <a:latin typeface="Cambria Math" panose="02040503050406030204" pitchFamily="18" charset="0"/>
+                      </a:rPr>
+                      <m:t>𝑠</m:t>
+                    </m:r>
+                    <m:r>
+                      <a:rPr lang="en-US" b="0" i="1" smtClean="0">
+                        <a:latin typeface="Cambria Math" panose="02040503050406030204" pitchFamily="18" charset="0"/>
+                        <a:ea typeface="Cambria Math" panose="02040503050406030204" pitchFamily="18" charset="0"/>
+                      </a:rPr>
+                      <m:t>∉</m:t>
+                    </m:r>
+                    <m:r>
+                      <a:rPr lang="en-US" b="0" i="1" smtClean="0">
+                        <a:latin typeface="Cambria Math" panose="02040503050406030204" pitchFamily="18" charset="0"/>
+                        <a:ea typeface="Cambria Math" panose="02040503050406030204" pitchFamily="18" charset="0"/>
+                      </a:rPr>
+                      <m:t>𝐿</m:t>
+                    </m:r>
+                    <m:r>
+                      <a:rPr lang="en-US" b="0" i="1" smtClean="0">
+                        <a:latin typeface="Cambria Math" panose="02040503050406030204" pitchFamily="18" charset="0"/>
+                        <a:ea typeface="Cambria Math" panose="02040503050406030204" pitchFamily="18" charset="0"/>
+                      </a:rPr>
+                      <m:t>(</m:t>
+                    </m:r>
+                    <m:r>
+                      <a:rPr lang="en-US" b="0" i="1" smtClean="0">
+                        <a:latin typeface="Cambria Math" panose="02040503050406030204" pitchFamily="18" charset="0"/>
+                        <a:ea typeface="Cambria Math" panose="02040503050406030204" pitchFamily="18" charset="0"/>
+                      </a:rPr>
+                      <m:t>𝑟</m:t>
+                    </m:r>
+                    <m:r>
+                      <a:rPr lang="en-US" b="0" i="1" smtClean="0">
+                        <a:latin typeface="Cambria Math" panose="02040503050406030204" pitchFamily="18" charset="0"/>
+                        <a:ea typeface="Cambria Math" panose="02040503050406030204" pitchFamily="18" charset="0"/>
+                      </a:rPr>
+                      <m:t>)</m:t>
+                    </m:r>
+                  </m:oMath>
+                </a14:m>
+                <a:endParaRPr lang="en-US" dirty="0"/>
+              </a:p>
+              <a:p>
+                <a:r>
+                  <a:rPr lang="en-US" dirty="0"/>
+                  <a:t>This decision procedure is called a </a:t>
+                </a:r>
+                <a:r>
+                  <a:rPr lang="en-US" b="1" dirty="0"/>
+                  <a:t>recognition</a:t>
+                </a:r>
+                <a:r>
+                  <a:rPr lang="en-US" dirty="0"/>
+                  <a:t> algorithm</a:t>
+                </a:r>
+              </a:p>
+            </p:txBody>
+          </p:sp>
+        </mc:Choice>
+        <mc:Fallback xmlns="">
+          <p:sp>
+            <p:nvSpPr>
+              <p:cNvPr id="3" name="Content Placeholder 2">
+                <a:extLst>
+                  <a:ext uri="{FF2B5EF4-FFF2-40B4-BE49-F238E27FC236}">
+                    <a16:creationId xmlns:a16="http://schemas.microsoft.com/office/drawing/2014/main" id="{88E2D059-18BD-724C-8CBE-2FC6481ABC30}"/>
+                  </a:ext>
+                </a:extLst>
+              </p:cNvPr>
+              <p:cNvSpPr>
+                <a:spLocks noGrp="1" noRot="1" noChangeAspect="1" noMove="1" noResize="1" noEditPoints="1" noAdjustHandles="1" noChangeArrowheads="1" noChangeShapeType="1" noTextEdit="1"/>
+              </p:cNvSpPr>
+              <p:nvPr>
+                <p:ph idx="1"/>
+              </p:nvPr>
+            </p:nvSpPr>
+            <p:spPr>
+              <a:blipFill>
+                <a:blip r:embed="rId2"/>
+                <a:stretch>
+                  <a:fillRect l="-644" t="-2734"/>
+                </a:stretch>
+              </a:blipFill>
+            </p:spPr>
+            <p:txBody>
+              <a:bodyPr/>
+              <a:lstStyle/>
+              <a:p>
+                <a:r>
+                  <a:rPr lang="en-US">
+                    <a:noFill/>
+                  </a:rPr>
+                  <a:t> </a:t>
+                </a:r>
+              </a:p>
+            </p:txBody>
+          </p:sp>
+        </mc:Fallback>
+      </mc:AlternateContent>
+      <p:sp>
+        <p:nvSpPr>
+          <p:cNvPr id="4" name="Slide Number Placeholder 3">
+            <a:extLst>
+              <a:ext uri="{FF2B5EF4-FFF2-40B4-BE49-F238E27FC236}">
+                <a16:creationId xmlns:a16="http://schemas.microsoft.com/office/drawing/2014/main" id="{73B4EC7F-7AEB-5B4A-BABB-07DBF3C24ADF}"/>
+              </a:ext>
+            </a:extLst>
+          </p:cNvPr>
+          <p:cNvSpPr>
+            <a:spLocks noGrp="1"/>
+          </p:cNvSpPr>
+          <p:nvPr>
+            <p:ph type="sldNum" sz="quarter" idx="12"/>
+          </p:nvPr>
+        </p:nvSpPr>
+        <p:spPr/>
+        <p:txBody>
+          <a:bodyPr/>
+          <a:lstStyle/>
+          <a:p>
+            <a:fld id="{7B252BF6-6A9C-D04A-BBE8-37A07D64A1C3}" type="slidenum">
+              <a:rPr lang="en-US" smtClean="0"/>
+              <a:t>2</a:t>
+            </a:fld>
+            <a:endParaRPr lang="en-US"/>
+          </a:p>
+        </p:txBody>
+      </p:sp>
+    </p:spTree>
+    <p:extLst>
+      <p:ext uri="{BB962C8B-B14F-4D97-AF65-F5344CB8AC3E}">
+        <p14:creationId xmlns:p14="http://schemas.microsoft.com/office/powerpoint/2010/main" val="1339896458"/>
+      </p:ext>
+    </p:extLst>
+  </p:cSld>
+  <p:clrMapOvr>
+    <a:masterClrMapping/>
+  </p:clrMapOvr>
+</p:sld>
+</file>
+
+<file path=ppt/slides/slide20.xml><?xml version="1.0" encoding="utf-8"?>
 <p:sld xmlns:a="http://schemas.openxmlformats.org/drawingml/2006/main" xmlns:r="http://schemas.openxmlformats.org/officeDocument/2006/relationships" xmlns:p="http://schemas.openxmlformats.org/presentationml/2006/main">
   <p:cSld>
     <p:spTree>
@@ -19411,7 +20012,7 @@
               <a:pPr algn="r">
                 <a:buSzPct val="25000"/>
               </a:pPr>
-              <a:t>19</a:t>
+              <a:t>20</a:t>
             </a:fld>
             <a:endParaRPr lang="en-US" sz="1050">
               <a:solidFill>
@@ -20182,7 +20783,10 @@
               <a:avLst/>
             </a:prstGeom>
             <a:solidFill>
-              <a:srgbClr val="FF9900"/>
+              <a:schemeClr val="accent4">
+                <a:lumMod val="60000"/>
+                <a:lumOff val="40000"/>
+              </a:schemeClr>
             </a:solidFill>
             <a:ln w="28575" cap="flat" cmpd="sng">
               <a:solidFill>
@@ -20510,7 +21114,10 @@
               <a:avLst/>
             </a:prstGeom>
             <a:solidFill>
-              <a:srgbClr val="FF9900"/>
+              <a:schemeClr val="accent4">
+                <a:lumMod val="60000"/>
+                <a:lumOff val="40000"/>
+              </a:schemeClr>
             </a:solidFill>
             <a:ln w="73025" cap="flat" cmpd="dbl">
               <a:solidFill>
@@ -20665,7 +21272,10 @@
               <a:avLst/>
             </a:prstGeom>
             <a:solidFill>
-              <a:srgbClr val="FF9900"/>
+              <a:schemeClr val="accent4">
+                <a:lumMod val="60000"/>
+                <a:lumOff val="40000"/>
+              </a:schemeClr>
             </a:solidFill>
             <a:ln w="28575" cap="flat" cmpd="sng">
               <a:solidFill>
@@ -20993,7 +21603,10 @@
               <a:avLst/>
             </a:prstGeom>
             <a:solidFill>
-              <a:srgbClr val="FF9900"/>
+              <a:schemeClr val="accent4">
+                <a:lumMod val="60000"/>
+                <a:lumOff val="40000"/>
+              </a:schemeClr>
             </a:solidFill>
             <a:ln w="73025" cap="flat" cmpd="dbl">
               <a:solidFill>
@@ -21420,7 +22033,7 @@
 </p:sld>
 </file>
 
-<file path=ppt/slides/slide2.xml><?xml version="1.0" encoding="utf-8"?>
+<file path=ppt/slides/slide21.xml><?xml version="1.0" encoding="utf-8"?>
 <p:sld xmlns:a="http://schemas.openxmlformats.org/drawingml/2006/main" xmlns:r="http://schemas.openxmlformats.org/officeDocument/2006/relationships" xmlns:p="http://schemas.openxmlformats.org/presentationml/2006/main">
   <p:cSld>
     <p:spTree>
@@ -21439,290 +22052,10 @@
       </p:grpSpPr>
       <p:sp>
         <p:nvSpPr>
-          <p:cNvPr id="2" name="Title 1">
+          <p:cNvPr id="2" name="Slide Number Placeholder 1">
             <a:extLst>
               <a:ext uri="{FF2B5EF4-FFF2-40B4-BE49-F238E27FC236}">
-                <a16:creationId xmlns:a16="http://schemas.microsoft.com/office/drawing/2014/main" id="{BD1BAB6A-5852-2547-924A-C9405A319E06}"/>
-              </a:ext>
-            </a:extLst>
-          </p:cNvPr>
-          <p:cNvSpPr>
-            <a:spLocks noGrp="1"/>
-          </p:cNvSpPr>
-          <p:nvPr>
-            <p:ph type="title"/>
-          </p:nvPr>
-        </p:nvSpPr>
-        <p:spPr/>
-        <p:txBody>
-          <a:bodyPr/>
-          <a:lstStyle/>
-          <a:p>
-            <a:r>
-              <a:rPr lang="en-US" dirty="0"/>
-              <a:t>Regular Expressions</a:t>
-            </a:r>
-          </a:p>
-        </p:txBody>
-      </p:sp>
-      <mc:AlternateContent xmlns:mc="http://schemas.openxmlformats.org/markup-compatibility/2006">
-        <mc:Choice xmlns:a14="http://schemas.microsoft.com/office/drawing/2010/main" Requires="a14">
-          <p:sp>
-            <p:nvSpPr>
-              <p:cNvPr id="3" name="Content Placeholder 2">
-                <a:extLst>
-                  <a:ext uri="{FF2B5EF4-FFF2-40B4-BE49-F238E27FC236}">
-                    <a16:creationId xmlns:a16="http://schemas.microsoft.com/office/drawing/2014/main" id="{88E2D059-18BD-724C-8CBE-2FC6481ABC30}"/>
-                  </a:ext>
-                </a:extLst>
-              </p:cNvPr>
-              <p:cNvSpPr>
-                <a:spLocks noGrp="1"/>
-              </p:cNvSpPr>
-              <p:nvPr>
-                <p:ph idx="1"/>
-              </p:nvPr>
-            </p:nvSpPr>
-            <p:spPr/>
-            <p:txBody>
-              <a:bodyPr>
-                <a:normAutofit/>
-              </a:bodyPr>
-              <a:lstStyle/>
-              <a:p>
-                <a:r>
-                  <a:rPr lang="en-US" dirty="0"/>
-                  <a:t>We write down a </a:t>
-                </a:r>
-                <a:r>
-                  <a:rPr lang="en-US" b="1" dirty="0"/>
-                  <a:t>pattern</a:t>
-                </a:r>
-                <a:r>
-                  <a:rPr lang="en-US" dirty="0"/>
-                  <a:t> in order to describe all lexemes for a token</a:t>
-                </a:r>
-              </a:p>
-              <a:p>
-                <a:r>
-                  <a:rPr lang="en-US" dirty="0"/>
-                  <a:t>We need a decision procedure (an algorithm) for matching lexemes</a:t>
-                </a:r>
-              </a:p>
-              <a:p>
-                <a:r>
-                  <a:rPr lang="en-US" dirty="0"/>
-                  <a:t>Given a pattern described as a </a:t>
-                </a:r>
-                <a:r>
-                  <a:rPr lang="en-US" dirty="0" err="1"/>
-                  <a:t>regexp</a:t>
-                </a:r>
-                <a:r>
-                  <a:rPr lang="en-US" dirty="0"/>
-                  <a:t> </a:t>
-                </a:r>
-                <a14:m>
-                  <m:oMath xmlns:m="http://schemas.openxmlformats.org/officeDocument/2006/math">
-                    <m:r>
-                      <a:rPr lang="en-US" i="1" dirty="0" smtClean="0">
-                        <a:latin typeface="Cambria Math" panose="02040503050406030204" pitchFamily="18" charset="0"/>
-                      </a:rPr>
-                      <m:t>𝑟</m:t>
-                    </m:r>
-                  </m:oMath>
-                </a14:m>
-                <a:r>
-                  <a:rPr lang="en-US" dirty="0"/>
-                  <a:t> and input string </a:t>
-                </a:r>
-                <a14:m>
-                  <m:oMath xmlns:m="http://schemas.openxmlformats.org/officeDocument/2006/math">
-                    <m:r>
-                      <a:rPr lang="en-US" i="1">
-                        <a:latin typeface="Cambria Math" panose="02040503050406030204" pitchFamily="18" charset="0"/>
-                      </a:rPr>
-                      <m:t>𝑠</m:t>
-                    </m:r>
-                  </m:oMath>
-                </a14:m>
-                <a:r>
-                  <a:rPr lang="en-US" dirty="0"/>
-                  <a:t> </a:t>
-                </a:r>
-              </a:p>
-              <a:p>
-                <a:pPr lvl="1"/>
-                <a:r>
-                  <a:rPr lang="en-US" dirty="0"/>
-                  <a:t>return True if </a:t>
-                </a:r>
-                <a14:m>
-                  <m:oMath xmlns:m="http://schemas.openxmlformats.org/officeDocument/2006/math">
-                    <m:r>
-                      <a:rPr lang="en-US" b="0" i="1" smtClean="0">
-                        <a:latin typeface="Cambria Math" panose="02040503050406030204" pitchFamily="18" charset="0"/>
-                      </a:rPr>
-                      <m:t>𝑠</m:t>
-                    </m:r>
-                    <m:r>
-                      <a:rPr lang="en-US" b="0" i="1" smtClean="0">
-                        <a:latin typeface="Cambria Math" panose="02040503050406030204" pitchFamily="18" charset="0"/>
-                        <a:ea typeface="Cambria Math" panose="02040503050406030204" pitchFamily="18" charset="0"/>
-                      </a:rPr>
-                      <m:t>∈</m:t>
-                    </m:r>
-                    <m:r>
-                      <a:rPr lang="en-US" b="0" i="1" smtClean="0">
-                        <a:latin typeface="Cambria Math" panose="02040503050406030204" pitchFamily="18" charset="0"/>
-                        <a:ea typeface="Cambria Math" panose="02040503050406030204" pitchFamily="18" charset="0"/>
-                      </a:rPr>
-                      <m:t>𝐿</m:t>
-                    </m:r>
-                    <m:r>
-                      <a:rPr lang="en-US" b="0" i="1" smtClean="0">
-                        <a:latin typeface="Cambria Math" panose="02040503050406030204" pitchFamily="18" charset="0"/>
-                        <a:ea typeface="Cambria Math" panose="02040503050406030204" pitchFamily="18" charset="0"/>
-                      </a:rPr>
-                      <m:t>(</m:t>
-                    </m:r>
-                    <m:r>
-                      <a:rPr lang="en-US" b="0" i="1" smtClean="0">
-                        <a:latin typeface="Cambria Math" panose="02040503050406030204" pitchFamily="18" charset="0"/>
-                        <a:ea typeface="Cambria Math" panose="02040503050406030204" pitchFamily="18" charset="0"/>
-                      </a:rPr>
-                      <m:t>𝑟</m:t>
-                    </m:r>
-                    <m:r>
-                      <a:rPr lang="en-US" b="0" i="1" smtClean="0">
-                        <a:latin typeface="Cambria Math" panose="02040503050406030204" pitchFamily="18" charset="0"/>
-                        <a:ea typeface="Cambria Math" panose="02040503050406030204" pitchFamily="18" charset="0"/>
-                      </a:rPr>
-                      <m:t>)</m:t>
-                    </m:r>
-                  </m:oMath>
-                </a14:m>
-                <a:r>
-                  <a:rPr lang="en-US" dirty="0"/>
-                  <a:t> </a:t>
-                </a:r>
-              </a:p>
-              <a:p>
-                <a:pPr lvl="1"/>
-                <a:r>
-                  <a:rPr lang="en-US" dirty="0"/>
-                  <a:t>return False if </a:t>
-                </a:r>
-                <a14:m>
-                  <m:oMath xmlns:m="http://schemas.openxmlformats.org/officeDocument/2006/math">
-                    <m:r>
-                      <a:rPr lang="en-US" b="0" i="1" smtClean="0">
-                        <a:latin typeface="Cambria Math" panose="02040503050406030204" pitchFamily="18" charset="0"/>
-                      </a:rPr>
-                      <m:t>𝑠</m:t>
-                    </m:r>
-                    <m:r>
-                      <a:rPr lang="en-US" b="0" i="1" smtClean="0">
-                        <a:latin typeface="Cambria Math" panose="02040503050406030204" pitchFamily="18" charset="0"/>
-                        <a:ea typeface="Cambria Math" panose="02040503050406030204" pitchFamily="18" charset="0"/>
-                      </a:rPr>
-                      <m:t>∉</m:t>
-                    </m:r>
-                    <m:r>
-                      <a:rPr lang="en-US" b="0" i="1" smtClean="0">
-                        <a:latin typeface="Cambria Math" panose="02040503050406030204" pitchFamily="18" charset="0"/>
-                        <a:ea typeface="Cambria Math" panose="02040503050406030204" pitchFamily="18" charset="0"/>
-                      </a:rPr>
-                      <m:t>𝐿</m:t>
-                    </m:r>
-                    <m:r>
-                      <a:rPr lang="en-US" b="0" i="1" smtClean="0">
-                        <a:latin typeface="Cambria Math" panose="02040503050406030204" pitchFamily="18" charset="0"/>
-                        <a:ea typeface="Cambria Math" panose="02040503050406030204" pitchFamily="18" charset="0"/>
-                      </a:rPr>
-                      <m:t>(</m:t>
-                    </m:r>
-                    <m:r>
-                      <a:rPr lang="en-US" b="0" i="1" smtClean="0">
-                        <a:latin typeface="Cambria Math" panose="02040503050406030204" pitchFamily="18" charset="0"/>
-                        <a:ea typeface="Cambria Math" panose="02040503050406030204" pitchFamily="18" charset="0"/>
-                      </a:rPr>
-                      <m:t>𝑟</m:t>
-                    </m:r>
-                    <m:r>
-                      <a:rPr lang="en-US" b="0" i="1" smtClean="0">
-                        <a:latin typeface="Cambria Math" panose="02040503050406030204" pitchFamily="18" charset="0"/>
-                        <a:ea typeface="Cambria Math" panose="02040503050406030204" pitchFamily="18" charset="0"/>
-                      </a:rPr>
-                      <m:t>)</m:t>
-                    </m:r>
-                  </m:oMath>
-                </a14:m>
-                <a:endParaRPr lang="en-US" dirty="0"/>
-              </a:p>
-              <a:p>
-                <a:r>
-                  <a:rPr lang="en-US" dirty="0"/>
-                  <a:t>This decision procedure is called a </a:t>
-                </a:r>
-                <a:r>
-                  <a:rPr lang="en-US" b="1" dirty="0"/>
-                  <a:t>recognition</a:t>
-                </a:r>
-                <a:r>
-                  <a:rPr lang="en-US" dirty="0"/>
-                  <a:t> algorithm</a:t>
-                </a:r>
-              </a:p>
-            </p:txBody>
-          </p:sp>
-        </mc:Choice>
-        <mc:Fallback>
-          <p:sp>
-            <p:nvSpPr>
-              <p:cNvPr id="3" name="Content Placeholder 2">
-                <a:extLst>
-                  <a:ext uri="{FF2B5EF4-FFF2-40B4-BE49-F238E27FC236}">
-                    <a16:creationId xmlns:a16="http://schemas.microsoft.com/office/drawing/2014/main" id="{88E2D059-18BD-724C-8CBE-2FC6481ABC30}"/>
-                  </a:ext>
-                </a:extLst>
-              </p:cNvPr>
-              <p:cNvSpPr>
-                <a:spLocks noGrp="1" noRot="1" noChangeAspect="1" noMove="1" noResize="1" noEditPoints="1" noAdjustHandles="1" noChangeArrowheads="1" noChangeShapeType="1" noTextEdit="1"/>
-              </p:cNvSpPr>
-              <p:nvPr>
-                <p:ph idx="1"/>
-              </p:nvPr>
-            </p:nvSpPr>
-            <p:spPr>
-              <a:blipFill>
-                <a:blip r:embed="rId2"/>
-                <a:stretch>
-                  <a:fillRect l="-644" t="-2734"/>
-                </a:stretch>
-              </a:blipFill>
-            </p:spPr>
-            <p:txBody>
-              <a:bodyPr/>
-              <a:lstStyle/>
-              <a:p>
-                <a:r>
-                  <a:rPr lang="en-US">
-                    <a:noFill/>
-                  </a:rPr>
-                  <a:t> </a:t>
-                </a:r>
-              </a:p>
-            </p:txBody>
-          </p:sp>
-        </mc:Fallback>
-      </mc:AlternateContent>
-      <p:sp>
-        <p:nvSpPr>
-          <p:cNvPr id="4" name="Slide Number Placeholder 3">
-            <a:extLst>
-              <a:ext uri="{FF2B5EF4-FFF2-40B4-BE49-F238E27FC236}">
-                <a16:creationId xmlns:a16="http://schemas.microsoft.com/office/drawing/2014/main" id="{73B4EC7F-7AEB-5B4A-BABB-07DBF3C24ADF}"/>
+                <a16:creationId xmlns:a16="http://schemas.microsoft.com/office/drawing/2014/main" id="{E0E3C8E7-E0A0-5B42-98BB-AADCA04112C9}"/>
               </a:ext>
             </a:extLst>
           </p:cNvPr>
@@ -21740,22 +22073,238 @@
           <a:p>
             <a:fld id="{7B252BF6-6A9C-D04A-BBE8-37A07D64A1C3}" type="slidenum">
               <a:rPr lang="en-US" smtClean="0"/>
-              <a:t>2</a:t>
+              <a:t>21</a:t>
             </a:fld>
             <a:endParaRPr lang="en-US"/>
+          </a:p>
+        </p:txBody>
+      </p:sp>
+      <p:pic>
+        <p:nvPicPr>
+          <p:cNvPr id="4" name="Picture 3" descr="A picture containing clock, drawing&#10;&#10;Description automatically generated">
+            <a:extLst>
+              <a:ext uri="{FF2B5EF4-FFF2-40B4-BE49-F238E27FC236}">
+                <a16:creationId xmlns:a16="http://schemas.microsoft.com/office/drawing/2014/main" id="{8CAD1C87-044C-E84F-8405-3D6AD0F034F4}"/>
+              </a:ext>
+            </a:extLst>
+          </p:cNvPr>
+          <p:cNvPicPr>
+            <a:picLocks noChangeAspect="1"/>
+          </p:cNvPicPr>
+          <p:nvPr/>
+        </p:nvPicPr>
+        <p:blipFill>
+          <a:blip r:embed="rId2"/>
+          <a:stretch>
+            <a:fillRect/>
+          </a:stretch>
+        </p:blipFill>
+        <p:spPr>
+          <a:xfrm>
+            <a:off x="1691145" y="603142"/>
+            <a:ext cx="5761710" cy="2552786"/>
+          </a:xfrm>
+          <a:prstGeom prst="rect">
+            <a:avLst/>
+          </a:prstGeom>
+        </p:spPr>
+      </p:pic>
+      <p:sp>
+        <p:nvSpPr>
+          <p:cNvPr id="6" name="TextBox 5">
+            <a:extLst>
+              <a:ext uri="{FF2B5EF4-FFF2-40B4-BE49-F238E27FC236}">
+                <a16:creationId xmlns:a16="http://schemas.microsoft.com/office/drawing/2014/main" id="{B59BB8B1-6F80-5D4C-BEAF-FBCFB7B19AC6}"/>
+              </a:ext>
+            </a:extLst>
+          </p:cNvPr>
+          <p:cNvSpPr txBox="1"/>
+          <p:nvPr/>
+        </p:nvSpPr>
+        <p:spPr>
+          <a:xfrm>
+            <a:off x="2469156" y="3761540"/>
+            <a:ext cx="1588897" cy="400110"/>
+          </a:xfrm>
+          <a:prstGeom prst="rect">
+            <a:avLst/>
+          </a:prstGeom>
+          <a:noFill/>
+        </p:spPr>
+        <p:txBody>
+          <a:bodyPr wrap="none" rtlCol="0">
+            <a:spAutoFit/>
+          </a:bodyPr>
+          <a:lstStyle/>
+          <a:p>
+            <a:r>
+              <a:rPr lang="en-US" sz="2000" dirty="0">
+                <a:latin typeface="+mn-lt"/>
+                <a:cs typeface="Consolas" panose="020B0609020204030204" pitchFamily="49" charset="0"/>
+              </a:rPr>
+              <a:t>A: </a:t>
+            </a:r>
+            <a:r>
+              <a:rPr lang="en-US" sz="2000" dirty="0">
+                <a:latin typeface="Consolas" panose="020B0609020204030204" pitchFamily="49" charset="0"/>
+                <a:cs typeface="Consolas" panose="020B0609020204030204" pitchFamily="49" charset="0"/>
+              </a:rPr>
+              <a:t>ab(cd)*e</a:t>
+            </a:r>
+          </a:p>
+        </p:txBody>
+      </p:sp>
+      <p:sp>
+        <p:nvSpPr>
+          <p:cNvPr id="7" name="Rectangular Callout 6">
+            <a:extLst>
+              <a:ext uri="{FF2B5EF4-FFF2-40B4-BE49-F238E27FC236}">
+                <a16:creationId xmlns:a16="http://schemas.microsoft.com/office/drawing/2014/main" id="{49C71062-3E12-9B4C-A199-B5080F06E76E}"/>
+              </a:ext>
+            </a:extLst>
+          </p:cNvPr>
+          <p:cNvSpPr/>
+          <p:nvPr/>
+        </p:nvSpPr>
+        <p:spPr>
+          <a:xfrm>
+            <a:off x="2469156" y="3155928"/>
+            <a:ext cx="4205687" cy="424180"/>
+          </a:xfrm>
+          <a:prstGeom prst="wedgeRectCallout">
+            <a:avLst>
+              <a:gd name="adj1" fmla="val -52232"/>
+              <a:gd name="adj2" fmla="val -51439"/>
+            </a:avLst>
+          </a:prstGeom>
+        </p:spPr>
+        <p:style>
+          <a:lnRef idx="2">
+            <a:schemeClr val="accent1">
+              <a:shade val="50000"/>
+            </a:schemeClr>
+          </a:lnRef>
+          <a:fillRef idx="1">
+            <a:schemeClr val="accent1"/>
+          </a:fillRef>
+          <a:effectRef idx="0">
+            <a:schemeClr val="accent1"/>
+          </a:effectRef>
+          <a:fontRef idx="minor">
+            <a:schemeClr val="lt1"/>
+          </a:fontRef>
+        </p:style>
+        <p:txBody>
+          <a:bodyPr rtlCol="0" anchor="ctr"/>
+          <a:lstStyle/>
+          <a:p>
+            <a:r>
+              <a:rPr lang="en-US" sz="2000" dirty="0"/>
+              <a:t>Q: Write down the </a:t>
+            </a:r>
+            <a:r>
+              <a:rPr lang="en-US" sz="2000" dirty="0" err="1"/>
+              <a:t>regexp</a:t>
+            </a:r>
+            <a:r>
+              <a:rPr lang="en-US" sz="2000" dirty="0"/>
+              <a:t> for this DFA.</a:t>
+            </a:r>
+            <a:endParaRPr lang="en-US" sz="2000" dirty="0">
+              <a:latin typeface="Consolas" panose="020B0609020204030204" pitchFamily="49" charset="0"/>
+              <a:cs typeface="Consolas" panose="020B0609020204030204" pitchFamily="49" charset="0"/>
+            </a:endParaRPr>
           </a:p>
         </p:txBody>
       </p:sp>
     </p:spTree>
     <p:extLst>
       <p:ext uri="{BB962C8B-B14F-4D97-AF65-F5344CB8AC3E}">
-        <p14:creationId xmlns:p14="http://schemas.microsoft.com/office/powerpoint/2010/main" val="1339896458"/>
+        <p14:creationId xmlns:p14="http://schemas.microsoft.com/office/powerpoint/2010/main" val="2365088564"/>
       </p:ext>
     </p:extLst>
   </p:cSld>
   <p:clrMapOvr>
     <a:masterClrMapping/>
   </p:clrMapOvr>
+  <p:timing>
+    <p:tnLst>
+      <p:par>
+        <p:cTn id="1" dur="indefinite" restart="never" nodeType="tmRoot">
+          <p:childTnLst>
+            <p:seq concurrent="1" nextAc="seek">
+              <p:cTn id="2" dur="indefinite" nodeType="mainSeq">
+                <p:childTnLst>
+                  <p:par>
+                    <p:cTn id="3" fill="hold">
+                      <p:stCondLst>
+                        <p:cond delay="indefinite"/>
+                      </p:stCondLst>
+                      <p:childTnLst>
+                        <p:par>
+                          <p:cTn id="4" fill="hold">
+                            <p:stCondLst>
+                              <p:cond delay="0"/>
+                            </p:stCondLst>
+                            <p:childTnLst>
+                              <p:par>
+                                <p:cTn id="5" presetID="1" presetClass="entr" presetSubtype="0" fill="hold" grpId="0" nodeType="clickEffect">
+                                  <p:stCondLst>
+                                    <p:cond delay="0"/>
+                                  </p:stCondLst>
+                                  <p:childTnLst>
+                                    <p:set>
+                                      <p:cBhvr>
+                                        <p:cTn id="6" dur="1" fill="hold">
+                                          <p:stCondLst>
+                                            <p:cond delay="0"/>
+                                          </p:stCondLst>
+                                        </p:cTn>
+                                        <p:tgtEl>
+                                          <p:spTgt spid="7"/>
+                                        </p:tgtEl>
+                                        <p:attrNameLst>
+                                          <p:attrName>style.visibility</p:attrName>
+                                        </p:attrNameLst>
+                                      </p:cBhvr>
+                                      <p:to>
+                                        <p:strVal val="visible"/>
+                                      </p:to>
+                                    </p:set>
+                                  </p:childTnLst>
+                                </p:cTn>
+                              </p:par>
+                            </p:childTnLst>
+                          </p:cTn>
+                        </p:par>
+                      </p:childTnLst>
+                    </p:cTn>
+                  </p:par>
+                </p:childTnLst>
+              </p:cTn>
+              <p:prevCondLst>
+                <p:cond evt="onPrev" delay="0">
+                  <p:tgtEl>
+                    <p:sldTgt/>
+                  </p:tgtEl>
+                </p:cond>
+              </p:prevCondLst>
+              <p:nextCondLst>
+                <p:cond evt="onNext" delay="0">
+                  <p:tgtEl>
+                    <p:sldTgt/>
+                  </p:tgtEl>
+                </p:cond>
+              </p:nextCondLst>
+            </p:seq>
+          </p:childTnLst>
+        </p:cTn>
+      </p:par>
+    </p:tnLst>
+    <p:bldLst>
+      <p:bldP spid="7" grpId="0" animBg="1"/>
+    </p:bldLst>
+  </p:timing>
 </p:sld>
 </file>
 
@@ -21962,8 +22511,8 @@
           </a:p>
         </p:txBody>
       </p:sp>
-      <mc:AlternateContent xmlns:mc="http://schemas.openxmlformats.org/markup-compatibility/2006">
-        <mc:Choice xmlns:a14="http://schemas.microsoft.com/office/drawing/2010/main" Requires="a14">
+      <mc:AlternateContent xmlns:mc="http://schemas.openxmlformats.org/markup-compatibility/2006" xmlns:a14="http://schemas.microsoft.com/office/drawing/2010/main">
+        <mc:Choice Requires="a14">
           <p:sp>
             <p:nvSpPr>
               <p:cNvPr id="164" name="Shape 164"/>
@@ -22220,7 +22769,7 @@
             </p:txBody>
           </p:sp>
         </mc:Choice>
-        <mc:Fallback>
+        <mc:Fallback xmlns="">
           <p:sp>
             <p:nvSpPr>
               <p:cNvPr id="164" name="Shape 164"/>
@@ -22330,7 +22879,10 @@
             <a:avLst/>
           </a:prstGeom>
           <a:solidFill>
-            <a:srgbClr val="FF9900"/>
+            <a:schemeClr val="accent4">
+              <a:lumMod val="60000"/>
+              <a:lumOff val="40000"/>
+            </a:schemeClr>
           </a:solidFill>
           <a:ln w="9525" cap="flat" cmpd="sng">
             <a:solidFill>
@@ -22381,7 +22933,10 @@
             <a:avLst/>
           </a:prstGeom>
           <a:solidFill>
-            <a:srgbClr val="FF9900"/>
+            <a:schemeClr val="accent4">
+              <a:lumMod val="60000"/>
+              <a:lumOff val="40000"/>
+            </a:schemeClr>
           </a:solidFill>
           <a:ln w="28575" cap="flat" cmpd="sng">
             <a:solidFill>
@@ -22432,7 +22987,10 @@
             <a:avLst/>
           </a:prstGeom>
           <a:solidFill>
-            <a:srgbClr val="FF9900"/>
+            <a:schemeClr val="accent4">
+              <a:lumMod val="60000"/>
+              <a:lumOff val="40000"/>
+            </a:schemeClr>
           </a:solidFill>
           <a:ln w="73025" cap="flat" cmpd="dbl">
             <a:solidFill>
@@ -22478,7 +23036,10 @@
             <a:avLst/>
           </a:prstGeom>
           <a:solidFill>
-            <a:srgbClr val="FF9900"/>
+            <a:schemeClr val="accent4">
+              <a:lumMod val="60000"/>
+              <a:lumOff val="40000"/>
+            </a:schemeClr>
           </a:solidFill>
           <a:ln w="9525" cap="flat" cmpd="sng">
             <a:solidFill>
@@ -22529,7 +23090,10 @@
             <a:avLst/>
           </a:prstGeom>
           <a:solidFill>
-            <a:srgbClr val="FF9900"/>
+            <a:schemeClr val="accent4">
+              <a:lumMod val="60000"/>
+              <a:lumOff val="40000"/>
+            </a:schemeClr>
           </a:solidFill>
           <a:ln w="9525" cap="flat" cmpd="sng">
             <a:solidFill>
@@ -22654,6 +23218,12 @@
             <a:chOff x="7543650" y="3130248"/>
             <a:chExt cx="916800" cy="461700"/>
           </a:xfrm>
+          <a:solidFill>
+            <a:schemeClr val="accent4">
+              <a:lumMod val="60000"/>
+              <a:lumOff val="40000"/>
+            </a:schemeClr>
+          </a:solidFill>
         </p:grpSpPr>
         <p:sp>
           <p:nvSpPr>
@@ -22669,9 +23239,7 @@
             <a:prstGeom prst="flowChartConnector">
               <a:avLst/>
             </a:prstGeom>
-            <a:solidFill>
-              <a:srgbClr val="FF9900"/>
-            </a:solidFill>
+            <a:grpFill/>
             <a:ln w="9525" cap="flat" cmpd="sng">
               <a:solidFill>
                 <a:schemeClr val="dk1"/>
@@ -22722,9 +23290,7 @@
             <a:prstGeom prst="straightConnector1">
               <a:avLst/>
             </a:prstGeom>
-            <a:solidFill>
-              <a:schemeClr val="accent1"/>
-            </a:solidFill>
+            <a:grpFill/>
             <a:ln w="28575" cap="flat" cmpd="sng">
               <a:solidFill>
                 <a:schemeClr val="dk1"/>
@@ -23537,7 +24103,10 @@
             <a:avLst/>
           </a:prstGeom>
           <a:solidFill>
-            <a:srgbClr val="FF9900"/>
+            <a:schemeClr val="accent4">
+              <a:lumMod val="60000"/>
+              <a:lumOff val="40000"/>
+            </a:schemeClr>
           </a:solidFill>
           <a:ln w="28575" cap="flat" cmpd="sng">
             <a:solidFill>
@@ -23559,7 +24128,7 @@
               <a:buSzPct val="25000"/>
             </a:pPr>
             <a:r>
-              <a:rPr lang="en-US" sz="1800">
+              <a:rPr lang="en-US" sz="1800" dirty="0">
                 <a:solidFill>
                   <a:schemeClr val="dk1"/>
                 </a:solidFill>
@@ -23588,7 +24157,10 @@
             <a:avLst/>
           </a:prstGeom>
           <a:solidFill>
-            <a:srgbClr val="FF9900"/>
+            <a:schemeClr val="accent4">
+              <a:lumMod val="60000"/>
+              <a:lumOff val="40000"/>
+            </a:schemeClr>
           </a:solidFill>
           <a:ln w="73025" cap="flat" cmpd="dbl">
             <a:solidFill>
@@ -25302,7 +25874,10 @@
             <a:avLst/>
           </a:prstGeom>
           <a:solidFill>
-            <a:srgbClr val="FF9900"/>
+            <a:schemeClr val="accent4">
+              <a:lumMod val="60000"/>
+              <a:lumOff val="40000"/>
+            </a:schemeClr>
           </a:solidFill>
           <a:ln w="28575" cap="flat" cmpd="sng">
             <a:solidFill>
@@ -25353,7 +25928,10 @@
             <a:avLst/>
           </a:prstGeom>
           <a:solidFill>
-            <a:srgbClr val="FF9900"/>
+            <a:schemeClr val="accent4">
+              <a:lumMod val="60000"/>
+              <a:lumOff val="40000"/>
+            </a:schemeClr>
           </a:solidFill>
           <a:ln w="73025" cap="flat" cmpd="dbl">
             <a:solidFill>
@@ -25823,7 +26401,10 @@
               <a:avLst/>
             </a:prstGeom>
             <a:solidFill>
-              <a:srgbClr val="FF9900"/>
+              <a:schemeClr val="accent4">
+                <a:lumMod val="60000"/>
+                <a:lumOff val="40000"/>
+              </a:schemeClr>
             </a:solidFill>
             <a:ln w="28575" cap="flat" cmpd="sng">
               <a:solidFill>
@@ -25874,7 +26455,10 @@
               <a:avLst/>
             </a:prstGeom>
             <a:solidFill>
-              <a:srgbClr val="FF9900"/>
+              <a:schemeClr val="accent4">
+                <a:lumMod val="60000"/>
+                <a:lumOff val="40000"/>
+              </a:schemeClr>
             </a:solidFill>
             <a:ln w="9525" cap="flat" cmpd="sng">
               <a:solidFill>
@@ -25925,7 +26509,10 @@
               <a:avLst/>
             </a:prstGeom>
             <a:solidFill>
-              <a:srgbClr val="FF9900"/>
+              <a:schemeClr val="accent4">
+                <a:lumMod val="60000"/>
+                <a:lumOff val="40000"/>
+              </a:schemeClr>
             </a:solidFill>
             <a:ln w="73025" cap="flat" cmpd="dbl">
               <a:solidFill>
@@ -27656,7 +28243,10 @@
               <a:avLst/>
             </a:prstGeom>
             <a:solidFill>
-              <a:srgbClr val="FF9900"/>
+              <a:schemeClr val="accent4">
+                <a:lumMod val="60000"/>
+                <a:lumOff val="40000"/>
+              </a:schemeClr>
             </a:solidFill>
             <a:ln w="28575" cap="flat" cmpd="sng">
               <a:solidFill>
@@ -27678,7 +28268,7 @@
                 <a:buSzPct val="25000"/>
               </a:pPr>
               <a:r>
-                <a:rPr lang="en-US" sz="1800">
+                <a:rPr lang="en-US" sz="1800" dirty="0">
                   <a:solidFill>
                     <a:schemeClr val="dk1"/>
                   </a:solidFill>
@@ -27707,7 +28297,10 @@
               <a:avLst/>
             </a:prstGeom>
             <a:solidFill>
-              <a:srgbClr val="FF9900"/>
+              <a:schemeClr val="accent4">
+                <a:lumMod val="60000"/>
+                <a:lumOff val="40000"/>
+              </a:schemeClr>
             </a:solidFill>
             <a:ln w="9525" cap="flat" cmpd="sng">
               <a:solidFill>
@@ -27758,7 +28351,10 @@
               <a:avLst/>
             </a:prstGeom>
             <a:solidFill>
-              <a:srgbClr val="FF9900"/>
+              <a:schemeClr val="accent4">
+                <a:lumMod val="60000"/>
+                <a:lumOff val="40000"/>
+              </a:schemeClr>
             </a:solidFill>
             <a:ln w="73025" cap="flat" cmpd="dbl">
               <a:solidFill>
@@ -28714,7 +29310,10 @@
             <a:avLst/>
           </a:prstGeom>
           <a:solidFill>
-            <a:srgbClr val="FF9900"/>
+            <a:schemeClr val="accent4">
+              <a:lumMod val="60000"/>
+              <a:lumOff val="40000"/>
+            </a:schemeClr>
           </a:solidFill>
           <a:ln w="28575" cap="flat" cmpd="sng">
             <a:solidFill>
@@ -28736,7 +29335,7 @@
               <a:buSzPct val="25000"/>
             </a:pPr>
             <a:r>
-              <a:rPr lang="en-US" sz="1800">
+              <a:rPr lang="en-US" sz="1800" dirty="0">
                 <a:solidFill>
                   <a:schemeClr val="dk1"/>
                 </a:solidFill>
@@ -28765,7 +29364,10 @@
             <a:avLst/>
           </a:prstGeom>
           <a:solidFill>
-            <a:srgbClr val="FF9900"/>
+            <a:schemeClr val="accent4">
+              <a:lumMod val="60000"/>
+              <a:lumOff val="40000"/>
+            </a:schemeClr>
           </a:solidFill>
           <a:ln w="73025" cap="flat" cmpd="dbl">
             <a:solidFill>
@@ -29379,8 +29981,8 @@
           </p:spPr>
         </p:cxnSp>
       </p:grpSp>
-      <mc:AlternateContent xmlns:mc="http://schemas.openxmlformats.org/markup-compatibility/2006">
-        <mc:Choice xmlns:a14="http://schemas.microsoft.com/office/drawing/2010/main" Requires="a14">
+      <mc:AlternateContent xmlns:mc="http://schemas.openxmlformats.org/markup-compatibility/2006" xmlns:a14="http://schemas.microsoft.com/office/drawing/2010/main">
+        <mc:Choice Requires="a14">
           <p:sp>
             <p:nvSpPr>
               <p:cNvPr id="21" name="TextBox 20">
@@ -29435,7 +30037,7 @@
             </p:txBody>
           </p:sp>
         </mc:Choice>
-        <mc:Fallback>
+        <mc:Fallback xmlns="">
           <p:sp>
             <p:nvSpPr>
               <p:cNvPr id="21" name="TextBox 20">

--- a/assets/ppt/lex/lex4-regexps-as-automata.pptx
+++ b/assets/ppt/lex/lex4-regexps-as-automata.pptx
@@ -3216,7 +3216,7 @@
           <a:p>
             <a:fld id="{1B6DC762-1116-2146-A47C-D79A5A5DBAFD}" type="datetime1">
               <a:rPr lang="en-CA" smtClean="0"/>
-              <a:t>2020-09-17</a:t>
+              <a:t>2020-09-18</a:t>
             </a:fld>
             <a:endParaRPr lang="en-US"/>
           </a:p>
@@ -3414,7 +3414,7 @@
           <a:p>
             <a:fld id="{725FEDD1-5A1B-2342-BAF0-F7C5511A73CE}" type="datetime1">
               <a:rPr lang="en-CA" smtClean="0"/>
-              <a:t>2020-09-17</a:t>
+              <a:t>2020-09-18</a:t>
             </a:fld>
             <a:endParaRPr lang="en-US"/>
           </a:p>
@@ -3622,7 +3622,7 @@
           <a:p>
             <a:fld id="{F09E59AE-0AE1-4048-8BD6-D39FC0EBB194}" type="datetime1">
               <a:rPr lang="en-CA" smtClean="0"/>
-              <a:t>2020-09-17</a:t>
+              <a:t>2020-09-18</a:t>
             </a:fld>
             <a:endParaRPr lang="en-US"/>
           </a:p>
@@ -5097,7 +5097,7 @@
           <a:p>
             <a:fld id="{A2849525-9B7D-5945-A782-775278635E42}" type="datetime1">
               <a:rPr lang="en-CA" smtClean="0"/>
-              <a:t>2020-09-17</a:t>
+              <a:t>2020-09-18</a:t>
             </a:fld>
             <a:endParaRPr lang="en-US"/>
           </a:p>
@@ -5372,7 +5372,7 @@
           <a:p>
             <a:fld id="{D05E1499-BDD1-6940-8C79-13A8B8E63D57}" type="datetime1">
               <a:rPr lang="en-CA" smtClean="0"/>
-              <a:t>2020-09-17</a:t>
+              <a:t>2020-09-18</a:t>
             </a:fld>
             <a:endParaRPr lang="en-US"/>
           </a:p>
@@ -5637,7 +5637,7 @@
           <a:p>
             <a:fld id="{17E70EF3-18A7-4644-8DA2-1EB9CA66C736}" type="datetime1">
               <a:rPr lang="en-CA" smtClean="0"/>
-              <a:t>2020-09-17</a:t>
+              <a:t>2020-09-18</a:t>
             </a:fld>
             <a:endParaRPr lang="en-US"/>
           </a:p>
@@ -6049,7 +6049,7 @@
           <a:p>
             <a:fld id="{54538FC1-2481-FB4A-91E5-87F3422DE2D5}" type="datetime1">
               <a:rPr lang="en-CA" smtClean="0"/>
-              <a:t>2020-09-17</a:t>
+              <a:t>2020-09-18</a:t>
             </a:fld>
             <a:endParaRPr lang="en-US"/>
           </a:p>
@@ -6190,7 +6190,7 @@
           <a:p>
             <a:fld id="{93D5C515-1622-C840-89B2-A4A55D34866A}" type="datetime1">
               <a:rPr lang="en-CA" smtClean="0"/>
-              <a:t>2020-09-17</a:t>
+              <a:t>2020-09-18</a:t>
             </a:fld>
             <a:endParaRPr lang="en-US"/>
           </a:p>
@@ -6303,7 +6303,7 @@
           <a:p>
             <a:fld id="{B9077E75-6C88-BB47-AC6F-0DCA859E7113}" type="datetime1">
               <a:rPr lang="en-CA" smtClean="0"/>
-              <a:t>2020-09-17</a:t>
+              <a:t>2020-09-18</a:t>
             </a:fld>
             <a:endParaRPr lang="en-US"/>
           </a:p>
@@ -6614,7 +6614,7 @@
           <a:p>
             <a:fld id="{1AD12F8B-7E05-A047-BAC3-EE71BEBBE5BE}" type="datetime1">
               <a:rPr lang="en-CA" smtClean="0"/>
-              <a:t>2020-09-17</a:t>
+              <a:t>2020-09-18</a:t>
             </a:fld>
             <a:endParaRPr lang="en-US"/>
           </a:p>
@@ -6902,7 +6902,7 @@
           <a:p>
             <a:fld id="{C1D9F72A-E93E-B546-8268-6408A6E1DA62}" type="datetime1">
               <a:rPr lang="en-CA" smtClean="0"/>
-              <a:t>2020-09-17</a:t>
+              <a:t>2020-09-18</a:t>
             </a:fld>
             <a:endParaRPr lang="en-US"/>
           </a:p>
@@ -7143,7 +7143,7 @@
           <a:p>
             <a:fld id="{97DF4AC7-DB73-7444-A2A7-FD79FE1A2B2B}" type="datetime1">
               <a:rPr lang="en-CA" smtClean="0"/>
-              <a:t>2020-09-17</a:t>
+              <a:t>2020-09-18</a:t>
             </a:fld>
             <a:endParaRPr lang="en-US"/>
           </a:p>
@@ -8267,7 +8267,7 @@
         <p:spPr>
           <a:xfrm>
             <a:off x="628650" y="1367562"/>
-            <a:ext cx="5729454" cy="461665"/>
+            <a:ext cx="5315879" cy="461665"/>
           </a:xfrm>
           <a:prstGeom prst="rect">
             <a:avLst/>
@@ -8281,7 +8281,9 @@
           <a:lstStyle/>
           <a:p>
             <a:r>
-              <a:rPr lang="en-US" sz="2400" dirty="0"/>
+              <a:rPr lang="en-US" sz="2400" dirty="0">
+                <a:latin typeface="+mn-lt"/>
+              </a:rPr>
               <a:t>Rule 1: One transition per input per state</a:t>
             </a:r>
           </a:p>
@@ -8302,7 +8304,7 @@
         <p:spPr>
           <a:xfrm>
             <a:off x="628650" y="3705667"/>
-            <a:ext cx="2872902" cy="461665"/>
+            <a:ext cx="2597186" cy="461665"/>
           </a:xfrm>
           <a:prstGeom prst="rect">
             <a:avLst/>
@@ -8317,15 +8319,21 @@
           <a:p>
             <a:pPr indent="-257175"/>
             <a:r>
-              <a:rPr lang="en-US" sz="2400" dirty="0"/>
+              <a:rPr lang="en-US" sz="2400" dirty="0">
+                <a:latin typeface="+mn-lt"/>
+              </a:rPr>
               <a:t>Rule 2: No </a:t>
             </a:r>
             <a:r>
-              <a:rPr lang="en-US" sz="2400" dirty="0" err="1"/>
+              <a:rPr lang="en-US" sz="2400" dirty="0" err="1">
+                <a:latin typeface="+mn-lt"/>
+              </a:rPr>
               <a:t>ε</a:t>
             </a:r>
             <a:r>
-              <a:rPr lang="en-US" sz="2400" dirty="0"/>
+              <a:rPr lang="en-US" sz="2400" dirty="0">
+                <a:latin typeface="+mn-lt"/>
+              </a:rPr>
               <a:t>-moves</a:t>
             </a:r>
           </a:p>
@@ -9638,14 +9646,16 @@
           <a:p>
             <a:pPr indent="-257175"/>
             <a:r>
-              <a:rPr lang="en-US" sz="2400" dirty="0"/>
+              <a:rPr lang="en-US" sz="2400" dirty="0">
+                <a:latin typeface="+mn-lt"/>
+              </a:rPr>
               <a:t>Can have multiple transitions for same symbol from a state</a:t>
             </a:r>
           </a:p>
         </p:txBody>
       </p:sp>
-      <mc:AlternateContent xmlns:mc="http://schemas.openxmlformats.org/markup-compatibility/2006" xmlns:a14="http://schemas.microsoft.com/office/drawing/2010/main">
-        <mc:Choice Requires="a14">
+      <mc:AlternateContent xmlns:mc="http://schemas.openxmlformats.org/markup-compatibility/2006">
+        <mc:Choice xmlns:a14="http://schemas.microsoft.com/office/drawing/2010/main" Requires="a14">
           <p:sp>
             <p:nvSpPr>
               <p:cNvPr id="28" name="TextBox 27">
@@ -9661,7 +9671,7 @@
             <p:spPr>
               <a:xfrm>
                 <a:off x="628650" y="3457935"/>
-                <a:ext cx="2736647" cy="461665"/>
+                <a:ext cx="2557239" cy="461665"/>
               </a:xfrm>
               <a:prstGeom prst="rect">
                 <a:avLst/>
@@ -9676,7 +9686,9 @@
               <a:p>
                 <a:pPr indent="-257175"/>
                 <a:r>
-                  <a:rPr lang="en-US" sz="2400" dirty="0"/>
+                  <a:rPr lang="en-US" sz="2400" dirty="0">
+                    <a:latin typeface="+mn-lt"/>
+                  </a:rPr>
                   <a:t>Can have </a:t>
                 </a:r>
                 <a14:m>
@@ -9690,14 +9702,16 @@
                   </m:oMath>
                 </a14:m>
                 <a:r>
-                  <a:rPr lang="en-US" sz="2400" dirty="0"/>
+                  <a:rPr lang="en-US" sz="2400" dirty="0">
+                    <a:latin typeface="+mn-lt"/>
+                  </a:rPr>
                   <a:t>-moves</a:t>
                 </a:r>
               </a:p>
             </p:txBody>
           </p:sp>
         </mc:Choice>
-        <mc:Fallback xmlns="">
+        <mc:Fallback>
           <p:sp>
             <p:nvSpPr>
               <p:cNvPr id="28" name="TextBox 27">
@@ -9715,7 +9729,7 @@
             <p:spPr>
               <a:xfrm>
                 <a:off x="628650" y="3457935"/>
-                <a:ext cx="2736647" cy="461665"/>
+                <a:ext cx="2557239" cy="461665"/>
               </a:xfrm>
               <a:prstGeom prst="rect">
                 <a:avLst/>
@@ -9723,7 +9737,7 @@
               <a:blipFill>
                 <a:blip r:embed="rId5"/>
                 <a:stretch>
-                  <a:fillRect l="-3721" t="-11111" r="-3256" b="-27778"/>
+                  <a:fillRect l="-3941" t="-8108" b="-29730"/>
                 </a:stretch>
               </a:blipFill>
             </p:spPr>
@@ -9781,7 +9795,7 @@
                 <a:solidFill>
                   <a:srgbClr val="FF0000"/>
                 </a:solidFill>
-                <a:latin typeface="Calibri"/>
+                <a:latin typeface="+mn-lt"/>
                 <a:ea typeface="Calibri"/>
                 <a:cs typeface="Calibri"/>
                 <a:sym typeface="Calibri"/>
@@ -11555,8 +11569,8 @@
         </p:nvSpPr>
         <p:spPr>
           <a:xfrm>
-            <a:off x="539267" y="1427560"/>
-            <a:ext cx="3854009" cy="1200329"/>
+            <a:off x="539268" y="1427560"/>
+            <a:ext cx="3662394" cy="1200329"/>
           </a:xfrm>
           <a:prstGeom prst="rect">
             <a:avLst/>
@@ -11571,7 +11585,9 @@
           <a:p>
             <a:pPr indent="-257175"/>
             <a:r>
-              <a:rPr lang="en-US" sz="2400" dirty="0"/>
+              <a:rPr lang="en-US" sz="2400" dirty="0">
+                <a:latin typeface="+mn-lt"/>
+              </a:rPr>
               <a:t>A DFA takes only one path through the state graph (per input)</a:t>
             </a:r>
           </a:p>
@@ -11592,7 +11608,7 @@
         <p:spPr>
           <a:xfrm>
             <a:off x="610791" y="3358242"/>
-            <a:ext cx="3816704" cy="461665"/>
+            <a:ext cx="3498683" cy="461665"/>
           </a:xfrm>
           <a:prstGeom prst="rect">
             <a:avLst/>
@@ -11607,7 +11623,9 @@
           <a:p>
             <a:pPr indent="-257175"/>
             <a:r>
-              <a:rPr lang="en-US" sz="2400" dirty="0"/>
+              <a:rPr lang="en-US" sz="2400" dirty="0">
+                <a:latin typeface="+mn-lt"/>
+              </a:rPr>
               <a:t>NFA can choose the path!</a:t>
             </a:r>
           </a:p>
@@ -12969,7 +12987,9 @@
           <a:p>
             <a:pPr indent="-257175"/>
             <a:r>
-              <a:rPr lang="en-US" sz="2400" dirty="0"/>
+              <a:rPr lang="en-US" sz="2400" dirty="0">
+                <a:latin typeface="+mn-lt"/>
+              </a:rPr>
               <a:t>An NFA can reach multiple states simultaneously</a:t>
             </a:r>
           </a:p>
@@ -15799,7 +15819,9 @@
           <a:p>
             <a:pPr indent="-257175"/>
             <a:r>
-              <a:rPr lang="en-US" sz="2400" dirty="0"/>
+              <a:rPr lang="en-US" sz="2400" dirty="0">
+                <a:latin typeface="+mn-lt"/>
+              </a:rPr>
               <a:t>The Subset Construction converts an NFA into a DFA </a:t>
             </a:r>
           </a:p>
@@ -19625,8 +19647,8 @@
           </a:p>
         </p:txBody>
       </p:sp>
-      <mc:AlternateContent xmlns:mc="http://schemas.openxmlformats.org/markup-compatibility/2006" xmlns:a14="http://schemas.microsoft.com/office/drawing/2010/main">
-        <mc:Choice Requires="a14">
+      <mc:AlternateContent xmlns:mc="http://schemas.openxmlformats.org/markup-compatibility/2006">
+        <mc:Choice xmlns:a14="http://schemas.microsoft.com/office/drawing/2010/main" Requires="a14">
           <p:sp>
             <p:nvSpPr>
               <p:cNvPr id="3" name="Content Placeholder 2">
@@ -19660,7 +19682,7 @@
                 </a:r>
                 <a:r>
                   <a:rPr lang="en-US" dirty="0"/>
-                  <a:t> in order to describe all lexemes for a token</a:t>
+                  <a:t> as a regular expression in order to describe all lexemes for a token</a:t>
                 </a:r>
               </a:p>
               <a:p>
@@ -19837,7 +19859,7 @@
             </p:txBody>
           </p:sp>
         </mc:Choice>
-        <mc:Fallback xmlns="">
+        <mc:Fallback>
           <p:sp>
             <p:nvSpPr>
               <p:cNvPr id="3" name="Content Placeholder 2">
@@ -19858,7 +19880,7 @@
               <a:blipFill>
                 <a:blip r:embed="rId2"/>
                 <a:stretch>
-                  <a:fillRect l="-644" t="-2734"/>
+                  <a:fillRect l="-643" t="-2724" r="-482"/>
                 </a:stretch>
               </a:blipFill>
             </p:spPr>
@@ -19916,6 +19938,297 @@
   <p:clrMapOvr>
     <a:masterClrMapping/>
   </p:clrMapOvr>
+  <p:timing>
+    <p:tnLst>
+      <p:par>
+        <p:cTn id="1" dur="indefinite" restart="never" nodeType="tmRoot">
+          <p:childTnLst>
+            <p:seq concurrent="1" nextAc="seek">
+              <p:cTn id="2" dur="indefinite" nodeType="mainSeq">
+                <p:childTnLst>
+                  <p:par>
+                    <p:cTn id="3" fill="hold">
+                      <p:stCondLst>
+                        <p:cond delay="indefinite"/>
+                      </p:stCondLst>
+                      <p:childTnLst>
+                        <p:par>
+                          <p:cTn id="4" fill="hold">
+                            <p:stCondLst>
+                              <p:cond delay="0"/>
+                            </p:stCondLst>
+                            <p:childTnLst>
+                              <p:par>
+                                <p:cTn id="5" presetID="1" presetClass="entr" presetSubtype="0" fill="hold" grpId="0" nodeType="clickEffect">
+                                  <p:stCondLst>
+                                    <p:cond delay="0"/>
+                                  </p:stCondLst>
+                                  <p:childTnLst>
+                                    <p:set>
+                                      <p:cBhvr>
+                                        <p:cTn id="6" dur="1" fill="hold">
+                                          <p:stCondLst>
+                                            <p:cond delay="0"/>
+                                          </p:stCondLst>
+                                        </p:cTn>
+                                        <p:tgtEl>
+                                          <p:spTgt spid="3">
+                                            <p:txEl>
+                                              <p:pRg st="0" end="0"/>
+                                            </p:txEl>
+                                          </p:spTgt>
+                                        </p:tgtEl>
+                                        <p:attrNameLst>
+                                          <p:attrName>style.visibility</p:attrName>
+                                        </p:attrNameLst>
+                                      </p:cBhvr>
+                                      <p:to>
+                                        <p:strVal val="visible"/>
+                                      </p:to>
+                                    </p:set>
+                                  </p:childTnLst>
+                                </p:cTn>
+                              </p:par>
+                            </p:childTnLst>
+                          </p:cTn>
+                        </p:par>
+                      </p:childTnLst>
+                    </p:cTn>
+                  </p:par>
+                  <p:par>
+                    <p:cTn id="7" fill="hold">
+                      <p:stCondLst>
+                        <p:cond delay="indefinite"/>
+                      </p:stCondLst>
+                      <p:childTnLst>
+                        <p:par>
+                          <p:cTn id="8" fill="hold">
+                            <p:stCondLst>
+                              <p:cond delay="0"/>
+                            </p:stCondLst>
+                            <p:childTnLst>
+                              <p:par>
+                                <p:cTn id="9" presetID="1" presetClass="entr" presetSubtype="0" fill="hold" grpId="0" nodeType="clickEffect">
+                                  <p:stCondLst>
+                                    <p:cond delay="0"/>
+                                  </p:stCondLst>
+                                  <p:childTnLst>
+                                    <p:set>
+                                      <p:cBhvr>
+                                        <p:cTn id="10" dur="1" fill="hold">
+                                          <p:stCondLst>
+                                            <p:cond delay="0"/>
+                                          </p:stCondLst>
+                                        </p:cTn>
+                                        <p:tgtEl>
+                                          <p:spTgt spid="3">
+                                            <p:txEl>
+                                              <p:pRg st="1" end="1"/>
+                                            </p:txEl>
+                                          </p:spTgt>
+                                        </p:tgtEl>
+                                        <p:attrNameLst>
+                                          <p:attrName>style.visibility</p:attrName>
+                                        </p:attrNameLst>
+                                      </p:cBhvr>
+                                      <p:to>
+                                        <p:strVal val="visible"/>
+                                      </p:to>
+                                    </p:set>
+                                  </p:childTnLst>
+                                </p:cTn>
+                              </p:par>
+                            </p:childTnLst>
+                          </p:cTn>
+                        </p:par>
+                      </p:childTnLst>
+                    </p:cTn>
+                  </p:par>
+                  <p:par>
+                    <p:cTn id="11" fill="hold">
+                      <p:stCondLst>
+                        <p:cond delay="indefinite"/>
+                      </p:stCondLst>
+                      <p:childTnLst>
+                        <p:par>
+                          <p:cTn id="12" fill="hold">
+                            <p:stCondLst>
+                              <p:cond delay="0"/>
+                            </p:stCondLst>
+                            <p:childTnLst>
+                              <p:par>
+                                <p:cTn id="13" presetID="1" presetClass="entr" presetSubtype="0" fill="hold" grpId="0" nodeType="clickEffect">
+                                  <p:stCondLst>
+                                    <p:cond delay="0"/>
+                                  </p:stCondLst>
+                                  <p:childTnLst>
+                                    <p:set>
+                                      <p:cBhvr>
+                                        <p:cTn id="14" dur="1" fill="hold">
+                                          <p:stCondLst>
+                                            <p:cond delay="0"/>
+                                          </p:stCondLst>
+                                        </p:cTn>
+                                        <p:tgtEl>
+                                          <p:spTgt spid="3">
+                                            <p:txEl>
+                                              <p:pRg st="2" end="2"/>
+                                            </p:txEl>
+                                          </p:spTgt>
+                                        </p:tgtEl>
+                                        <p:attrNameLst>
+                                          <p:attrName>style.visibility</p:attrName>
+                                        </p:attrNameLst>
+                                      </p:cBhvr>
+                                      <p:to>
+                                        <p:strVal val="visible"/>
+                                      </p:to>
+                                    </p:set>
+                                  </p:childTnLst>
+                                </p:cTn>
+                              </p:par>
+                              <p:par>
+                                <p:cTn id="15" presetID="1" presetClass="entr" presetSubtype="0" fill="hold" grpId="0" nodeType="withEffect">
+                                  <p:stCondLst>
+                                    <p:cond delay="0"/>
+                                  </p:stCondLst>
+                                  <p:childTnLst>
+                                    <p:set>
+                                      <p:cBhvr>
+                                        <p:cTn id="16" dur="1" fill="hold">
+                                          <p:stCondLst>
+                                            <p:cond delay="0"/>
+                                          </p:stCondLst>
+                                        </p:cTn>
+                                        <p:tgtEl>
+                                          <p:spTgt spid="3">
+                                            <p:txEl>
+                                              <p:pRg st="3" end="3"/>
+                                            </p:txEl>
+                                          </p:spTgt>
+                                        </p:tgtEl>
+                                        <p:attrNameLst>
+                                          <p:attrName>style.visibility</p:attrName>
+                                        </p:attrNameLst>
+                                      </p:cBhvr>
+                                      <p:to>
+                                        <p:strVal val="visible"/>
+                                      </p:to>
+                                    </p:set>
+                                  </p:childTnLst>
+                                </p:cTn>
+                              </p:par>
+                              <p:par>
+                                <p:cTn id="17" presetID="1" presetClass="entr" presetSubtype="0" fill="hold" grpId="0" nodeType="withEffect">
+                                  <p:stCondLst>
+                                    <p:cond delay="0"/>
+                                  </p:stCondLst>
+                                  <p:childTnLst>
+                                    <p:set>
+                                      <p:cBhvr>
+                                        <p:cTn id="18" dur="1" fill="hold">
+                                          <p:stCondLst>
+                                            <p:cond delay="0"/>
+                                          </p:stCondLst>
+                                        </p:cTn>
+                                        <p:tgtEl>
+                                          <p:spTgt spid="3">
+                                            <p:txEl>
+                                              <p:pRg st="4" end="4"/>
+                                            </p:txEl>
+                                          </p:spTgt>
+                                        </p:tgtEl>
+                                        <p:attrNameLst>
+                                          <p:attrName>style.visibility</p:attrName>
+                                        </p:attrNameLst>
+                                      </p:cBhvr>
+                                      <p:to>
+                                        <p:strVal val="visible"/>
+                                      </p:to>
+                                    </p:set>
+                                  </p:childTnLst>
+                                </p:cTn>
+                              </p:par>
+                            </p:childTnLst>
+                          </p:cTn>
+                        </p:par>
+                      </p:childTnLst>
+                    </p:cTn>
+                  </p:par>
+                  <p:par>
+                    <p:cTn id="19" fill="hold">
+                      <p:stCondLst>
+                        <p:cond delay="indefinite"/>
+                      </p:stCondLst>
+                      <p:childTnLst>
+                        <p:par>
+                          <p:cTn id="20" fill="hold">
+                            <p:stCondLst>
+                              <p:cond delay="0"/>
+                            </p:stCondLst>
+                            <p:childTnLst>
+                              <p:par>
+                                <p:cTn id="21" presetID="1" presetClass="entr" presetSubtype="0" fill="hold" grpId="0" nodeType="clickEffect">
+                                  <p:stCondLst>
+                                    <p:cond delay="0"/>
+                                  </p:stCondLst>
+                                  <p:childTnLst>
+                                    <p:set>
+                                      <p:cBhvr>
+                                        <p:cTn id="22" dur="1" fill="hold">
+                                          <p:stCondLst>
+                                            <p:cond delay="0"/>
+                                          </p:stCondLst>
+                                        </p:cTn>
+                                        <p:tgtEl>
+                                          <p:spTgt spid="3">
+                                            <p:txEl>
+                                              <p:pRg st="5" end="5"/>
+                                            </p:txEl>
+                                          </p:spTgt>
+                                        </p:tgtEl>
+                                        <p:attrNameLst>
+                                          <p:attrName>style.visibility</p:attrName>
+                                        </p:attrNameLst>
+                                      </p:cBhvr>
+                                      <p:to>
+                                        <p:strVal val="visible"/>
+                                      </p:to>
+                                    </p:set>
+                                  </p:childTnLst>
+                                </p:cTn>
+                              </p:par>
+                            </p:childTnLst>
+                          </p:cTn>
+                        </p:par>
+                      </p:childTnLst>
+                    </p:cTn>
+                  </p:par>
+                </p:childTnLst>
+              </p:cTn>
+              <p:prevCondLst>
+                <p:cond evt="onPrev" delay="0">
+                  <p:tgtEl>
+                    <p:sldTgt/>
+                  </p:tgtEl>
+                </p:cond>
+              </p:prevCondLst>
+              <p:nextCondLst>
+                <p:cond evt="onNext" delay="0">
+                  <p:tgtEl>
+                    <p:sldTgt/>
+                  </p:tgtEl>
+                </p:cond>
+              </p:nextCondLst>
+            </p:seq>
+          </p:childTnLst>
+        </p:cTn>
+      </p:par>
+    </p:tnLst>
+    <p:bldLst>
+      <p:bldP spid="3" grpId="0" build="p"/>
+    </p:bldLst>
+  </p:timing>
 </p:sld>
 </file>
 
@@ -22456,6 +22769,248 @@
   <p:clrMapOvr>
     <a:masterClrMapping/>
   </p:clrMapOvr>
+  <p:timing>
+    <p:tnLst>
+      <p:par>
+        <p:cTn id="1" dur="indefinite" restart="never" nodeType="tmRoot">
+          <p:childTnLst>
+            <p:seq concurrent="1" nextAc="seek">
+              <p:cTn id="2" dur="indefinite" nodeType="mainSeq">
+                <p:childTnLst>
+                  <p:par>
+                    <p:cTn id="3" fill="hold">
+                      <p:stCondLst>
+                        <p:cond delay="indefinite"/>
+                      </p:stCondLst>
+                      <p:childTnLst>
+                        <p:par>
+                          <p:cTn id="4" fill="hold">
+                            <p:stCondLst>
+                              <p:cond delay="0"/>
+                            </p:stCondLst>
+                            <p:childTnLst>
+                              <p:par>
+                                <p:cTn id="5" presetID="1" presetClass="entr" presetSubtype="0" fill="hold" grpId="0" nodeType="clickEffect">
+                                  <p:stCondLst>
+                                    <p:cond delay="0"/>
+                                  </p:stCondLst>
+                                  <p:childTnLst>
+                                    <p:set>
+                                      <p:cBhvr>
+                                        <p:cTn id="6" dur="1" fill="hold">
+                                          <p:stCondLst>
+                                            <p:cond delay="0"/>
+                                          </p:stCondLst>
+                                        </p:cTn>
+                                        <p:tgtEl>
+                                          <p:spTgt spid="3">
+                                            <p:txEl>
+                                              <p:pRg st="0" end="0"/>
+                                            </p:txEl>
+                                          </p:spTgt>
+                                        </p:tgtEl>
+                                        <p:attrNameLst>
+                                          <p:attrName>style.visibility</p:attrName>
+                                        </p:attrNameLst>
+                                      </p:cBhvr>
+                                      <p:to>
+                                        <p:strVal val="visible"/>
+                                      </p:to>
+                                    </p:set>
+                                  </p:childTnLst>
+                                </p:cTn>
+                              </p:par>
+                            </p:childTnLst>
+                          </p:cTn>
+                        </p:par>
+                      </p:childTnLst>
+                    </p:cTn>
+                  </p:par>
+                  <p:par>
+                    <p:cTn id="7" fill="hold">
+                      <p:stCondLst>
+                        <p:cond delay="indefinite"/>
+                      </p:stCondLst>
+                      <p:childTnLst>
+                        <p:par>
+                          <p:cTn id="8" fill="hold">
+                            <p:stCondLst>
+                              <p:cond delay="0"/>
+                            </p:stCondLst>
+                            <p:childTnLst>
+                              <p:par>
+                                <p:cTn id="9" presetID="1" presetClass="entr" presetSubtype="0" fill="hold" grpId="0" nodeType="clickEffect">
+                                  <p:stCondLst>
+                                    <p:cond delay="0"/>
+                                  </p:stCondLst>
+                                  <p:childTnLst>
+                                    <p:set>
+                                      <p:cBhvr>
+                                        <p:cTn id="10" dur="1" fill="hold">
+                                          <p:stCondLst>
+                                            <p:cond delay="0"/>
+                                          </p:stCondLst>
+                                        </p:cTn>
+                                        <p:tgtEl>
+                                          <p:spTgt spid="3">
+                                            <p:txEl>
+                                              <p:pRg st="1" end="1"/>
+                                            </p:txEl>
+                                          </p:spTgt>
+                                        </p:tgtEl>
+                                        <p:attrNameLst>
+                                          <p:attrName>style.visibility</p:attrName>
+                                        </p:attrNameLst>
+                                      </p:cBhvr>
+                                      <p:to>
+                                        <p:strVal val="visible"/>
+                                      </p:to>
+                                    </p:set>
+                                  </p:childTnLst>
+                                </p:cTn>
+                              </p:par>
+                              <p:par>
+                                <p:cTn id="11" presetID="1" presetClass="entr" presetSubtype="0" fill="hold" grpId="0" nodeType="withEffect">
+                                  <p:stCondLst>
+                                    <p:cond delay="0"/>
+                                  </p:stCondLst>
+                                  <p:childTnLst>
+                                    <p:set>
+                                      <p:cBhvr>
+                                        <p:cTn id="12" dur="1" fill="hold">
+                                          <p:stCondLst>
+                                            <p:cond delay="0"/>
+                                          </p:stCondLst>
+                                        </p:cTn>
+                                        <p:tgtEl>
+                                          <p:spTgt spid="3">
+                                            <p:txEl>
+                                              <p:pRg st="2" end="2"/>
+                                            </p:txEl>
+                                          </p:spTgt>
+                                        </p:tgtEl>
+                                        <p:attrNameLst>
+                                          <p:attrName>style.visibility</p:attrName>
+                                        </p:attrNameLst>
+                                      </p:cBhvr>
+                                      <p:to>
+                                        <p:strVal val="visible"/>
+                                      </p:to>
+                                    </p:set>
+                                  </p:childTnLst>
+                                </p:cTn>
+                              </p:par>
+                              <p:par>
+                                <p:cTn id="13" presetID="1" presetClass="entr" presetSubtype="0" fill="hold" grpId="0" nodeType="withEffect">
+                                  <p:stCondLst>
+                                    <p:cond delay="0"/>
+                                  </p:stCondLst>
+                                  <p:childTnLst>
+                                    <p:set>
+                                      <p:cBhvr>
+                                        <p:cTn id="14" dur="1" fill="hold">
+                                          <p:stCondLst>
+                                            <p:cond delay="0"/>
+                                          </p:stCondLst>
+                                        </p:cTn>
+                                        <p:tgtEl>
+                                          <p:spTgt spid="3">
+                                            <p:txEl>
+                                              <p:pRg st="3" end="3"/>
+                                            </p:txEl>
+                                          </p:spTgt>
+                                        </p:tgtEl>
+                                        <p:attrNameLst>
+                                          <p:attrName>style.visibility</p:attrName>
+                                        </p:attrNameLst>
+                                      </p:cBhvr>
+                                      <p:to>
+                                        <p:strVal val="visible"/>
+                                      </p:to>
+                                    </p:set>
+                                  </p:childTnLst>
+                                </p:cTn>
+                              </p:par>
+                            </p:childTnLst>
+                          </p:cTn>
+                        </p:par>
+                      </p:childTnLst>
+                    </p:cTn>
+                  </p:par>
+                  <p:par>
+                    <p:cTn id="15" fill="hold">
+                      <p:stCondLst>
+                        <p:cond delay="indefinite"/>
+                      </p:stCondLst>
+                      <p:childTnLst>
+                        <p:par>
+                          <p:cTn id="16" fill="hold">
+                            <p:stCondLst>
+                              <p:cond delay="0"/>
+                            </p:stCondLst>
+                            <p:childTnLst>
+                              <p:par>
+                                <p:cTn id="17" presetID="1" presetClass="entr" presetSubtype="0" fill="hold" grpId="0" nodeType="clickEffect">
+                                  <p:stCondLst>
+                                    <p:cond delay="0"/>
+                                  </p:stCondLst>
+                                  <p:childTnLst>
+                                    <p:set>
+                                      <p:cBhvr>
+                                        <p:cTn id="18" dur="1" fill="hold">
+                                          <p:stCondLst>
+                                            <p:cond delay="0"/>
+                                          </p:stCondLst>
+                                        </p:cTn>
+                                        <p:tgtEl>
+                                          <p:spTgt spid="3">
+                                            <p:txEl>
+                                              <p:pRg st="4" end="4"/>
+                                            </p:txEl>
+                                          </p:spTgt>
+                                        </p:tgtEl>
+                                        <p:attrNameLst>
+                                          <p:attrName>style.visibility</p:attrName>
+                                        </p:attrNameLst>
+                                      </p:cBhvr>
+                                      <p:to>
+                                        <p:strVal val="visible"/>
+                                      </p:to>
+                                    </p:set>
+                                  </p:childTnLst>
+                                </p:cTn>
+                              </p:par>
+                            </p:childTnLst>
+                          </p:cTn>
+                        </p:par>
+                      </p:childTnLst>
+                    </p:cTn>
+                  </p:par>
+                </p:childTnLst>
+              </p:cTn>
+              <p:prevCondLst>
+                <p:cond evt="onPrev" delay="0">
+                  <p:tgtEl>
+                    <p:sldTgt/>
+                  </p:tgtEl>
+                </p:cond>
+              </p:prevCondLst>
+              <p:nextCondLst>
+                <p:cond evt="onNext" delay="0">
+                  <p:tgtEl>
+                    <p:sldTgt/>
+                  </p:tgtEl>
+                </p:cond>
+              </p:nextCondLst>
+            </p:seq>
+          </p:childTnLst>
+        </p:cTn>
+      </p:par>
+    </p:tnLst>
+    <p:bldLst>
+      <p:bldP spid="3" grpId="0" build="p"/>
+    </p:bldLst>
+  </p:timing>
 </p:sld>
 </file>
 
@@ -25284,7 +25839,7 @@
         <p:spPr>
           <a:xfrm>
             <a:off x="2087724" y="1332484"/>
-            <a:ext cx="5455340" cy="461665"/>
+            <a:ext cx="5126724" cy="461665"/>
           </a:xfrm>
           <a:prstGeom prst="rect">
             <a:avLst/>
@@ -25298,7 +25853,9 @@
           <a:lstStyle/>
           <a:p>
             <a:r>
-              <a:rPr lang="en-US" sz="2400" dirty="0"/>
+              <a:rPr lang="en-US" sz="2400" dirty="0">
+                <a:latin typeface="+mn-lt"/>
+              </a:rPr>
               <a:t>A finite automaton that accepts only ‘1’</a:t>
             </a:r>
           </a:p>
@@ -26140,7 +26697,9 @@
           <a:p>
             <a:pPr indent="-257175"/>
             <a:r>
-              <a:rPr lang="en-US" sz="2400" dirty="0"/>
+              <a:rPr lang="en-US" sz="2400" dirty="0">
+                <a:latin typeface="+mn-lt"/>
+              </a:rPr>
               <a:t>A finite automaton accepting any number of 1’s followed by a single 0</a:t>
             </a:r>
           </a:p>
@@ -27005,7 +27564,7 @@
         <p:spPr>
           <a:xfrm>
             <a:off x="944219" y="1440220"/>
-            <a:ext cx="7665554" cy="461665"/>
+            <a:ext cx="6913422" cy="461665"/>
           </a:xfrm>
           <a:prstGeom prst="rect">
             <a:avLst/>
@@ -27020,7 +27579,9 @@
           <a:p>
             <a:pPr indent="-257175"/>
             <a:r>
-              <a:rPr lang="en-US" sz="2400" dirty="0"/>
+              <a:rPr lang="en-US" sz="2400" dirty="0">
+                <a:latin typeface="+mn-lt"/>
+              </a:rPr>
               <a:t>What regular expression does this automaton accept?</a:t>
             </a:r>
           </a:p>
@@ -29981,8 +30542,8 @@
           </p:spPr>
         </p:cxnSp>
       </p:grpSp>
-      <mc:AlternateContent xmlns:mc="http://schemas.openxmlformats.org/markup-compatibility/2006" xmlns:a14="http://schemas.microsoft.com/office/drawing/2010/main">
-        <mc:Choice Requires="a14">
+      <mc:AlternateContent xmlns:mc="http://schemas.openxmlformats.org/markup-compatibility/2006">
+        <mc:Choice xmlns:a14="http://schemas.microsoft.com/office/drawing/2010/main" Requires="a14">
           <p:sp>
             <p:nvSpPr>
               <p:cNvPr id="21" name="TextBox 20">
@@ -29998,7 +30559,7 @@
             <p:spPr>
               <a:xfrm>
                 <a:off x="2089373" y="1289802"/>
-                <a:ext cx="7665554" cy="461665"/>
+                <a:ext cx="4621393" cy="461665"/>
               </a:xfrm>
               <a:prstGeom prst="rect">
                 <a:avLst/>
@@ -30013,7 +30574,9 @@
               <a:p>
                 <a:pPr indent="-257175"/>
                 <a:r>
-                  <a:rPr lang="en-US" sz="2400" dirty="0"/>
+                  <a:rPr lang="en-US" sz="2400" dirty="0">
+                    <a:latin typeface="+mn-lt"/>
+                  </a:rPr>
                   <a:t>Another kind of transition: </a:t>
                 </a:r>
                 <a14:m>
@@ -30030,14 +30593,16 @@
                   </m:oMath>
                 </a14:m>
                 <a:r>
-                  <a:rPr lang="en-US" sz="2400" dirty="0"/>
+                  <a:rPr lang="en-US" sz="2400" dirty="0">
+                    <a:latin typeface="+mn-lt"/>
+                  </a:rPr>
                   <a:t>-moves</a:t>
                 </a:r>
               </a:p>
             </p:txBody>
           </p:sp>
         </mc:Choice>
-        <mc:Fallback xmlns="">
+        <mc:Fallback>
           <p:sp>
             <p:nvSpPr>
               <p:cNvPr id="21" name="TextBox 20">
@@ -30055,7 +30620,7 @@
             <p:spPr>
               <a:xfrm>
                 <a:off x="2089373" y="1289802"/>
-                <a:ext cx="7665554" cy="461665"/>
+                <a:ext cx="4621393" cy="461665"/>
               </a:xfrm>
               <a:prstGeom prst="rect">
                 <a:avLst/>
@@ -30063,7 +30628,7 @@
               <a:blipFill>
                 <a:blip r:embed="rId3"/>
                 <a:stretch>
-                  <a:fillRect l="-1325" t="-11111" b="-27778"/>
+                  <a:fillRect l="-2192" t="-8108" r="-1370" b="-29730"/>
                 </a:stretch>
               </a:blipFill>
             </p:spPr>
